--- a/pre.pptx
+++ b/pre.pptx
@@ -11653,6 +11653,13 @@
         </dgm:presLayoutVars>
       </dgm:prSet>
       <dgm:spPr/>
+      <dgm:t>
+        <a:bodyPr/>
+        <a:lstStyle/>
+        <a:p>
+          <a:endParaRPr lang="zh-CN" altLang="en-US"/>
+        </a:p>
+      </dgm:t>
     </dgm:pt>
     <dgm:pt modelId="{AA9EA329-E669-4B83-B799-DA861185DA22}" type="pres">
       <dgm:prSet presAssocID="{BBAC74C0-AFAF-4EEC-A18A-D7CD1032B512}" presName="compNode" presStyleCnt="0"/>
@@ -11661,10 +11668,24 @@
     <dgm:pt modelId="{A789A7B6-205C-44B5-9136-0D66E91624F7}" type="pres">
       <dgm:prSet presAssocID="{BBAC74C0-AFAF-4EEC-A18A-D7CD1032B512}" presName="aNode" presStyleLbl="bgShp" presStyleIdx="0" presStyleCnt="1" custLinFactNeighborX="-15326" custLinFactNeighborY="-1791"/>
       <dgm:spPr/>
+      <dgm:t>
+        <a:bodyPr/>
+        <a:lstStyle/>
+        <a:p>
+          <a:endParaRPr lang="zh-CN" altLang="en-US"/>
+        </a:p>
+      </dgm:t>
     </dgm:pt>
     <dgm:pt modelId="{810DECD8-BCD5-45B5-995C-135CF5BC7311}" type="pres">
       <dgm:prSet presAssocID="{BBAC74C0-AFAF-4EEC-A18A-D7CD1032B512}" presName="textNode" presStyleLbl="bgShp" presStyleIdx="0" presStyleCnt="1"/>
       <dgm:spPr/>
+      <dgm:t>
+        <a:bodyPr/>
+        <a:lstStyle/>
+        <a:p>
+          <a:endParaRPr lang="zh-CN" altLang="en-US"/>
+        </a:p>
+      </dgm:t>
     </dgm:pt>
     <dgm:pt modelId="{28359D5D-4C14-48F8-A7A3-D531F7503A44}" type="pres">
       <dgm:prSet presAssocID="{BBAC74C0-AFAF-4EEC-A18A-D7CD1032B512}" presName="compChildNode" presStyleCnt="0"/>
@@ -11776,25 +11797,32 @@
         </dgm:presLayoutVars>
       </dgm:prSet>
       <dgm:spPr/>
+      <dgm:t>
+        <a:bodyPr/>
+        <a:lstStyle/>
+        <a:p>
+          <a:endParaRPr lang="zh-CN" altLang="en-US"/>
+        </a:p>
+      </dgm:t>
     </dgm:pt>
   </dgm:ptLst>
   <dgm:cxnLst>
+    <dgm:cxn modelId="{4C7E34D1-FA3E-40EE-A0EC-3B07F41FAE6E}" type="presOf" srcId="{5662CC34-81CD-4924-A02D-29A411FD370A}" destId="{321DF247-BCD1-4B52-946E-20A2FE371928}" srcOrd="0" destOrd="0" presId="urn:microsoft.com/office/officeart/2005/8/layout/lProcess2"/>
+    <dgm:cxn modelId="{F44D05CA-801E-44CE-8C7F-50C59B8AE437}" srcId="{BBAC74C0-AFAF-4EEC-A18A-D7CD1032B512}" destId="{4EE22F9B-D0E8-4D85-BAE6-07079C8CD950}" srcOrd="3" destOrd="0" parTransId="{482A9697-9A65-4A82-AC28-F47594D51DBF}" sibTransId="{6AF58AEB-C4F6-4AA1-B242-3FCFB7EE8BDA}"/>
+    <dgm:cxn modelId="{EE55D212-FDFE-4D7C-9D20-4BC6D1CDF793}" srcId="{BBAC74C0-AFAF-4EEC-A18A-D7CD1032B512}" destId="{5453DC10-2CA0-45F3-99EA-9898B0681B09}" srcOrd="4" destOrd="0" parTransId="{D222BC5E-0EDE-4DC7-B7C1-E76F1EC1AE78}" sibTransId="{F4231984-8A48-43F8-9BC3-3F4511B60464}"/>
     <dgm:cxn modelId="{570C1816-4815-403C-B937-FC954F6A2899}" type="presOf" srcId="{BBAC74C0-AFAF-4EEC-A18A-D7CD1032B512}" destId="{A789A7B6-205C-44B5-9136-0D66E91624F7}" srcOrd="0" destOrd="0" presId="urn:microsoft.com/office/officeart/2005/8/layout/lProcess2"/>
     <dgm:cxn modelId="{C89E75EA-6636-4873-B8C6-6204EF4A139F}" srcId="{BBAC74C0-AFAF-4EEC-A18A-D7CD1032B512}" destId="{FA1801A9-CB29-439E-B6C8-020638D6B19B}" srcOrd="0" destOrd="0" parTransId="{1BC8F0D0-FE02-420B-BF0B-71A9180AB757}" sibTransId="{F5529725-D46A-4E89-B7F1-4D2F4BAC89C2}"/>
+    <dgm:cxn modelId="{62CD7229-8B0B-4E23-B394-759A29FE3ADB}" type="presOf" srcId="{7C31D105-B766-4F65-96D4-7087F80D7483}" destId="{0DB0826B-C9E1-462A-A4EB-460299159365}" srcOrd="0" destOrd="0" presId="urn:microsoft.com/office/officeart/2005/8/layout/lProcess2"/>
+    <dgm:cxn modelId="{85DE5315-4243-4376-8D21-2BBD47D8ECE0}" type="presOf" srcId="{306EEBDF-E8D3-41E2-9E48-4AB6CA631646}" destId="{672C2531-CC98-48CA-90AE-3AE9215F0D46}" srcOrd="0" destOrd="0" presId="urn:microsoft.com/office/officeart/2005/8/layout/lProcess2"/>
+    <dgm:cxn modelId="{F3A64847-242C-44A0-BE0A-F83C7FF5FA8E}" type="presOf" srcId="{06C5D7EB-30DF-4AA8-A0B6-A34A40F02264}" destId="{7199A2CF-8C74-4161-9B5A-98F5DB970852}" srcOrd="0" destOrd="0" presId="urn:microsoft.com/office/officeart/2005/8/layout/lProcess2"/>
+    <dgm:cxn modelId="{35B7F3D2-FAFA-42BE-ADA3-425E43204D44}" srcId="{BBAC74C0-AFAF-4EEC-A18A-D7CD1032B512}" destId="{306EEBDF-E8D3-41E2-9E48-4AB6CA631646}" srcOrd="2" destOrd="0" parTransId="{239306B6-F324-4B1C-9A66-FD8D86B52752}" sibTransId="{E85F3E7B-74CE-4528-977D-CE14392AAEDA}"/>
+    <dgm:cxn modelId="{04DCE574-69F6-48C7-93E0-3002D91A5478}" srcId="{BBAC74C0-AFAF-4EEC-A18A-D7CD1032B512}" destId="{5662CC34-81CD-4924-A02D-29A411FD370A}" srcOrd="1" destOrd="0" parTransId="{5A80AC36-2DBA-4A8C-90C5-2583F303CBD2}" sibTransId="{28E6AA73-9B50-4ED1-B927-A24DBEBBC832}"/>
+    <dgm:cxn modelId="{899BFAEC-2530-4578-B32D-1543785CD701}" type="presOf" srcId="{FA1801A9-CB29-439E-B6C8-020638D6B19B}" destId="{FB95769C-1587-4657-B3AC-DCB4E64999A5}" srcOrd="0" destOrd="0" presId="urn:microsoft.com/office/officeart/2005/8/layout/lProcess2"/>
+    <dgm:cxn modelId="{CCD11BC8-7EEA-42BA-9859-18B220FEA557}" type="presOf" srcId="{4EE22F9B-D0E8-4D85-BAE6-07079C8CD950}" destId="{00239898-CD3C-4595-92AC-7BF76ADC7B00}" srcOrd="0" destOrd="0" presId="urn:microsoft.com/office/officeart/2005/8/layout/lProcess2"/>
     <dgm:cxn modelId="{2DF83F5E-6524-43B6-B660-20E59789C559}" type="presOf" srcId="{5453DC10-2CA0-45F3-99EA-9898B0681B09}" destId="{C476AE45-EBCC-404C-BD60-E210F89EA5D3}" srcOrd="0" destOrd="0" presId="urn:microsoft.com/office/officeart/2005/8/layout/lProcess2"/>
-    <dgm:cxn modelId="{85DE5315-4243-4376-8D21-2BBD47D8ECE0}" type="presOf" srcId="{306EEBDF-E8D3-41E2-9E48-4AB6CA631646}" destId="{672C2531-CC98-48CA-90AE-3AE9215F0D46}" srcOrd="0" destOrd="0" presId="urn:microsoft.com/office/officeart/2005/8/layout/lProcess2"/>
-    <dgm:cxn modelId="{4C7E34D1-FA3E-40EE-A0EC-3B07F41FAE6E}" type="presOf" srcId="{5662CC34-81CD-4924-A02D-29A411FD370A}" destId="{321DF247-BCD1-4B52-946E-20A2FE371928}" srcOrd="0" destOrd="0" presId="urn:microsoft.com/office/officeart/2005/8/layout/lProcess2"/>
-    <dgm:cxn modelId="{35B7F3D2-FAFA-42BE-ADA3-425E43204D44}" srcId="{BBAC74C0-AFAF-4EEC-A18A-D7CD1032B512}" destId="{306EEBDF-E8D3-41E2-9E48-4AB6CA631646}" srcOrd="2" destOrd="0" parTransId="{239306B6-F324-4B1C-9A66-FD8D86B52752}" sibTransId="{E85F3E7B-74CE-4528-977D-CE14392AAEDA}"/>
+    <dgm:cxn modelId="{5FE5E784-BEE7-49AB-9759-2941180722CE}" type="presOf" srcId="{BBAC74C0-AFAF-4EEC-A18A-D7CD1032B512}" destId="{810DECD8-BCD5-45B5-995C-135CF5BC7311}" srcOrd="1" destOrd="0" presId="urn:microsoft.com/office/officeart/2005/8/layout/lProcess2"/>
     <dgm:cxn modelId="{A8B2E7E8-F3B6-411A-9374-0EC32D82299D}" srcId="{06C5D7EB-30DF-4AA8-A0B6-A34A40F02264}" destId="{BBAC74C0-AFAF-4EEC-A18A-D7CD1032B512}" srcOrd="0" destOrd="0" parTransId="{D31D198D-735C-4C7B-939B-C711F58A4C2E}" sibTransId="{F611F841-C9B9-4978-84D4-9A0E50648A44}"/>
-    <dgm:cxn modelId="{F3A64847-242C-44A0-BE0A-F83C7FF5FA8E}" type="presOf" srcId="{06C5D7EB-30DF-4AA8-A0B6-A34A40F02264}" destId="{7199A2CF-8C74-4161-9B5A-98F5DB970852}" srcOrd="0" destOrd="0" presId="urn:microsoft.com/office/officeart/2005/8/layout/lProcess2"/>
-    <dgm:cxn modelId="{899BFAEC-2530-4578-B32D-1543785CD701}" type="presOf" srcId="{FA1801A9-CB29-439E-B6C8-020638D6B19B}" destId="{FB95769C-1587-4657-B3AC-DCB4E64999A5}" srcOrd="0" destOrd="0" presId="urn:microsoft.com/office/officeart/2005/8/layout/lProcess2"/>
-    <dgm:cxn modelId="{F44D05CA-801E-44CE-8C7F-50C59B8AE437}" srcId="{BBAC74C0-AFAF-4EEC-A18A-D7CD1032B512}" destId="{4EE22F9B-D0E8-4D85-BAE6-07079C8CD950}" srcOrd="3" destOrd="0" parTransId="{482A9697-9A65-4A82-AC28-F47594D51DBF}" sibTransId="{6AF58AEB-C4F6-4AA1-B242-3FCFB7EE8BDA}"/>
-    <dgm:cxn modelId="{04DCE574-69F6-48C7-93E0-3002D91A5478}" srcId="{BBAC74C0-AFAF-4EEC-A18A-D7CD1032B512}" destId="{5662CC34-81CD-4924-A02D-29A411FD370A}" srcOrd="1" destOrd="0" parTransId="{5A80AC36-2DBA-4A8C-90C5-2583F303CBD2}" sibTransId="{28E6AA73-9B50-4ED1-B927-A24DBEBBC832}"/>
-    <dgm:cxn modelId="{5FE5E784-BEE7-49AB-9759-2941180722CE}" type="presOf" srcId="{BBAC74C0-AFAF-4EEC-A18A-D7CD1032B512}" destId="{810DECD8-BCD5-45B5-995C-135CF5BC7311}" srcOrd="1" destOrd="0" presId="urn:microsoft.com/office/officeart/2005/8/layout/lProcess2"/>
     <dgm:cxn modelId="{675BF1A7-D97A-409D-8AE8-04E10B6294CA}" srcId="{BBAC74C0-AFAF-4EEC-A18A-D7CD1032B512}" destId="{7C31D105-B766-4F65-96D4-7087F80D7483}" srcOrd="5" destOrd="0" parTransId="{C4440C3E-1049-4B72-A03B-BB7D3F6B6153}" sibTransId="{709DDE02-151C-41F4-B423-5DF9C2B8C513}"/>
-    <dgm:cxn modelId="{CCD11BC8-7EEA-42BA-9859-18B220FEA557}" type="presOf" srcId="{4EE22F9B-D0E8-4D85-BAE6-07079C8CD950}" destId="{00239898-CD3C-4595-92AC-7BF76ADC7B00}" srcOrd="0" destOrd="0" presId="urn:microsoft.com/office/officeart/2005/8/layout/lProcess2"/>
-    <dgm:cxn modelId="{62CD7229-8B0B-4E23-B394-759A29FE3ADB}" type="presOf" srcId="{7C31D105-B766-4F65-96D4-7087F80D7483}" destId="{0DB0826B-C9E1-462A-A4EB-460299159365}" srcOrd="0" destOrd="0" presId="urn:microsoft.com/office/officeart/2005/8/layout/lProcess2"/>
-    <dgm:cxn modelId="{EE55D212-FDFE-4D7C-9D20-4BC6D1CDF793}" srcId="{BBAC74C0-AFAF-4EEC-A18A-D7CD1032B512}" destId="{5453DC10-2CA0-45F3-99EA-9898B0681B09}" srcOrd="4" destOrd="0" parTransId="{D222BC5E-0EDE-4DC7-B7C1-E76F1EC1AE78}" sibTransId="{F4231984-8A48-43F8-9BC3-3F4511B60464}"/>
     <dgm:cxn modelId="{D8384123-A371-4AE1-917A-D71C2B3C55D1}" type="presParOf" srcId="{7199A2CF-8C74-4161-9B5A-98F5DB970852}" destId="{AA9EA329-E669-4B83-B799-DA861185DA22}" srcOrd="0" destOrd="0" presId="urn:microsoft.com/office/officeart/2005/8/layout/lProcess2"/>
     <dgm:cxn modelId="{77830A6C-3210-4BB7-933C-21BC2BCDB3A9}" type="presParOf" srcId="{AA9EA329-E669-4B83-B799-DA861185DA22}" destId="{A789A7B6-205C-44B5-9136-0D66E91624F7}" srcOrd="0" destOrd="0" presId="urn:microsoft.com/office/officeart/2005/8/layout/lProcess2"/>
     <dgm:cxn modelId="{FB507ED0-BD53-48F7-8285-1468190E4103}" type="presParOf" srcId="{AA9EA329-E669-4B83-B799-DA861185DA22}" destId="{810DECD8-BCD5-45B5-995C-135CF5BC7311}" srcOrd="1" destOrd="0" presId="urn:microsoft.com/office/officeart/2005/8/layout/lProcess2"/>
@@ -11816,7 +11844,7 @@
   <dgm:whole/>
   <dgm:extLst>
     <a:ext uri="http://schemas.microsoft.com/office/drawing/2008/diagram">
-      <dsp:dataModelExt xmlns:dsp="http://schemas.microsoft.com/office/drawing/2008/diagram" relId="rId6" minVer="http://schemas.openxmlformats.org/drawingml/2006/diagram"/>
+      <dsp:dataModelExt xmlns:dsp="http://schemas.microsoft.com/office/drawing/2008/diagram" relId="rId7" minVer="http://schemas.openxmlformats.org/drawingml/2006/diagram"/>
     </a:ext>
   </dgm:extLst>
 </dgm:dataModel>
@@ -11927,6 +11955,13 @@
         </dgm:presLayoutVars>
       </dgm:prSet>
       <dgm:spPr/>
+      <dgm:t>
+        <a:bodyPr/>
+        <a:lstStyle/>
+        <a:p>
+          <a:endParaRPr lang="zh-CN" altLang="en-US"/>
+        </a:p>
+      </dgm:t>
     </dgm:pt>
     <dgm:pt modelId="{BC2463E8-9F88-4ABE-8EDD-923FD6F4F0A3}" type="pres">
       <dgm:prSet presAssocID="{2639C892-99FE-4DEB-B688-79A2618365E5}" presName="parentLin" presStyleCnt="0"/>
@@ -11935,6 +11970,13 @@
     <dgm:pt modelId="{C64DEA83-635E-49F0-8383-9ADA8729A88A}" type="pres">
       <dgm:prSet presAssocID="{2639C892-99FE-4DEB-B688-79A2618365E5}" presName="parentLeftMargin" presStyleLbl="node1" presStyleIdx="0" presStyleCnt="2"/>
       <dgm:spPr/>
+      <dgm:t>
+        <a:bodyPr/>
+        <a:lstStyle/>
+        <a:p>
+          <a:endParaRPr lang="zh-CN" altLang="en-US"/>
+        </a:p>
+      </dgm:t>
     </dgm:pt>
     <dgm:pt modelId="{B18896DD-7C29-4F93-9AF1-C016358FDCAD}" type="pres">
       <dgm:prSet presAssocID="{2639C892-99FE-4DEB-B688-79A2618365E5}" presName="parentText" presStyleLbl="node1" presStyleIdx="0" presStyleCnt="2">
@@ -11975,6 +12017,13 @@
     <dgm:pt modelId="{CE7B8C15-2578-45DB-AF0D-367DAA0D21E4}" type="pres">
       <dgm:prSet presAssocID="{59A1A91D-F844-4E2F-97D7-F36DBA27EA16}" presName="parentLeftMargin" presStyleLbl="node1" presStyleIdx="0" presStyleCnt="2"/>
       <dgm:spPr/>
+      <dgm:t>
+        <a:bodyPr/>
+        <a:lstStyle/>
+        <a:p>
+          <a:endParaRPr lang="zh-CN" altLang="en-US"/>
+        </a:p>
+      </dgm:t>
     </dgm:pt>
     <dgm:pt modelId="{19B9A1D9-3B9F-4408-8CB6-5139F9E2F0CE}" type="pres">
       <dgm:prSet presAssocID="{59A1A91D-F844-4E2F-97D7-F36DBA27EA16}" presName="parentText" presStyleLbl="node1" presStyleIdx="1" presStyleCnt="2">
@@ -11984,6 +12033,13 @@
         </dgm:presLayoutVars>
       </dgm:prSet>
       <dgm:spPr/>
+      <dgm:t>
+        <a:bodyPr/>
+        <a:lstStyle/>
+        <a:p>
+          <a:endParaRPr lang="zh-CN" altLang="en-US"/>
+        </a:p>
+      </dgm:t>
     </dgm:pt>
     <dgm:pt modelId="{40A1C0F7-BC01-4F9E-8F8C-EB4054EF93EC}" type="pres">
       <dgm:prSet presAssocID="{59A1A91D-F844-4E2F-97D7-F36DBA27EA16}" presName="negativeSpace" presStyleCnt="0"/>
@@ -11999,13 +12055,13 @@
     </dgm:pt>
   </dgm:ptLst>
   <dgm:cxnLst>
+    <dgm:cxn modelId="{291CEBAE-BA32-41E2-8FE2-3558A5EA1452}" type="presOf" srcId="{2639C892-99FE-4DEB-B688-79A2618365E5}" destId="{C64DEA83-635E-49F0-8383-9ADA8729A88A}" srcOrd="0" destOrd="0" presId="urn:microsoft.com/office/officeart/2005/8/layout/list1"/>
+    <dgm:cxn modelId="{1B33A04F-F1DC-461C-BDA8-3AF2A679B44E}" srcId="{6912E590-92BB-4AA0-89BD-9429CE8A8090}" destId="{59A1A91D-F844-4E2F-97D7-F36DBA27EA16}" srcOrd="1" destOrd="0" parTransId="{B2F5FE03-63D0-40B2-8C53-25F592341BD9}" sibTransId="{CF591321-955A-43F8-80FB-C594AAC56953}"/>
+    <dgm:cxn modelId="{722EA372-3C4E-4FA5-BFEF-76BE1E31B34E}" type="presOf" srcId="{2639C892-99FE-4DEB-B688-79A2618365E5}" destId="{B18896DD-7C29-4F93-9AF1-C016358FDCAD}" srcOrd="1" destOrd="0" presId="urn:microsoft.com/office/officeart/2005/8/layout/list1"/>
+    <dgm:cxn modelId="{F6B93F06-E994-4038-B88B-8C411422BBB4}" type="presOf" srcId="{6912E590-92BB-4AA0-89BD-9429CE8A8090}" destId="{9F82E651-46C2-49AB-AA37-4452BDE2CDE7}" srcOrd="0" destOrd="0" presId="urn:microsoft.com/office/officeart/2005/8/layout/list1"/>
+    <dgm:cxn modelId="{C8578E6B-0F99-429A-BE36-FBFE25C6AF85}" type="presOf" srcId="{59A1A91D-F844-4E2F-97D7-F36DBA27EA16}" destId="{19B9A1D9-3B9F-4408-8CB6-5139F9E2F0CE}" srcOrd="1" destOrd="0" presId="urn:microsoft.com/office/officeart/2005/8/layout/list1"/>
     <dgm:cxn modelId="{AB33B60D-8AED-4D82-A7F2-CEC9964ADCA4}" type="presOf" srcId="{59A1A91D-F844-4E2F-97D7-F36DBA27EA16}" destId="{CE7B8C15-2578-45DB-AF0D-367DAA0D21E4}" srcOrd="0" destOrd="0" presId="urn:microsoft.com/office/officeart/2005/8/layout/list1"/>
-    <dgm:cxn modelId="{C8578E6B-0F99-429A-BE36-FBFE25C6AF85}" type="presOf" srcId="{59A1A91D-F844-4E2F-97D7-F36DBA27EA16}" destId="{19B9A1D9-3B9F-4408-8CB6-5139F9E2F0CE}" srcOrd="1" destOrd="0" presId="urn:microsoft.com/office/officeart/2005/8/layout/list1"/>
-    <dgm:cxn modelId="{722EA372-3C4E-4FA5-BFEF-76BE1E31B34E}" type="presOf" srcId="{2639C892-99FE-4DEB-B688-79A2618365E5}" destId="{B18896DD-7C29-4F93-9AF1-C016358FDCAD}" srcOrd="1" destOrd="0" presId="urn:microsoft.com/office/officeart/2005/8/layout/list1"/>
     <dgm:cxn modelId="{6E816C3B-4B08-4A81-8482-B36719E879B7}" srcId="{6912E590-92BB-4AA0-89BD-9429CE8A8090}" destId="{2639C892-99FE-4DEB-B688-79A2618365E5}" srcOrd="0" destOrd="0" parTransId="{D4D878C7-487A-4738-AF7E-AE79E91141AE}" sibTransId="{9F81DB39-D933-46D1-82D0-A55331FF90A0}"/>
-    <dgm:cxn modelId="{291CEBAE-BA32-41E2-8FE2-3558A5EA1452}" type="presOf" srcId="{2639C892-99FE-4DEB-B688-79A2618365E5}" destId="{C64DEA83-635E-49F0-8383-9ADA8729A88A}" srcOrd="0" destOrd="0" presId="urn:microsoft.com/office/officeart/2005/8/layout/list1"/>
-    <dgm:cxn modelId="{F6B93F06-E994-4038-B88B-8C411422BBB4}" type="presOf" srcId="{6912E590-92BB-4AA0-89BD-9429CE8A8090}" destId="{9F82E651-46C2-49AB-AA37-4452BDE2CDE7}" srcOrd="0" destOrd="0" presId="urn:microsoft.com/office/officeart/2005/8/layout/list1"/>
-    <dgm:cxn modelId="{1B33A04F-F1DC-461C-BDA8-3AF2A679B44E}" srcId="{6912E590-92BB-4AA0-89BD-9429CE8A8090}" destId="{59A1A91D-F844-4E2F-97D7-F36DBA27EA16}" srcOrd="1" destOrd="0" parTransId="{B2F5FE03-63D0-40B2-8C53-25F592341BD9}" sibTransId="{CF591321-955A-43F8-80FB-C594AAC56953}"/>
     <dgm:cxn modelId="{BE8DA858-C436-49A2-80B9-1D09524644A4}" type="presParOf" srcId="{9F82E651-46C2-49AB-AA37-4452BDE2CDE7}" destId="{BC2463E8-9F88-4ABE-8EDD-923FD6F4F0A3}" srcOrd="0" destOrd="0" presId="urn:microsoft.com/office/officeart/2005/8/layout/list1"/>
     <dgm:cxn modelId="{1C809A1F-1B19-494F-9E31-B81A159C0D6C}" type="presParOf" srcId="{BC2463E8-9F88-4ABE-8EDD-923FD6F4F0A3}" destId="{C64DEA83-635E-49F0-8383-9ADA8729A88A}" srcOrd="0" destOrd="0" presId="urn:microsoft.com/office/officeart/2005/8/layout/list1"/>
     <dgm:cxn modelId="{2E961DEB-BDCA-4759-BA8A-D9066431AFB8}" type="presParOf" srcId="{BC2463E8-9F88-4ABE-8EDD-923FD6F4F0A3}" destId="{B18896DD-7C29-4F93-9AF1-C016358FDCAD}" srcOrd="1" destOrd="0" presId="urn:microsoft.com/office/officeart/2005/8/layout/list1"/>
@@ -12092,6 +12148,13 @@
         </dgm:presLayoutVars>
       </dgm:prSet>
       <dgm:spPr/>
+      <dgm:t>
+        <a:bodyPr/>
+        <a:lstStyle/>
+        <a:p>
+          <a:endParaRPr lang="zh-CN" altLang="en-US"/>
+        </a:p>
+      </dgm:t>
     </dgm:pt>
     <dgm:pt modelId="{AEDA243E-89EB-42BF-A5BA-9829CE411B64}" type="pres">
       <dgm:prSet presAssocID="{9CE970B2-3F7B-4552-BA02-C4A706F5C7DA}" presName="compNode" presStyleCnt="0"/>
@@ -12100,10 +12163,24 @@
     <dgm:pt modelId="{498EBBC1-577F-4353-89EC-BFB47B8B9773}" type="pres">
       <dgm:prSet presAssocID="{9CE970B2-3F7B-4552-BA02-C4A706F5C7DA}" presName="aNode" presStyleLbl="bgShp" presStyleIdx="0" presStyleCnt="1" custLinFactNeighborY="-4236"/>
       <dgm:spPr/>
+      <dgm:t>
+        <a:bodyPr/>
+        <a:lstStyle/>
+        <a:p>
+          <a:endParaRPr lang="zh-CN" altLang="en-US"/>
+        </a:p>
+      </dgm:t>
     </dgm:pt>
     <dgm:pt modelId="{1FAFBD55-330F-4178-A509-7A80AB9DF4A1}" type="pres">
       <dgm:prSet presAssocID="{9CE970B2-3F7B-4552-BA02-C4A706F5C7DA}" presName="textNode" presStyleLbl="bgShp" presStyleIdx="0" presStyleCnt="1"/>
       <dgm:spPr/>
+      <dgm:t>
+        <a:bodyPr/>
+        <a:lstStyle/>
+        <a:p>
+          <a:endParaRPr lang="zh-CN" altLang="en-US"/>
+        </a:p>
+      </dgm:t>
     </dgm:pt>
     <dgm:pt modelId="{011D5A0E-B880-4673-AC3D-C08D16AE6AFF}" type="pres">
       <dgm:prSet presAssocID="{9CE970B2-3F7B-4552-BA02-C4A706F5C7DA}" presName="compChildNode" presStyleCnt="0"/>
@@ -12199,6 +12276,13 @@
         </dgm:presLayoutVars>
       </dgm:prSet>
       <dgm:spPr/>
+      <dgm:t>
+        <a:bodyPr/>
+        <a:lstStyle/>
+        <a:p>
+          <a:endParaRPr lang="zh-CN" altLang="en-US"/>
+        </a:p>
+      </dgm:t>
     </dgm:pt>
     <dgm:pt modelId="{BC2463E8-9F88-4ABE-8EDD-923FD6F4F0A3}" type="pres">
       <dgm:prSet presAssocID="{2639C892-99FE-4DEB-B688-79A2618365E5}" presName="parentLin" presStyleCnt="0"/>
@@ -12207,6 +12291,13 @@
     <dgm:pt modelId="{C64DEA83-635E-49F0-8383-9ADA8729A88A}" type="pres">
       <dgm:prSet presAssocID="{2639C892-99FE-4DEB-B688-79A2618365E5}" presName="parentLeftMargin" presStyleLbl="node1" presStyleIdx="0" presStyleCnt="1"/>
       <dgm:spPr/>
+      <dgm:t>
+        <a:bodyPr/>
+        <a:lstStyle/>
+        <a:p>
+          <a:endParaRPr lang="zh-CN" altLang="en-US"/>
+        </a:p>
+      </dgm:t>
     </dgm:pt>
     <dgm:pt modelId="{B18896DD-7C29-4F93-9AF1-C016358FDCAD}" type="pres">
       <dgm:prSet presAssocID="{2639C892-99FE-4DEB-B688-79A2618365E5}" presName="parentText" presStyleLbl="node1" presStyleIdx="0" presStyleCnt="1">
@@ -12238,9 +12329,9 @@
     </dgm:pt>
   </dgm:ptLst>
   <dgm:cxnLst>
+    <dgm:cxn modelId="{291CEBAE-BA32-41E2-8FE2-3558A5EA1452}" type="presOf" srcId="{2639C892-99FE-4DEB-B688-79A2618365E5}" destId="{C64DEA83-635E-49F0-8383-9ADA8729A88A}" srcOrd="0" destOrd="0" presId="urn:microsoft.com/office/officeart/2005/8/layout/list1"/>
+    <dgm:cxn modelId="{6E816C3B-4B08-4A81-8482-B36719E879B7}" srcId="{6912E590-92BB-4AA0-89BD-9429CE8A8090}" destId="{2639C892-99FE-4DEB-B688-79A2618365E5}" srcOrd="0" destOrd="0" parTransId="{D4D878C7-487A-4738-AF7E-AE79E91141AE}" sibTransId="{9F81DB39-D933-46D1-82D0-A55331FF90A0}"/>
     <dgm:cxn modelId="{722EA372-3C4E-4FA5-BFEF-76BE1E31B34E}" type="presOf" srcId="{2639C892-99FE-4DEB-B688-79A2618365E5}" destId="{B18896DD-7C29-4F93-9AF1-C016358FDCAD}" srcOrd="1" destOrd="0" presId="urn:microsoft.com/office/officeart/2005/8/layout/list1"/>
-    <dgm:cxn modelId="{6E816C3B-4B08-4A81-8482-B36719E879B7}" srcId="{6912E590-92BB-4AA0-89BD-9429CE8A8090}" destId="{2639C892-99FE-4DEB-B688-79A2618365E5}" srcOrd="0" destOrd="0" parTransId="{D4D878C7-487A-4738-AF7E-AE79E91141AE}" sibTransId="{9F81DB39-D933-46D1-82D0-A55331FF90A0}"/>
-    <dgm:cxn modelId="{291CEBAE-BA32-41E2-8FE2-3558A5EA1452}" type="presOf" srcId="{2639C892-99FE-4DEB-B688-79A2618365E5}" destId="{C64DEA83-635E-49F0-8383-9ADA8729A88A}" srcOrd="0" destOrd="0" presId="urn:microsoft.com/office/officeart/2005/8/layout/list1"/>
     <dgm:cxn modelId="{F6B93F06-E994-4038-B88B-8C411422BBB4}" type="presOf" srcId="{6912E590-92BB-4AA0-89BD-9429CE8A8090}" destId="{9F82E651-46C2-49AB-AA37-4452BDE2CDE7}" srcOrd="0" destOrd="0" presId="urn:microsoft.com/office/officeart/2005/8/layout/list1"/>
     <dgm:cxn modelId="{BE8DA858-C436-49A2-80B9-1D09524644A4}" type="presParOf" srcId="{9F82E651-46C2-49AB-AA37-4452BDE2CDE7}" destId="{BC2463E8-9F88-4ABE-8EDD-923FD6F4F0A3}" srcOrd="0" destOrd="0" presId="urn:microsoft.com/office/officeart/2005/8/layout/list1"/>
     <dgm:cxn modelId="{1C809A1F-1B19-494F-9E31-B81A159C0D6C}" type="presParOf" srcId="{BC2463E8-9F88-4ABE-8EDD-923FD6F4F0A3}" destId="{C64DEA83-635E-49F0-8383-9ADA8729A88A}" srcOrd="0" destOrd="0" presId="urn:microsoft.com/office/officeart/2005/8/layout/list1"/>
@@ -12414,7 +12505,7 @@
   <dgm:whole/>
   <dgm:extLst>
     <a:ext uri="http://schemas.microsoft.com/office/drawing/2008/diagram">
-      <dsp:dataModelExt xmlns:dsp="http://schemas.microsoft.com/office/drawing/2008/diagram" relId="rId8" minVer="http://schemas.openxmlformats.org/drawingml/2006/diagram"/>
+      <dsp:dataModelExt xmlns:dsp="http://schemas.microsoft.com/office/drawing/2008/diagram" relId="rId9" minVer="http://schemas.openxmlformats.org/drawingml/2006/diagram"/>
     </a:ext>
   </dgm:extLst>
 </dgm:dataModel>
@@ -12591,6 +12682,13 @@
         </dgm:presLayoutVars>
       </dgm:prSet>
       <dgm:spPr/>
+      <dgm:t>
+        <a:bodyPr/>
+        <a:lstStyle/>
+        <a:p>
+          <a:endParaRPr lang="zh-CN" altLang="en-US"/>
+        </a:p>
+      </dgm:t>
     </dgm:pt>
     <dgm:pt modelId="{C9E9D948-53A7-4D6A-B770-6C5C7977E8A3}" type="pres">
       <dgm:prSet presAssocID="{5FAD4D2F-8881-4CFC-BC1B-241AFC278290}" presName="composite" presStyleCnt="0"/>
@@ -12630,15 +12728,15 @@
     </dgm:pt>
   </dgm:ptLst>
   <dgm:cxnLst>
+    <dgm:cxn modelId="{B8C15B82-45DE-4378-95C4-34247BC7ED8E}" type="presOf" srcId="{661640A3-C8B0-4883-942F-E4754B4AF49A}" destId="{5E6F9D3E-8740-4404-988A-BD893C9BB4B4}" srcOrd="0" destOrd="0" presId="urn:microsoft.com/office/officeart/2005/8/layout/hList1"/>
+    <dgm:cxn modelId="{D56865C9-763B-43F0-924B-881D25ECD42F}" type="presOf" srcId="{1DF6808B-F2DB-4C5B-A527-C052E6C5234F}" destId="{9E622AB8-E2A3-4CE9-8BAE-E838DF052320}" srcOrd="0" destOrd="0" presId="urn:microsoft.com/office/officeart/2005/8/layout/hList1"/>
+    <dgm:cxn modelId="{C03EFF65-0338-4FDF-B5A1-CAF88348EDDB}" srcId="{5FAD4D2F-8881-4CFC-BC1B-241AFC278290}" destId="{661640A3-C8B0-4883-942F-E4754B4AF49A}" srcOrd="0" destOrd="0" parTransId="{E84C9CEB-F1A2-4F7E-9E01-2EEA82884E94}" sibTransId="{6D18AE97-0F88-4D6D-AF1A-54C1A5899477}"/>
     <dgm:cxn modelId="{49948294-F64B-425F-8948-2A372734200E}" type="presOf" srcId="{5FAD4D2F-8881-4CFC-BC1B-241AFC278290}" destId="{DF5515DF-627E-4365-A6AD-66E3F6BDDDDA}" srcOrd="0" destOrd="0" presId="urn:microsoft.com/office/officeart/2005/8/layout/hList1"/>
-    <dgm:cxn modelId="{D9405F29-5184-4D12-8D7A-D5E0F216BF6F}" type="presOf" srcId="{57635C53-4FEE-4327-9A16-6F8C7BA4BE96}" destId="{5E6F9D3E-8740-4404-988A-BD893C9BB4B4}" srcOrd="0" destOrd="2" presId="urn:microsoft.com/office/officeart/2005/8/layout/hList1"/>
-    <dgm:cxn modelId="{C03EFF65-0338-4FDF-B5A1-CAF88348EDDB}" srcId="{5FAD4D2F-8881-4CFC-BC1B-241AFC278290}" destId="{661640A3-C8B0-4883-942F-E4754B4AF49A}" srcOrd="0" destOrd="0" parTransId="{E84C9CEB-F1A2-4F7E-9E01-2EEA82884E94}" sibTransId="{6D18AE97-0F88-4D6D-AF1A-54C1A5899477}"/>
-    <dgm:cxn modelId="{41875375-194C-4D65-9C30-A10B62CFF39F}" type="presOf" srcId="{AF6C1E02-4A71-476C-9439-941D6A696CF2}" destId="{5E6F9D3E-8740-4404-988A-BD893C9BB4B4}" srcOrd="0" destOrd="1" presId="urn:microsoft.com/office/officeart/2005/8/layout/hList1"/>
-    <dgm:cxn modelId="{B8C15B82-45DE-4378-95C4-34247BC7ED8E}" type="presOf" srcId="{661640A3-C8B0-4883-942F-E4754B4AF49A}" destId="{5E6F9D3E-8740-4404-988A-BD893C9BB4B4}" srcOrd="0" destOrd="0" presId="urn:microsoft.com/office/officeart/2005/8/layout/hList1"/>
-    <dgm:cxn modelId="{C7103867-AEF8-4059-A91E-05D4E0B23055}" srcId="{5FAD4D2F-8881-4CFC-BC1B-241AFC278290}" destId="{AF6C1E02-4A71-476C-9439-941D6A696CF2}" srcOrd="1" destOrd="0" parTransId="{D79D9C2F-8806-45CD-96D8-B3E0C79ABBB9}" sibTransId="{CBEC03DA-EE47-411A-9E1B-4AC943CED8A2}"/>
-    <dgm:cxn modelId="{D56865C9-763B-43F0-924B-881D25ECD42F}" type="presOf" srcId="{1DF6808B-F2DB-4C5B-A527-C052E6C5234F}" destId="{9E622AB8-E2A3-4CE9-8BAE-E838DF052320}" srcOrd="0" destOrd="0" presId="urn:microsoft.com/office/officeart/2005/8/layout/hList1"/>
     <dgm:cxn modelId="{B404A18B-461B-4FC7-AA32-A7D1289A904C}" srcId="{1DF6808B-F2DB-4C5B-A527-C052E6C5234F}" destId="{5FAD4D2F-8881-4CFC-BC1B-241AFC278290}" srcOrd="0" destOrd="0" parTransId="{3F300BCA-53AB-4152-874C-6CE0E8E8F2E2}" sibTransId="{8A97986F-18FB-43B9-AB01-42C5B2EA33AA}"/>
     <dgm:cxn modelId="{4096BE73-B273-4FC2-8B34-AAAC0D85DBC4}" srcId="{5FAD4D2F-8881-4CFC-BC1B-241AFC278290}" destId="{57635C53-4FEE-4327-9A16-6F8C7BA4BE96}" srcOrd="2" destOrd="0" parTransId="{8941F33E-CCBC-4B70-9AE2-97CFBACBC9B1}" sibTransId="{B4D76F4B-3833-405A-A412-9D0A095F0AEB}"/>
+    <dgm:cxn modelId="{D9405F29-5184-4D12-8D7A-D5E0F216BF6F}" type="presOf" srcId="{57635C53-4FEE-4327-9A16-6F8C7BA4BE96}" destId="{5E6F9D3E-8740-4404-988A-BD893C9BB4B4}" srcOrd="0" destOrd="2" presId="urn:microsoft.com/office/officeart/2005/8/layout/hList1"/>
+    <dgm:cxn modelId="{41875375-194C-4D65-9C30-A10B62CFF39F}" type="presOf" srcId="{AF6C1E02-4A71-476C-9439-941D6A696CF2}" destId="{5E6F9D3E-8740-4404-988A-BD893C9BB4B4}" srcOrd="0" destOrd="1" presId="urn:microsoft.com/office/officeart/2005/8/layout/hList1"/>
+    <dgm:cxn modelId="{C7103867-AEF8-4059-A91E-05D4E0B23055}" srcId="{5FAD4D2F-8881-4CFC-BC1B-241AFC278290}" destId="{AF6C1E02-4A71-476C-9439-941D6A696CF2}" srcOrd="1" destOrd="0" parTransId="{D79D9C2F-8806-45CD-96D8-B3E0C79ABBB9}" sibTransId="{CBEC03DA-EE47-411A-9E1B-4AC943CED8A2}"/>
     <dgm:cxn modelId="{1E31AE79-E3BD-4E59-B756-8668EB797342}" type="presParOf" srcId="{9E622AB8-E2A3-4CE9-8BAE-E838DF052320}" destId="{C9E9D948-53A7-4D6A-B770-6C5C7977E8A3}" srcOrd="0" destOrd="0" presId="urn:microsoft.com/office/officeart/2005/8/layout/hList1"/>
     <dgm:cxn modelId="{0534FF2D-49DC-479A-9E33-6534CD83CD14}" type="presParOf" srcId="{C9E9D948-53A7-4D6A-B770-6C5C7977E8A3}" destId="{DF5515DF-627E-4365-A6AD-66E3F6BDDDDA}" srcOrd="0" destOrd="0" presId="urn:microsoft.com/office/officeart/2005/8/layout/hList1"/>
     <dgm:cxn modelId="{FF9D3D3E-5AE6-48CF-8DD9-09272B2516E9}" type="presParOf" srcId="{C9E9D948-53A7-4D6A-B770-6C5C7977E8A3}" destId="{5E6F9D3E-8740-4404-988A-BD893C9BB4B4}" srcOrd="1" destOrd="0" presId="urn:microsoft.com/office/officeart/2005/8/layout/hList1"/>
@@ -12647,7 +12745,7 @@
   <dgm:whole/>
   <dgm:extLst>
     <a:ext uri="http://schemas.microsoft.com/office/drawing/2008/diagram">
-      <dsp:dataModelExt xmlns:dsp="http://schemas.microsoft.com/office/drawing/2008/diagram" relId="rId13" minVer="http://schemas.openxmlformats.org/drawingml/2006/diagram"/>
+      <dsp:dataModelExt xmlns:dsp="http://schemas.microsoft.com/office/drawing/2008/diagram" relId="rId14" minVer="http://schemas.openxmlformats.org/drawingml/2006/diagram"/>
     </a:ext>
   </dgm:extLst>
 </dgm:dataModel>
@@ -12824,6 +12922,13 @@
         </dgm:presLayoutVars>
       </dgm:prSet>
       <dgm:spPr/>
+      <dgm:t>
+        <a:bodyPr/>
+        <a:lstStyle/>
+        <a:p>
+          <a:endParaRPr lang="zh-CN" altLang="en-US"/>
+        </a:p>
+      </dgm:t>
     </dgm:pt>
     <dgm:pt modelId="{C9E9D948-53A7-4D6A-B770-6C5C7977E8A3}" type="pres">
       <dgm:prSet presAssocID="{5FAD4D2F-8881-4CFC-BC1B-241AFC278290}" presName="composite" presStyleCnt="0"/>
@@ -12863,15 +12968,15 @@
     </dgm:pt>
   </dgm:ptLst>
   <dgm:cxnLst>
+    <dgm:cxn modelId="{B8C15B82-45DE-4378-95C4-34247BC7ED8E}" type="presOf" srcId="{661640A3-C8B0-4883-942F-E4754B4AF49A}" destId="{5E6F9D3E-8740-4404-988A-BD893C9BB4B4}" srcOrd="0" destOrd="0" presId="urn:microsoft.com/office/officeart/2005/8/layout/hList1"/>
+    <dgm:cxn modelId="{D56865C9-763B-43F0-924B-881D25ECD42F}" type="presOf" srcId="{1DF6808B-F2DB-4C5B-A527-C052E6C5234F}" destId="{9E622AB8-E2A3-4CE9-8BAE-E838DF052320}" srcOrd="0" destOrd="0" presId="urn:microsoft.com/office/officeart/2005/8/layout/hList1"/>
     <dgm:cxn modelId="{6A9C81CA-E8DE-4878-8496-2FA763E91D8F}" srcId="{5FAD4D2F-8881-4CFC-BC1B-241AFC278290}" destId="{E158CC46-4029-42FE-B028-EB3E730FC9E6}" srcOrd="1" destOrd="0" parTransId="{F0E7A3BE-9308-4221-9E89-86AC97254A77}" sibTransId="{FA83EABD-56A7-4B7B-AFAD-275CBB677DA8}"/>
+    <dgm:cxn modelId="{C03EFF65-0338-4FDF-B5A1-CAF88348EDDB}" srcId="{5FAD4D2F-8881-4CFC-BC1B-241AFC278290}" destId="{661640A3-C8B0-4883-942F-E4754B4AF49A}" srcOrd="0" destOrd="0" parTransId="{E84C9CEB-F1A2-4F7E-9E01-2EEA82884E94}" sibTransId="{6D18AE97-0F88-4D6D-AF1A-54C1A5899477}"/>
     <dgm:cxn modelId="{49948294-F64B-425F-8948-2A372734200E}" type="presOf" srcId="{5FAD4D2F-8881-4CFC-BC1B-241AFC278290}" destId="{DF5515DF-627E-4365-A6AD-66E3F6BDDDDA}" srcOrd="0" destOrd="0" presId="urn:microsoft.com/office/officeart/2005/8/layout/hList1"/>
-    <dgm:cxn modelId="{C03EFF65-0338-4FDF-B5A1-CAF88348EDDB}" srcId="{5FAD4D2F-8881-4CFC-BC1B-241AFC278290}" destId="{661640A3-C8B0-4883-942F-E4754B4AF49A}" srcOrd="0" destOrd="0" parTransId="{E84C9CEB-F1A2-4F7E-9E01-2EEA82884E94}" sibTransId="{6D18AE97-0F88-4D6D-AF1A-54C1A5899477}"/>
+    <dgm:cxn modelId="{B404A18B-461B-4FC7-AA32-A7D1289A904C}" srcId="{1DF6808B-F2DB-4C5B-A527-C052E6C5234F}" destId="{5FAD4D2F-8881-4CFC-BC1B-241AFC278290}" srcOrd="0" destOrd="0" parTransId="{3F300BCA-53AB-4152-874C-6CE0E8E8F2E2}" sibTransId="{8A97986F-18FB-43B9-AB01-42C5B2EA33AA}"/>
+    <dgm:cxn modelId="{E96E0749-3AB4-4172-BB6A-48BC4983B07E}" type="presOf" srcId="{E158CC46-4029-42FE-B028-EB3E730FC9E6}" destId="{5E6F9D3E-8740-4404-988A-BD893C9BB4B4}" srcOrd="0" destOrd="1" presId="urn:microsoft.com/office/officeart/2005/8/layout/hList1"/>
     <dgm:cxn modelId="{41875375-194C-4D65-9C30-A10B62CFF39F}" type="presOf" srcId="{AF6C1E02-4A71-476C-9439-941D6A696CF2}" destId="{5E6F9D3E-8740-4404-988A-BD893C9BB4B4}" srcOrd="0" destOrd="2" presId="urn:microsoft.com/office/officeart/2005/8/layout/hList1"/>
-    <dgm:cxn modelId="{B8C15B82-45DE-4378-95C4-34247BC7ED8E}" type="presOf" srcId="{661640A3-C8B0-4883-942F-E4754B4AF49A}" destId="{5E6F9D3E-8740-4404-988A-BD893C9BB4B4}" srcOrd="0" destOrd="0" presId="urn:microsoft.com/office/officeart/2005/8/layout/hList1"/>
     <dgm:cxn modelId="{C7103867-AEF8-4059-A91E-05D4E0B23055}" srcId="{5FAD4D2F-8881-4CFC-BC1B-241AFC278290}" destId="{AF6C1E02-4A71-476C-9439-941D6A696CF2}" srcOrd="2" destOrd="0" parTransId="{D79D9C2F-8806-45CD-96D8-B3E0C79ABBB9}" sibTransId="{CBEC03DA-EE47-411A-9E1B-4AC943CED8A2}"/>
-    <dgm:cxn modelId="{D56865C9-763B-43F0-924B-881D25ECD42F}" type="presOf" srcId="{1DF6808B-F2DB-4C5B-A527-C052E6C5234F}" destId="{9E622AB8-E2A3-4CE9-8BAE-E838DF052320}" srcOrd="0" destOrd="0" presId="urn:microsoft.com/office/officeart/2005/8/layout/hList1"/>
-    <dgm:cxn modelId="{E96E0749-3AB4-4172-BB6A-48BC4983B07E}" type="presOf" srcId="{E158CC46-4029-42FE-B028-EB3E730FC9E6}" destId="{5E6F9D3E-8740-4404-988A-BD893C9BB4B4}" srcOrd="0" destOrd="1" presId="urn:microsoft.com/office/officeart/2005/8/layout/hList1"/>
-    <dgm:cxn modelId="{B404A18B-461B-4FC7-AA32-A7D1289A904C}" srcId="{1DF6808B-F2DB-4C5B-A527-C052E6C5234F}" destId="{5FAD4D2F-8881-4CFC-BC1B-241AFC278290}" srcOrd="0" destOrd="0" parTransId="{3F300BCA-53AB-4152-874C-6CE0E8E8F2E2}" sibTransId="{8A97986F-18FB-43B9-AB01-42C5B2EA33AA}"/>
     <dgm:cxn modelId="{1E31AE79-E3BD-4E59-B756-8668EB797342}" type="presParOf" srcId="{9E622AB8-E2A3-4CE9-8BAE-E838DF052320}" destId="{C9E9D948-53A7-4D6A-B770-6C5C7977E8A3}" srcOrd="0" destOrd="0" presId="urn:microsoft.com/office/officeart/2005/8/layout/hList1"/>
     <dgm:cxn modelId="{0534FF2D-49DC-479A-9E33-6534CD83CD14}" type="presParOf" srcId="{C9E9D948-53A7-4D6A-B770-6C5C7977E8A3}" destId="{DF5515DF-627E-4365-A6AD-66E3F6BDDDDA}" srcOrd="0" destOrd="0" presId="urn:microsoft.com/office/officeart/2005/8/layout/hList1"/>
     <dgm:cxn modelId="{FF9D3D3E-5AE6-48CF-8DD9-09272B2516E9}" type="presParOf" srcId="{C9E9D948-53A7-4D6A-B770-6C5C7977E8A3}" destId="{5E6F9D3E-8740-4404-988A-BD893C9BB4B4}" srcOrd="1" destOrd="0" presId="urn:microsoft.com/office/officeart/2005/8/layout/hList1"/>
@@ -12880,7 +12985,7 @@
   <dgm:whole/>
   <dgm:extLst>
     <a:ext uri="http://schemas.microsoft.com/office/drawing/2008/diagram">
-      <dsp:dataModelExt xmlns:dsp="http://schemas.microsoft.com/office/drawing/2008/diagram" relId="rId18" minVer="http://schemas.openxmlformats.org/drawingml/2006/diagram"/>
+      <dsp:dataModelExt xmlns:dsp="http://schemas.microsoft.com/office/drawing/2008/diagram" relId="rId19" minVer="http://schemas.openxmlformats.org/drawingml/2006/diagram"/>
     </a:ext>
   </dgm:extLst>
 </dgm:dataModel>
@@ -12983,6 +13088,13 @@
         </dgm:presLayoutVars>
       </dgm:prSet>
       <dgm:spPr/>
+      <dgm:t>
+        <a:bodyPr/>
+        <a:lstStyle/>
+        <a:p>
+          <a:endParaRPr lang="zh-CN" altLang="en-US"/>
+        </a:p>
+      </dgm:t>
     </dgm:pt>
     <dgm:pt modelId="{739B3DD2-526C-43D6-9A0D-41E427DBE9A7}" type="pres">
       <dgm:prSet presAssocID="{1A4904C9-71F7-4515-AB9A-2BD9116A8AB4}" presName="compNode" presStyleCnt="0"/>
@@ -12991,10 +13103,24 @@
     <dgm:pt modelId="{23466167-D1E6-4D1E-91B7-5A9EDF4ACAEA}" type="pres">
       <dgm:prSet presAssocID="{1A4904C9-71F7-4515-AB9A-2BD9116A8AB4}" presName="aNode" presStyleLbl="bgShp" presStyleIdx="0" presStyleCnt="1" custLinFactNeighborX="7886" custLinFactNeighborY="-3770"/>
       <dgm:spPr/>
+      <dgm:t>
+        <a:bodyPr/>
+        <a:lstStyle/>
+        <a:p>
+          <a:endParaRPr lang="zh-CN" altLang="en-US"/>
+        </a:p>
+      </dgm:t>
     </dgm:pt>
     <dgm:pt modelId="{2EFACC52-5840-4F0B-8F07-4B09F5221B5A}" type="pres">
       <dgm:prSet presAssocID="{1A4904C9-71F7-4515-AB9A-2BD9116A8AB4}" presName="textNode" presStyleLbl="bgShp" presStyleIdx="0" presStyleCnt="1"/>
       <dgm:spPr/>
+      <dgm:t>
+        <a:bodyPr/>
+        <a:lstStyle/>
+        <a:p>
+          <a:endParaRPr lang="zh-CN" altLang="en-US"/>
+        </a:p>
+      </dgm:t>
     </dgm:pt>
     <dgm:pt modelId="{FA01AA52-F906-41E2-8D16-576CDA196B18}" type="pres">
       <dgm:prSet presAssocID="{1A4904C9-71F7-4515-AB9A-2BD9116A8AB4}" presName="compChildNode" presStyleCnt="0"/>
@@ -13011,15 +13137,22 @@
         </dgm:presLayoutVars>
       </dgm:prSet>
       <dgm:spPr/>
+      <dgm:t>
+        <a:bodyPr/>
+        <a:lstStyle/>
+        <a:p>
+          <a:endParaRPr lang="zh-CN" altLang="en-US"/>
+        </a:p>
+      </dgm:t>
     </dgm:pt>
   </dgm:ptLst>
   <dgm:cxnLst>
+    <dgm:cxn modelId="{8989CADA-0415-4ED8-A968-1D55DFDF2671}" type="presOf" srcId="{EAD733C0-886C-461E-968A-D6450EC3216F}" destId="{3358AEC1-771C-4F1B-B86D-CAE637435C47}" srcOrd="0" destOrd="0" presId="urn:microsoft.com/office/officeart/2005/8/layout/lProcess2"/>
+    <dgm:cxn modelId="{32D6C735-C98D-48AB-8F82-B0375AF8F0BF}" srcId="{1A4904C9-71F7-4515-AB9A-2BD9116A8AB4}" destId="{F90D96C3-AE9D-45F1-B919-8727ACFA3FCE}" srcOrd="0" destOrd="0" parTransId="{2481E10C-5B5E-4F23-9B26-0222F371D203}" sibTransId="{4713B738-7C8A-46C8-A560-6E06CC84A0CD}"/>
+    <dgm:cxn modelId="{64C64BE6-47C8-4B5F-81C1-A2090E0F0232}" type="presOf" srcId="{1A4904C9-71F7-4515-AB9A-2BD9116A8AB4}" destId="{23466167-D1E6-4D1E-91B7-5A9EDF4ACAEA}" srcOrd="0" destOrd="0" presId="urn:microsoft.com/office/officeart/2005/8/layout/lProcess2"/>
     <dgm:cxn modelId="{F2AFB1D8-8B0E-4DB5-A3B0-701387CA70BA}" srcId="{EAD733C0-886C-461E-968A-D6450EC3216F}" destId="{1A4904C9-71F7-4515-AB9A-2BD9116A8AB4}" srcOrd="0" destOrd="0" parTransId="{AB3D8B4F-EEAD-4CD0-BDC0-6E796C562A38}" sibTransId="{132DB0E7-1C40-4090-B826-5BB442756D0E}"/>
     <dgm:cxn modelId="{B3E9C395-2F2F-46A9-B538-F8DB0A4F5CB4}" type="presOf" srcId="{F90D96C3-AE9D-45F1-B919-8727ACFA3FCE}" destId="{4ED3BF6A-0DA6-491F-B7F2-C2F78C2F8472}" srcOrd="0" destOrd="0" presId="urn:microsoft.com/office/officeart/2005/8/layout/lProcess2"/>
     <dgm:cxn modelId="{3EEF24F2-DC19-4568-A2E6-86B96D29DEC6}" type="presOf" srcId="{1A4904C9-71F7-4515-AB9A-2BD9116A8AB4}" destId="{2EFACC52-5840-4F0B-8F07-4B09F5221B5A}" srcOrd="1" destOrd="0" presId="urn:microsoft.com/office/officeart/2005/8/layout/lProcess2"/>
-    <dgm:cxn modelId="{64C64BE6-47C8-4B5F-81C1-A2090E0F0232}" type="presOf" srcId="{1A4904C9-71F7-4515-AB9A-2BD9116A8AB4}" destId="{23466167-D1E6-4D1E-91B7-5A9EDF4ACAEA}" srcOrd="0" destOrd="0" presId="urn:microsoft.com/office/officeart/2005/8/layout/lProcess2"/>
-    <dgm:cxn modelId="{8989CADA-0415-4ED8-A968-1D55DFDF2671}" type="presOf" srcId="{EAD733C0-886C-461E-968A-D6450EC3216F}" destId="{3358AEC1-771C-4F1B-B86D-CAE637435C47}" srcOrd="0" destOrd="0" presId="urn:microsoft.com/office/officeart/2005/8/layout/lProcess2"/>
-    <dgm:cxn modelId="{32D6C735-C98D-48AB-8F82-B0375AF8F0BF}" srcId="{1A4904C9-71F7-4515-AB9A-2BD9116A8AB4}" destId="{F90D96C3-AE9D-45F1-B919-8727ACFA3FCE}" srcOrd="0" destOrd="0" parTransId="{2481E10C-5B5E-4F23-9B26-0222F371D203}" sibTransId="{4713B738-7C8A-46C8-A560-6E06CC84A0CD}"/>
     <dgm:cxn modelId="{C46116EC-6FA0-4E29-B050-D4D7A2CFAB07}" type="presParOf" srcId="{3358AEC1-771C-4F1B-B86D-CAE637435C47}" destId="{739B3DD2-526C-43D6-9A0D-41E427DBE9A7}" srcOrd="0" destOrd="0" presId="urn:microsoft.com/office/officeart/2005/8/layout/lProcess2"/>
     <dgm:cxn modelId="{9AE189DE-7DFB-43C5-B39C-773161A3F679}" type="presParOf" srcId="{739B3DD2-526C-43D6-9A0D-41E427DBE9A7}" destId="{23466167-D1E6-4D1E-91B7-5A9EDF4ACAEA}" srcOrd="0" destOrd="0" presId="urn:microsoft.com/office/officeart/2005/8/layout/lProcess2"/>
     <dgm:cxn modelId="{72D43B19-C009-4A0B-A4C2-367F30C3DF39}" type="presParOf" srcId="{739B3DD2-526C-43D6-9A0D-41E427DBE9A7}" destId="{2EFACC52-5840-4F0B-8F07-4B09F5221B5A}" srcOrd="1" destOrd="0" presId="urn:microsoft.com/office/officeart/2005/8/layout/lProcess2"/>
@@ -13031,7 +13164,7 @@
   <dgm:whole/>
   <dgm:extLst>
     <a:ext uri="http://schemas.microsoft.com/office/drawing/2008/diagram">
-      <dsp:dataModelExt xmlns:dsp="http://schemas.microsoft.com/office/drawing/2008/diagram" relId="rId11" minVer="http://schemas.openxmlformats.org/drawingml/2006/diagram"/>
+      <dsp:dataModelExt xmlns:dsp="http://schemas.microsoft.com/office/drawing/2008/diagram" relId="rId12" minVer="http://schemas.openxmlformats.org/drawingml/2006/diagram"/>
     </a:ext>
   </dgm:extLst>
 </dgm:dataModel>
@@ -13232,6 +13365,13 @@
         </dgm:presLayoutVars>
       </dgm:prSet>
       <dgm:spPr/>
+      <dgm:t>
+        <a:bodyPr/>
+        <a:lstStyle/>
+        <a:p>
+          <a:endParaRPr lang="zh-CN" altLang="en-US"/>
+        </a:p>
+      </dgm:t>
     </dgm:pt>
     <dgm:pt modelId="{4E69970A-EFEE-4152-A909-30E3130A6002}" type="pres">
       <dgm:prSet presAssocID="{D0882D58-28BB-4479-BAD7-F18C5DE6286C}" presName="composite" presStyleCnt="0"/>
@@ -13285,11 +13425,11 @@
     </dgm:pt>
   </dgm:ptLst>
   <dgm:cxnLst>
+    <dgm:cxn modelId="{A24E13C0-EF04-4002-9A43-D126FA2CBE0A}" type="presOf" srcId="{96A54157-256A-4E37-BFEE-44D0908C1575}" destId="{10A7434A-E88D-4986-826D-FF8A1AACADC4}" srcOrd="0" destOrd="0" presId="urn:microsoft.com/office/officeart/2008/layout/PictureStrips"/>
+    <dgm:cxn modelId="{69E6773C-4862-433A-98B6-37018F896E66}" type="presOf" srcId="{D0882D58-28BB-4479-BAD7-F18C5DE6286C}" destId="{2529F00E-5D19-4CC8-B55C-9B22D024A9AB}" srcOrd="0" destOrd="0" presId="urn:microsoft.com/office/officeart/2008/layout/PictureStrips"/>
     <dgm:cxn modelId="{164154CD-7B92-46EB-BE6F-698CFA856B97}" srcId="{F1C7BA09-3861-4B17-8E1B-17BF12C16A85}" destId="{D0882D58-28BB-4479-BAD7-F18C5DE6286C}" srcOrd="0" destOrd="0" parTransId="{5DCC7B7B-6781-4A32-91D7-1C6AC9859C87}" sibTransId="{40A88A61-5C6B-4885-A54B-7BB2BB7AB78E}"/>
-    <dgm:cxn modelId="{69E6773C-4862-433A-98B6-37018F896E66}" type="presOf" srcId="{D0882D58-28BB-4479-BAD7-F18C5DE6286C}" destId="{2529F00E-5D19-4CC8-B55C-9B22D024A9AB}" srcOrd="0" destOrd="0" presId="urn:microsoft.com/office/officeart/2008/layout/PictureStrips"/>
+    <dgm:cxn modelId="{F1C60BA3-BFF8-4C7B-B606-8955BCE0D7A7}" type="presOf" srcId="{F1C7BA09-3861-4B17-8E1B-17BF12C16A85}" destId="{DF10510A-5CBE-484A-92C7-579C0AC6C443}" srcOrd="0" destOrd="0" presId="urn:microsoft.com/office/officeart/2008/layout/PictureStrips"/>
     <dgm:cxn modelId="{8BC6051C-A2B7-4BAE-AD90-BD6E685B1F61}" srcId="{F1C7BA09-3861-4B17-8E1B-17BF12C16A85}" destId="{96A54157-256A-4E37-BFEE-44D0908C1575}" srcOrd="1" destOrd="0" parTransId="{888F83DF-2547-48B9-862F-0B7B447C09E5}" sibTransId="{7FCAE219-994F-484F-B02E-E1D256B6F427}"/>
-    <dgm:cxn modelId="{A24E13C0-EF04-4002-9A43-D126FA2CBE0A}" type="presOf" srcId="{96A54157-256A-4E37-BFEE-44D0908C1575}" destId="{10A7434A-E88D-4986-826D-FF8A1AACADC4}" srcOrd="0" destOrd="0" presId="urn:microsoft.com/office/officeart/2008/layout/PictureStrips"/>
-    <dgm:cxn modelId="{F1C60BA3-BFF8-4C7B-B606-8955BCE0D7A7}" type="presOf" srcId="{F1C7BA09-3861-4B17-8E1B-17BF12C16A85}" destId="{DF10510A-5CBE-484A-92C7-579C0AC6C443}" srcOrd="0" destOrd="0" presId="urn:microsoft.com/office/officeart/2008/layout/PictureStrips"/>
     <dgm:cxn modelId="{F321833F-CC0E-402E-BED4-91140FB7BB3A}" type="presParOf" srcId="{DF10510A-5CBE-484A-92C7-579C0AC6C443}" destId="{4E69970A-EFEE-4152-A909-30E3130A6002}" srcOrd="0" destOrd="0" presId="urn:microsoft.com/office/officeart/2008/layout/PictureStrips"/>
     <dgm:cxn modelId="{087E3B48-5DB7-470C-813F-28D0BE261ABB}" type="presParOf" srcId="{4E69970A-EFEE-4152-A909-30E3130A6002}" destId="{2529F00E-5D19-4CC8-B55C-9B22D024A9AB}" srcOrd="0" destOrd="0" presId="urn:microsoft.com/office/officeart/2008/layout/PictureStrips"/>
     <dgm:cxn modelId="{580763CA-4389-4EEC-BB9F-4DE174934CDB}" type="presParOf" srcId="{4E69970A-EFEE-4152-A909-30E3130A6002}" destId="{ADB959E1-496B-45AA-AB34-7B6113410D13}" srcOrd="1" destOrd="0" presId="urn:microsoft.com/office/officeart/2008/layout/PictureStrips"/>
@@ -13302,7 +13442,7 @@
   <dgm:whole/>
   <dgm:extLst>
     <a:ext uri="http://schemas.microsoft.com/office/drawing/2008/diagram">
-      <dsp:dataModelExt xmlns:dsp="http://schemas.microsoft.com/office/drawing/2008/diagram" relId="rId6" minVer="http://schemas.openxmlformats.org/drawingml/2006/diagram"/>
+      <dsp:dataModelExt xmlns:dsp="http://schemas.microsoft.com/office/drawing/2008/diagram" relId="rId7" minVer="http://schemas.openxmlformats.org/drawingml/2006/diagram"/>
     </a:ext>
   </dgm:extLst>
 </dgm:dataModel>
@@ -13405,6 +13545,13 @@
         </dgm:presLayoutVars>
       </dgm:prSet>
       <dgm:spPr/>
+      <dgm:t>
+        <a:bodyPr/>
+        <a:lstStyle/>
+        <a:p>
+          <a:endParaRPr lang="zh-CN" altLang="en-US"/>
+        </a:p>
+      </dgm:t>
     </dgm:pt>
     <dgm:pt modelId="{AA9EA329-E669-4B83-B799-DA861185DA22}" type="pres">
       <dgm:prSet presAssocID="{BBAC74C0-AFAF-4EEC-A18A-D7CD1032B512}" presName="compNode" presStyleCnt="0"/>
@@ -13413,10 +13560,24 @@
     <dgm:pt modelId="{A789A7B6-205C-44B5-9136-0D66E91624F7}" type="pres">
       <dgm:prSet presAssocID="{BBAC74C0-AFAF-4EEC-A18A-D7CD1032B512}" presName="aNode" presStyleLbl="bgShp" presStyleIdx="0" presStyleCnt="1" custLinFactNeighborX="-15326" custLinFactNeighborY="-1791"/>
       <dgm:spPr/>
+      <dgm:t>
+        <a:bodyPr/>
+        <a:lstStyle/>
+        <a:p>
+          <a:endParaRPr lang="zh-CN" altLang="en-US"/>
+        </a:p>
+      </dgm:t>
     </dgm:pt>
     <dgm:pt modelId="{810DECD8-BCD5-45B5-995C-135CF5BC7311}" type="pres">
       <dgm:prSet presAssocID="{BBAC74C0-AFAF-4EEC-A18A-D7CD1032B512}" presName="textNode" presStyleLbl="bgShp" presStyleIdx="0" presStyleCnt="1"/>
       <dgm:spPr/>
+      <dgm:t>
+        <a:bodyPr/>
+        <a:lstStyle/>
+        <a:p>
+          <a:endParaRPr lang="zh-CN" altLang="en-US"/>
+        </a:p>
+      </dgm:t>
     </dgm:pt>
     <dgm:pt modelId="{28359D5D-4C14-48F8-A7A3-D531F7503A44}" type="pres">
       <dgm:prSet presAssocID="{BBAC74C0-AFAF-4EEC-A18A-D7CD1032B512}" presName="compChildNode" presStyleCnt="0"/>
@@ -13433,14 +13594,21 @@
         </dgm:presLayoutVars>
       </dgm:prSet>
       <dgm:spPr/>
+      <dgm:t>
+        <a:bodyPr/>
+        <a:lstStyle/>
+        <a:p>
+          <a:endParaRPr lang="zh-CN" altLang="en-US"/>
+        </a:p>
+      </dgm:t>
     </dgm:pt>
   </dgm:ptLst>
   <dgm:cxnLst>
+    <dgm:cxn modelId="{62CD7229-8B0B-4E23-B394-759A29FE3ADB}" type="presOf" srcId="{7C31D105-B766-4F65-96D4-7087F80D7483}" destId="{0DB0826B-C9E1-462A-A4EB-460299159365}" srcOrd="0" destOrd="0" presId="urn:microsoft.com/office/officeart/2005/8/layout/lProcess2"/>
+    <dgm:cxn modelId="{A8B2E7E8-F3B6-411A-9374-0EC32D82299D}" srcId="{06C5D7EB-30DF-4AA8-A0B6-A34A40F02264}" destId="{BBAC74C0-AFAF-4EEC-A18A-D7CD1032B512}" srcOrd="0" destOrd="0" parTransId="{D31D198D-735C-4C7B-939B-C711F58A4C2E}" sibTransId="{F611F841-C9B9-4978-84D4-9A0E50648A44}"/>
     <dgm:cxn modelId="{5FE5E784-BEE7-49AB-9759-2941180722CE}" type="presOf" srcId="{BBAC74C0-AFAF-4EEC-A18A-D7CD1032B512}" destId="{810DECD8-BCD5-45B5-995C-135CF5BC7311}" srcOrd="1" destOrd="0" presId="urn:microsoft.com/office/officeart/2005/8/layout/lProcess2"/>
-    <dgm:cxn modelId="{A8B2E7E8-F3B6-411A-9374-0EC32D82299D}" srcId="{06C5D7EB-30DF-4AA8-A0B6-A34A40F02264}" destId="{BBAC74C0-AFAF-4EEC-A18A-D7CD1032B512}" srcOrd="0" destOrd="0" parTransId="{D31D198D-735C-4C7B-939B-C711F58A4C2E}" sibTransId="{F611F841-C9B9-4978-84D4-9A0E50648A44}"/>
     <dgm:cxn modelId="{675BF1A7-D97A-409D-8AE8-04E10B6294CA}" srcId="{BBAC74C0-AFAF-4EEC-A18A-D7CD1032B512}" destId="{7C31D105-B766-4F65-96D4-7087F80D7483}" srcOrd="0" destOrd="0" parTransId="{C4440C3E-1049-4B72-A03B-BB7D3F6B6153}" sibTransId="{709DDE02-151C-41F4-B423-5DF9C2B8C513}"/>
     <dgm:cxn modelId="{F3A64847-242C-44A0-BE0A-F83C7FF5FA8E}" type="presOf" srcId="{06C5D7EB-30DF-4AA8-A0B6-A34A40F02264}" destId="{7199A2CF-8C74-4161-9B5A-98F5DB970852}" srcOrd="0" destOrd="0" presId="urn:microsoft.com/office/officeart/2005/8/layout/lProcess2"/>
-    <dgm:cxn modelId="{62CD7229-8B0B-4E23-B394-759A29FE3ADB}" type="presOf" srcId="{7C31D105-B766-4F65-96D4-7087F80D7483}" destId="{0DB0826B-C9E1-462A-A4EB-460299159365}" srcOrd="0" destOrd="0" presId="urn:microsoft.com/office/officeart/2005/8/layout/lProcess2"/>
     <dgm:cxn modelId="{570C1816-4815-403C-B937-FC954F6A2899}" type="presOf" srcId="{BBAC74C0-AFAF-4EEC-A18A-D7CD1032B512}" destId="{A789A7B6-205C-44B5-9136-0D66E91624F7}" srcOrd="0" destOrd="0" presId="urn:microsoft.com/office/officeart/2005/8/layout/lProcess2"/>
     <dgm:cxn modelId="{D8384123-A371-4AE1-917A-D71C2B3C55D1}" type="presParOf" srcId="{7199A2CF-8C74-4161-9B5A-98F5DB970852}" destId="{AA9EA329-E669-4B83-B799-DA861185DA22}" srcOrd="0" destOrd="0" presId="urn:microsoft.com/office/officeart/2005/8/layout/lProcess2"/>
     <dgm:cxn modelId="{77830A6C-3210-4BB7-933C-21BC2BCDB3A9}" type="presParOf" srcId="{AA9EA329-E669-4B83-B799-DA861185DA22}" destId="{A789A7B6-205C-44B5-9136-0D66E91624F7}" srcOrd="0" destOrd="0" presId="urn:microsoft.com/office/officeart/2005/8/layout/lProcess2"/>
@@ -13453,7 +13621,7 @@
   <dgm:whole/>
   <dgm:extLst>
     <a:ext uri="http://schemas.microsoft.com/office/drawing/2008/diagram">
-      <dsp:dataModelExt xmlns:dsp="http://schemas.microsoft.com/office/drawing/2008/diagram" relId="rId6" minVer="http://schemas.openxmlformats.org/drawingml/2006/diagram"/>
+      <dsp:dataModelExt xmlns:dsp="http://schemas.microsoft.com/office/drawing/2008/diagram" relId="rId7" minVer="http://schemas.openxmlformats.org/drawingml/2006/diagram"/>
     </a:ext>
   </dgm:extLst>
 </dgm:dataModel>
@@ -13704,6 +13872,13 @@
         </dgm:presLayoutVars>
       </dgm:prSet>
       <dgm:spPr/>
+      <dgm:t>
+        <a:bodyPr/>
+        <a:lstStyle/>
+        <a:p>
+          <a:endParaRPr lang="zh-CN" altLang="en-US"/>
+        </a:p>
+      </dgm:t>
     </dgm:pt>
     <dgm:pt modelId="{739B3DD2-526C-43D6-9A0D-41E427DBE9A7}" type="pres">
       <dgm:prSet presAssocID="{1A4904C9-71F7-4515-AB9A-2BD9116A8AB4}" presName="compNode" presStyleCnt="0"/>
@@ -13712,10 +13887,24 @@
     <dgm:pt modelId="{23466167-D1E6-4D1E-91B7-5A9EDF4ACAEA}" type="pres">
       <dgm:prSet presAssocID="{1A4904C9-71F7-4515-AB9A-2BD9116A8AB4}" presName="aNode" presStyleLbl="bgShp" presStyleIdx="0" presStyleCnt="1" custLinFactNeighborX="7886" custLinFactNeighborY="-3770"/>
       <dgm:spPr/>
+      <dgm:t>
+        <a:bodyPr/>
+        <a:lstStyle/>
+        <a:p>
+          <a:endParaRPr lang="zh-CN" altLang="en-US"/>
+        </a:p>
+      </dgm:t>
     </dgm:pt>
     <dgm:pt modelId="{2EFACC52-5840-4F0B-8F07-4B09F5221B5A}" type="pres">
       <dgm:prSet presAssocID="{1A4904C9-71F7-4515-AB9A-2BD9116A8AB4}" presName="textNode" presStyleLbl="bgShp" presStyleIdx="0" presStyleCnt="1"/>
       <dgm:spPr/>
+      <dgm:t>
+        <a:bodyPr/>
+        <a:lstStyle/>
+        <a:p>
+          <a:endParaRPr lang="zh-CN" altLang="en-US"/>
+        </a:p>
+      </dgm:t>
     </dgm:pt>
     <dgm:pt modelId="{FA01AA52-F906-41E2-8D16-576CDA196B18}" type="pres">
       <dgm:prSet presAssocID="{1A4904C9-71F7-4515-AB9A-2BD9116A8AB4}" presName="compChildNode" presStyleCnt="0"/>
@@ -13732,6 +13921,13 @@
         </dgm:presLayoutVars>
       </dgm:prSet>
       <dgm:spPr/>
+      <dgm:t>
+        <a:bodyPr/>
+        <a:lstStyle/>
+        <a:p>
+          <a:endParaRPr lang="zh-CN" altLang="en-US"/>
+        </a:p>
+      </dgm:t>
     </dgm:pt>
     <dgm:pt modelId="{5AD480B8-A229-4C60-B86D-7B9734E256FC}" type="pres">
       <dgm:prSet presAssocID="{82BFB37D-9D05-41A8-AFB6-1E5A1840E6FF}" presName="aSpace2" presStyleCnt="0"/>
@@ -13744,6 +13940,13 @@
         </dgm:presLayoutVars>
       </dgm:prSet>
       <dgm:spPr/>
+      <dgm:t>
+        <a:bodyPr/>
+        <a:lstStyle/>
+        <a:p>
+          <a:endParaRPr lang="zh-CN" altLang="en-US"/>
+        </a:p>
+      </dgm:t>
     </dgm:pt>
     <dgm:pt modelId="{743DEE4B-7AA9-4265-8D3F-094BA0D5747F}" type="pres">
       <dgm:prSet presAssocID="{B77E7B1B-57AF-428A-897A-EA82D7D3C59D}" presName="aSpace2" presStyleCnt="0"/>
@@ -13756,6 +13959,13 @@
         </dgm:presLayoutVars>
       </dgm:prSet>
       <dgm:spPr/>
+      <dgm:t>
+        <a:bodyPr/>
+        <a:lstStyle/>
+        <a:p>
+          <a:endParaRPr lang="zh-CN" altLang="en-US"/>
+        </a:p>
+      </dgm:t>
     </dgm:pt>
     <dgm:pt modelId="{8D44777B-FDF6-413A-84CB-A70A6E347B1E}" type="pres">
       <dgm:prSet presAssocID="{B8B82920-B27A-4ADE-AEE5-98438EEEA55C}" presName="aSpace2" presStyleCnt="0"/>
@@ -13768,6 +13978,13 @@
         </dgm:presLayoutVars>
       </dgm:prSet>
       <dgm:spPr/>
+      <dgm:t>
+        <a:bodyPr/>
+        <a:lstStyle/>
+        <a:p>
+          <a:endParaRPr lang="zh-CN" altLang="en-US"/>
+        </a:p>
+      </dgm:t>
     </dgm:pt>
     <dgm:pt modelId="{7D27F409-BBA0-44A1-A980-7AD3DCFB3D4B}" type="pres">
       <dgm:prSet presAssocID="{DC25DB19-B918-4816-A80D-5448BBF790B9}" presName="aSpace2" presStyleCnt="0"/>
@@ -13780,11 +13997,18 @@
         </dgm:presLayoutVars>
       </dgm:prSet>
       <dgm:spPr/>
+      <dgm:t>
+        <a:bodyPr/>
+        <a:lstStyle/>
+        <a:p>
+          <a:endParaRPr lang="zh-CN" altLang="en-US"/>
+        </a:p>
+      </dgm:t>
     </dgm:pt>
   </dgm:ptLst>
   <dgm:cxnLst>
+    <dgm:cxn modelId="{432F46E8-5842-46F7-97FD-5373B09E086D}" type="presOf" srcId="{82BFB37D-9D05-41A8-AFB6-1E5A1840E6FF}" destId="{07A7730B-F8A7-4B91-A1D4-454246A3D112}" srcOrd="0" destOrd="0" presId="urn:microsoft.com/office/officeart/2005/8/layout/lProcess2"/>
     <dgm:cxn modelId="{F2AFB1D8-8B0E-4DB5-A3B0-701387CA70BA}" srcId="{EAD733C0-886C-461E-968A-D6450EC3216F}" destId="{1A4904C9-71F7-4515-AB9A-2BD9116A8AB4}" srcOrd="0" destOrd="0" parTransId="{AB3D8B4F-EEAD-4CD0-BDC0-6E796C562A38}" sibTransId="{132DB0E7-1C40-4090-B826-5BB442756D0E}"/>
-    <dgm:cxn modelId="{432F46E8-5842-46F7-97FD-5373B09E086D}" type="presOf" srcId="{82BFB37D-9D05-41A8-AFB6-1E5A1840E6FF}" destId="{07A7730B-F8A7-4B91-A1D4-454246A3D112}" srcOrd="0" destOrd="0" presId="urn:microsoft.com/office/officeart/2005/8/layout/lProcess2"/>
     <dgm:cxn modelId="{6E3C4E44-118A-4C05-9961-C4D802C43FA9}" type="presOf" srcId="{B77E7B1B-57AF-428A-897A-EA82D7D3C59D}" destId="{D21DDF79-0F00-438C-B0B3-C1B6B9FC1206}" srcOrd="0" destOrd="0" presId="urn:microsoft.com/office/officeart/2005/8/layout/lProcess2"/>
     <dgm:cxn modelId="{427C4E6D-E5F1-4846-B873-DDF3C31953ED}" type="presOf" srcId="{B8B82920-B27A-4ADE-AEE5-98438EEEA55C}" destId="{0D0C7AD9-853F-4A80-8346-5C7AADFCF262}" srcOrd="0" destOrd="0" presId="urn:microsoft.com/office/officeart/2005/8/layout/lProcess2"/>
     <dgm:cxn modelId="{77C4D658-5460-479B-8880-A46AE160B882}" srcId="{1A4904C9-71F7-4515-AB9A-2BD9116A8AB4}" destId="{DC25DB19-B918-4816-A80D-5448BBF790B9}" srcOrd="3" destOrd="0" parTransId="{6D36BE5A-3D50-4713-8D73-AD241EBBF71E}" sibTransId="{CB4BF538-F2B9-4D90-B0B6-0214F7ECFDB4}"/>
@@ -13816,7 +14040,7 @@
   <dgm:whole/>
   <dgm:extLst>
     <a:ext uri="http://schemas.microsoft.com/office/drawing/2008/diagram">
-      <dsp:dataModelExt xmlns:dsp="http://schemas.microsoft.com/office/drawing/2008/diagram" relId="rId11" minVer="http://schemas.openxmlformats.org/drawingml/2006/diagram"/>
+      <dsp:dataModelExt xmlns:dsp="http://schemas.microsoft.com/office/drawing/2008/diagram" relId="rId12" minVer="http://schemas.openxmlformats.org/drawingml/2006/diagram"/>
     </a:ext>
   </dgm:extLst>
 </dgm:dataModel>
@@ -13960,6 +14184,13 @@
         </dgm:presLayoutVars>
       </dgm:prSet>
       <dgm:spPr/>
+      <dgm:t>
+        <a:bodyPr/>
+        <a:lstStyle/>
+        <a:p>
+          <a:endParaRPr lang="zh-CN" altLang="en-US"/>
+        </a:p>
+      </dgm:t>
     </dgm:pt>
     <dgm:pt modelId="{AA9EA329-E669-4B83-B799-DA861185DA22}" type="pres">
       <dgm:prSet presAssocID="{BBAC74C0-AFAF-4EEC-A18A-D7CD1032B512}" presName="compNode" presStyleCnt="0"/>
@@ -13968,10 +14199,24 @@
     <dgm:pt modelId="{A789A7B6-205C-44B5-9136-0D66E91624F7}" type="pres">
       <dgm:prSet presAssocID="{BBAC74C0-AFAF-4EEC-A18A-D7CD1032B512}" presName="aNode" presStyleLbl="bgShp" presStyleIdx="0" presStyleCnt="1" custLinFactNeighborX="-15326" custLinFactNeighborY="-1791"/>
       <dgm:spPr/>
+      <dgm:t>
+        <a:bodyPr/>
+        <a:lstStyle/>
+        <a:p>
+          <a:endParaRPr lang="zh-CN" altLang="en-US"/>
+        </a:p>
+      </dgm:t>
     </dgm:pt>
     <dgm:pt modelId="{810DECD8-BCD5-45B5-995C-135CF5BC7311}" type="pres">
       <dgm:prSet presAssocID="{BBAC74C0-AFAF-4EEC-A18A-D7CD1032B512}" presName="textNode" presStyleLbl="bgShp" presStyleIdx="0" presStyleCnt="1"/>
       <dgm:spPr/>
+      <dgm:t>
+        <a:bodyPr/>
+        <a:lstStyle/>
+        <a:p>
+          <a:endParaRPr lang="zh-CN" altLang="en-US"/>
+        </a:p>
+      </dgm:t>
     </dgm:pt>
     <dgm:pt modelId="{28359D5D-4C14-48F8-A7A3-D531F7503A44}" type="pres">
       <dgm:prSet presAssocID="{BBAC74C0-AFAF-4EEC-A18A-D7CD1032B512}" presName="compChildNode" presStyleCnt="0"/>
@@ -14007,12 +14252,19 @@
         </dgm:presLayoutVars>
       </dgm:prSet>
       <dgm:spPr/>
+      <dgm:t>
+        <a:bodyPr/>
+        <a:lstStyle/>
+        <a:p>
+          <a:endParaRPr lang="zh-CN" altLang="en-US"/>
+        </a:p>
+      </dgm:t>
     </dgm:pt>
   </dgm:ptLst>
   <dgm:cxnLst>
-    <dgm:cxn modelId="{5FE5E784-BEE7-49AB-9759-2941180722CE}" type="presOf" srcId="{BBAC74C0-AFAF-4EEC-A18A-D7CD1032B512}" destId="{810DECD8-BCD5-45B5-995C-135CF5BC7311}" srcOrd="1" destOrd="0" presId="urn:microsoft.com/office/officeart/2005/8/layout/lProcess2"/>
     <dgm:cxn modelId="{AA235977-1CFE-4853-9EF4-C18A99C07BD7}" type="presOf" srcId="{B6B458B6-C49C-4E62-B817-8D61EA35C9E2}" destId="{CAEAF694-BBE5-4504-971D-BE6DF26F7596}" srcOrd="0" destOrd="0" presId="urn:microsoft.com/office/officeart/2005/8/layout/lProcess2"/>
     <dgm:cxn modelId="{A8B2E7E8-F3B6-411A-9374-0EC32D82299D}" srcId="{06C5D7EB-30DF-4AA8-A0B6-A34A40F02264}" destId="{BBAC74C0-AFAF-4EEC-A18A-D7CD1032B512}" srcOrd="0" destOrd="0" parTransId="{D31D198D-735C-4C7B-939B-C711F58A4C2E}" sibTransId="{F611F841-C9B9-4978-84D4-9A0E50648A44}"/>
+    <dgm:cxn modelId="{5FE5E784-BEE7-49AB-9759-2941180722CE}" type="presOf" srcId="{BBAC74C0-AFAF-4EEC-A18A-D7CD1032B512}" destId="{810DECD8-BCD5-45B5-995C-135CF5BC7311}" srcOrd="1" destOrd="0" presId="urn:microsoft.com/office/officeart/2005/8/layout/lProcess2"/>
     <dgm:cxn modelId="{675BF1A7-D97A-409D-8AE8-04E10B6294CA}" srcId="{BBAC74C0-AFAF-4EEC-A18A-D7CD1032B512}" destId="{7C31D105-B766-4F65-96D4-7087F80D7483}" srcOrd="1" destOrd="0" parTransId="{C4440C3E-1049-4B72-A03B-BB7D3F6B6153}" sibTransId="{709DDE02-151C-41F4-B423-5DF9C2B8C513}"/>
     <dgm:cxn modelId="{F3A64847-242C-44A0-BE0A-F83C7FF5FA8E}" type="presOf" srcId="{06C5D7EB-30DF-4AA8-A0B6-A34A40F02264}" destId="{7199A2CF-8C74-4161-9B5A-98F5DB970852}" srcOrd="0" destOrd="0" presId="urn:microsoft.com/office/officeart/2005/8/layout/lProcess2"/>
     <dgm:cxn modelId="{A567A701-D0AE-40C7-8D3A-6BF8229098AF}" srcId="{BBAC74C0-AFAF-4EEC-A18A-D7CD1032B512}" destId="{B6B458B6-C49C-4E62-B817-8D61EA35C9E2}" srcOrd="0" destOrd="0" parTransId="{B24DCF30-0B61-4F6E-A7E8-8898D0C826F7}" sibTransId="{6EB415FB-D432-47FC-A47D-DCB2B8E0647E}"/>
@@ -14031,7 +14283,7 @@
   <dgm:whole/>
   <dgm:extLst>
     <a:ext uri="http://schemas.microsoft.com/office/drawing/2008/diagram">
-      <dsp:dataModelExt xmlns:dsp="http://schemas.microsoft.com/office/drawing/2008/diagram" relId="rId6" minVer="http://schemas.openxmlformats.org/drawingml/2006/diagram"/>
+      <dsp:dataModelExt xmlns:dsp="http://schemas.microsoft.com/office/drawing/2008/diagram" relId="rId7" minVer="http://schemas.openxmlformats.org/drawingml/2006/diagram"/>
     </a:ext>
   </dgm:extLst>
 </dgm:dataModel>
@@ -14134,6 +14386,13 @@
         </dgm:presLayoutVars>
       </dgm:prSet>
       <dgm:spPr/>
+      <dgm:t>
+        <a:bodyPr/>
+        <a:lstStyle/>
+        <a:p>
+          <a:endParaRPr lang="zh-CN" altLang="en-US"/>
+        </a:p>
+      </dgm:t>
     </dgm:pt>
     <dgm:pt modelId="{739B3DD2-526C-43D6-9A0D-41E427DBE9A7}" type="pres">
       <dgm:prSet presAssocID="{1A4904C9-71F7-4515-AB9A-2BD9116A8AB4}" presName="compNode" presStyleCnt="0"/>
@@ -14142,10 +14401,24 @@
     <dgm:pt modelId="{23466167-D1E6-4D1E-91B7-5A9EDF4ACAEA}" type="pres">
       <dgm:prSet presAssocID="{1A4904C9-71F7-4515-AB9A-2BD9116A8AB4}" presName="aNode" presStyleLbl="bgShp" presStyleIdx="0" presStyleCnt="1" custLinFactNeighborX="7886" custLinFactNeighborY="-3770"/>
       <dgm:spPr/>
+      <dgm:t>
+        <a:bodyPr/>
+        <a:lstStyle/>
+        <a:p>
+          <a:endParaRPr lang="zh-CN" altLang="en-US"/>
+        </a:p>
+      </dgm:t>
     </dgm:pt>
     <dgm:pt modelId="{2EFACC52-5840-4F0B-8F07-4B09F5221B5A}" type="pres">
       <dgm:prSet presAssocID="{1A4904C9-71F7-4515-AB9A-2BD9116A8AB4}" presName="textNode" presStyleLbl="bgShp" presStyleIdx="0" presStyleCnt="1"/>
       <dgm:spPr/>
+      <dgm:t>
+        <a:bodyPr/>
+        <a:lstStyle/>
+        <a:p>
+          <a:endParaRPr lang="zh-CN" altLang="en-US"/>
+        </a:p>
+      </dgm:t>
     </dgm:pt>
     <dgm:pt modelId="{FA01AA52-F906-41E2-8D16-576CDA196B18}" type="pres">
       <dgm:prSet presAssocID="{1A4904C9-71F7-4515-AB9A-2BD9116A8AB4}" presName="compChildNode" presStyleCnt="0"/>
@@ -14162,14 +14435,21 @@
         </dgm:presLayoutVars>
       </dgm:prSet>
       <dgm:spPr/>
+      <dgm:t>
+        <a:bodyPr/>
+        <a:lstStyle/>
+        <a:p>
+          <a:endParaRPr lang="zh-CN" altLang="en-US"/>
+        </a:p>
+      </dgm:t>
     </dgm:pt>
   </dgm:ptLst>
   <dgm:cxnLst>
-    <dgm:cxn modelId="{F2AFB1D8-8B0E-4DB5-A3B0-701387CA70BA}" srcId="{EAD733C0-886C-461E-968A-D6450EC3216F}" destId="{1A4904C9-71F7-4515-AB9A-2BD9116A8AB4}" srcOrd="0" destOrd="0" parTransId="{AB3D8B4F-EEAD-4CD0-BDC0-6E796C562A38}" sibTransId="{132DB0E7-1C40-4090-B826-5BB442756D0E}"/>
-    <dgm:cxn modelId="{A8C3972D-8C60-4B47-B5A1-E8D3BCDAB82C}" srcId="{1A4904C9-71F7-4515-AB9A-2BD9116A8AB4}" destId="{82BFB37D-9D05-41A8-AFB6-1E5A1840E6FF}" srcOrd="0" destOrd="0" parTransId="{0F754857-A383-4A94-9760-C24A32C640C7}" sibTransId="{FD2AB770-62CF-4565-AD9E-DC6449875A05}"/>
     <dgm:cxn modelId="{432F46E8-5842-46F7-97FD-5373B09E086D}" type="presOf" srcId="{82BFB37D-9D05-41A8-AFB6-1E5A1840E6FF}" destId="{07A7730B-F8A7-4B91-A1D4-454246A3D112}" srcOrd="0" destOrd="0" presId="urn:microsoft.com/office/officeart/2005/8/layout/lProcess2"/>
     <dgm:cxn modelId="{8989CADA-0415-4ED8-A968-1D55DFDF2671}" type="presOf" srcId="{EAD733C0-886C-461E-968A-D6450EC3216F}" destId="{3358AEC1-771C-4F1B-B86D-CAE637435C47}" srcOrd="0" destOrd="0" presId="urn:microsoft.com/office/officeart/2005/8/layout/lProcess2"/>
     <dgm:cxn modelId="{3EEF24F2-DC19-4568-A2E6-86B96D29DEC6}" type="presOf" srcId="{1A4904C9-71F7-4515-AB9A-2BD9116A8AB4}" destId="{2EFACC52-5840-4F0B-8F07-4B09F5221B5A}" srcOrd="1" destOrd="0" presId="urn:microsoft.com/office/officeart/2005/8/layout/lProcess2"/>
+    <dgm:cxn modelId="{A8C3972D-8C60-4B47-B5A1-E8D3BCDAB82C}" srcId="{1A4904C9-71F7-4515-AB9A-2BD9116A8AB4}" destId="{82BFB37D-9D05-41A8-AFB6-1E5A1840E6FF}" srcOrd="0" destOrd="0" parTransId="{0F754857-A383-4A94-9760-C24A32C640C7}" sibTransId="{FD2AB770-62CF-4565-AD9E-DC6449875A05}"/>
+    <dgm:cxn modelId="{F2AFB1D8-8B0E-4DB5-A3B0-701387CA70BA}" srcId="{EAD733C0-886C-461E-968A-D6450EC3216F}" destId="{1A4904C9-71F7-4515-AB9A-2BD9116A8AB4}" srcOrd="0" destOrd="0" parTransId="{AB3D8B4F-EEAD-4CD0-BDC0-6E796C562A38}" sibTransId="{132DB0E7-1C40-4090-B826-5BB442756D0E}"/>
     <dgm:cxn modelId="{64C64BE6-47C8-4B5F-81C1-A2090E0F0232}" type="presOf" srcId="{1A4904C9-71F7-4515-AB9A-2BD9116A8AB4}" destId="{23466167-D1E6-4D1E-91B7-5A9EDF4ACAEA}" srcOrd="0" destOrd="0" presId="urn:microsoft.com/office/officeart/2005/8/layout/lProcess2"/>
     <dgm:cxn modelId="{C46116EC-6FA0-4E29-B050-D4D7A2CFAB07}" type="presParOf" srcId="{3358AEC1-771C-4F1B-B86D-CAE637435C47}" destId="{739B3DD2-526C-43D6-9A0D-41E427DBE9A7}" srcOrd="0" destOrd="0" presId="urn:microsoft.com/office/officeart/2005/8/layout/lProcess2"/>
     <dgm:cxn modelId="{9AE189DE-7DFB-43C5-B39C-773161A3F679}" type="presParOf" srcId="{739B3DD2-526C-43D6-9A0D-41E427DBE9A7}" destId="{23466167-D1E6-4D1E-91B7-5A9EDF4ACAEA}" srcOrd="0" destOrd="0" presId="urn:microsoft.com/office/officeart/2005/8/layout/lProcess2"/>
@@ -14182,7 +14462,7 @@
   <dgm:whole/>
   <dgm:extLst>
     <a:ext uri="http://schemas.microsoft.com/office/drawing/2008/diagram">
-      <dsp:dataModelExt xmlns:dsp="http://schemas.microsoft.com/office/drawing/2008/diagram" relId="rId11" minVer="http://schemas.openxmlformats.org/drawingml/2006/diagram"/>
+      <dsp:dataModelExt xmlns:dsp="http://schemas.microsoft.com/office/drawing/2008/diagram" relId="rId12" minVer="http://schemas.openxmlformats.org/drawingml/2006/diagram"/>
     </a:ext>
   </dgm:extLst>
 </dgm:dataModel>
@@ -14433,6 +14713,13 @@
         </dgm:presLayoutVars>
       </dgm:prSet>
       <dgm:spPr/>
+      <dgm:t>
+        <a:bodyPr/>
+        <a:lstStyle/>
+        <a:p>
+          <a:endParaRPr lang="zh-CN" altLang="en-US"/>
+        </a:p>
+      </dgm:t>
     </dgm:pt>
     <dgm:pt modelId="{95E0E20F-46B3-414D-9144-97590ED320D4}" type="pres">
       <dgm:prSet presAssocID="{3E531B8F-95B3-4142-99D0-E89CEA863FC1}" presName="compNode" presStyleCnt="0"/>
@@ -14475,6 +14762,13 @@
         </dgm:presLayoutVars>
       </dgm:prSet>
       <dgm:spPr/>
+      <dgm:t>
+        <a:bodyPr/>
+        <a:lstStyle/>
+        <a:p>
+          <a:endParaRPr lang="zh-CN" altLang="en-US"/>
+        </a:p>
+      </dgm:t>
     </dgm:pt>
     <dgm:pt modelId="{F1C777D5-37A2-41D2-B1B1-15E648917D39}" type="pres">
       <dgm:prSet presAssocID="{278980BD-EE09-49E8-98AF-6BB9E47BD30A}" presName="aSpace2" presStyleCnt="0"/>
@@ -14487,6 +14781,13 @@
         </dgm:presLayoutVars>
       </dgm:prSet>
       <dgm:spPr/>
+      <dgm:t>
+        <a:bodyPr/>
+        <a:lstStyle/>
+        <a:p>
+          <a:endParaRPr lang="zh-CN" altLang="en-US"/>
+        </a:p>
+      </dgm:t>
     </dgm:pt>
     <dgm:pt modelId="{EA75F51B-0BE7-4709-A3EF-A8C4ECDFF6DF}" type="pres">
       <dgm:prSet presAssocID="{262EACC9-9BF4-4826-8D7B-5379C87306FB}" presName="aSpace2" presStyleCnt="0"/>
@@ -14499,6 +14800,13 @@
         </dgm:presLayoutVars>
       </dgm:prSet>
       <dgm:spPr/>
+      <dgm:t>
+        <a:bodyPr/>
+        <a:lstStyle/>
+        <a:p>
+          <a:endParaRPr lang="zh-CN" altLang="en-US"/>
+        </a:p>
+      </dgm:t>
     </dgm:pt>
     <dgm:pt modelId="{9BE263DB-02F3-46AF-B7A7-EC39E29FD003}" type="pres">
       <dgm:prSet presAssocID="{D31A3917-9F4B-41B2-829D-45598BE40084}" presName="aSpace2" presStyleCnt="0"/>
@@ -14511,6 +14819,13 @@
         </dgm:presLayoutVars>
       </dgm:prSet>
       <dgm:spPr/>
+      <dgm:t>
+        <a:bodyPr/>
+        <a:lstStyle/>
+        <a:p>
+          <a:endParaRPr lang="zh-CN" altLang="en-US"/>
+        </a:p>
+      </dgm:t>
     </dgm:pt>
     <dgm:pt modelId="{5D6B1D34-DC3A-49AA-9F3F-D2A0B63474F9}" type="pres">
       <dgm:prSet presAssocID="{F092A492-6B79-4237-BCE2-C1EA356889AA}" presName="aSpace2" presStyleCnt="0"/>
@@ -14523,23 +14838,30 @@
         </dgm:presLayoutVars>
       </dgm:prSet>
       <dgm:spPr/>
+      <dgm:t>
+        <a:bodyPr/>
+        <a:lstStyle/>
+        <a:p>
+          <a:endParaRPr lang="zh-CN" altLang="en-US"/>
+        </a:p>
+      </dgm:t>
     </dgm:pt>
   </dgm:ptLst>
   <dgm:cxnLst>
     <dgm:cxn modelId="{BAD8E07E-DE75-41EA-8F5D-9BFAA46A675B}" srcId="{18A139BB-F9F4-44C4-A361-F9374427387E}" destId="{3E531B8F-95B3-4142-99D0-E89CEA863FC1}" srcOrd="0" destOrd="0" parTransId="{1E4238ED-17A4-431A-983D-4F057FAB6960}" sibTransId="{A6CC5B9A-E424-41C4-8FDB-4340B5480956}"/>
+    <dgm:cxn modelId="{445D384A-D077-4975-9311-ACFFEB7DB63E}" type="presOf" srcId="{278980BD-EE09-49E8-98AF-6BB9E47BD30A}" destId="{5627D0BC-CFEF-400B-804C-F036EE8FDE53}" srcOrd="0" destOrd="0" presId="urn:microsoft.com/office/officeart/2005/8/layout/lProcess2"/>
+    <dgm:cxn modelId="{77E3033A-A8A8-4785-B39B-98C3D4EE904B}" srcId="{3E531B8F-95B3-4142-99D0-E89CEA863FC1}" destId="{262EACC9-9BF4-4826-8D7B-5379C87306FB}" srcOrd="1" destOrd="0" parTransId="{5C5D2FDC-19BB-40D6-BD15-0818D50073ED}" sibTransId="{8E5FCE0E-E8EF-4908-A24C-92FAE8ABBE80}"/>
+    <dgm:cxn modelId="{329E597F-4D0F-4B08-8974-9F84CCD89276}" srcId="{3E531B8F-95B3-4142-99D0-E89CEA863FC1}" destId="{D31A3917-9F4B-41B2-829D-45598BE40084}" srcOrd="2" destOrd="0" parTransId="{079BCCB5-B226-4574-BB23-4CCCB46408F8}" sibTransId="{040A57D4-07CE-4372-99FF-6FE2A21E0AE6}"/>
+    <dgm:cxn modelId="{F39CDC8A-0025-467D-8FAC-139E28573A88}" srcId="{3E531B8F-95B3-4142-99D0-E89CEA863FC1}" destId="{F7D0C54E-7A23-4A8B-A2AD-150B62314B10}" srcOrd="4" destOrd="0" parTransId="{606C779B-804C-4472-947F-B246ADC3155A}" sibTransId="{F44F0CDD-4408-4475-A25B-101B2CC634C9}"/>
+    <dgm:cxn modelId="{B7AA3806-6387-463B-A865-7C9A1635C025}" type="presOf" srcId="{3E531B8F-95B3-4142-99D0-E89CEA863FC1}" destId="{BA3A1DFE-532E-4B1B-BECE-B076D55FB20A}" srcOrd="1" destOrd="0" presId="urn:microsoft.com/office/officeart/2005/8/layout/lProcess2"/>
     <dgm:cxn modelId="{B5A1B5BF-C3AE-4D31-A529-45E61FD019F1}" type="presOf" srcId="{F092A492-6B79-4237-BCE2-C1EA356889AA}" destId="{9E996EA8-AB55-40C4-B5C6-8A33FF43BFE3}" srcOrd="0" destOrd="0" presId="urn:microsoft.com/office/officeart/2005/8/layout/lProcess2"/>
-    <dgm:cxn modelId="{5B4C4325-9352-4554-B83B-AB09685E0298}" type="presOf" srcId="{262EACC9-9BF4-4826-8D7B-5379C87306FB}" destId="{F82F9DC4-4C52-4CF4-8396-6747CEC8EFA2}" srcOrd="0" destOrd="0" presId="urn:microsoft.com/office/officeart/2005/8/layout/lProcess2"/>
-    <dgm:cxn modelId="{77E3033A-A8A8-4785-B39B-98C3D4EE904B}" srcId="{3E531B8F-95B3-4142-99D0-E89CEA863FC1}" destId="{262EACC9-9BF4-4826-8D7B-5379C87306FB}" srcOrd="1" destOrd="0" parTransId="{5C5D2FDC-19BB-40D6-BD15-0818D50073ED}" sibTransId="{8E5FCE0E-E8EF-4908-A24C-92FAE8ABBE80}"/>
-    <dgm:cxn modelId="{F39CDC8A-0025-467D-8FAC-139E28573A88}" srcId="{3E531B8F-95B3-4142-99D0-E89CEA863FC1}" destId="{F7D0C54E-7A23-4A8B-A2AD-150B62314B10}" srcOrd="4" destOrd="0" parTransId="{606C779B-804C-4472-947F-B246ADC3155A}" sibTransId="{F44F0CDD-4408-4475-A25B-101B2CC634C9}"/>
-    <dgm:cxn modelId="{A42124AD-DA8C-42B4-BAD7-EC7053DA393C}" type="presOf" srcId="{D31A3917-9F4B-41B2-829D-45598BE40084}" destId="{CD685331-3D19-4776-B1FD-660242CB0B95}" srcOrd="0" destOrd="0" presId="urn:microsoft.com/office/officeart/2005/8/layout/lProcess2"/>
-    <dgm:cxn modelId="{3F5DF841-A48F-4CE2-AFC2-45188DC7F2AC}" srcId="{3E531B8F-95B3-4142-99D0-E89CEA863FC1}" destId="{F092A492-6B79-4237-BCE2-C1EA356889AA}" srcOrd="3" destOrd="0" parTransId="{232360A5-DF5B-4D8F-AAB6-2848164F0F57}" sibTransId="{958C376C-983F-44C4-A1B0-F11C136A9357}"/>
     <dgm:cxn modelId="{2A50CC36-7E50-417A-8AFA-44C7DE3E0CD4}" type="presOf" srcId="{18A139BB-F9F4-44C4-A361-F9374427387E}" destId="{7F600001-1B6C-492E-926B-9680F46E0D65}" srcOrd="0" destOrd="0" presId="urn:microsoft.com/office/officeart/2005/8/layout/lProcess2"/>
-    <dgm:cxn modelId="{329E597F-4D0F-4B08-8974-9F84CCD89276}" srcId="{3E531B8F-95B3-4142-99D0-E89CEA863FC1}" destId="{D31A3917-9F4B-41B2-829D-45598BE40084}" srcOrd="2" destOrd="0" parTransId="{079BCCB5-B226-4574-BB23-4CCCB46408F8}" sibTransId="{040A57D4-07CE-4372-99FF-6FE2A21E0AE6}"/>
-    <dgm:cxn modelId="{697FD100-98AD-41D1-87E3-A0D749D7840F}" type="presOf" srcId="{F7D0C54E-7A23-4A8B-A2AD-150B62314B10}" destId="{0EA59F04-19DA-4F33-BE7D-5B4CDE16B763}" srcOrd="0" destOrd="0" presId="urn:microsoft.com/office/officeart/2005/8/layout/lProcess2"/>
     <dgm:cxn modelId="{82FD4E4E-8B08-4B47-97C8-6AA48DB7E564}" type="presOf" srcId="{3E531B8F-95B3-4142-99D0-E89CEA863FC1}" destId="{5A35A7F4-04D6-44F8-AD62-059367D3BA3B}" srcOrd="0" destOrd="0" presId="urn:microsoft.com/office/officeart/2005/8/layout/lProcess2"/>
     <dgm:cxn modelId="{1750AD13-0DAC-4E88-AABE-B865C45F6E6E}" srcId="{3E531B8F-95B3-4142-99D0-E89CEA863FC1}" destId="{278980BD-EE09-49E8-98AF-6BB9E47BD30A}" srcOrd="0" destOrd="0" parTransId="{396B6A2E-57B9-430F-BDBC-0AE1D500A97E}" sibTransId="{A1A84DEF-E00D-40C0-B9F7-0A659F3F627A}"/>
-    <dgm:cxn modelId="{445D384A-D077-4975-9311-ACFFEB7DB63E}" type="presOf" srcId="{278980BD-EE09-49E8-98AF-6BB9E47BD30A}" destId="{5627D0BC-CFEF-400B-804C-F036EE8FDE53}" srcOrd="0" destOrd="0" presId="urn:microsoft.com/office/officeart/2005/8/layout/lProcess2"/>
-    <dgm:cxn modelId="{B7AA3806-6387-463B-A865-7C9A1635C025}" type="presOf" srcId="{3E531B8F-95B3-4142-99D0-E89CEA863FC1}" destId="{BA3A1DFE-532E-4B1B-BECE-B076D55FB20A}" srcOrd="1" destOrd="0" presId="urn:microsoft.com/office/officeart/2005/8/layout/lProcess2"/>
+    <dgm:cxn modelId="{697FD100-98AD-41D1-87E3-A0D749D7840F}" type="presOf" srcId="{F7D0C54E-7A23-4A8B-A2AD-150B62314B10}" destId="{0EA59F04-19DA-4F33-BE7D-5B4CDE16B763}" srcOrd="0" destOrd="0" presId="urn:microsoft.com/office/officeart/2005/8/layout/lProcess2"/>
+    <dgm:cxn modelId="{5B4C4325-9352-4554-B83B-AB09685E0298}" type="presOf" srcId="{262EACC9-9BF4-4826-8D7B-5379C87306FB}" destId="{F82F9DC4-4C52-4CF4-8396-6747CEC8EFA2}" srcOrd="0" destOrd="0" presId="urn:microsoft.com/office/officeart/2005/8/layout/lProcess2"/>
+    <dgm:cxn modelId="{3F5DF841-A48F-4CE2-AFC2-45188DC7F2AC}" srcId="{3E531B8F-95B3-4142-99D0-E89CEA863FC1}" destId="{F092A492-6B79-4237-BCE2-C1EA356889AA}" srcOrd="3" destOrd="0" parTransId="{232360A5-DF5B-4D8F-AAB6-2848164F0F57}" sibTransId="{958C376C-983F-44C4-A1B0-F11C136A9357}"/>
+    <dgm:cxn modelId="{A42124AD-DA8C-42B4-BAD7-EC7053DA393C}" type="presOf" srcId="{D31A3917-9F4B-41B2-829D-45598BE40084}" destId="{CD685331-3D19-4776-B1FD-660242CB0B95}" srcOrd="0" destOrd="0" presId="urn:microsoft.com/office/officeart/2005/8/layout/lProcess2"/>
     <dgm:cxn modelId="{9A29142F-83D9-45B3-9427-C3D722BCCA4F}" type="presParOf" srcId="{7F600001-1B6C-492E-926B-9680F46E0D65}" destId="{95E0E20F-46B3-414D-9144-97590ED320D4}" srcOrd="0" destOrd="0" presId="urn:microsoft.com/office/officeart/2005/8/layout/lProcess2"/>
     <dgm:cxn modelId="{19D0E96D-473D-463B-B3B4-3B1BB1D31ED9}" type="presParOf" srcId="{95E0E20F-46B3-414D-9144-97590ED320D4}" destId="{5A35A7F4-04D6-44F8-AD62-059367D3BA3B}" srcOrd="0" destOrd="0" presId="urn:microsoft.com/office/officeart/2005/8/layout/lProcess2"/>
     <dgm:cxn modelId="{C002EB4B-F935-4E21-8FC8-F7CF22AD4F95}" type="presParOf" srcId="{95E0E20F-46B3-414D-9144-97590ED320D4}" destId="{BA3A1DFE-532E-4B1B-BECE-B076D55FB20A}" srcOrd="1" destOrd="0" presId="urn:microsoft.com/office/officeart/2005/8/layout/lProcess2"/>
@@ -14702,6 +15024,13 @@
         </dgm:presLayoutVars>
       </dgm:prSet>
       <dgm:spPr/>
+      <dgm:t>
+        <a:bodyPr/>
+        <a:lstStyle/>
+        <a:p>
+          <a:endParaRPr lang="zh-CN" altLang="en-US"/>
+        </a:p>
+      </dgm:t>
     </dgm:pt>
     <dgm:pt modelId="{F30869BF-24D1-4ED6-91A9-C875470E4A82}" type="pres">
       <dgm:prSet presAssocID="{6B491687-6D74-49B9-9DB6-D68697B5B666}" presName="root" presStyleCnt="0">
@@ -14805,13 +15134,13 @@
     </dgm:pt>
   </dgm:ptLst>
   <dgm:cxnLst>
+    <dgm:cxn modelId="{D1AD4D92-5022-4C01-92BE-985C73EE639E}" srcId="{91D4A3BC-5806-42CB-A6A9-D0FB1B50EC8E}" destId="{6B491687-6D74-49B9-9DB6-D68697B5B666}" srcOrd="0" destOrd="0" parTransId="{5E0E2BC3-153F-4A34-B921-1BD66550BDF6}" sibTransId="{362EE180-D735-4164-81C8-04DC0F0777CD}"/>
+    <dgm:cxn modelId="{2E62600C-ED36-4642-BC34-22C3D4FF2B3F}" type="presOf" srcId="{91D4A3BC-5806-42CB-A6A9-D0FB1B50EC8E}" destId="{BC8D151A-CF16-456A-ABB0-340E135DF14C}" srcOrd="0" destOrd="0" presId="urn:microsoft.com/office/officeart/2008/layout/PictureAccentList"/>
     <dgm:cxn modelId="{FF1EEB37-C42A-4304-9F7C-49EF3C27D593}" type="presOf" srcId="{0DC62EBD-24FE-4A74-8B43-4BAFA93FF515}" destId="{0A80A709-BD68-457B-A775-3EF5BABE291B}" srcOrd="0" destOrd="0" presId="urn:microsoft.com/office/officeart/2008/layout/PictureAccentList"/>
     <dgm:cxn modelId="{6AF12034-77D3-4E74-A5C7-89E0A41CDA70}" type="presOf" srcId="{223D9DF4-35AA-4513-9DBE-70C8797C7366}" destId="{AC83FA56-769A-43E0-BB48-890B7B9FB20F}" srcOrd="0" destOrd="0" presId="urn:microsoft.com/office/officeart/2008/layout/PictureAccentList"/>
-    <dgm:cxn modelId="{2E62600C-ED36-4642-BC34-22C3D4FF2B3F}" type="presOf" srcId="{91D4A3BC-5806-42CB-A6A9-D0FB1B50EC8E}" destId="{BC8D151A-CF16-456A-ABB0-340E135DF14C}" srcOrd="0" destOrd="0" presId="urn:microsoft.com/office/officeart/2008/layout/PictureAccentList"/>
-    <dgm:cxn modelId="{D1AD4D92-5022-4C01-92BE-985C73EE639E}" srcId="{91D4A3BC-5806-42CB-A6A9-D0FB1B50EC8E}" destId="{6B491687-6D74-49B9-9DB6-D68697B5B666}" srcOrd="0" destOrd="0" parTransId="{5E0E2BC3-153F-4A34-B921-1BD66550BDF6}" sibTransId="{362EE180-D735-4164-81C8-04DC0F0777CD}"/>
+    <dgm:cxn modelId="{6C132947-6EF5-4DCE-8F68-4087A3257081}" type="presOf" srcId="{6B491687-6D74-49B9-9DB6-D68697B5B666}" destId="{3B4D6DD0-F114-4B1F-9D3E-B22F577CC33B}" srcOrd="0" destOrd="0" presId="urn:microsoft.com/office/officeart/2008/layout/PictureAccentList"/>
     <dgm:cxn modelId="{77760A7E-1E77-4E90-9B71-F505D53DF507}" srcId="{6B491687-6D74-49B9-9DB6-D68697B5B666}" destId="{0DC62EBD-24FE-4A74-8B43-4BAFA93FF515}" srcOrd="1" destOrd="0" parTransId="{C9C56F3F-894E-4732-848C-6D91D3E3BB9B}" sibTransId="{43E8E68E-767C-472A-AE6C-055DCCB816AF}"/>
     <dgm:cxn modelId="{3C6C649F-8703-4D2F-B9B7-9EC4B73B0002}" srcId="{6B491687-6D74-49B9-9DB6-D68697B5B666}" destId="{223D9DF4-35AA-4513-9DBE-70C8797C7366}" srcOrd="0" destOrd="0" parTransId="{64EFEA6C-7D63-4821-8AD2-C6E4DFBBBEAE}" sibTransId="{4BC64880-6D88-4C55-B01E-B5EE49808F7D}"/>
-    <dgm:cxn modelId="{6C132947-6EF5-4DCE-8F68-4087A3257081}" type="presOf" srcId="{6B491687-6D74-49B9-9DB6-D68697B5B666}" destId="{3B4D6DD0-F114-4B1F-9D3E-B22F577CC33B}" srcOrd="0" destOrd="0" presId="urn:microsoft.com/office/officeart/2008/layout/PictureAccentList"/>
     <dgm:cxn modelId="{E361C8CC-9944-4833-9D67-D522DCAE837F}" type="presParOf" srcId="{BC8D151A-CF16-456A-ABB0-340E135DF14C}" destId="{F30869BF-24D1-4ED6-91A9-C875470E4A82}" srcOrd="0" destOrd="0" presId="urn:microsoft.com/office/officeart/2008/layout/PictureAccentList"/>
     <dgm:cxn modelId="{AC32D477-1B2F-4F7A-B23D-3C1F0BEBC8C6}" type="presParOf" srcId="{F30869BF-24D1-4ED6-91A9-C875470E4A82}" destId="{95EC5A0B-9B00-439C-A50E-68A6DAABD1DB}" srcOrd="0" destOrd="0" presId="urn:microsoft.com/office/officeart/2008/layout/PictureAccentList"/>
     <dgm:cxn modelId="{C926117B-B3C5-42A1-BD49-4218EF9666F7}" type="presParOf" srcId="{95EC5A0B-9B00-439C-A50E-68A6DAABD1DB}" destId="{3B4D6DD0-F114-4B1F-9D3E-B22F577CC33B}" srcOrd="0" destOrd="0" presId="urn:microsoft.com/office/officeart/2008/layout/PictureAccentList"/>
@@ -38472,7 +38801,520 @@
           <a:bodyPr/>
           <a:lstStyle/>
           <a:p>
+            <a:r>
+              <a:rPr lang="en-US" altLang="zh-CN" dirty="0" smtClean="0"/>
+              <a:t>Clock</a:t>
+            </a:r>
+            <a:r>
+              <a:rPr lang="zh-CN" altLang="en-US" dirty="0" smtClean="0"/>
+              <a:t>新建五个</a:t>
+            </a:r>
+            <a:r>
+              <a:rPr lang="en-US" altLang="zh-CN" dirty="0" err="1" smtClean="0"/>
+              <a:t>Qthread</a:t>
+            </a:r>
+            <a:r>
+              <a:rPr lang="zh-CN" altLang="en-US" dirty="0" smtClean="0"/>
+              <a:t>线程，每个线程调用对应的</a:t>
+            </a:r>
+            <a:r>
+              <a:rPr lang="en-US" altLang="zh-CN" dirty="0" smtClean="0"/>
+              <a:t>FDEMW</a:t>
+            </a:r>
+            <a:r>
+              <a:rPr lang="zh-CN" altLang="en-US" dirty="0" smtClean="0"/>
+              <a:t>函数，等待五个线程都结束后删除线程</a:t>
+            </a:r>
             <a:endParaRPr lang="zh-CN" altLang="en-US" dirty="0"/>
+          </a:p>
+        </p:txBody>
+      </p:sp>
+      <p:sp>
+        <p:nvSpPr>
+          <p:cNvPr id="4" name="灯片编号占位符 3"/>
+          <p:cNvSpPr>
+            <a:spLocks noGrp="1"/>
+          </p:cNvSpPr>
+          <p:nvPr>
+            <p:ph type="sldNum" sz="quarter" idx="10"/>
+          </p:nvPr>
+        </p:nvSpPr>
+        <p:spPr/>
+        <p:txBody>
+          <a:bodyPr/>
+          <a:lstStyle/>
+          <a:p>
+            <a:fld id="{00F122D4-C4E8-4D93-B0BC-968831B44AB8}" type="slidenum">
+              <a:rPr lang="zh-CN" altLang="en-US" smtClean="0"/>
+              <a:t>6</a:t>
+            </a:fld>
+            <a:endParaRPr lang="zh-CN" altLang="en-US"/>
+          </a:p>
+        </p:txBody>
+      </p:sp>
+    </p:spTree>
+    <p:extLst>
+      <p:ext uri="{BB962C8B-B14F-4D97-AF65-F5344CB8AC3E}">
+        <p14:creationId xmlns:p14="http://schemas.microsoft.com/office/powerpoint/2010/main" val="975004709"/>
+      </p:ext>
+    </p:extLst>
+  </p:cSld>
+  <p:clrMapOvr>
+    <a:masterClrMapping/>
+  </p:clrMapOvr>
+</p:notes>
+</file>
+
+<file path=ppt/notesSlides/notesSlide2.xml><?xml version="1.0" encoding="utf-8"?>
+<p:notes xmlns:a="http://schemas.openxmlformats.org/drawingml/2006/main" xmlns:r="http://schemas.openxmlformats.org/officeDocument/2006/relationships" xmlns:p="http://schemas.openxmlformats.org/presentationml/2006/main">
+  <p:cSld>
+    <p:spTree>
+      <p:nvGrpSpPr>
+        <p:cNvPr id="1" name=""/>
+        <p:cNvGrpSpPr/>
+        <p:nvPr/>
+      </p:nvGrpSpPr>
+      <p:grpSpPr>
+        <a:xfrm>
+          <a:off x="0" y="0"/>
+          <a:ext cx="0" cy="0"/>
+          <a:chOff x="0" y="0"/>
+          <a:chExt cx="0" cy="0"/>
+        </a:xfrm>
+      </p:grpSpPr>
+      <p:sp>
+        <p:nvSpPr>
+          <p:cNvPr id="2" name="幻灯片图像占位符 1"/>
+          <p:cNvSpPr>
+            <a:spLocks noGrp="1" noRot="1" noChangeAspect="1"/>
+          </p:cNvSpPr>
+          <p:nvPr>
+            <p:ph type="sldImg"/>
+          </p:nvPr>
+        </p:nvSpPr>
+        <p:spPr/>
+      </p:sp>
+      <p:sp>
+        <p:nvSpPr>
+          <p:cNvPr id="3" name="备注占位符 2"/>
+          <p:cNvSpPr>
+            <a:spLocks noGrp="1"/>
+          </p:cNvSpPr>
+          <p:nvPr>
+            <p:ph type="body" idx="1"/>
+          </p:nvPr>
+        </p:nvSpPr>
+        <p:spPr/>
+        <p:txBody>
+          <a:bodyPr/>
+          <a:lstStyle/>
+          <a:p>
+            <a:r>
+              <a:rPr lang="zh-CN" altLang="en-US" dirty="0" smtClean="0"/>
+              <a:t>实现真简单！</a:t>
+            </a:r>
+            <a:r>
+              <a:rPr lang="en-US" altLang="zh-CN" dirty="0" smtClean="0"/>
+              <a:t>~</a:t>
+            </a:r>
+          </a:p>
+        </p:txBody>
+      </p:sp>
+      <p:sp>
+        <p:nvSpPr>
+          <p:cNvPr id="4" name="灯片编号占位符 3"/>
+          <p:cNvSpPr>
+            <a:spLocks noGrp="1"/>
+          </p:cNvSpPr>
+          <p:nvPr>
+            <p:ph type="sldNum" sz="quarter" idx="10"/>
+          </p:nvPr>
+        </p:nvSpPr>
+        <p:spPr/>
+        <p:txBody>
+          <a:bodyPr/>
+          <a:lstStyle/>
+          <a:p>
+            <a:fld id="{00F122D4-C4E8-4D93-B0BC-968831B44AB8}" type="slidenum">
+              <a:rPr lang="zh-CN" altLang="en-US" smtClean="0"/>
+              <a:t>7</a:t>
+            </a:fld>
+            <a:endParaRPr lang="zh-CN" altLang="en-US"/>
+          </a:p>
+        </p:txBody>
+      </p:sp>
+    </p:spTree>
+    <p:extLst>
+      <p:ext uri="{BB962C8B-B14F-4D97-AF65-F5344CB8AC3E}">
+        <p14:creationId xmlns:p14="http://schemas.microsoft.com/office/powerpoint/2010/main" val="3568733195"/>
+      </p:ext>
+    </p:extLst>
+  </p:cSld>
+  <p:clrMapOvr>
+    <a:masterClrMapping/>
+  </p:clrMapOvr>
+</p:notes>
+</file>
+
+<file path=ppt/notesSlides/notesSlide3.xml><?xml version="1.0" encoding="utf-8"?>
+<p:notes xmlns:a="http://schemas.openxmlformats.org/drawingml/2006/main" xmlns:r="http://schemas.openxmlformats.org/officeDocument/2006/relationships" xmlns:p="http://schemas.openxmlformats.org/presentationml/2006/main">
+  <p:cSld>
+    <p:spTree>
+      <p:nvGrpSpPr>
+        <p:cNvPr id="1" name=""/>
+        <p:cNvGrpSpPr/>
+        <p:nvPr/>
+      </p:nvGrpSpPr>
+      <p:grpSpPr>
+        <a:xfrm>
+          <a:off x="0" y="0"/>
+          <a:ext cx="0" cy="0"/>
+          <a:chOff x="0" y="0"/>
+          <a:chExt cx="0" cy="0"/>
+        </a:xfrm>
+      </p:grpSpPr>
+      <p:sp>
+        <p:nvSpPr>
+          <p:cNvPr id="2" name="幻灯片图像占位符 1"/>
+          <p:cNvSpPr>
+            <a:spLocks noGrp="1" noRot="1" noChangeAspect="1"/>
+          </p:cNvSpPr>
+          <p:nvPr>
+            <p:ph type="sldImg"/>
+          </p:nvPr>
+        </p:nvSpPr>
+        <p:spPr/>
+      </p:sp>
+      <p:sp>
+        <p:nvSpPr>
+          <p:cNvPr id="3" name="备注占位符 2"/>
+          <p:cNvSpPr>
+            <a:spLocks noGrp="1"/>
+          </p:cNvSpPr>
+          <p:nvPr>
+            <p:ph type="body" idx="1"/>
+          </p:nvPr>
+        </p:nvSpPr>
+        <p:spPr/>
+        <p:txBody>
+          <a:bodyPr/>
+          <a:lstStyle/>
+          <a:p>
+            <a:r>
+              <a:rPr lang="en-US" altLang="zh-CN" dirty="0" smtClean="0"/>
+              <a:t>Clock()</a:t>
+            </a:r>
+            <a:r>
+              <a:rPr lang="zh-CN" altLang="en-US" dirty="0" smtClean="0"/>
+              <a:t>给五个子进程发送信息并回答询问，最后接受给出的结果</a:t>
+            </a:r>
+            <a:endParaRPr lang="zh-CN" altLang="en-US" dirty="0"/>
+          </a:p>
+        </p:txBody>
+      </p:sp>
+      <p:sp>
+        <p:nvSpPr>
+          <p:cNvPr id="4" name="灯片编号占位符 3"/>
+          <p:cNvSpPr>
+            <a:spLocks noGrp="1"/>
+          </p:cNvSpPr>
+          <p:nvPr>
+            <p:ph type="sldNum" sz="quarter" idx="10"/>
+          </p:nvPr>
+        </p:nvSpPr>
+        <p:spPr/>
+        <p:txBody>
+          <a:bodyPr/>
+          <a:lstStyle/>
+          <a:p>
+            <a:fld id="{00F122D4-C4E8-4D93-B0BC-968831B44AB8}" type="slidenum">
+              <a:rPr lang="zh-CN" altLang="en-US" smtClean="0"/>
+              <a:t>8</a:t>
+            </a:fld>
+            <a:endParaRPr lang="zh-CN" altLang="en-US"/>
+          </a:p>
+        </p:txBody>
+      </p:sp>
+    </p:spTree>
+    <p:extLst>
+      <p:ext uri="{BB962C8B-B14F-4D97-AF65-F5344CB8AC3E}">
+        <p14:creationId xmlns:p14="http://schemas.microsoft.com/office/powerpoint/2010/main" val="1841032193"/>
+      </p:ext>
+    </p:extLst>
+  </p:cSld>
+  <p:clrMapOvr>
+    <a:masterClrMapping/>
+  </p:clrMapOvr>
+</p:notes>
+</file>
+
+<file path=ppt/notesSlides/notesSlide4.xml><?xml version="1.0" encoding="utf-8"?>
+<p:notes xmlns:a="http://schemas.openxmlformats.org/drawingml/2006/main" xmlns:r="http://schemas.openxmlformats.org/officeDocument/2006/relationships" xmlns:p="http://schemas.openxmlformats.org/presentationml/2006/main">
+  <p:cSld>
+    <p:spTree>
+      <p:nvGrpSpPr>
+        <p:cNvPr id="1" name=""/>
+        <p:cNvGrpSpPr/>
+        <p:nvPr/>
+      </p:nvGrpSpPr>
+      <p:grpSpPr>
+        <a:xfrm>
+          <a:off x="0" y="0"/>
+          <a:ext cx="0" cy="0"/>
+          <a:chOff x="0" y="0"/>
+          <a:chExt cx="0" cy="0"/>
+        </a:xfrm>
+      </p:grpSpPr>
+      <p:sp>
+        <p:nvSpPr>
+          <p:cNvPr id="2" name="幻灯片图像占位符 1"/>
+          <p:cNvSpPr>
+            <a:spLocks noGrp="1" noRot="1" noChangeAspect="1"/>
+          </p:cNvSpPr>
+          <p:nvPr>
+            <p:ph type="sldImg"/>
+          </p:nvPr>
+        </p:nvSpPr>
+        <p:spPr/>
+      </p:sp>
+      <p:sp>
+        <p:nvSpPr>
+          <p:cNvPr id="3" name="备注占位符 2"/>
+          <p:cNvSpPr>
+            <a:spLocks noGrp="1"/>
+          </p:cNvSpPr>
+          <p:nvPr>
+            <p:ph type="body" idx="1"/>
+          </p:nvPr>
+        </p:nvSpPr>
+        <p:spPr/>
+        <p:txBody>
+          <a:bodyPr/>
+          <a:lstStyle/>
+          <a:p>
+            <a:r>
+              <a:rPr lang="zh-CN" altLang="en-US" dirty="0" smtClean="0"/>
+              <a:t>具体来说就是这么四个步骤，其中</a:t>
+            </a:r>
+            <a:r>
+              <a:rPr lang="en-US" altLang="zh-CN" dirty="0" smtClean="0"/>
+              <a:t>2</a:t>
+            </a:r>
+            <a:r>
+              <a:rPr lang="zh-CN" altLang="en-US" dirty="0" smtClean="0"/>
+              <a:t>、</a:t>
+            </a:r>
+            <a:r>
+              <a:rPr lang="en-US" altLang="zh-CN" dirty="0" smtClean="0"/>
+              <a:t>3</a:t>
+            </a:r>
+            <a:r>
+              <a:rPr lang="zh-CN" altLang="en-US" dirty="0" smtClean="0"/>
+              <a:t>可以多次重复发生</a:t>
+            </a:r>
+            <a:endParaRPr lang="en-US" altLang="zh-CN" dirty="0" smtClean="0"/>
+          </a:p>
+          <a:p>
+            <a:r>
+              <a:rPr lang="zh-CN" altLang="en-US" dirty="0" smtClean="0"/>
+              <a:t>返回后将</a:t>
+            </a:r>
+            <a:r>
+              <a:rPr lang="en-US" altLang="zh-CN" dirty="0" smtClean="0"/>
+              <a:t>done</a:t>
+            </a:r>
+            <a:r>
+              <a:rPr lang="zh-CN" altLang="en-US" dirty="0" smtClean="0"/>
+              <a:t>标记设为</a:t>
+            </a:r>
+            <a:r>
+              <a:rPr lang="en-US" altLang="zh-CN" dirty="0" smtClean="0"/>
+              <a:t>true</a:t>
+            </a:r>
+            <a:r>
+              <a:rPr lang="zh-CN" altLang="en-US" dirty="0" smtClean="0"/>
+              <a:t>，当</a:t>
+            </a:r>
+            <a:r>
+              <a:rPr lang="en-US" altLang="zh-CN" dirty="0" smtClean="0"/>
+              <a:t>FDEMW</a:t>
+            </a:r>
+            <a:r>
+              <a:rPr lang="zh-CN" altLang="en-US" dirty="0" smtClean="0"/>
+              <a:t>的标记都为</a:t>
+            </a:r>
+            <a:r>
+              <a:rPr lang="en-US" altLang="zh-CN" dirty="0" smtClean="0"/>
+              <a:t>true</a:t>
+            </a:r>
+            <a:r>
+              <a:rPr lang="zh-CN" altLang="en-US" dirty="0" smtClean="0"/>
+              <a:t>时发送结束信号，调用</a:t>
+            </a:r>
+            <a:r>
+              <a:rPr lang="en-US" altLang="zh-CN" dirty="0" err="1" smtClean="0"/>
+              <a:t>clock_end</a:t>
+            </a:r>
+            <a:r>
+              <a:rPr lang="en-US" altLang="zh-CN" dirty="0" smtClean="0"/>
+              <a:t>()</a:t>
+            </a:r>
+            <a:r>
+              <a:rPr lang="zh-CN" altLang="en-US" dirty="0" smtClean="0"/>
+              <a:t>善后</a:t>
+            </a:r>
+            <a:endParaRPr lang="en-US" altLang="zh-CN" dirty="0" smtClean="0"/>
+          </a:p>
+          <a:p>
+            <a:r>
+              <a:rPr lang="zh-CN" altLang="en-US" dirty="0" smtClean="0"/>
+              <a:t>子进程不要忘记</a:t>
+            </a:r>
+            <a:r>
+              <a:rPr lang="en-US" altLang="zh-CN" dirty="0" err="1" smtClean="0"/>
+              <a:t>fflush</a:t>
+            </a:r>
+            <a:r>
+              <a:rPr lang="zh-CN" altLang="en-US" dirty="0" smtClean="0"/>
+              <a:t>啊！这个东西会</a:t>
+            </a:r>
+            <a:r>
+              <a:rPr lang="zh-CN" altLang="en-US" dirty="0" smtClean="0"/>
+              <a:t>清空输出</a:t>
+            </a:r>
+            <a:r>
+              <a:rPr lang="zh-CN" altLang="en-US" dirty="0" smtClean="0"/>
+              <a:t>缓存，并发送</a:t>
+            </a:r>
+            <a:r>
+              <a:rPr lang="en-US" altLang="zh-CN" dirty="0" err="1" smtClean="0"/>
+              <a:t>ReadyRead</a:t>
+            </a:r>
+            <a:r>
+              <a:rPr lang="en-US" altLang="zh-CN" dirty="0" smtClean="0"/>
+              <a:t>()</a:t>
+            </a:r>
+            <a:r>
+              <a:rPr lang="zh-CN" altLang="en-US" dirty="0" smtClean="0"/>
+              <a:t>信号，告知父进程可以读取输出信息了</a:t>
+            </a:r>
+            <a:endParaRPr lang="en-US" altLang="zh-CN" dirty="0" smtClean="0"/>
+          </a:p>
+          <a:p>
+            <a:r>
+              <a:rPr lang="zh-CN" altLang="en-US" dirty="0" smtClean="0"/>
+              <a:t>这是不是颇有点交互题的意思</a:t>
+            </a:r>
+            <a:endParaRPr lang="en-US" altLang="zh-CN" dirty="0" smtClean="0"/>
+          </a:p>
+        </p:txBody>
+      </p:sp>
+      <p:sp>
+        <p:nvSpPr>
+          <p:cNvPr id="4" name="灯片编号占位符 3"/>
+          <p:cNvSpPr>
+            <a:spLocks noGrp="1"/>
+          </p:cNvSpPr>
+          <p:nvPr>
+            <p:ph type="sldNum" sz="quarter" idx="10"/>
+          </p:nvPr>
+        </p:nvSpPr>
+        <p:spPr/>
+        <p:txBody>
+          <a:bodyPr/>
+          <a:lstStyle/>
+          <a:p>
+            <a:fld id="{00F122D4-C4E8-4D93-B0BC-968831B44AB8}" type="slidenum">
+              <a:rPr lang="zh-CN" altLang="en-US" smtClean="0"/>
+              <a:t>9</a:t>
+            </a:fld>
+            <a:endParaRPr lang="zh-CN" altLang="en-US"/>
+          </a:p>
+        </p:txBody>
+      </p:sp>
+    </p:spTree>
+    <p:extLst>
+      <p:ext uri="{BB962C8B-B14F-4D97-AF65-F5344CB8AC3E}">
+        <p14:creationId xmlns:p14="http://schemas.microsoft.com/office/powerpoint/2010/main" val="1338277873"/>
+      </p:ext>
+    </p:extLst>
+  </p:cSld>
+  <p:clrMapOvr>
+    <a:masterClrMapping/>
+  </p:clrMapOvr>
+</p:notes>
+</file>
+
+<file path=ppt/notesSlides/notesSlide5.xml><?xml version="1.0" encoding="utf-8"?>
+<p:notes xmlns:a="http://schemas.openxmlformats.org/drawingml/2006/main" xmlns:r="http://schemas.openxmlformats.org/officeDocument/2006/relationships" xmlns:p="http://schemas.openxmlformats.org/presentationml/2006/main">
+  <p:cSld>
+    <p:spTree>
+      <p:nvGrpSpPr>
+        <p:cNvPr id="1" name=""/>
+        <p:cNvGrpSpPr/>
+        <p:nvPr/>
+      </p:nvGrpSpPr>
+      <p:grpSpPr>
+        <a:xfrm>
+          <a:off x="0" y="0"/>
+          <a:ext cx="0" cy="0"/>
+          <a:chOff x="0" y="0"/>
+          <a:chExt cx="0" cy="0"/>
+        </a:xfrm>
+      </p:grpSpPr>
+      <p:sp>
+        <p:nvSpPr>
+          <p:cNvPr id="2" name="幻灯片图像占位符 1"/>
+          <p:cNvSpPr>
+            <a:spLocks noGrp="1" noRot="1" noChangeAspect="1"/>
+          </p:cNvSpPr>
+          <p:nvPr>
+            <p:ph type="sldImg"/>
+          </p:nvPr>
+        </p:nvSpPr>
+        <p:spPr/>
+      </p:sp>
+      <p:sp>
+        <p:nvSpPr>
+          <p:cNvPr id="3" name="备注占位符 2"/>
+          <p:cNvSpPr>
+            <a:spLocks noGrp="1"/>
+          </p:cNvSpPr>
+          <p:nvPr>
+            <p:ph type="body" idx="1"/>
+          </p:nvPr>
+        </p:nvSpPr>
+        <p:spPr/>
+        <p:txBody>
+          <a:bodyPr/>
+          <a:lstStyle/>
+          <a:p>
+            <a:r>
+              <a:rPr lang="zh-CN" altLang="en-US" dirty="0" smtClean="0"/>
+              <a:t>（左侧有四个箭头，一个个、或者两个一组分开显示</a:t>
+            </a:r>
+            <a:endParaRPr lang="en-US" altLang="zh-CN" dirty="0" smtClean="0"/>
+          </a:p>
+          <a:p>
+            <a:r>
+              <a:rPr lang="zh-CN" altLang="en-US" dirty="0" smtClean="0"/>
+              <a:t>“拒绝”下面有个文本框啊，麻烦设计一个飞入动画）</a:t>
+            </a:r>
+            <a:endParaRPr lang="en-US" altLang="zh-CN" dirty="0" smtClean="0"/>
+          </a:p>
+          <a:p>
+            <a:r>
+              <a:rPr lang="zh-CN" altLang="en-US" dirty="0" smtClean="0"/>
+              <a:t>因为转发实在滥大街，这东西做出来并行度很烂啊</a:t>
+            </a:r>
+            <a:endParaRPr lang="en-US" altLang="zh-CN" dirty="0" smtClean="0"/>
+          </a:p>
+          <a:p>
+            <a:r>
+              <a:rPr lang="zh-CN" altLang="en-US" dirty="0" smtClean="0"/>
+              <a:t>这个不能接受，要修</a:t>
+            </a:r>
+            <a:endParaRPr lang="en-US" altLang="zh-CN" dirty="0" smtClean="0"/>
           </a:p>
         </p:txBody>
       </p:sp>
@@ -38512,7 +39354,7 @@
 </p:notes>
 </file>
 
-<file path=ppt/notesSlides/notesSlide2.xml><?xml version="1.0" encoding="utf-8"?>
+<file path=ppt/notesSlides/notesSlide6.xml><?xml version="1.0" encoding="utf-8"?>
 <p:notes xmlns:a="http://schemas.openxmlformats.org/drawingml/2006/main" xmlns:r="http://schemas.openxmlformats.org/officeDocument/2006/relationships" xmlns:p="http://schemas.openxmlformats.org/presentationml/2006/main">
   <p:cSld>
     <p:spTree>
@@ -38575,11 +39417,19 @@
             </a:pPr>
             <a:r>
               <a:rPr lang="zh-CN" altLang="en-US" dirty="0" smtClean="0"/>
-              <a:t>涉及转发的变量仅有这些</a:t>
+              <a:t>涉及</a:t>
             </a:r>
             <a:r>
               <a:rPr lang="zh-CN" altLang="en-US" dirty="0" smtClean="0"/>
-              <a:t>，将涉及转发的赋值操作移出并行操作过程，避免进程间、线程间的等待</a:t>
+              <a:t>转发的变量仅有这些，将涉及转发的赋值操作移出并行操作过程</a:t>
+            </a:r>
+            <a:r>
+              <a:rPr lang="zh-CN" altLang="en-US" dirty="0" smtClean="0"/>
+              <a:t>，避免进程</a:t>
+            </a:r>
+            <a:r>
+              <a:rPr lang="zh-CN" altLang="en-US" dirty="0" smtClean="0"/>
+              <a:t>间、线程间的等待</a:t>
             </a:r>
             <a:endParaRPr lang="zh-CN" altLang="en-US" dirty="0"/>
           </a:p>
@@ -38621,7 +39471,7 @@
 </p:notes>
 </file>
 
-<file path=ppt/notesSlides/notesSlide3.xml><?xml version="1.0" encoding="utf-8"?>
+<file path=ppt/notesSlides/notesSlide7.xml><?xml version="1.0" encoding="utf-8"?>
 <p:notes xmlns:a="http://schemas.openxmlformats.org/drawingml/2006/main" xmlns:r="http://schemas.openxmlformats.org/officeDocument/2006/relationships" xmlns:p="http://schemas.openxmlformats.org/presentationml/2006/main">
   <p:cSld>
     <p:spTree>
@@ -38860,6 +39710,198 @@
     <p:extLst>
       <p:ext uri="{BB962C8B-B14F-4D97-AF65-F5344CB8AC3E}">
         <p14:creationId xmlns:p14="http://schemas.microsoft.com/office/powerpoint/2010/main" val="505460372"/>
+      </p:ext>
+    </p:extLst>
+  </p:cSld>
+  <p:clrMapOvr>
+    <a:masterClrMapping/>
+  </p:clrMapOvr>
+</p:notes>
+</file>
+
+<file path=ppt/notesSlides/notesSlide8.xml><?xml version="1.0" encoding="utf-8"?>
+<p:notes xmlns:a="http://schemas.openxmlformats.org/drawingml/2006/main" xmlns:r="http://schemas.openxmlformats.org/officeDocument/2006/relationships" xmlns:p="http://schemas.openxmlformats.org/presentationml/2006/main">
+  <p:cSld>
+    <p:spTree>
+      <p:nvGrpSpPr>
+        <p:cNvPr id="1" name=""/>
+        <p:cNvGrpSpPr/>
+        <p:nvPr/>
+      </p:nvGrpSpPr>
+      <p:grpSpPr>
+        <a:xfrm>
+          <a:off x="0" y="0"/>
+          <a:ext cx="0" cy="0"/>
+          <a:chOff x="0" y="0"/>
+          <a:chExt cx="0" cy="0"/>
+        </a:xfrm>
+      </p:grpSpPr>
+      <p:sp>
+        <p:nvSpPr>
+          <p:cNvPr id="2" name="幻灯片图像占位符 1"/>
+          <p:cNvSpPr>
+            <a:spLocks noGrp="1" noRot="1" noChangeAspect="1"/>
+          </p:cNvSpPr>
+          <p:nvPr>
+            <p:ph type="sldImg"/>
+          </p:nvPr>
+        </p:nvSpPr>
+        <p:spPr/>
+      </p:sp>
+      <p:sp>
+        <p:nvSpPr>
+          <p:cNvPr id="3" name="备注占位符 2"/>
+          <p:cNvSpPr>
+            <a:spLocks noGrp="1"/>
+          </p:cNvSpPr>
+          <p:nvPr>
+            <p:ph type="body" idx="1"/>
+          </p:nvPr>
+        </p:nvSpPr>
+        <p:spPr/>
+        <p:txBody>
+          <a:bodyPr/>
+          <a:lstStyle/>
+          <a:p>
+            <a:r>
+              <a:rPr lang="zh-CN" altLang="en-US" dirty="0" smtClean="0"/>
+              <a:t>这个，我把</a:t>
+            </a:r>
+            <a:r>
+              <a:rPr lang="en-US" altLang="zh-CN" dirty="0" smtClean="0"/>
+              <a:t>100</a:t>
+            </a:r>
+            <a:r>
+              <a:rPr lang="zh-CN" altLang="en-US" dirty="0" smtClean="0"/>
+              <a:t>改成了</a:t>
+            </a:r>
+            <a:r>
+              <a:rPr lang="en-US" altLang="zh-CN" dirty="0" smtClean="0"/>
+              <a:t>1000</a:t>
+            </a:r>
+            <a:r>
+              <a:rPr lang="zh-CN" altLang="en-US" dirty="0" smtClean="0"/>
+              <a:t>，再跑一次吧</a:t>
+            </a:r>
+            <a:endParaRPr lang="zh-CN" altLang="en-US" dirty="0"/>
+          </a:p>
+        </p:txBody>
+      </p:sp>
+      <p:sp>
+        <p:nvSpPr>
+          <p:cNvPr id="4" name="灯片编号占位符 3"/>
+          <p:cNvSpPr>
+            <a:spLocks noGrp="1"/>
+          </p:cNvSpPr>
+          <p:nvPr>
+            <p:ph type="sldNum" sz="quarter" idx="10"/>
+          </p:nvPr>
+        </p:nvSpPr>
+        <p:spPr/>
+        <p:txBody>
+          <a:bodyPr/>
+          <a:lstStyle/>
+          <a:p>
+            <a:fld id="{00F122D4-C4E8-4D93-B0BC-968831B44AB8}" type="slidenum">
+              <a:rPr lang="zh-CN" altLang="en-US" smtClean="0"/>
+              <a:t>15</a:t>
+            </a:fld>
+            <a:endParaRPr lang="zh-CN" altLang="en-US"/>
+          </a:p>
+        </p:txBody>
+      </p:sp>
+    </p:spTree>
+    <p:extLst>
+      <p:ext uri="{BB962C8B-B14F-4D97-AF65-F5344CB8AC3E}">
+        <p14:creationId xmlns:p14="http://schemas.microsoft.com/office/powerpoint/2010/main" val="3837731719"/>
+      </p:ext>
+    </p:extLst>
+  </p:cSld>
+  <p:clrMapOvr>
+    <a:masterClrMapping/>
+  </p:clrMapOvr>
+</p:notes>
+</file>
+
+<file path=ppt/notesSlides/notesSlide9.xml><?xml version="1.0" encoding="utf-8"?>
+<p:notes xmlns:a="http://schemas.openxmlformats.org/drawingml/2006/main" xmlns:r="http://schemas.openxmlformats.org/officeDocument/2006/relationships" xmlns:p="http://schemas.openxmlformats.org/presentationml/2006/main">
+  <p:cSld>
+    <p:spTree>
+      <p:nvGrpSpPr>
+        <p:cNvPr id="1" name=""/>
+        <p:cNvGrpSpPr/>
+        <p:nvPr/>
+      </p:nvGrpSpPr>
+      <p:grpSpPr>
+        <a:xfrm>
+          <a:off x="0" y="0"/>
+          <a:ext cx="0" cy="0"/>
+          <a:chOff x="0" y="0"/>
+          <a:chExt cx="0" cy="0"/>
+        </a:xfrm>
+      </p:grpSpPr>
+      <p:sp>
+        <p:nvSpPr>
+          <p:cNvPr id="2" name="幻灯片图像占位符 1"/>
+          <p:cNvSpPr>
+            <a:spLocks noGrp="1" noRot="1" noChangeAspect="1"/>
+          </p:cNvSpPr>
+          <p:nvPr>
+            <p:ph type="sldImg"/>
+          </p:nvPr>
+        </p:nvSpPr>
+        <p:spPr/>
+      </p:sp>
+      <p:sp>
+        <p:nvSpPr>
+          <p:cNvPr id="3" name="备注占位符 2"/>
+          <p:cNvSpPr>
+            <a:spLocks noGrp="1"/>
+          </p:cNvSpPr>
+          <p:nvPr>
+            <p:ph type="body" idx="1"/>
+          </p:nvPr>
+        </p:nvSpPr>
+        <p:spPr/>
+        <p:txBody>
+          <a:bodyPr/>
+          <a:lstStyle/>
+          <a:p>
+            <a:r>
+              <a:rPr lang="zh-CN" altLang="en-US" dirty="0" smtClean="0"/>
+              <a:t>大修了一波</a:t>
+            </a:r>
+            <a:endParaRPr lang="zh-CN" altLang="en-US" dirty="0"/>
+          </a:p>
+        </p:txBody>
+      </p:sp>
+      <p:sp>
+        <p:nvSpPr>
+          <p:cNvPr id="4" name="灯片编号占位符 3"/>
+          <p:cNvSpPr>
+            <a:spLocks noGrp="1"/>
+          </p:cNvSpPr>
+          <p:nvPr>
+            <p:ph type="sldNum" sz="quarter" idx="10"/>
+          </p:nvPr>
+        </p:nvSpPr>
+        <p:spPr/>
+        <p:txBody>
+          <a:bodyPr/>
+          <a:lstStyle/>
+          <a:p>
+            <a:fld id="{00F122D4-C4E8-4D93-B0BC-968831B44AB8}" type="slidenum">
+              <a:rPr lang="zh-CN" altLang="en-US" smtClean="0"/>
+              <a:t>17</a:t>
+            </a:fld>
+            <a:endParaRPr lang="zh-CN" altLang="en-US"/>
+          </a:p>
+        </p:txBody>
+      </p:sp>
+    </p:spTree>
+    <p:extLst>
+      <p:ext uri="{BB962C8B-B14F-4D97-AF65-F5344CB8AC3E}">
+        <p14:creationId xmlns:p14="http://schemas.microsoft.com/office/powerpoint/2010/main" val="1837809132"/>
       </p:ext>
     </p:extLst>
   </p:cSld>
@@ -52222,7 +53264,7 @@
           <p:nvPr/>
         </p:nvPicPr>
         <p:blipFill>
-          <a:blip r:embed="rId2"/>
+          <a:blip r:embed="rId3"/>
           <a:stretch>
             <a:fillRect/>
           </a:stretch>
@@ -53576,7 +54618,7 @@
       <p:pic>
         <p:nvPicPr>
           <p:cNvPr id="24" name="图片 23">
-            <a:hlinkClick r:id="rId2"/>
+            <a:hlinkClick r:id="rId3"/>
           </p:cNvPr>
           <p:cNvPicPr>
             <a:picLocks noChangeAspect="1"/>
@@ -53584,7 +54626,7 @@
           <p:nvPr/>
         </p:nvPicPr>
         <p:blipFill>
-          <a:blip r:embed="rId3">
+          <a:blip r:embed="rId4">
             <a:extLst>
               <a:ext uri="{28A0092B-C50C-407E-A947-70E740481C1C}">
                 <a14:useLocalDpi xmlns:a14="http://schemas.microsoft.com/office/drawing/2010/main" val="0"/>
@@ -53623,7 +54665,7 @@
         </p:xfrm>
         <a:graphic>
           <a:graphicData uri="http://schemas.openxmlformats.org/drawingml/2006/diagram">
-            <dgm:relIds xmlns:dgm="http://schemas.openxmlformats.org/drawingml/2006/diagram" xmlns:r="http://schemas.openxmlformats.org/officeDocument/2006/relationships" r:dm="rId4" r:lo="rId5" r:qs="rId6" r:cs="rId7"/>
+            <dgm:relIds xmlns:dgm="http://schemas.openxmlformats.org/drawingml/2006/diagram" xmlns:r="http://schemas.openxmlformats.org/officeDocument/2006/relationships" r:dm="rId5" r:lo="rId6" r:qs="rId7" r:cs="rId8"/>
           </a:graphicData>
         </a:graphic>
       </p:graphicFrame>
@@ -53645,7 +54687,7 @@
         </p:xfrm>
         <a:graphic>
           <a:graphicData uri="http://schemas.openxmlformats.org/drawingml/2006/diagram">
-            <dgm:relIds xmlns:dgm="http://schemas.openxmlformats.org/drawingml/2006/diagram" xmlns:r="http://schemas.openxmlformats.org/officeDocument/2006/relationships" r:dm="rId9" r:lo="rId10" r:qs="rId11" r:cs="rId12"/>
+            <dgm:relIds xmlns:dgm="http://schemas.openxmlformats.org/drawingml/2006/diagram" xmlns:r="http://schemas.openxmlformats.org/officeDocument/2006/relationships" r:dm="rId10" r:lo="rId11" r:qs="rId12" r:cs="rId13"/>
           </a:graphicData>
         </a:graphic>
       </p:graphicFrame>
@@ -53667,7 +54709,7 @@
         </p:xfrm>
         <a:graphic>
           <a:graphicData uri="http://schemas.openxmlformats.org/drawingml/2006/diagram">
-            <dgm:relIds xmlns:dgm="http://schemas.openxmlformats.org/drawingml/2006/diagram" xmlns:r="http://schemas.openxmlformats.org/officeDocument/2006/relationships" r:dm="rId14" r:lo="rId15" r:qs="rId16" r:cs="rId17"/>
+            <dgm:relIds xmlns:dgm="http://schemas.openxmlformats.org/drawingml/2006/diagram" xmlns:r="http://schemas.openxmlformats.org/officeDocument/2006/relationships" r:dm="rId15" r:lo="rId16" r:qs="rId17" r:cs="rId18"/>
           </a:graphicData>
         </a:graphic>
       </p:graphicFrame>
@@ -54655,14 +55697,14 @@
           </a:ln>
           <a:extLst>
             <a:ext uri="{909E8E84-426E-40dd-AFC4-6F175D3DCCD1}">
-              <a14:hiddenFill xmlns:a14="http://schemas.microsoft.com/office/drawing/2010/main" xmlns="">
+              <a14:hiddenFill xmlns="" xmlns:a14="http://schemas.microsoft.com/office/drawing/2010/main">
                 <a:solidFill>
                   <a:srgbClr val="FFFFFF"/>
                 </a:solidFill>
               </a14:hiddenFill>
             </a:ext>
             <a:ext uri="{91240B29-F687-4f45-9708-019B960494DF}">
-              <a14:hiddenLine xmlns:a14="http://schemas.microsoft.com/office/drawing/2010/main" xmlns="" w="9525">
+              <a14:hiddenLine xmlns="" xmlns:a14="http://schemas.microsoft.com/office/drawing/2010/main" w="9525">
                 <a:solidFill>
                   <a:srgbClr val="000000"/>
                 </a:solidFill>
@@ -55165,14 +56207,14 @@
           </a:ln>
           <a:extLst>
             <a:ext uri="{909E8E84-426E-40dd-AFC4-6F175D3DCCD1}">
-              <a14:hiddenFill xmlns:a14="http://schemas.microsoft.com/office/drawing/2010/main" xmlns="">
+              <a14:hiddenFill xmlns="" xmlns:a14="http://schemas.microsoft.com/office/drawing/2010/main">
                 <a:solidFill>
                   <a:srgbClr val="FFFFFF"/>
                 </a:solidFill>
               </a14:hiddenFill>
             </a:ext>
             <a:ext uri="{91240B29-F687-4f45-9708-019B960494DF}">
-              <a14:hiddenLine xmlns:a14="http://schemas.microsoft.com/office/drawing/2010/main" xmlns="" w="9525">
+              <a14:hiddenLine xmlns="" xmlns:a14="http://schemas.microsoft.com/office/drawing/2010/main" w="9525">
                 <a:solidFill>
                   <a:srgbClr val="000000"/>
                 </a:solidFill>
@@ -55268,17 +56310,6 @@
               </a:rPr>
               <a:t>搭建方法</a:t>
             </a:r>
-            <a:endParaRPr lang="zh-CN" altLang="en-US" sz="2800" b="1" dirty="0">
-              <a:solidFill>
-                <a:schemeClr val="accent4">
-                  <a:lumMod val="20000"/>
-                  <a:lumOff val="80000"/>
-                </a:schemeClr>
-              </a:solidFill>
-              <a:latin typeface="Microsoft YaHei" charset="0"/>
-              <a:ea typeface="Microsoft YaHei" charset="0"/>
-              <a:cs typeface="Microsoft YaHei" charset="0"/>
-            </a:endParaRPr>
           </a:p>
         </p:txBody>
       </p:sp>
@@ -55675,14 +56706,14 @@
           </a:ln>
           <a:extLst>
             <a:ext uri="{909E8E84-426E-40dd-AFC4-6F175D3DCCD1}">
-              <a14:hiddenFill xmlns:a14="http://schemas.microsoft.com/office/drawing/2010/main" xmlns="">
+              <a14:hiddenFill xmlns="" xmlns:a14="http://schemas.microsoft.com/office/drawing/2010/main">
                 <a:solidFill>
                   <a:srgbClr val="FFFFFF"/>
                 </a:solidFill>
               </a14:hiddenFill>
             </a:ext>
             <a:ext uri="{91240B29-F687-4f45-9708-019B960494DF}">
-              <a14:hiddenLine xmlns:a14="http://schemas.microsoft.com/office/drawing/2010/main" xmlns="" w="9525">
+              <a14:hiddenLine xmlns="" xmlns:a14="http://schemas.microsoft.com/office/drawing/2010/main" w="9525">
                 <a:solidFill>
                   <a:srgbClr val="000000"/>
                 </a:solidFill>
@@ -56199,14 +57230,14 @@
           </a:ln>
           <a:extLst>
             <a:ext uri="{909E8E84-426E-40dd-AFC4-6F175D3DCCD1}">
-              <a14:hiddenFill xmlns:a14="http://schemas.microsoft.com/office/drawing/2010/main" xmlns="">
+              <a14:hiddenFill xmlns="" xmlns:a14="http://schemas.microsoft.com/office/drawing/2010/main">
                 <a:solidFill>
                   <a:srgbClr val="FFFFFF"/>
                 </a:solidFill>
               </a14:hiddenFill>
             </a:ext>
             <a:ext uri="{91240B29-F687-4f45-9708-019B960494DF}">
-              <a14:hiddenLine xmlns:a14="http://schemas.microsoft.com/office/drawing/2010/main" xmlns="" w="9525">
+              <a14:hiddenLine xmlns="" xmlns:a14="http://schemas.microsoft.com/office/drawing/2010/main" w="9525">
                 <a:solidFill>
                   <a:srgbClr val="000000"/>
                 </a:solidFill>
@@ -56709,14 +57740,14 @@
           </a:ln>
           <a:extLst>
             <a:ext uri="{909E8E84-426E-40dd-AFC4-6F175D3DCCD1}">
-              <a14:hiddenFill xmlns:a14="http://schemas.microsoft.com/office/drawing/2010/main" xmlns="">
+              <a14:hiddenFill xmlns="" xmlns:a14="http://schemas.microsoft.com/office/drawing/2010/main">
                 <a:solidFill>
                   <a:srgbClr val="FFFFFF"/>
                 </a:solidFill>
               </a14:hiddenFill>
             </a:ext>
             <a:ext uri="{91240B29-F687-4f45-9708-019B960494DF}">
-              <a14:hiddenLine xmlns:a14="http://schemas.microsoft.com/office/drawing/2010/main" xmlns="" w="9525">
+              <a14:hiddenLine xmlns="" xmlns:a14="http://schemas.microsoft.com/office/drawing/2010/main" w="9525">
                 <a:solidFill>
                   <a:srgbClr val="000000"/>
                 </a:solidFill>
@@ -59998,7 +61029,7 @@
         </p:xfrm>
         <a:graphic>
           <a:graphicData uri="http://schemas.openxmlformats.org/drawingml/2006/diagram">
-            <dgm:relIds xmlns:dgm="http://schemas.openxmlformats.org/drawingml/2006/diagram" xmlns:r="http://schemas.openxmlformats.org/officeDocument/2006/relationships" r:dm="rId2" r:lo="rId3" r:qs="rId4" r:cs="rId5"/>
+            <dgm:relIds xmlns:dgm="http://schemas.openxmlformats.org/drawingml/2006/diagram" xmlns:r="http://schemas.openxmlformats.org/officeDocument/2006/relationships" r:dm="rId3" r:lo="rId4" r:qs="rId5" r:cs="rId6"/>
           </a:graphicData>
         </a:graphic>
       </p:graphicFrame>
@@ -60020,7 +61051,7 @@
         </p:xfrm>
         <a:graphic>
           <a:graphicData uri="http://schemas.openxmlformats.org/drawingml/2006/diagram">
-            <dgm:relIds xmlns:dgm="http://schemas.openxmlformats.org/drawingml/2006/diagram" xmlns:r="http://schemas.openxmlformats.org/officeDocument/2006/relationships" r:dm="rId7" r:lo="rId8" r:qs="rId9" r:cs="rId10"/>
+            <dgm:relIds xmlns:dgm="http://schemas.openxmlformats.org/drawingml/2006/diagram" xmlns:r="http://schemas.openxmlformats.org/officeDocument/2006/relationships" r:dm="rId8" r:lo="rId9" r:qs="rId10" r:cs="rId11"/>
           </a:graphicData>
         </a:graphic>
       </p:graphicFrame>
@@ -60422,7 +61453,7 @@
         </p:xfrm>
         <a:graphic>
           <a:graphicData uri="http://schemas.openxmlformats.org/drawingml/2006/diagram">
-            <dgm:relIds xmlns:dgm="http://schemas.openxmlformats.org/drawingml/2006/diagram" xmlns:r="http://schemas.openxmlformats.org/officeDocument/2006/relationships" r:dm="rId2" r:lo="rId3" r:qs="rId4" r:cs="rId5"/>
+            <dgm:relIds xmlns:dgm="http://schemas.openxmlformats.org/drawingml/2006/diagram" xmlns:r="http://schemas.openxmlformats.org/officeDocument/2006/relationships" r:dm="rId3" r:lo="rId4" r:qs="rId5" r:cs="rId6"/>
           </a:graphicData>
         </a:graphic>
       </p:graphicFrame>
@@ -60530,7 +61561,6 @@
               <a:rPr lang="zh-CN" altLang="en-US" dirty="0"/>
               <a:t>进程</a:t>
             </a:r>
-            <a:endParaRPr lang="zh-CN" altLang="en-US" dirty="0"/>
           </a:p>
         </p:txBody>
       </p:sp>
@@ -60552,7 +61582,7 @@
         </p:xfrm>
         <a:graphic>
           <a:graphicData uri="http://schemas.openxmlformats.org/drawingml/2006/diagram">
-            <dgm:relIds xmlns:dgm="http://schemas.openxmlformats.org/drawingml/2006/diagram" xmlns:r="http://schemas.openxmlformats.org/officeDocument/2006/relationships" r:dm="rId2" r:lo="rId3" r:qs="rId4" r:cs="rId5"/>
+            <dgm:relIds xmlns:dgm="http://schemas.openxmlformats.org/drawingml/2006/diagram" xmlns:r="http://schemas.openxmlformats.org/officeDocument/2006/relationships" r:dm="rId3" r:lo="rId4" r:qs="rId5" r:cs="rId6"/>
           </a:graphicData>
         </a:graphic>
       </p:graphicFrame>
@@ -60574,7 +61604,7 @@
         </p:xfrm>
         <a:graphic>
           <a:graphicData uri="http://schemas.openxmlformats.org/drawingml/2006/diagram">
-            <dgm:relIds xmlns:dgm="http://schemas.openxmlformats.org/drawingml/2006/diagram" xmlns:r="http://schemas.openxmlformats.org/officeDocument/2006/relationships" r:dm="rId7" r:lo="rId8" r:qs="rId9" r:cs="rId10"/>
+            <dgm:relIds xmlns:dgm="http://schemas.openxmlformats.org/drawingml/2006/diagram" xmlns:r="http://schemas.openxmlformats.org/officeDocument/2006/relationships" r:dm="rId8" r:lo="rId9" r:qs="rId10" r:cs="rId11"/>
           </a:graphicData>
         </a:graphic>
       </p:graphicFrame>
@@ -60958,7 +61988,6 @@
               <a:rPr lang="zh-CN" altLang="en-US" dirty="0"/>
               <a:t>进程</a:t>
             </a:r>
-            <a:endParaRPr lang="zh-CN" altLang="en-US" dirty="0"/>
           </a:p>
         </p:txBody>
       </p:sp>
@@ -60980,7 +62009,7 @@
         </p:xfrm>
         <a:graphic>
           <a:graphicData uri="http://schemas.openxmlformats.org/drawingml/2006/diagram">
-            <dgm:relIds xmlns:dgm="http://schemas.openxmlformats.org/drawingml/2006/diagram" xmlns:r="http://schemas.openxmlformats.org/officeDocument/2006/relationships" r:dm="rId2" r:lo="rId3" r:qs="rId4" r:cs="rId5"/>
+            <dgm:relIds xmlns:dgm="http://schemas.openxmlformats.org/drawingml/2006/diagram" xmlns:r="http://schemas.openxmlformats.org/officeDocument/2006/relationships" r:dm="rId3" r:lo="rId4" r:qs="rId5" r:cs="rId6"/>
           </a:graphicData>
         </a:graphic>
       </p:graphicFrame>
@@ -61002,7 +62031,7 @@
         </p:xfrm>
         <a:graphic>
           <a:graphicData uri="http://schemas.openxmlformats.org/drawingml/2006/diagram">
-            <dgm:relIds xmlns:dgm="http://schemas.openxmlformats.org/drawingml/2006/diagram" xmlns:r="http://schemas.openxmlformats.org/officeDocument/2006/relationships" r:dm="rId7" r:lo="rId8" r:qs="rId9" r:cs="rId10"/>
+            <dgm:relIds xmlns:dgm="http://schemas.openxmlformats.org/drawingml/2006/diagram" xmlns:r="http://schemas.openxmlformats.org/officeDocument/2006/relationships" r:dm="rId8" r:lo="rId9" r:qs="rId10" r:cs="rId11"/>
           </a:graphicData>
         </a:graphic>
       </p:graphicFrame>

--- a/pre.pptx
+++ b/pre.pptx
@@ -5,10 +5,10 @@
     <p:sldMasterId id="2147483674" r:id="rId1"/>
   </p:sldMasterIdLst>
   <p:notesMasterIdLst>
-    <p:notesMasterId r:id="rId22"/>
+    <p:notesMasterId r:id="rId21"/>
   </p:notesMasterIdLst>
   <p:handoutMasterIdLst>
-    <p:handoutMasterId r:id="rId23"/>
+    <p:handoutMasterId r:id="rId22"/>
   </p:handoutMasterIdLst>
   <p:sldIdLst>
     <p:sldId id="277" r:id="rId2"/>
@@ -30,7 +30,6 @@
     <p:sldId id="289" r:id="rId18"/>
     <p:sldId id="293" r:id="rId19"/>
     <p:sldId id="290" r:id="rId20"/>
-    <p:sldId id="267" r:id="rId21"/>
   </p:sldIdLst>
   <p:sldSz cx="12192000" cy="6858000"/>
   <p:notesSz cx="6858000" cy="9144000"/>
@@ -3902,753 +3901,6 @@
 </file>
 
 <file path=ppt/diagrams/colors14.xml><?xml version="1.0" encoding="utf-8"?>
-<dgm:colorsDef xmlns:dgm="http://schemas.openxmlformats.org/drawingml/2006/diagram" xmlns:a="http://schemas.openxmlformats.org/drawingml/2006/main" uniqueId="urn:microsoft.com/office/officeart/2005/8/colors/accent1_2">
-  <dgm:title val=""/>
-  <dgm:desc val=""/>
-  <dgm:catLst>
-    <dgm:cat type="accent1" pri="11200"/>
-  </dgm:catLst>
-  <dgm:styleLbl name="node0">
-    <dgm:fillClrLst meth="repeat">
-      <a:schemeClr val="accent1"/>
-    </dgm:fillClrLst>
-    <dgm:linClrLst meth="repeat">
-      <a:schemeClr val="lt1"/>
-    </dgm:linClrLst>
-    <dgm:effectClrLst/>
-    <dgm:txLinClrLst/>
-    <dgm:txFillClrLst/>
-    <dgm:txEffectClrLst/>
-  </dgm:styleLbl>
-  <dgm:styleLbl name="alignNode1">
-    <dgm:fillClrLst meth="repeat">
-      <a:schemeClr val="accent1"/>
-    </dgm:fillClrLst>
-    <dgm:linClrLst meth="repeat">
-      <a:schemeClr val="accent1"/>
-    </dgm:linClrLst>
-    <dgm:effectClrLst/>
-    <dgm:txLinClrLst/>
-    <dgm:txFillClrLst/>
-    <dgm:txEffectClrLst/>
-  </dgm:styleLbl>
-  <dgm:styleLbl name="node1">
-    <dgm:fillClrLst meth="repeat">
-      <a:schemeClr val="accent1"/>
-    </dgm:fillClrLst>
-    <dgm:linClrLst meth="repeat">
-      <a:schemeClr val="lt1"/>
-    </dgm:linClrLst>
-    <dgm:effectClrLst/>
-    <dgm:txLinClrLst/>
-    <dgm:txFillClrLst/>
-    <dgm:txEffectClrLst/>
-  </dgm:styleLbl>
-  <dgm:styleLbl name="lnNode1">
-    <dgm:fillClrLst meth="repeat">
-      <a:schemeClr val="accent1"/>
-    </dgm:fillClrLst>
-    <dgm:linClrLst meth="repeat">
-      <a:schemeClr val="lt1"/>
-    </dgm:linClrLst>
-    <dgm:effectClrLst/>
-    <dgm:txLinClrLst/>
-    <dgm:txFillClrLst/>
-    <dgm:txEffectClrLst/>
-  </dgm:styleLbl>
-  <dgm:styleLbl name="vennNode1">
-    <dgm:fillClrLst meth="repeat">
-      <a:schemeClr val="accent1">
-        <a:alpha val="50000"/>
-      </a:schemeClr>
-    </dgm:fillClrLst>
-    <dgm:linClrLst meth="repeat">
-      <a:schemeClr val="lt1"/>
-    </dgm:linClrLst>
-    <dgm:effectClrLst/>
-    <dgm:txLinClrLst/>
-    <dgm:txFillClrLst/>
-    <dgm:txEffectClrLst/>
-  </dgm:styleLbl>
-  <dgm:styleLbl name="node2">
-    <dgm:fillClrLst meth="repeat">
-      <a:schemeClr val="accent1"/>
-    </dgm:fillClrLst>
-    <dgm:linClrLst meth="repeat">
-      <a:schemeClr val="lt1"/>
-    </dgm:linClrLst>
-    <dgm:effectClrLst/>
-    <dgm:txLinClrLst/>
-    <dgm:txFillClrLst/>
-    <dgm:txEffectClrLst/>
-  </dgm:styleLbl>
-  <dgm:styleLbl name="node3">
-    <dgm:fillClrLst meth="repeat">
-      <a:schemeClr val="accent1"/>
-    </dgm:fillClrLst>
-    <dgm:linClrLst meth="repeat">
-      <a:schemeClr val="lt1"/>
-    </dgm:linClrLst>
-    <dgm:effectClrLst/>
-    <dgm:txLinClrLst/>
-    <dgm:txFillClrLst/>
-    <dgm:txEffectClrLst/>
-  </dgm:styleLbl>
-  <dgm:styleLbl name="node4">
-    <dgm:fillClrLst meth="repeat">
-      <a:schemeClr val="accent1"/>
-    </dgm:fillClrLst>
-    <dgm:linClrLst meth="repeat">
-      <a:schemeClr val="lt1"/>
-    </dgm:linClrLst>
-    <dgm:effectClrLst/>
-    <dgm:txLinClrLst/>
-    <dgm:txFillClrLst/>
-    <dgm:txEffectClrLst/>
-  </dgm:styleLbl>
-  <dgm:styleLbl name="fgImgPlace1">
-    <dgm:fillClrLst meth="repeat">
-      <a:schemeClr val="accent1">
-        <a:tint val="50000"/>
-      </a:schemeClr>
-    </dgm:fillClrLst>
-    <dgm:linClrLst meth="repeat">
-      <a:schemeClr val="lt1"/>
-    </dgm:linClrLst>
-    <dgm:effectClrLst/>
-    <dgm:txLinClrLst/>
-    <dgm:txFillClrLst meth="repeat">
-      <a:schemeClr val="lt1"/>
-    </dgm:txFillClrLst>
-    <dgm:txEffectClrLst/>
-  </dgm:styleLbl>
-  <dgm:styleLbl name="alignImgPlace1">
-    <dgm:fillClrLst meth="repeat">
-      <a:schemeClr val="accent1">
-        <a:tint val="50000"/>
-      </a:schemeClr>
-    </dgm:fillClrLst>
-    <dgm:linClrLst meth="repeat">
-      <a:schemeClr val="lt1"/>
-    </dgm:linClrLst>
-    <dgm:effectClrLst/>
-    <dgm:txLinClrLst/>
-    <dgm:txFillClrLst meth="repeat">
-      <a:schemeClr val="lt1"/>
-    </dgm:txFillClrLst>
-    <dgm:txEffectClrLst/>
-  </dgm:styleLbl>
-  <dgm:styleLbl name="bgImgPlace1">
-    <dgm:fillClrLst meth="repeat">
-      <a:schemeClr val="accent1">
-        <a:tint val="50000"/>
-      </a:schemeClr>
-    </dgm:fillClrLst>
-    <dgm:linClrLst meth="repeat">
-      <a:schemeClr val="lt1"/>
-    </dgm:linClrLst>
-    <dgm:effectClrLst/>
-    <dgm:txLinClrLst/>
-    <dgm:txFillClrLst meth="repeat">
-      <a:schemeClr val="lt1"/>
-    </dgm:txFillClrLst>
-    <dgm:txEffectClrLst/>
-  </dgm:styleLbl>
-  <dgm:styleLbl name="sibTrans2D1">
-    <dgm:fillClrLst meth="repeat">
-      <a:schemeClr val="accent1">
-        <a:tint val="60000"/>
-      </a:schemeClr>
-    </dgm:fillClrLst>
-    <dgm:linClrLst meth="repeat">
-      <a:schemeClr val="accent1">
-        <a:tint val="60000"/>
-      </a:schemeClr>
-    </dgm:linClrLst>
-    <dgm:effectClrLst/>
-    <dgm:txLinClrLst/>
-    <dgm:txFillClrLst/>
-    <dgm:txEffectClrLst/>
-  </dgm:styleLbl>
-  <dgm:styleLbl name="fgSibTrans2D1">
-    <dgm:fillClrLst meth="repeat">
-      <a:schemeClr val="accent1">
-        <a:tint val="60000"/>
-      </a:schemeClr>
-    </dgm:fillClrLst>
-    <dgm:linClrLst meth="repeat">
-      <a:schemeClr val="accent1">
-        <a:tint val="60000"/>
-      </a:schemeClr>
-    </dgm:linClrLst>
-    <dgm:effectClrLst/>
-    <dgm:txLinClrLst/>
-    <dgm:txFillClrLst/>
-    <dgm:txEffectClrLst/>
-  </dgm:styleLbl>
-  <dgm:styleLbl name="bgSibTrans2D1">
-    <dgm:fillClrLst meth="repeat">
-      <a:schemeClr val="accent1">
-        <a:tint val="60000"/>
-      </a:schemeClr>
-    </dgm:fillClrLst>
-    <dgm:linClrLst meth="repeat">
-      <a:schemeClr val="accent1">
-        <a:tint val="60000"/>
-      </a:schemeClr>
-    </dgm:linClrLst>
-    <dgm:effectClrLst/>
-    <dgm:txLinClrLst/>
-    <dgm:txFillClrLst/>
-    <dgm:txEffectClrLst/>
-  </dgm:styleLbl>
-  <dgm:styleLbl name="sibTrans1D1">
-    <dgm:fillClrLst meth="repeat">
-      <a:schemeClr val="accent1"/>
-    </dgm:fillClrLst>
-    <dgm:linClrLst meth="repeat">
-      <a:schemeClr val="accent1"/>
-    </dgm:linClrLst>
-    <dgm:effectClrLst/>
-    <dgm:txLinClrLst/>
-    <dgm:txFillClrLst meth="repeat">
-      <a:schemeClr val="tx1"/>
-    </dgm:txFillClrLst>
-    <dgm:txEffectClrLst/>
-  </dgm:styleLbl>
-  <dgm:styleLbl name="callout">
-    <dgm:fillClrLst meth="repeat">
-      <a:schemeClr val="accent1"/>
-    </dgm:fillClrLst>
-    <dgm:linClrLst meth="repeat">
-      <a:schemeClr val="accent1">
-        <a:tint val="50000"/>
-      </a:schemeClr>
-    </dgm:linClrLst>
-    <dgm:effectClrLst/>
-    <dgm:txLinClrLst/>
-    <dgm:txFillClrLst meth="repeat">
-      <a:schemeClr val="tx1"/>
-    </dgm:txFillClrLst>
-    <dgm:txEffectClrLst/>
-  </dgm:styleLbl>
-  <dgm:styleLbl name="asst0">
-    <dgm:fillClrLst meth="repeat">
-      <a:schemeClr val="accent1"/>
-    </dgm:fillClrLst>
-    <dgm:linClrLst meth="repeat">
-      <a:schemeClr val="lt1"/>
-    </dgm:linClrLst>
-    <dgm:effectClrLst/>
-    <dgm:txLinClrLst/>
-    <dgm:txFillClrLst/>
-    <dgm:txEffectClrLst/>
-  </dgm:styleLbl>
-  <dgm:styleLbl name="asst1">
-    <dgm:fillClrLst meth="repeat">
-      <a:schemeClr val="accent1"/>
-    </dgm:fillClrLst>
-    <dgm:linClrLst meth="repeat">
-      <a:schemeClr val="lt1"/>
-    </dgm:linClrLst>
-    <dgm:effectClrLst/>
-    <dgm:txLinClrLst/>
-    <dgm:txFillClrLst/>
-    <dgm:txEffectClrLst/>
-  </dgm:styleLbl>
-  <dgm:styleLbl name="asst2">
-    <dgm:fillClrLst meth="repeat">
-      <a:schemeClr val="accent1"/>
-    </dgm:fillClrLst>
-    <dgm:linClrLst meth="repeat">
-      <a:schemeClr val="lt1"/>
-    </dgm:linClrLst>
-    <dgm:effectClrLst/>
-    <dgm:txLinClrLst/>
-    <dgm:txFillClrLst/>
-    <dgm:txEffectClrLst/>
-  </dgm:styleLbl>
-  <dgm:styleLbl name="asst3">
-    <dgm:fillClrLst meth="repeat">
-      <a:schemeClr val="accent1"/>
-    </dgm:fillClrLst>
-    <dgm:linClrLst meth="repeat">
-      <a:schemeClr val="lt1"/>
-    </dgm:linClrLst>
-    <dgm:effectClrLst/>
-    <dgm:txLinClrLst/>
-    <dgm:txFillClrLst/>
-    <dgm:txEffectClrLst/>
-  </dgm:styleLbl>
-  <dgm:styleLbl name="asst4">
-    <dgm:fillClrLst meth="repeat">
-      <a:schemeClr val="accent1"/>
-    </dgm:fillClrLst>
-    <dgm:linClrLst meth="repeat">
-      <a:schemeClr val="lt1"/>
-    </dgm:linClrLst>
-    <dgm:effectClrLst/>
-    <dgm:txLinClrLst/>
-    <dgm:txFillClrLst/>
-    <dgm:txEffectClrLst/>
-  </dgm:styleLbl>
-  <dgm:styleLbl name="parChTrans2D1">
-    <dgm:fillClrLst meth="repeat">
-      <a:schemeClr val="accent1">
-        <a:tint val="60000"/>
-      </a:schemeClr>
-    </dgm:fillClrLst>
-    <dgm:linClrLst meth="repeat">
-      <a:schemeClr val="accent1">
-        <a:tint val="60000"/>
-      </a:schemeClr>
-    </dgm:linClrLst>
-    <dgm:effectClrLst/>
-    <dgm:txLinClrLst/>
-    <dgm:txFillClrLst meth="repeat">
-      <a:schemeClr val="lt1"/>
-    </dgm:txFillClrLst>
-    <dgm:txEffectClrLst/>
-  </dgm:styleLbl>
-  <dgm:styleLbl name="parChTrans2D2">
-    <dgm:fillClrLst meth="repeat">
-      <a:schemeClr val="accent1"/>
-    </dgm:fillClrLst>
-    <dgm:linClrLst meth="repeat">
-      <a:schemeClr val="accent1"/>
-    </dgm:linClrLst>
-    <dgm:effectClrLst/>
-    <dgm:txLinClrLst/>
-    <dgm:txFillClrLst meth="repeat">
-      <a:schemeClr val="lt1"/>
-    </dgm:txFillClrLst>
-    <dgm:txEffectClrLst/>
-  </dgm:styleLbl>
-  <dgm:styleLbl name="parChTrans2D3">
-    <dgm:fillClrLst meth="repeat">
-      <a:schemeClr val="accent1"/>
-    </dgm:fillClrLst>
-    <dgm:linClrLst meth="repeat">
-      <a:schemeClr val="accent1"/>
-    </dgm:linClrLst>
-    <dgm:effectClrLst/>
-    <dgm:txLinClrLst/>
-    <dgm:txFillClrLst meth="repeat">
-      <a:schemeClr val="lt1"/>
-    </dgm:txFillClrLst>
-    <dgm:txEffectClrLst/>
-  </dgm:styleLbl>
-  <dgm:styleLbl name="parChTrans2D4">
-    <dgm:fillClrLst meth="repeat">
-      <a:schemeClr val="accent1"/>
-    </dgm:fillClrLst>
-    <dgm:linClrLst meth="repeat">
-      <a:schemeClr val="accent1"/>
-    </dgm:linClrLst>
-    <dgm:effectClrLst/>
-    <dgm:txLinClrLst/>
-    <dgm:txFillClrLst meth="repeat">
-      <a:schemeClr val="lt1"/>
-    </dgm:txFillClrLst>
-    <dgm:txEffectClrLst/>
-  </dgm:styleLbl>
-  <dgm:styleLbl name="parChTrans1D1">
-    <dgm:fillClrLst meth="repeat">
-      <a:schemeClr val="accent1"/>
-    </dgm:fillClrLst>
-    <dgm:linClrLst meth="repeat">
-      <a:schemeClr val="accent1">
-        <a:shade val="60000"/>
-      </a:schemeClr>
-    </dgm:linClrLst>
-    <dgm:effectClrLst/>
-    <dgm:txLinClrLst/>
-    <dgm:txFillClrLst meth="repeat">
-      <a:schemeClr val="tx1"/>
-    </dgm:txFillClrLst>
-    <dgm:txEffectClrLst/>
-  </dgm:styleLbl>
-  <dgm:styleLbl name="parChTrans1D2">
-    <dgm:fillClrLst meth="repeat">
-      <a:schemeClr val="accent1"/>
-    </dgm:fillClrLst>
-    <dgm:linClrLst meth="repeat">
-      <a:schemeClr val="accent1">
-        <a:shade val="60000"/>
-      </a:schemeClr>
-    </dgm:linClrLst>
-    <dgm:effectClrLst/>
-    <dgm:txLinClrLst/>
-    <dgm:txFillClrLst meth="repeat">
-      <a:schemeClr val="tx1"/>
-    </dgm:txFillClrLst>
-    <dgm:txEffectClrLst/>
-  </dgm:styleLbl>
-  <dgm:styleLbl name="parChTrans1D3">
-    <dgm:fillClrLst meth="repeat">
-      <a:schemeClr val="accent1"/>
-    </dgm:fillClrLst>
-    <dgm:linClrLst meth="repeat">
-      <a:schemeClr val="accent1">
-        <a:shade val="80000"/>
-      </a:schemeClr>
-    </dgm:linClrLst>
-    <dgm:effectClrLst/>
-    <dgm:txLinClrLst/>
-    <dgm:txFillClrLst meth="repeat">
-      <a:schemeClr val="tx1"/>
-    </dgm:txFillClrLst>
-    <dgm:txEffectClrLst/>
-  </dgm:styleLbl>
-  <dgm:styleLbl name="parChTrans1D4">
-    <dgm:fillClrLst meth="repeat">
-      <a:schemeClr val="accent1"/>
-    </dgm:fillClrLst>
-    <dgm:linClrLst meth="repeat">
-      <a:schemeClr val="accent1">
-        <a:shade val="80000"/>
-      </a:schemeClr>
-    </dgm:linClrLst>
-    <dgm:effectClrLst/>
-    <dgm:txLinClrLst/>
-    <dgm:txFillClrLst meth="repeat">
-      <a:schemeClr val="tx1"/>
-    </dgm:txFillClrLst>
-    <dgm:txEffectClrLst/>
-  </dgm:styleLbl>
-  <dgm:styleLbl name="fgAcc1">
-    <dgm:fillClrLst meth="repeat">
-      <a:schemeClr val="lt1">
-        <a:alpha val="90000"/>
-      </a:schemeClr>
-    </dgm:fillClrLst>
-    <dgm:linClrLst meth="repeat">
-      <a:schemeClr val="accent1"/>
-    </dgm:linClrLst>
-    <dgm:effectClrLst/>
-    <dgm:txLinClrLst/>
-    <dgm:txFillClrLst meth="repeat">
-      <a:schemeClr val="dk1"/>
-    </dgm:txFillClrLst>
-    <dgm:txEffectClrLst/>
-  </dgm:styleLbl>
-  <dgm:styleLbl name="conFgAcc1">
-    <dgm:fillClrLst meth="repeat">
-      <a:schemeClr val="lt1">
-        <a:alpha val="90000"/>
-      </a:schemeClr>
-    </dgm:fillClrLst>
-    <dgm:linClrLst meth="repeat">
-      <a:schemeClr val="accent1"/>
-    </dgm:linClrLst>
-    <dgm:effectClrLst/>
-    <dgm:txLinClrLst/>
-    <dgm:txFillClrLst meth="repeat">
-      <a:schemeClr val="dk1"/>
-    </dgm:txFillClrLst>
-    <dgm:txEffectClrLst/>
-  </dgm:styleLbl>
-  <dgm:styleLbl name="alignAcc1">
-    <dgm:fillClrLst meth="repeat">
-      <a:schemeClr val="lt1">
-        <a:alpha val="90000"/>
-      </a:schemeClr>
-    </dgm:fillClrLst>
-    <dgm:linClrLst meth="repeat">
-      <a:schemeClr val="accent1"/>
-    </dgm:linClrLst>
-    <dgm:effectClrLst/>
-    <dgm:txLinClrLst/>
-    <dgm:txFillClrLst meth="repeat">
-      <a:schemeClr val="dk1"/>
-    </dgm:txFillClrLst>
-    <dgm:txEffectClrLst/>
-  </dgm:styleLbl>
-  <dgm:styleLbl name="trAlignAcc1">
-    <dgm:fillClrLst meth="repeat">
-      <a:schemeClr val="lt1">
-        <a:alpha val="40000"/>
-      </a:schemeClr>
-    </dgm:fillClrLst>
-    <dgm:linClrLst meth="repeat">
-      <a:schemeClr val="accent1"/>
-    </dgm:linClrLst>
-    <dgm:effectClrLst/>
-    <dgm:txLinClrLst/>
-    <dgm:txFillClrLst meth="repeat">
-      <a:schemeClr val="dk1"/>
-    </dgm:txFillClrLst>
-    <dgm:txEffectClrLst/>
-  </dgm:styleLbl>
-  <dgm:styleLbl name="bgAcc1">
-    <dgm:fillClrLst meth="repeat">
-      <a:schemeClr val="lt1">
-        <a:alpha val="90000"/>
-      </a:schemeClr>
-    </dgm:fillClrLst>
-    <dgm:linClrLst meth="repeat">
-      <a:schemeClr val="accent1"/>
-    </dgm:linClrLst>
-    <dgm:effectClrLst/>
-    <dgm:txLinClrLst/>
-    <dgm:txFillClrLst meth="repeat">
-      <a:schemeClr val="dk1"/>
-    </dgm:txFillClrLst>
-    <dgm:txEffectClrLst/>
-  </dgm:styleLbl>
-  <dgm:styleLbl name="solidFgAcc1">
-    <dgm:fillClrLst meth="repeat">
-      <a:schemeClr val="lt1"/>
-    </dgm:fillClrLst>
-    <dgm:linClrLst meth="repeat">
-      <a:schemeClr val="accent1"/>
-    </dgm:linClrLst>
-    <dgm:effectClrLst/>
-    <dgm:txLinClrLst/>
-    <dgm:txFillClrLst meth="repeat">
-      <a:schemeClr val="dk1"/>
-    </dgm:txFillClrLst>
-    <dgm:txEffectClrLst/>
-  </dgm:styleLbl>
-  <dgm:styleLbl name="solidAlignAcc1">
-    <dgm:fillClrLst meth="repeat">
-      <a:schemeClr val="lt1"/>
-    </dgm:fillClrLst>
-    <dgm:linClrLst meth="repeat">
-      <a:schemeClr val="accent1"/>
-    </dgm:linClrLst>
-    <dgm:effectClrLst/>
-    <dgm:txLinClrLst/>
-    <dgm:txFillClrLst meth="repeat">
-      <a:schemeClr val="dk1"/>
-    </dgm:txFillClrLst>
-    <dgm:txEffectClrLst/>
-  </dgm:styleLbl>
-  <dgm:styleLbl name="solidBgAcc1">
-    <dgm:fillClrLst meth="repeat">
-      <a:schemeClr val="lt1"/>
-    </dgm:fillClrLst>
-    <dgm:linClrLst meth="repeat">
-      <a:schemeClr val="accent1"/>
-    </dgm:linClrLst>
-    <dgm:effectClrLst/>
-    <dgm:txLinClrLst/>
-    <dgm:txFillClrLst meth="repeat">
-      <a:schemeClr val="dk1"/>
-    </dgm:txFillClrLst>
-    <dgm:txEffectClrLst/>
-  </dgm:styleLbl>
-  <dgm:styleLbl name="fgAccFollowNode1">
-    <dgm:fillClrLst meth="repeat">
-      <a:schemeClr val="accent1">
-        <a:alpha val="90000"/>
-        <a:tint val="40000"/>
-      </a:schemeClr>
-    </dgm:fillClrLst>
-    <dgm:linClrLst meth="repeat">
-      <a:schemeClr val="accent1">
-        <a:alpha val="90000"/>
-        <a:tint val="40000"/>
-      </a:schemeClr>
-    </dgm:linClrLst>
-    <dgm:effectClrLst/>
-    <dgm:txLinClrLst/>
-    <dgm:txFillClrLst meth="repeat">
-      <a:schemeClr val="dk1"/>
-    </dgm:txFillClrLst>
-    <dgm:txEffectClrLst/>
-  </dgm:styleLbl>
-  <dgm:styleLbl name="alignAccFollowNode1">
-    <dgm:fillClrLst meth="repeat">
-      <a:schemeClr val="accent1">
-        <a:alpha val="90000"/>
-        <a:tint val="40000"/>
-      </a:schemeClr>
-    </dgm:fillClrLst>
-    <dgm:linClrLst meth="repeat">
-      <a:schemeClr val="accent1">
-        <a:alpha val="90000"/>
-        <a:tint val="40000"/>
-      </a:schemeClr>
-    </dgm:linClrLst>
-    <dgm:effectClrLst/>
-    <dgm:txLinClrLst/>
-    <dgm:txFillClrLst meth="repeat">
-      <a:schemeClr val="dk1"/>
-    </dgm:txFillClrLst>
-    <dgm:txEffectClrLst/>
-  </dgm:styleLbl>
-  <dgm:styleLbl name="bgAccFollowNode1">
-    <dgm:fillClrLst meth="repeat">
-      <a:schemeClr val="accent1">
-        <a:alpha val="90000"/>
-        <a:tint val="40000"/>
-      </a:schemeClr>
-    </dgm:fillClrLst>
-    <dgm:linClrLst meth="repeat">
-      <a:schemeClr val="accent1">
-        <a:alpha val="90000"/>
-        <a:tint val="40000"/>
-      </a:schemeClr>
-    </dgm:linClrLst>
-    <dgm:effectClrLst/>
-    <dgm:txLinClrLst/>
-    <dgm:txFillClrLst meth="repeat">
-      <a:schemeClr val="dk1"/>
-    </dgm:txFillClrLst>
-    <dgm:txEffectClrLst/>
-  </dgm:styleLbl>
-  <dgm:styleLbl name="fgAcc0">
-    <dgm:fillClrLst meth="repeat">
-      <a:schemeClr val="lt1">
-        <a:alpha val="90000"/>
-      </a:schemeClr>
-    </dgm:fillClrLst>
-    <dgm:linClrLst meth="repeat">
-      <a:schemeClr val="accent1"/>
-    </dgm:linClrLst>
-    <dgm:effectClrLst/>
-    <dgm:txLinClrLst/>
-    <dgm:txFillClrLst meth="repeat">
-      <a:schemeClr val="dk1"/>
-    </dgm:txFillClrLst>
-    <dgm:txEffectClrLst/>
-  </dgm:styleLbl>
-  <dgm:styleLbl name="fgAcc2">
-    <dgm:fillClrLst meth="repeat">
-      <a:schemeClr val="lt1">
-        <a:alpha val="90000"/>
-      </a:schemeClr>
-    </dgm:fillClrLst>
-    <dgm:linClrLst meth="repeat">
-      <a:schemeClr val="accent1"/>
-    </dgm:linClrLst>
-    <dgm:effectClrLst/>
-    <dgm:txLinClrLst/>
-    <dgm:txFillClrLst meth="repeat">
-      <a:schemeClr val="dk1"/>
-    </dgm:txFillClrLst>
-    <dgm:txEffectClrLst/>
-  </dgm:styleLbl>
-  <dgm:styleLbl name="fgAcc3">
-    <dgm:fillClrLst meth="repeat">
-      <a:schemeClr val="lt1">
-        <a:alpha val="90000"/>
-      </a:schemeClr>
-    </dgm:fillClrLst>
-    <dgm:linClrLst meth="repeat">
-      <a:schemeClr val="accent1"/>
-    </dgm:linClrLst>
-    <dgm:effectClrLst/>
-    <dgm:txLinClrLst/>
-    <dgm:txFillClrLst meth="repeat">
-      <a:schemeClr val="dk1"/>
-    </dgm:txFillClrLst>
-    <dgm:txEffectClrLst/>
-  </dgm:styleLbl>
-  <dgm:styleLbl name="fgAcc4">
-    <dgm:fillClrLst meth="repeat">
-      <a:schemeClr val="lt1">
-        <a:alpha val="90000"/>
-      </a:schemeClr>
-    </dgm:fillClrLst>
-    <dgm:linClrLst meth="repeat">
-      <a:schemeClr val="accent1"/>
-    </dgm:linClrLst>
-    <dgm:effectClrLst/>
-    <dgm:txLinClrLst/>
-    <dgm:txFillClrLst meth="repeat">
-      <a:schemeClr val="dk1"/>
-    </dgm:txFillClrLst>
-    <dgm:txEffectClrLst/>
-  </dgm:styleLbl>
-  <dgm:styleLbl name="bgShp">
-    <dgm:fillClrLst meth="repeat">
-      <a:schemeClr val="accent1">
-        <a:tint val="40000"/>
-      </a:schemeClr>
-    </dgm:fillClrLst>
-    <dgm:linClrLst meth="repeat">
-      <a:schemeClr val="accent1"/>
-    </dgm:linClrLst>
-    <dgm:effectClrLst/>
-    <dgm:txLinClrLst/>
-    <dgm:txFillClrLst meth="repeat">
-      <a:schemeClr val="dk1"/>
-    </dgm:txFillClrLst>
-    <dgm:txEffectClrLst/>
-  </dgm:styleLbl>
-  <dgm:styleLbl name="dkBgShp">
-    <dgm:fillClrLst meth="repeat">
-      <a:schemeClr val="accent1">
-        <a:shade val="80000"/>
-      </a:schemeClr>
-    </dgm:fillClrLst>
-    <dgm:linClrLst meth="repeat">
-      <a:schemeClr val="accent1"/>
-    </dgm:linClrLst>
-    <dgm:effectClrLst/>
-    <dgm:txLinClrLst/>
-    <dgm:txFillClrLst meth="repeat">
-      <a:schemeClr val="lt1"/>
-    </dgm:txFillClrLst>
-    <dgm:txEffectClrLst/>
-  </dgm:styleLbl>
-  <dgm:styleLbl name="trBgShp">
-    <dgm:fillClrLst meth="repeat">
-      <a:schemeClr val="accent1">
-        <a:tint val="50000"/>
-        <a:alpha val="40000"/>
-      </a:schemeClr>
-    </dgm:fillClrLst>
-    <dgm:linClrLst meth="repeat">
-      <a:schemeClr val="accent1"/>
-    </dgm:linClrLst>
-    <dgm:effectClrLst/>
-    <dgm:txLinClrLst/>
-    <dgm:txFillClrLst meth="repeat">
-      <a:schemeClr val="lt1"/>
-    </dgm:txFillClrLst>
-    <dgm:txEffectClrLst/>
-  </dgm:styleLbl>
-  <dgm:styleLbl name="fgShp">
-    <dgm:fillClrLst meth="repeat">
-      <a:schemeClr val="accent1">
-        <a:tint val="60000"/>
-      </a:schemeClr>
-    </dgm:fillClrLst>
-    <dgm:linClrLst meth="repeat">
-      <a:schemeClr val="lt1"/>
-    </dgm:linClrLst>
-    <dgm:effectClrLst/>
-    <dgm:txLinClrLst/>
-    <dgm:txFillClrLst meth="repeat">
-      <a:schemeClr val="dk1"/>
-    </dgm:txFillClrLst>
-    <dgm:txEffectClrLst/>
-  </dgm:styleLbl>
-  <dgm:styleLbl name="revTx">
-    <dgm:fillClrLst meth="repeat">
-      <a:schemeClr val="lt1">
-        <a:alpha val="0"/>
-      </a:schemeClr>
-    </dgm:fillClrLst>
-    <dgm:linClrLst meth="repeat">
-      <a:schemeClr val="dk1">
-        <a:alpha val="0"/>
-      </a:schemeClr>
-    </dgm:linClrLst>
-    <dgm:effectClrLst/>
-    <dgm:txLinClrLst/>
-    <dgm:txFillClrLst meth="repeat">
-      <a:schemeClr val="tx1"/>
-    </dgm:txFillClrLst>
-    <dgm:txEffectClrLst/>
-  </dgm:styleLbl>
-</dgm:colorsDef>
-</file>
-
-<file path=ppt/diagrams/colors15.xml><?xml version="1.0" encoding="utf-8"?>
 <dgm:colorsDef xmlns:dgm="http://schemas.openxmlformats.org/drawingml/2006/diagram" xmlns:a="http://schemas.openxmlformats.org/drawingml/2006/main" uniqueId="urn:microsoft.com/office/officeart/2005/8/colors/accent1_2">
   <dgm:title val=""/>
   <dgm:desc val=""/>
@@ -11853,240 +11105,6 @@
 <file path=ppt/diagrams/data10.xml><?xml version="1.0" encoding="utf-8"?>
 <dgm:dataModel xmlns:dgm="http://schemas.openxmlformats.org/drawingml/2006/diagram" xmlns:a="http://schemas.openxmlformats.org/drawingml/2006/main">
   <dgm:ptLst>
-    <dgm:pt modelId="{6912E590-92BB-4AA0-89BD-9429CE8A8090}" type="doc">
-      <dgm:prSet loTypeId="urn:microsoft.com/office/officeart/2005/8/layout/list1" loCatId="list" qsTypeId="urn:microsoft.com/office/officeart/2005/8/quickstyle/simple1" qsCatId="simple" csTypeId="urn:microsoft.com/office/officeart/2005/8/colors/accent1_2" csCatId="accent1" phldr="1"/>
-      <dgm:spPr/>
-      <dgm:t>
-        <a:bodyPr/>
-        <a:lstStyle/>
-        <a:p>
-          <a:endParaRPr lang="zh-CN" altLang="en-US"/>
-        </a:p>
-      </dgm:t>
-    </dgm:pt>
-    <dgm:pt modelId="{2639C892-99FE-4DEB-B688-79A2618365E5}">
-      <dgm:prSet phldrT="[文本]"/>
-      <dgm:spPr/>
-      <dgm:t>
-        <a:bodyPr/>
-        <a:lstStyle/>
-        <a:p>
-          <a:r>
-            <a:rPr lang="en-US" altLang="zh-CN" dirty="0" smtClean="0"/>
-            <a:t>Execute</a:t>
-          </a:r>
-          <a:r>
-            <a:rPr lang="zh-CN" altLang="en-US" dirty="0" smtClean="0"/>
-            <a:t>转发</a:t>
-          </a:r>
-          <a:endParaRPr lang="zh-CN" altLang="en-US" dirty="0"/>
-        </a:p>
-      </dgm:t>
-    </dgm:pt>
-    <dgm:pt modelId="{D4D878C7-487A-4738-AF7E-AE79E91141AE}" type="parTrans" cxnId="{6E816C3B-4B08-4A81-8482-B36719E879B7}">
-      <dgm:prSet/>
-      <dgm:spPr/>
-      <dgm:t>
-        <a:bodyPr/>
-        <a:lstStyle/>
-        <a:p>
-          <a:endParaRPr lang="zh-CN" altLang="en-US"/>
-        </a:p>
-      </dgm:t>
-    </dgm:pt>
-    <dgm:pt modelId="{9F81DB39-D933-46D1-82D0-A55331FF90A0}" type="sibTrans" cxnId="{6E816C3B-4B08-4A81-8482-B36719E879B7}">
-      <dgm:prSet/>
-      <dgm:spPr/>
-      <dgm:t>
-        <a:bodyPr/>
-        <a:lstStyle/>
-        <a:p>
-          <a:endParaRPr lang="zh-CN" altLang="en-US"/>
-        </a:p>
-      </dgm:t>
-    </dgm:pt>
-    <dgm:pt modelId="{59A1A91D-F844-4E2F-97D7-F36DBA27EA16}">
-      <dgm:prSet phldrT="[文本]"/>
-      <dgm:spPr/>
-      <dgm:t>
-        <a:bodyPr/>
-        <a:lstStyle/>
-        <a:p>
-          <a:r>
-            <a:rPr lang="en-US" altLang="zh-CN" dirty="0" smtClean="0"/>
-            <a:t>Decode</a:t>
-          </a:r>
-          <a:r>
-            <a:rPr lang="zh-CN" altLang="en-US" dirty="0" smtClean="0"/>
-            <a:t>转发</a:t>
-          </a:r>
-          <a:endParaRPr lang="zh-CN" altLang="en-US" dirty="0"/>
-        </a:p>
-      </dgm:t>
-    </dgm:pt>
-    <dgm:pt modelId="{B2F5FE03-63D0-40B2-8C53-25F592341BD9}" type="parTrans" cxnId="{1B33A04F-F1DC-461C-BDA8-3AF2A679B44E}">
-      <dgm:prSet/>
-      <dgm:spPr/>
-      <dgm:t>
-        <a:bodyPr/>
-        <a:lstStyle/>
-        <a:p>
-          <a:endParaRPr lang="zh-CN" altLang="en-US"/>
-        </a:p>
-      </dgm:t>
-    </dgm:pt>
-    <dgm:pt modelId="{CF591321-955A-43F8-80FB-C594AAC56953}" type="sibTrans" cxnId="{1B33A04F-F1DC-461C-BDA8-3AF2A679B44E}">
-      <dgm:prSet/>
-      <dgm:spPr/>
-      <dgm:t>
-        <a:bodyPr/>
-        <a:lstStyle/>
-        <a:p>
-          <a:endParaRPr lang="zh-CN" altLang="en-US"/>
-        </a:p>
-      </dgm:t>
-    </dgm:pt>
-    <dgm:pt modelId="{9F82E651-46C2-49AB-AA37-4452BDE2CDE7}" type="pres">
-      <dgm:prSet presAssocID="{6912E590-92BB-4AA0-89BD-9429CE8A8090}" presName="linear" presStyleCnt="0">
-        <dgm:presLayoutVars>
-          <dgm:dir/>
-          <dgm:animLvl val="lvl"/>
-          <dgm:resizeHandles val="exact"/>
-        </dgm:presLayoutVars>
-      </dgm:prSet>
-      <dgm:spPr/>
-      <dgm:t>
-        <a:bodyPr/>
-        <a:lstStyle/>
-        <a:p>
-          <a:endParaRPr lang="zh-CN" altLang="en-US"/>
-        </a:p>
-      </dgm:t>
-    </dgm:pt>
-    <dgm:pt modelId="{BC2463E8-9F88-4ABE-8EDD-923FD6F4F0A3}" type="pres">
-      <dgm:prSet presAssocID="{2639C892-99FE-4DEB-B688-79A2618365E5}" presName="parentLin" presStyleCnt="0"/>
-      <dgm:spPr/>
-    </dgm:pt>
-    <dgm:pt modelId="{C64DEA83-635E-49F0-8383-9ADA8729A88A}" type="pres">
-      <dgm:prSet presAssocID="{2639C892-99FE-4DEB-B688-79A2618365E5}" presName="parentLeftMargin" presStyleLbl="node1" presStyleIdx="0" presStyleCnt="2"/>
-      <dgm:spPr/>
-      <dgm:t>
-        <a:bodyPr/>
-        <a:lstStyle/>
-        <a:p>
-          <a:endParaRPr lang="zh-CN" altLang="en-US"/>
-        </a:p>
-      </dgm:t>
-    </dgm:pt>
-    <dgm:pt modelId="{B18896DD-7C29-4F93-9AF1-C016358FDCAD}" type="pres">
-      <dgm:prSet presAssocID="{2639C892-99FE-4DEB-B688-79A2618365E5}" presName="parentText" presStyleLbl="node1" presStyleIdx="0" presStyleCnt="2">
-        <dgm:presLayoutVars>
-          <dgm:chMax val="0"/>
-          <dgm:bulletEnabled val="1"/>
-        </dgm:presLayoutVars>
-      </dgm:prSet>
-      <dgm:spPr/>
-      <dgm:t>
-        <a:bodyPr/>
-        <a:lstStyle/>
-        <a:p>
-          <a:endParaRPr lang="zh-CN" altLang="en-US"/>
-        </a:p>
-      </dgm:t>
-    </dgm:pt>
-    <dgm:pt modelId="{8E34EC7B-8C12-4000-AC81-7BCB2F337E1F}" type="pres">
-      <dgm:prSet presAssocID="{2639C892-99FE-4DEB-B688-79A2618365E5}" presName="negativeSpace" presStyleCnt="0"/>
-      <dgm:spPr/>
-    </dgm:pt>
-    <dgm:pt modelId="{12840E0E-A95F-420D-9CC3-152A293FB409}" type="pres">
-      <dgm:prSet presAssocID="{2639C892-99FE-4DEB-B688-79A2618365E5}" presName="childText" presStyleLbl="conFgAcc1" presStyleIdx="0" presStyleCnt="2">
-        <dgm:presLayoutVars>
-          <dgm:bulletEnabled val="1"/>
-        </dgm:presLayoutVars>
-      </dgm:prSet>
-      <dgm:spPr/>
-    </dgm:pt>
-    <dgm:pt modelId="{33DED9B4-E317-4294-978C-27B50F11573B}" type="pres">
-      <dgm:prSet presAssocID="{9F81DB39-D933-46D1-82D0-A55331FF90A0}" presName="spaceBetweenRectangles" presStyleCnt="0"/>
-      <dgm:spPr/>
-    </dgm:pt>
-    <dgm:pt modelId="{253C2E72-1CFE-43C5-8FEB-DDEB3778988A}" type="pres">
-      <dgm:prSet presAssocID="{59A1A91D-F844-4E2F-97D7-F36DBA27EA16}" presName="parentLin" presStyleCnt="0"/>
-      <dgm:spPr/>
-    </dgm:pt>
-    <dgm:pt modelId="{CE7B8C15-2578-45DB-AF0D-367DAA0D21E4}" type="pres">
-      <dgm:prSet presAssocID="{59A1A91D-F844-4E2F-97D7-F36DBA27EA16}" presName="parentLeftMargin" presStyleLbl="node1" presStyleIdx="0" presStyleCnt="2"/>
-      <dgm:spPr/>
-      <dgm:t>
-        <a:bodyPr/>
-        <a:lstStyle/>
-        <a:p>
-          <a:endParaRPr lang="zh-CN" altLang="en-US"/>
-        </a:p>
-      </dgm:t>
-    </dgm:pt>
-    <dgm:pt modelId="{19B9A1D9-3B9F-4408-8CB6-5139F9E2F0CE}" type="pres">
-      <dgm:prSet presAssocID="{59A1A91D-F844-4E2F-97D7-F36DBA27EA16}" presName="parentText" presStyleLbl="node1" presStyleIdx="1" presStyleCnt="2">
-        <dgm:presLayoutVars>
-          <dgm:chMax val="0"/>
-          <dgm:bulletEnabled val="1"/>
-        </dgm:presLayoutVars>
-      </dgm:prSet>
-      <dgm:spPr/>
-      <dgm:t>
-        <a:bodyPr/>
-        <a:lstStyle/>
-        <a:p>
-          <a:endParaRPr lang="zh-CN" altLang="en-US"/>
-        </a:p>
-      </dgm:t>
-    </dgm:pt>
-    <dgm:pt modelId="{40A1C0F7-BC01-4F9E-8F8C-EB4054EF93EC}" type="pres">
-      <dgm:prSet presAssocID="{59A1A91D-F844-4E2F-97D7-F36DBA27EA16}" presName="negativeSpace" presStyleCnt="0"/>
-      <dgm:spPr/>
-    </dgm:pt>
-    <dgm:pt modelId="{46326CDB-C235-4267-991B-8DAE50799BE7}" type="pres">
-      <dgm:prSet presAssocID="{59A1A91D-F844-4E2F-97D7-F36DBA27EA16}" presName="childText" presStyleLbl="conFgAcc1" presStyleIdx="1" presStyleCnt="2">
-        <dgm:presLayoutVars>
-          <dgm:bulletEnabled val="1"/>
-        </dgm:presLayoutVars>
-      </dgm:prSet>
-      <dgm:spPr/>
-    </dgm:pt>
-  </dgm:ptLst>
-  <dgm:cxnLst>
-    <dgm:cxn modelId="{291CEBAE-BA32-41E2-8FE2-3558A5EA1452}" type="presOf" srcId="{2639C892-99FE-4DEB-B688-79A2618365E5}" destId="{C64DEA83-635E-49F0-8383-9ADA8729A88A}" srcOrd="0" destOrd="0" presId="urn:microsoft.com/office/officeart/2005/8/layout/list1"/>
-    <dgm:cxn modelId="{1B33A04F-F1DC-461C-BDA8-3AF2A679B44E}" srcId="{6912E590-92BB-4AA0-89BD-9429CE8A8090}" destId="{59A1A91D-F844-4E2F-97D7-F36DBA27EA16}" srcOrd="1" destOrd="0" parTransId="{B2F5FE03-63D0-40B2-8C53-25F592341BD9}" sibTransId="{CF591321-955A-43F8-80FB-C594AAC56953}"/>
-    <dgm:cxn modelId="{722EA372-3C4E-4FA5-BFEF-76BE1E31B34E}" type="presOf" srcId="{2639C892-99FE-4DEB-B688-79A2618365E5}" destId="{B18896DD-7C29-4F93-9AF1-C016358FDCAD}" srcOrd="1" destOrd="0" presId="urn:microsoft.com/office/officeart/2005/8/layout/list1"/>
-    <dgm:cxn modelId="{F6B93F06-E994-4038-B88B-8C411422BBB4}" type="presOf" srcId="{6912E590-92BB-4AA0-89BD-9429CE8A8090}" destId="{9F82E651-46C2-49AB-AA37-4452BDE2CDE7}" srcOrd="0" destOrd="0" presId="urn:microsoft.com/office/officeart/2005/8/layout/list1"/>
-    <dgm:cxn modelId="{C8578E6B-0F99-429A-BE36-FBFE25C6AF85}" type="presOf" srcId="{59A1A91D-F844-4E2F-97D7-F36DBA27EA16}" destId="{19B9A1D9-3B9F-4408-8CB6-5139F9E2F0CE}" srcOrd="1" destOrd="0" presId="urn:microsoft.com/office/officeart/2005/8/layout/list1"/>
-    <dgm:cxn modelId="{AB33B60D-8AED-4D82-A7F2-CEC9964ADCA4}" type="presOf" srcId="{59A1A91D-F844-4E2F-97D7-F36DBA27EA16}" destId="{CE7B8C15-2578-45DB-AF0D-367DAA0D21E4}" srcOrd="0" destOrd="0" presId="urn:microsoft.com/office/officeart/2005/8/layout/list1"/>
-    <dgm:cxn modelId="{6E816C3B-4B08-4A81-8482-B36719E879B7}" srcId="{6912E590-92BB-4AA0-89BD-9429CE8A8090}" destId="{2639C892-99FE-4DEB-B688-79A2618365E5}" srcOrd="0" destOrd="0" parTransId="{D4D878C7-487A-4738-AF7E-AE79E91141AE}" sibTransId="{9F81DB39-D933-46D1-82D0-A55331FF90A0}"/>
-    <dgm:cxn modelId="{BE8DA858-C436-49A2-80B9-1D09524644A4}" type="presParOf" srcId="{9F82E651-46C2-49AB-AA37-4452BDE2CDE7}" destId="{BC2463E8-9F88-4ABE-8EDD-923FD6F4F0A3}" srcOrd="0" destOrd="0" presId="urn:microsoft.com/office/officeart/2005/8/layout/list1"/>
-    <dgm:cxn modelId="{1C809A1F-1B19-494F-9E31-B81A159C0D6C}" type="presParOf" srcId="{BC2463E8-9F88-4ABE-8EDD-923FD6F4F0A3}" destId="{C64DEA83-635E-49F0-8383-9ADA8729A88A}" srcOrd="0" destOrd="0" presId="urn:microsoft.com/office/officeart/2005/8/layout/list1"/>
-    <dgm:cxn modelId="{2E961DEB-BDCA-4759-BA8A-D9066431AFB8}" type="presParOf" srcId="{BC2463E8-9F88-4ABE-8EDD-923FD6F4F0A3}" destId="{B18896DD-7C29-4F93-9AF1-C016358FDCAD}" srcOrd="1" destOrd="0" presId="urn:microsoft.com/office/officeart/2005/8/layout/list1"/>
-    <dgm:cxn modelId="{F55987B8-58BE-4A54-85FB-727B3346B9DE}" type="presParOf" srcId="{9F82E651-46C2-49AB-AA37-4452BDE2CDE7}" destId="{8E34EC7B-8C12-4000-AC81-7BCB2F337E1F}" srcOrd="1" destOrd="0" presId="urn:microsoft.com/office/officeart/2005/8/layout/list1"/>
-    <dgm:cxn modelId="{C9BBDDE9-BFA1-43D5-BD0A-7EC43BF4FE3B}" type="presParOf" srcId="{9F82E651-46C2-49AB-AA37-4452BDE2CDE7}" destId="{12840E0E-A95F-420D-9CC3-152A293FB409}" srcOrd="2" destOrd="0" presId="urn:microsoft.com/office/officeart/2005/8/layout/list1"/>
-    <dgm:cxn modelId="{23EDC2ED-EF30-4093-BAAC-5E6E837CDFFF}" type="presParOf" srcId="{9F82E651-46C2-49AB-AA37-4452BDE2CDE7}" destId="{33DED9B4-E317-4294-978C-27B50F11573B}" srcOrd="3" destOrd="0" presId="urn:microsoft.com/office/officeart/2005/8/layout/list1"/>
-    <dgm:cxn modelId="{187139EE-E186-4CA1-BC9E-536E7EEAF4D4}" type="presParOf" srcId="{9F82E651-46C2-49AB-AA37-4452BDE2CDE7}" destId="{253C2E72-1CFE-43C5-8FEB-DDEB3778988A}" srcOrd="4" destOrd="0" presId="urn:microsoft.com/office/officeart/2005/8/layout/list1"/>
-    <dgm:cxn modelId="{E355CA09-4FD5-4B4C-8527-63387A4E97A5}" type="presParOf" srcId="{253C2E72-1CFE-43C5-8FEB-DDEB3778988A}" destId="{CE7B8C15-2578-45DB-AF0D-367DAA0D21E4}" srcOrd="0" destOrd="0" presId="urn:microsoft.com/office/officeart/2005/8/layout/list1"/>
-    <dgm:cxn modelId="{4F24BC92-A9A2-4C83-9AF4-9587292C694E}" type="presParOf" srcId="{253C2E72-1CFE-43C5-8FEB-DDEB3778988A}" destId="{19B9A1D9-3B9F-4408-8CB6-5139F9E2F0CE}" srcOrd="1" destOrd="0" presId="urn:microsoft.com/office/officeart/2005/8/layout/list1"/>
-    <dgm:cxn modelId="{DCDF30B7-B508-4D3B-A7FA-71D9201EDCC7}" type="presParOf" srcId="{9F82E651-46C2-49AB-AA37-4452BDE2CDE7}" destId="{40A1C0F7-BC01-4F9E-8F8C-EB4054EF93EC}" srcOrd="5" destOrd="0" presId="urn:microsoft.com/office/officeart/2005/8/layout/list1"/>
-    <dgm:cxn modelId="{D514023C-D069-48BE-BA32-0FB24D534584}" type="presParOf" srcId="{9F82E651-46C2-49AB-AA37-4452BDE2CDE7}" destId="{46326CDB-C235-4267-991B-8DAE50799BE7}" srcOrd="6" destOrd="0" presId="urn:microsoft.com/office/officeart/2005/8/layout/list1"/>
-  </dgm:cxnLst>
-  <dgm:bg/>
-  <dgm:whole/>
-  <dgm:extLst>
-    <a:ext uri="http://schemas.microsoft.com/office/drawing/2008/diagram">
-      <dsp:dataModelExt xmlns:dsp="http://schemas.microsoft.com/office/drawing/2008/diagram" relId="rId9" minVer="http://schemas.openxmlformats.org/drawingml/2006/diagram"/>
-    </a:ext>
-  </dgm:extLst>
-</dgm:dataModel>
-</file>
-
-<file path=ppt/diagrams/data11.xml><?xml version="1.0" encoding="utf-8"?>
-<dgm:dataModel xmlns:dgm="http://schemas.openxmlformats.org/drawingml/2006/diagram" xmlns:a="http://schemas.openxmlformats.org/drawingml/2006/main">
-  <dgm:ptLst>
     <dgm:pt modelId="{D6565757-77EB-481B-83E5-6FAACDA88C46}" type="doc">
       <dgm:prSet loTypeId="urn:microsoft.com/office/officeart/2005/8/layout/lProcess2" loCatId="list" qsTypeId="urn:microsoft.com/office/officeart/2005/8/quickstyle/simple1" qsCatId="simple" csTypeId="urn:microsoft.com/office/officeart/2005/8/colors/accent1_2" csCatId="accent1" phldr="1"/>
       <dgm:spPr/>
@@ -12206,13 +11224,13 @@
   <dgm:whole/>
   <dgm:extLst>
     <a:ext uri="http://schemas.microsoft.com/office/drawing/2008/diagram">
-      <dsp:dataModelExt xmlns:dsp="http://schemas.microsoft.com/office/drawing/2008/diagram" relId="rId14" minVer="http://schemas.openxmlformats.org/drawingml/2006/diagram"/>
+      <dsp:dataModelExt xmlns:dsp="http://schemas.microsoft.com/office/drawing/2008/diagram" relId="rId12" minVer="http://schemas.openxmlformats.org/drawingml/2006/diagram"/>
     </a:ext>
   </dgm:extLst>
 </dgm:dataModel>
 </file>
 
-<file path=ppt/diagrams/data12.xml><?xml version="1.0" encoding="utf-8"?>
+<file path=ppt/diagrams/data11.xml><?xml version="1.0" encoding="utf-8"?>
 <dgm:dataModel xmlns:dgm="http://schemas.openxmlformats.org/drawingml/2006/diagram" xmlns:a="http://schemas.openxmlformats.org/drawingml/2006/main">
   <dgm:ptLst>
     <dgm:pt modelId="{6912E590-92BB-4AA0-89BD-9429CE8A8090}" type="doc">
@@ -12343,13 +11361,13 @@
   <dgm:whole/>
   <dgm:extLst>
     <a:ext uri="http://schemas.microsoft.com/office/drawing/2008/diagram">
-      <dsp:dataModelExt xmlns:dsp="http://schemas.microsoft.com/office/drawing/2008/diagram" relId="rId9" minVer="http://schemas.openxmlformats.org/drawingml/2006/diagram"/>
+      <dsp:dataModelExt xmlns:dsp="http://schemas.microsoft.com/office/drawing/2008/diagram" relId="rId7" minVer="http://schemas.openxmlformats.org/drawingml/2006/diagram"/>
     </a:ext>
   </dgm:extLst>
 </dgm:dataModel>
 </file>
 
-<file path=ppt/diagrams/data13.xml><?xml version="1.0" encoding="utf-8"?>
+<file path=ppt/diagrams/data12.xml><?xml version="1.0" encoding="utf-8"?>
 <dgm:dataModel xmlns:dgm="http://schemas.openxmlformats.org/drawingml/2006/diagram" xmlns:a="http://schemas.openxmlformats.org/drawingml/2006/main">
   <dgm:ptLst>
     <dgm:pt modelId="{DF7E9C75-B60E-49CC-BA14-FB22B67ABCCD}" type="doc">
@@ -12505,13 +11523,13 @@
   <dgm:whole/>
   <dgm:extLst>
     <a:ext uri="http://schemas.microsoft.com/office/drawing/2008/diagram">
-      <dsp:dataModelExt xmlns:dsp="http://schemas.microsoft.com/office/drawing/2008/diagram" relId="rId9" minVer="http://schemas.openxmlformats.org/drawingml/2006/diagram"/>
+      <dsp:dataModelExt xmlns:dsp="http://schemas.microsoft.com/office/drawing/2008/diagram" relId="rId7" minVer="http://schemas.openxmlformats.org/drawingml/2006/diagram"/>
     </a:ext>
   </dgm:extLst>
 </dgm:dataModel>
 </file>
 
-<file path=ppt/diagrams/data14.xml><?xml version="1.0" encoding="utf-8"?>
+<file path=ppt/diagrams/data13.xml><?xml version="1.0" encoding="utf-8"?>
 <dgm:dataModel xmlns:dgm="http://schemas.openxmlformats.org/drawingml/2006/diagram" xmlns:a="http://schemas.openxmlformats.org/drawingml/2006/main">
   <dgm:ptLst>
     <dgm:pt modelId="{1DF6808B-F2DB-4C5B-A527-C052E6C5234F}" type="doc">
@@ -12745,13 +11763,13 @@
   <dgm:whole/>
   <dgm:extLst>
     <a:ext uri="http://schemas.microsoft.com/office/drawing/2008/diagram">
-      <dsp:dataModelExt xmlns:dsp="http://schemas.microsoft.com/office/drawing/2008/diagram" relId="rId14" minVer="http://schemas.openxmlformats.org/drawingml/2006/diagram"/>
+      <dsp:dataModelExt xmlns:dsp="http://schemas.microsoft.com/office/drawing/2008/diagram" relId="rId12" minVer="http://schemas.openxmlformats.org/drawingml/2006/diagram"/>
     </a:ext>
   </dgm:extLst>
 </dgm:dataModel>
 </file>
 
-<file path=ppt/diagrams/data15.xml><?xml version="1.0" encoding="utf-8"?>
+<file path=ppt/diagrams/data14.xml><?xml version="1.0" encoding="utf-8"?>
 <dgm:dataModel xmlns:dgm="http://schemas.openxmlformats.org/drawingml/2006/diagram" xmlns:a="http://schemas.openxmlformats.org/drawingml/2006/main">
   <dgm:ptLst>
     <dgm:pt modelId="{1DF6808B-F2DB-4C5B-A527-C052E6C5234F}" type="doc">
@@ -12985,7 +12003,7 @@
   <dgm:whole/>
   <dgm:extLst>
     <a:ext uri="http://schemas.microsoft.com/office/drawing/2008/diagram">
-      <dsp:dataModelExt xmlns:dsp="http://schemas.microsoft.com/office/drawing/2008/diagram" relId="rId19" minVer="http://schemas.openxmlformats.org/drawingml/2006/diagram"/>
+      <dsp:dataModelExt xmlns:dsp="http://schemas.microsoft.com/office/drawing/2008/diagram" relId="rId17" minVer="http://schemas.openxmlformats.org/drawingml/2006/diagram"/>
     </a:ext>
   </dgm:extLst>
 </dgm:dataModel>
@@ -13174,7 +12192,7 @@
 <dgm:dataModel xmlns:dgm="http://schemas.openxmlformats.org/drawingml/2006/diagram" xmlns:a="http://schemas.openxmlformats.org/drawingml/2006/main">
   <dgm:ptLst>
     <dgm:pt modelId="{F1C7BA09-3861-4B17-8E1B-17BF12C16A85}" type="doc">
-      <dgm:prSet loTypeId="urn:microsoft.com/office/officeart/2008/layout/PictureStrips" loCatId="list" qsTypeId="urn:microsoft.com/office/officeart/2005/8/quickstyle/simple1" qsCatId="simple" csTypeId="urn:microsoft.com/office/officeart/2005/8/colors/accent1_2" csCatId="accent1" phldr="1"/>
+      <dgm:prSet loTypeId="urn:microsoft.com/office/officeart/2005/8/layout/default" loCatId="list" qsTypeId="urn:microsoft.com/office/officeart/2005/8/quickstyle/simple1" qsCatId="simple" csTypeId="urn:microsoft.com/office/officeart/2005/8/colors/accent1_2" csCatId="accent1" phldr="1"/>
       <dgm:spPr/>
       <dgm:t>
         <a:bodyPr/>
@@ -13357,8 +12375,8 @@
         </a:p>
       </dgm:t>
     </dgm:pt>
-    <dgm:pt modelId="{DF10510A-5CBE-484A-92C7-579C0AC6C443}" type="pres">
-      <dgm:prSet presAssocID="{F1C7BA09-3861-4B17-8E1B-17BF12C16A85}" presName="Name0" presStyleCnt="0">
+    <dgm:pt modelId="{D8155F60-13FF-43C1-A7DB-19D8162AE3E7}" type="pres">
+      <dgm:prSet presAssocID="{F1C7BA09-3861-4B17-8E1B-17BF12C16A85}" presName="diagram" presStyleCnt="0">
         <dgm:presLayoutVars>
           <dgm:dir/>
           <dgm:resizeHandles val="exact"/>
@@ -13373,12 +12391,8 @@
         </a:p>
       </dgm:t>
     </dgm:pt>
-    <dgm:pt modelId="{4E69970A-EFEE-4152-A909-30E3130A6002}" type="pres">
-      <dgm:prSet presAssocID="{D0882D58-28BB-4479-BAD7-F18C5DE6286C}" presName="composite" presStyleCnt="0"/>
-      <dgm:spPr/>
-    </dgm:pt>
-    <dgm:pt modelId="{2529F00E-5D19-4CC8-B55C-9B22D024A9AB}" type="pres">
-      <dgm:prSet presAssocID="{D0882D58-28BB-4479-BAD7-F18C5DE6286C}" presName="rect1" presStyleLbl="trAlignAcc1" presStyleIdx="0" presStyleCnt="2">
+    <dgm:pt modelId="{99FB3F33-CBBD-43D1-8A05-CA92B3CF8EF8}" type="pres">
+      <dgm:prSet presAssocID="{D0882D58-28BB-4479-BAD7-F18C5DE6286C}" presName="node" presStyleLbl="node1" presStyleIdx="0" presStyleCnt="2" custScaleX="140378">
         <dgm:presLayoutVars>
           <dgm:bulletEnabled val="1"/>
         </dgm:presLayoutVars>
@@ -13392,20 +12406,12 @@
         </a:p>
       </dgm:t>
     </dgm:pt>
-    <dgm:pt modelId="{ADB959E1-496B-45AA-AB34-7B6113410D13}" type="pres">
-      <dgm:prSet presAssocID="{D0882D58-28BB-4479-BAD7-F18C5DE6286C}" presName="rect2" presStyleLbl="fgImgPlace1" presStyleIdx="0" presStyleCnt="2"/>
-      <dgm:spPr/>
-    </dgm:pt>
-    <dgm:pt modelId="{D28A0707-432E-4BB2-86D6-050C9D4E2048}" type="pres">
+    <dgm:pt modelId="{0D17F077-437B-49FB-B23B-C3F4779EAEC4}" type="pres">
       <dgm:prSet presAssocID="{40A88A61-5C6B-4885-A54B-7BB2BB7AB78E}" presName="sibTrans" presStyleCnt="0"/>
       <dgm:spPr/>
     </dgm:pt>
-    <dgm:pt modelId="{6C9AB846-AB62-4338-A2EB-41E68DD5BFDD}" type="pres">
-      <dgm:prSet presAssocID="{96A54157-256A-4E37-BFEE-44D0908C1575}" presName="composite" presStyleCnt="0"/>
-      <dgm:spPr/>
-    </dgm:pt>
-    <dgm:pt modelId="{10A7434A-E88D-4986-826D-FF8A1AACADC4}" type="pres">
-      <dgm:prSet presAssocID="{96A54157-256A-4E37-BFEE-44D0908C1575}" presName="rect1" presStyleLbl="trAlignAcc1" presStyleIdx="1" presStyleCnt="2">
+    <dgm:pt modelId="{4741EECF-2CE5-430F-9BFA-99DA3743581A}" type="pres">
+      <dgm:prSet presAssocID="{96A54157-256A-4E37-BFEE-44D0908C1575}" presName="node" presStyleLbl="node1" presStyleIdx="1" presStyleCnt="2" custScaleX="140378">
         <dgm:presLayoutVars>
           <dgm:bulletEnabled val="1"/>
         </dgm:presLayoutVars>
@@ -13419,24 +12425,16 @@
         </a:p>
       </dgm:t>
     </dgm:pt>
-    <dgm:pt modelId="{B1BE2394-0519-4C66-809E-7719D8DB3110}" type="pres">
-      <dgm:prSet presAssocID="{96A54157-256A-4E37-BFEE-44D0908C1575}" presName="rect2" presStyleLbl="fgImgPlace1" presStyleIdx="1" presStyleCnt="2"/>
-      <dgm:spPr/>
-    </dgm:pt>
   </dgm:ptLst>
   <dgm:cxnLst>
-    <dgm:cxn modelId="{A24E13C0-EF04-4002-9A43-D126FA2CBE0A}" type="presOf" srcId="{96A54157-256A-4E37-BFEE-44D0908C1575}" destId="{10A7434A-E88D-4986-826D-FF8A1AACADC4}" srcOrd="0" destOrd="0" presId="urn:microsoft.com/office/officeart/2008/layout/PictureStrips"/>
-    <dgm:cxn modelId="{69E6773C-4862-433A-98B6-37018F896E66}" type="presOf" srcId="{D0882D58-28BB-4479-BAD7-F18C5DE6286C}" destId="{2529F00E-5D19-4CC8-B55C-9B22D024A9AB}" srcOrd="0" destOrd="0" presId="urn:microsoft.com/office/officeart/2008/layout/PictureStrips"/>
+    <dgm:cxn modelId="{8BC6051C-A2B7-4BAE-AD90-BD6E685B1F61}" srcId="{F1C7BA09-3861-4B17-8E1B-17BF12C16A85}" destId="{96A54157-256A-4E37-BFEE-44D0908C1575}" srcOrd="1" destOrd="0" parTransId="{888F83DF-2547-48B9-862F-0B7B447C09E5}" sibTransId="{7FCAE219-994F-484F-B02E-E1D256B6F427}"/>
+    <dgm:cxn modelId="{0955D446-EE47-421A-BF3A-895440198399}" type="presOf" srcId="{96A54157-256A-4E37-BFEE-44D0908C1575}" destId="{4741EECF-2CE5-430F-9BFA-99DA3743581A}" srcOrd="0" destOrd="0" presId="urn:microsoft.com/office/officeart/2005/8/layout/default"/>
+    <dgm:cxn modelId="{D0C2CDDA-2419-4CD9-8BB9-5F3A6D07DA8B}" type="presOf" srcId="{F1C7BA09-3861-4B17-8E1B-17BF12C16A85}" destId="{D8155F60-13FF-43C1-A7DB-19D8162AE3E7}" srcOrd="0" destOrd="0" presId="urn:microsoft.com/office/officeart/2005/8/layout/default"/>
     <dgm:cxn modelId="{164154CD-7B92-46EB-BE6F-698CFA856B97}" srcId="{F1C7BA09-3861-4B17-8E1B-17BF12C16A85}" destId="{D0882D58-28BB-4479-BAD7-F18C5DE6286C}" srcOrd="0" destOrd="0" parTransId="{5DCC7B7B-6781-4A32-91D7-1C6AC9859C87}" sibTransId="{40A88A61-5C6B-4885-A54B-7BB2BB7AB78E}"/>
-    <dgm:cxn modelId="{F1C60BA3-BFF8-4C7B-B606-8955BCE0D7A7}" type="presOf" srcId="{F1C7BA09-3861-4B17-8E1B-17BF12C16A85}" destId="{DF10510A-5CBE-484A-92C7-579C0AC6C443}" srcOrd="0" destOrd="0" presId="urn:microsoft.com/office/officeart/2008/layout/PictureStrips"/>
-    <dgm:cxn modelId="{8BC6051C-A2B7-4BAE-AD90-BD6E685B1F61}" srcId="{F1C7BA09-3861-4B17-8E1B-17BF12C16A85}" destId="{96A54157-256A-4E37-BFEE-44D0908C1575}" srcOrd="1" destOrd="0" parTransId="{888F83DF-2547-48B9-862F-0B7B447C09E5}" sibTransId="{7FCAE219-994F-484F-B02E-E1D256B6F427}"/>
-    <dgm:cxn modelId="{F321833F-CC0E-402E-BED4-91140FB7BB3A}" type="presParOf" srcId="{DF10510A-5CBE-484A-92C7-579C0AC6C443}" destId="{4E69970A-EFEE-4152-A909-30E3130A6002}" srcOrd="0" destOrd="0" presId="urn:microsoft.com/office/officeart/2008/layout/PictureStrips"/>
-    <dgm:cxn modelId="{087E3B48-5DB7-470C-813F-28D0BE261ABB}" type="presParOf" srcId="{4E69970A-EFEE-4152-A909-30E3130A6002}" destId="{2529F00E-5D19-4CC8-B55C-9B22D024A9AB}" srcOrd="0" destOrd="0" presId="urn:microsoft.com/office/officeart/2008/layout/PictureStrips"/>
-    <dgm:cxn modelId="{580763CA-4389-4EEC-BB9F-4DE174934CDB}" type="presParOf" srcId="{4E69970A-EFEE-4152-A909-30E3130A6002}" destId="{ADB959E1-496B-45AA-AB34-7B6113410D13}" srcOrd="1" destOrd="0" presId="urn:microsoft.com/office/officeart/2008/layout/PictureStrips"/>
-    <dgm:cxn modelId="{89C7C05C-D9C8-4E29-B8A2-86BF8FA49F23}" type="presParOf" srcId="{DF10510A-5CBE-484A-92C7-579C0AC6C443}" destId="{D28A0707-432E-4BB2-86D6-050C9D4E2048}" srcOrd="1" destOrd="0" presId="urn:microsoft.com/office/officeart/2008/layout/PictureStrips"/>
-    <dgm:cxn modelId="{436C64C8-6719-4D0A-BB43-2335F2C9B6E3}" type="presParOf" srcId="{DF10510A-5CBE-484A-92C7-579C0AC6C443}" destId="{6C9AB846-AB62-4338-A2EB-41E68DD5BFDD}" srcOrd="2" destOrd="0" presId="urn:microsoft.com/office/officeart/2008/layout/PictureStrips"/>
-    <dgm:cxn modelId="{BAF9BD5F-C789-4F5F-9C67-10AC2CF30AAF}" type="presParOf" srcId="{6C9AB846-AB62-4338-A2EB-41E68DD5BFDD}" destId="{10A7434A-E88D-4986-826D-FF8A1AACADC4}" srcOrd="0" destOrd="0" presId="urn:microsoft.com/office/officeart/2008/layout/PictureStrips"/>
-    <dgm:cxn modelId="{4311519D-418C-44E4-9E8B-A8931C5EC54D}" type="presParOf" srcId="{6C9AB846-AB62-4338-A2EB-41E68DD5BFDD}" destId="{B1BE2394-0519-4C66-809E-7719D8DB3110}" srcOrd="1" destOrd="0" presId="urn:microsoft.com/office/officeart/2008/layout/PictureStrips"/>
+    <dgm:cxn modelId="{FFBAEC72-3358-4FAF-8BEC-DCC117AA0A52}" type="presOf" srcId="{D0882D58-28BB-4479-BAD7-F18C5DE6286C}" destId="{99FB3F33-CBBD-43D1-8A05-CA92B3CF8EF8}" srcOrd="0" destOrd="0" presId="urn:microsoft.com/office/officeart/2005/8/layout/default"/>
+    <dgm:cxn modelId="{735C5F10-273A-4921-B1D9-1EB3AB34FEA4}" type="presParOf" srcId="{D8155F60-13FF-43C1-A7DB-19D8162AE3E7}" destId="{99FB3F33-CBBD-43D1-8A05-CA92B3CF8EF8}" srcOrd="0" destOrd="0" presId="urn:microsoft.com/office/officeart/2005/8/layout/default"/>
+    <dgm:cxn modelId="{FDA1799C-D7CE-4F56-BB0A-ACC1E8013898}" type="presParOf" srcId="{D8155F60-13FF-43C1-A7DB-19D8162AE3E7}" destId="{0D17F077-437B-49FB-B23B-C3F4779EAEC4}" srcOrd="1" destOrd="0" presId="urn:microsoft.com/office/officeart/2005/8/layout/default"/>
+    <dgm:cxn modelId="{DB92D400-EB8F-4876-8BEC-57A7D0C530D9}" type="presParOf" srcId="{D8155F60-13FF-43C1-A7DB-19D8162AE3E7}" destId="{4741EECF-2CE5-430F-9BFA-99DA3743581A}" srcOrd="2" destOrd="0" presId="urn:microsoft.com/office/officeart/2005/8/layout/default"/>
   </dgm:cxnLst>
   <dgm:bg/>
   <dgm:whole/>
@@ -14881,7 +13879,7 @@
   <dgm:whole/>
   <dgm:extLst>
     <a:ext uri="http://schemas.microsoft.com/office/drawing/2008/diagram">
-      <dsp:dataModelExt xmlns:dsp="http://schemas.microsoft.com/office/drawing/2008/diagram" relId="rId9" minVer="http://schemas.openxmlformats.org/drawingml/2006/diagram"/>
+      <dsp:dataModelExt xmlns:dsp="http://schemas.microsoft.com/office/drawing/2008/diagram" relId="rId7" minVer="http://schemas.openxmlformats.org/drawingml/2006/diagram"/>
     </a:ext>
   </dgm:extLst>
 </dgm:dataModel>
@@ -14890,8 +13888,8 @@
 <file path=ppt/diagrams/data9.xml><?xml version="1.0" encoding="utf-8"?>
 <dgm:dataModel xmlns:dgm="http://schemas.openxmlformats.org/drawingml/2006/diagram" xmlns:a="http://schemas.openxmlformats.org/drawingml/2006/main">
   <dgm:ptLst>
-    <dgm:pt modelId="{91D4A3BC-5806-42CB-A6A9-D0FB1B50EC8E}" type="doc">
-      <dgm:prSet loTypeId="urn:microsoft.com/office/officeart/2008/layout/PictureAccentList" loCatId="list" qsTypeId="urn:microsoft.com/office/officeart/2005/8/quickstyle/simple1" qsCatId="simple" csTypeId="urn:microsoft.com/office/officeart/2005/8/colors/accent1_2" csCatId="accent1" phldr="1"/>
+    <dgm:pt modelId="{6912E590-92BB-4AA0-89BD-9429CE8A8090}" type="doc">
+      <dgm:prSet loTypeId="urn:microsoft.com/office/officeart/2005/8/layout/list1" loCatId="list" qsTypeId="urn:microsoft.com/office/officeart/2005/8/quickstyle/simple1" qsCatId="simple" csTypeId="urn:microsoft.com/office/officeart/2005/8/colors/accent1_2" csCatId="accent1" phldr="1"/>
       <dgm:spPr/>
       <dgm:t>
         <a:bodyPr/>
@@ -14901,7 +13899,7 @@
         </a:p>
       </dgm:t>
     </dgm:pt>
-    <dgm:pt modelId="{6B491687-6D74-49B9-9DB6-D68697B5B666}">
+    <dgm:pt modelId="{2639C892-99FE-4DEB-B688-79A2618365E5}">
       <dgm:prSet phldrT="[文本]"/>
       <dgm:spPr/>
       <dgm:t>
@@ -14909,14 +13907,18 @@
         <a:lstStyle/>
         <a:p>
           <a:r>
+            <a:rPr lang="en-US" altLang="zh-CN" dirty="0" smtClean="0"/>
+            <a:t>Execute</a:t>
+          </a:r>
+          <a:r>
             <a:rPr lang="zh-CN" altLang="en-US" dirty="0" smtClean="0"/>
-            <a:t>转发导致并行程度低</a:t>
+            <a:t>转发</a:t>
           </a:r>
           <a:endParaRPr lang="zh-CN" altLang="en-US" dirty="0"/>
         </a:p>
       </dgm:t>
     </dgm:pt>
-    <dgm:pt modelId="{5E0E2BC3-153F-4A34-B921-1BD66550BDF6}" type="parTrans" cxnId="{D1AD4D92-5022-4C01-92BE-985C73EE639E}">
+    <dgm:pt modelId="{D4D878C7-487A-4738-AF7E-AE79E91141AE}" type="parTrans" cxnId="{6E816C3B-4B08-4A81-8482-B36719E879B7}">
       <dgm:prSet/>
       <dgm:spPr/>
       <dgm:t>
@@ -14927,7 +13929,7 @@
         </a:p>
       </dgm:t>
     </dgm:pt>
-    <dgm:pt modelId="{362EE180-D735-4164-81C8-04DC0F0777CD}" type="sibTrans" cxnId="{D1AD4D92-5022-4C01-92BE-985C73EE639E}">
+    <dgm:pt modelId="{9F81DB39-D933-46D1-82D0-A55331FF90A0}" type="sibTrans" cxnId="{6E816C3B-4B08-4A81-8482-B36719E879B7}">
       <dgm:prSet/>
       <dgm:spPr/>
       <dgm:t>
@@ -14938,7 +13940,7 @@
         </a:p>
       </dgm:t>
     </dgm:pt>
-    <dgm:pt modelId="{223D9DF4-35AA-4513-9DBE-70C8797C7366}">
+    <dgm:pt modelId="{59A1A91D-F844-4E2F-97D7-F36DBA27EA16}">
       <dgm:prSet phldrT="[文本]"/>
       <dgm:spPr/>
       <dgm:t>
@@ -14946,14 +13948,18 @@
         <a:lstStyle/>
         <a:p>
           <a:r>
+            <a:rPr lang="en-US" altLang="zh-CN" dirty="0" smtClean="0"/>
+            <a:t>Decode</a:t>
+          </a:r>
+          <a:r>
             <a:rPr lang="zh-CN" altLang="en-US" dirty="0" smtClean="0"/>
-            <a:t>延迟转发发生时间</a:t>
+            <a:t>转发</a:t>
           </a:r>
           <a:endParaRPr lang="zh-CN" altLang="en-US" dirty="0"/>
         </a:p>
       </dgm:t>
     </dgm:pt>
-    <dgm:pt modelId="{64EFEA6C-7D63-4821-8AD2-C6E4DFBBBEAE}" type="parTrans" cxnId="{3C6C649F-8703-4D2F-B9B7-9EC4B73B0002}">
+    <dgm:pt modelId="{B2F5FE03-63D0-40B2-8C53-25F592341BD9}" type="parTrans" cxnId="{1B33A04F-F1DC-461C-BDA8-3AF2A679B44E}">
       <dgm:prSet/>
       <dgm:spPr/>
       <dgm:t>
@@ -14964,7 +13970,7 @@
         </a:p>
       </dgm:t>
     </dgm:pt>
-    <dgm:pt modelId="{4BC64880-6D88-4C55-B01E-B5EE49808F7D}" type="sibTrans" cxnId="{3C6C649F-8703-4D2F-B9B7-9EC4B73B0002}">
+    <dgm:pt modelId="{CF591321-955A-43F8-80FB-C594AAC56953}" type="sibTrans" cxnId="{1B33A04F-F1DC-461C-BDA8-3AF2A679B44E}">
       <dgm:prSet/>
       <dgm:spPr/>
       <dgm:t>
@@ -14975,52 +13981,12 @@
         </a:p>
       </dgm:t>
     </dgm:pt>
-    <dgm:pt modelId="{0DC62EBD-24FE-4A74-8B43-4BAFA93FF515}">
-      <dgm:prSet phldrT="[文本]"/>
-      <dgm:spPr/>
-      <dgm:t>
-        <a:bodyPr/>
-        <a:lstStyle/>
-        <a:p>
-          <a:r>
-            <a:rPr lang="zh-CN" altLang="en-US" dirty="0" smtClean="0"/>
-            <a:t>预测转发结果</a:t>
-          </a:r>
-          <a:endParaRPr lang="zh-CN" altLang="en-US" dirty="0"/>
-        </a:p>
-      </dgm:t>
-    </dgm:pt>
-    <dgm:pt modelId="{C9C56F3F-894E-4732-848C-6D91D3E3BB9B}" type="parTrans" cxnId="{77760A7E-1E77-4E90-9B71-F505D53DF507}">
-      <dgm:prSet/>
-      <dgm:spPr/>
-      <dgm:t>
-        <a:bodyPr/>
-        <a:lstStyle/>
-        <a:p>
-          <a:endParaRPr lang="zh-CN" altLang="en-US"/>
-        </a:p>
-      </dgm:t>
-    </dgm:pt>
-    <dgm:pt modelId="{43E8E68E-767C-472A-AE6C-055DCCB816AF}" type="sibTrans" cxnId="{77760A7E-1E77-4E90-9B71-F505D53DF507}">
-      <dgm:prSet/>
-      <dgm:spPr/>
-      <dgm:t>
-        <a:bodyPr/>
-        <a:lstStyle/>
-        <a:p>
-          <a:endParaRPr lang="zh-CN" altLang="en-US"/>
-        </a:p>
-      </dgm:t>
-    </dgm:pt>
-    <dgm:pt modelId="{BC8D151A-CF16-456A-ABB0-340E135DF14C}" type="pres">
-      <dgm:prSet presAssocID="{91D4A3BC-5806-42CB-A6A9-D0FB1B50EC8E}" presName="layout" presStyleCnt="0">
+    <dgm:pt modelId="{9F82E651-46C2-49AB-AA37-4452BDE2CDE7}" type="pres">
+      <dgm:prSet presAssocID="{6912E590-92BB-4AA0-89BD-9429CE8A8090}" presName="linear" presStyleCnt="0">
         <dgm:presLayoutVars>
-          <dgm:chMax/>
-          <dgm:chPref/>
           <dgm:dir/>
-          <dgm:animOne val="branch"/>
           <dgm:animLvl val="lvl"/>
-          <dgm:resizeHandles/>
+          <dgm:resizeHandles val="exact"/>
         </dgm:presLayoutVars>
       </dgm:prSet>
       <dgm:spPr/>
@@ -15032,28 +13998,12 @@
         </a:p>
       </dgm:t>
     </dgm:pt>
-    <dgm:pt modelId="{F30869BF-24D1-4ED6-91A9-C875470E4A82}" type="pres">
-      <dgm:prSet presAssocID="{6B491687-6D74-49B9-9DB6-D68697B5B666}" presName="root" presStyleCnt="0">
-        <dgm:presLayoutVars>
-          <dgm:chMax/>
-          <dgm:chPref val="4"/>
-        </dgm:presLayoutVars>
-      </dgm:prSet>
+    <dgm:pt modelId="{BC2463E8-9F88-4ABE-8EDD-923FD6F4F0A3}" type="pres">
+      <dgm:prSet presAssocID="{2639C892-99FE-4DEB-B688-79A2618365E5}" presName="parentLin" presStyleCnt="0"/>
       <dgm:spPr/>
     </dgm:pt>
-    <dgm:pt modelId="{95EC5A0B-9B00-439C-A50E-68A6DAABD1DB}" type="pres">
-      <dgm:prSet presAssocID="{6B491687-6D74-49B9-9DB6-D68697B5B666}" presName="rootComposite" presStyleCnt="0">
-        <dgm:presLayoutVars/>
-      </dgm:prSet>
-      <dgm:spPr/>
-    </dgm:pt>
-    <dgm:pt modelId="{3B4D6DD0-F114-4B1F-9D3E-B22F577CC33B}" type="pres">
-      <dgm:prSet presAssocID="{6B491687-6D74-49B9-9DB6-D68697B5B666}" presName="rootText" presStyleLbl="node0" presStyleIdx="0" presStyleCnt="1">
-        <dgm:presLayoutVars>
-          <dgm:chMax/>
-          <dgm:chPref val="4"/>
-        </dgm:presLayoutVars>
-      </dgm:prSet>
+    <dgm:pt modelId="{C64DEA83-635E-49F0-8383-9ADA8729A88A}" type="pres">
+      <dgm:prSet presAssocID="{2639C892-99FE-4DEB-B688-79A2618365E5}" presName="parentLeftMargin" presStyleLbl="node1" presStyleIdx="0" presStyleCnt="2"/>
       <dgm:spPr/>
       <dgm:t>
         <a:bodyPr/>
@@ -15063,33 +14013,10 @@
         </a:p>
       </dgm:t>
     </dgm:pt>
-    <dgm:pt modelId="{B2AEE692-40D9-4E1C-93BD-6A059E469F0A}" type="pres">
-      <dgm:prSet presAssocID="{6B491687-6D74-49B9-9DB6-D68697B5B666}" presName="childShape" presStyleCnt="0">
+    <dgm:pt modelId="{B18896DD-7C29-4F93-9AF1-C016358FDCAD}" type="pres">
+      <dgm:prSet presAssocID="{2639C892-99FE-4DEB-B688-79A2618365E5}" presName="parentText" presStyleLbl="node1" presStyleIdx="0" presStyleCnt="2">
         <dgm:presLayoutVars>
           <dgm:chMax val="0"/>
-          <dgm:chPref val="0"/>
-        </dgm:presLayoutVars>
-      </dgm:prSet>
-      <dgm:spPr/>
-    </dgm:pt>
-    <dgm:pt modelId="{2F4ABFAF-1458-4C0B-9690-3E402D4F2344}" type="pres">
-      <dgm:prSet presAssocID="{223D9DF4-35AA-4513-9DBE-70C8797C7366}" presName="childComposite" presStyleCnt="0">
-        <dgm:presLayoutVars>
-          <dgm:chMax val="0"/>
-          <dgm:chPref val="0"/>
-        </dgm:presLayoutVars>
-      </dgm:prSet>
-      <dgm:spPr/>
-    </dgm:pt>
-    <dgm:pt modelId="{5F5B4E79-4B20-4654-8D89-0159F0109C49}" type="pres">
-      <dgm:prSet presAssocID="{223D9DF4-35AA-4513-9DBE-70C8797C7366}" presName="Image" presStyleLbl="node1" presStyleIdx="0" presStyleCnt="2"/>
-      <dgm:spPr/>
-    </dgm:pt>
-    <dgm:pt modelId="{AC83FA56-769A-43E0-BB48-890B7B9FB20F}" type="pres">
-      <dgm:prSet presAssocID="{223D9DF4-35AA-4513-9DBE-70C8797C7366}" presName="childText" presStyleLbl="lnNode1" presStyleIdx="0" presStyleCnt="2">
-        <dgm:presLayoutVars>
-          <dgm:chMax val="0"/>
-          <dgm:chPref val="0"/>
           <dgm:bulletEnabled val="1"/>
         </dgm:presLayoutVars>
       </dgm:prSet>
@@ -15102,24 +14029,41 @@
         </a:p>
       </dgm:t>
     </dgm:pt>
-    <dgm:pt modelId="{549A24A9-885C-46D1-83E0-A1BD0DE6D63E}" type="pres">
-      <dgm:prSet presAssocID="{0DC62EBD-24FE-4A74-8B43-4BAFA93FF515}" presName="childComposite" presStyleCnt="0">
+    <dgm:pt modelId="{8E34EC7B-8C12-4000-AC81-7BCB2F337E1F}" type="pres">
+      <dgm:prSet presAssocID="{2639C892-99FE-4DEB-B688-79A2618365E5}" presName="negativeSpace" presStyleCnt="0"/>
+      <dgm:spPr/>
+    </dgm:pt>
+    <dgm:pt modelId="{12840E0E-A95F-420D-9CC3-152A293FB409}" type="pres">
+      <dgm:prSet presAssocID="{2639C892-99FE-4DEB-B688-79A2618365E5}" presName="childText" presStyleLbl="conFgAcc1" presStyleIdx="0" presStyleCnt="2">
         <dgm:presLayoutVars>
-          <dgm:chMax val="0"/>
-          <dgm:chPref val="0"/>
+          <dgm:bulletEnabled val="1"/>
         </dgm:presLayoutVars>
       </dgm:prSet>
       <dgm:spPr/>
     </dgm:pt>
-    <dgm:pt modelId="{EC56AA5D-4A73-46D7-B73E-4C9219925619}" type="pres">
-      <dgm:prSet presAssocID="{0DC62EBD-24FE-4A74-8B43-4BAFA93FF515}" presName="Image" presStyleLbl="node1" presStyleIdx="1" presStyleCnt="2"/>
+    <dgm:pt modelId="{33DED9B4-E317-4294-978C-27B50F11573B}" type="pres">
+      <dgm:prSet presAssocID="{9F81DB39-D933-46D1-82D0-A55331FF90A0}" presName="spaceBetweenRectangles" presStyleCnt="0"/>
       <dgm:spPr/>
     </dgm:pt>
-    <dgm:pt modelId="{0A80A709-BD68-457B-A775-3EF5BABE291B}" type="pres">
-      <dgm:prSet presAssocID="{0DC62EBD-24FE-4A74-8B43-4BAFA93FF515}" presName="childText" presStyleLbl="lnNode1" presStyleIdx="1" presStyleCnt="2">
+    <dgm:pt modelId="{253C2E72-1CFE-43C5-8FEB-DDEB3778988A}" type="pres">
+      <dgm:prSet presAssocID="{59A1A91D-F844-4E2F-97D7-F36DBA27EA16}" presName="parentLin" presStyleCnt="0"/>
+      <dgm:spPr/>
+    </dgm:pt>
+    <dgm:pt modelId="{CE7B8C15-2578-45DB-AF0D-367DAA0D21E4}" type="pres">
+      <dgm:prSet presAssocID="{59A1A91D-F844-4E2F-97D7-F36DBA27EA16}" presName="parentLeftMargin" presStyleLbl="node1" presStyleIdx="0" presStyleCnt="2"/>
+      <dgm:spPr/>
+      <dgm:t>
+        <a:bodyPr/>
+        <a:lstStyle/>
+        <a:p>
+          <a:endParaRPr lang="zh-CN" altLang="en-US"/>
+        </a:p>
+      </dgm:t>
+    </dgm:pt>
+    <dgm:pt modelId="{19B9A1D9-3B9F-4408-8CB6-5139F9E2F0CE}" type="pres">
+      <dgm:prSet presAssocID="{59A1A91D-F844-4E2F-97D7-F36DBA27EA16}" presName="parentText" presStyleLbl="node1" presStyleIdx="1" presStyleCnt="2">
         <dgm:presLayoutVars>
           <dgm:chMax val="0"/>
-          <dgm:chPref val="0"/>
           <dgm:bulletEnabled val="1"/>
         </dgm:presLayoutVars>
       </dgm:prSet>
@@ -15132,31 +14076,44 @@
         </a:p>
       </dgm:t>
     </dgm:pt>
+    <dgm:pt modelId="{40A1C0F7-BC01-4F9E-8F8C-EB4054EF93EC}" type="pres">
+      <dgm:prSet presAssocID="{59A1A91D-F844-4E2F-97D7-F36DBA27EA16}" presName="negativeSpace" presStyleCnt="0"/>
+      <dgm:spPr/>
+    </dgm:pt>
+    <dgm:pt modelId="{46326CDB-C235-4267-991B-8DAE50799BE7}" type="pres">
+      <dgm:prSet presAssocID="{59A1A91D-F844-4E2F-97D7-F36DBA27EA16}" presName="childText" presStyleLbl="conFgAcc1" presStyleIdx="1" presStyleCnt="2">
+        <dgm:presLayoutVars>
+          <dgm:bulletEnabled val="1"/>
+        </dgm:presLayoutVars>
+      </dgm:prSet>
+      <dgm:spPr/>
+    </dgm:pt>
   </dgm:ptLst>
   <dgm:cxnLst>
-    <dgm:cxn modelId="{D1AD4D92-5022-4C01-92BE-985C73EE639E}" srcId="{91D4A3BC-5806-42CB-A6A9-D0FB1B50EC8E}" destId="{6B491687-6D74-49B9-9DB6-D68697B5B666}" srcOrd="0" destOrd="0" parTransId="{5E0E2BC3-153F-4A34-B921-1BD66550BDF6}" sibTransId="{362EE180-D735-4164-81C8-04DC0F0777CD}"/>
-    <dgm:cxn modelId="{2E62600C-ED36-4642-BC34-22C3D4FF2B3F}" type="presOf" srcId="{91D4A3BC-5806-42CB-A6A9-D0FB1B50EC8E}" destId="{BC8D151A-CF16-456A-ABB0-340E135DF14C}" srcOrd="0" destOrd="0" presId="urn:microsoft.com/office/officeart/2008/layout/PictureAccentList"/>
-    <dgm:cxn modelId="{FF1EEB37-C42A-4304-9F7C-49EF3C27D593}" type="presOf" srcId="{0DC62EBD-24FE-4A74-8B43-4BAFA93FF515}" destId="{0A80A709-BD68-457B-A775-3EF5BABE291B}" srcOrd="0" destOrd="0" presId="urn:microsoft.com/office/officeart/2008/layout/PictureAccentList"/>
-    <dgm:cxn modelId="{6AF12034-77D3-4E74-A5C7-89E0A41CDA70}" type="presOf" srcId="{223D9DF4-35AA-4513-9DBE-70C8797C7366}" destId="{AC83FA56-769A-43E0-BB48-890B7B9FB20F}" srcOrd="0" destOrd="0" presId="urn:microsoft.com/office/officeart/2008/layout/PictureAccentList"/>
-    <dgm:cxn modelId="{6C132947-6EF5-4DCE-8F68-4087A3257081}" type="presOf" srcId="{6B491687-6D74-49B9-9DB6-D68697B5B666}" destId="{3B4D6DD0-F114-4B1F-9D3E-B22F577CC33B}" srcOrd="0" destOrd="0" presId="urn:microsoft.com/office/officeart/2008/layout/PictureAccentList"/>
-    <dgm:cxn modelId="{77760A7E-1E77-4E90-9B71-F505D53DF507}" srcId="{6B491687-6D74-49B9-9DB6-D68697B5B666}" destId="{0DC62EBD-24FE-4A74-8B43-4BAFA93FF515}" srcOrd="1" destOrd="0" parTransId="{C9C56F3F-894E-4732-848C-6D91D3E3BB9B}" sibTransId="{43E8E68E-767C-472A-AE6C-055DCCB816AF}"/>
-    <dgm:cxn modelId="{3C6C649F-8703-4D2F-B9B7-9EC4B73B0002}" srcId="{6B491687-6D74-49B9-9DB6-D68697B5B666}" destId="{223D9DF4-35AA-4513-9DBE-70C8797C7366}" srcOrd="0" destOrd="0" parTransId="{64EFEA6C-7D63-4821-8AD2-C6E4DFBBBEAE}" sibTransId="{4BC64880-6D88-4C55-B01E-B5EE49808F7D}"/>
-    <dgm:cxn modelId="{E361C8CC-9944-4833-9D67-D522DCAE837F}" type="presParOf" srcId="{BC8D151A-CF16-456A-ABB0-340E135DF14C}" destId="{F30869BF-24D1-4ED6-91A9-C875470E4A82}" srcOrd="0" destOrd="0" presId="urn:microsoft.com/office/officeart/2008/layout/PictureAccentList"/>
-    <dgm:cxn modelId="{AC32D477-1B2F-4F7A-B23D-3C1F0BEBC8C6}" type="presParOf" srcId="{F30869BF-24D1-4ED6-91A9-C875470E4A82}" destId="{95EC5A0B-9B00-439C-A50E-68A6DAABD1DB}" srcOrd="0" destOrd="0" presId="urn:microsoft.com/office/officeart/2008/layout/PictureAccentList"/>
-    <dgm:cxn modelId="{C926117B-B3C5-42A1-BD49-4218EF9666F7}" type="presParOf" srcId="{95EC5A0B-9B00-439C-A50E-68A6DAABD1DB}" destId="{3B4D6DD0-F114-4B1F-9D3E-B22F577CC33B}" srcOrd="0" destOrd="0" presId="urn:microsoft.com/office/officeart/2008/layout/PictureAccentList"/>
-    <dgm:cxn modelId="{C85BB1F9-DA51-48F2-9D52-56265E426127}" type="presParOf" srcId="{F30869BF-24D1-4ED6-91A9-C875470E4A82}" destId="{B2AEE692-40D9-4E1C-93BD-6A059E469F0A}" srcOrd="1" destOrd="0" presId="urn:microsoft.com/office/officeart/2008/layout/PictureAccentList"/>
-    <dgm:cxn modelId="{E1443BA6-B07A-40EA-AAF6-3A9F20089C11}" type="presParOf" srcId="{B2AEE692-40D9-4E1C-93BD-6A059E469F0A}" destId="{2F4ABFAF-1458-4C0B-9690-3E402D4F2344}" srcOrd="0" destOrd="0" presId="urn:microsoft.com/office/officeart/2008/layout/PictureAccentList"/>
-    <dgm:cxn modelId="{45DCB361-EE6A-4782-88B6-41D81A1774D2}" type="presParOf" srcId="{2F4ABFAF-1458-4C0B-9690-3E402D4F2344}" destId="{5F5B4E79-4B20-4654-8D89-0159F0109C49}" srcOrd="0" destOrd="0" presId="urn:microsoft.com/office/officeart/2008/layout/PictureAccentList"/>
-    <dgm:cxn modelId="{67B58A42-0DA5-48B0-A5F4-ED55D128CFBA}" type="presParOf" srcId="{2F4ABFAF-1458-4C0B-9690-3E402D4F2344}" destId="{AC83FA56-769A-43E0-BB48-890B7B9FB20F}" srcOrd="1" destOrd="0" presId="urn:microsoft.com/office/officeart/2008/layout/PictureAccentList"/>
-    <dgm:cxn modelId="{049243D6-0E98-4F79-9F5E-E01EA63A31F2}" type="presParOf" srcId="{B2AEE692-40D9-4E1C-93BD-6A059E469F0A}" destId="{549A24A9-885C-46D1-83E0-A1BD0DE6D63E}" srcOrd="1" destOrd="0" presId="urn:microsoft.com/office/officeart/2008/layout/PictureAccentList"/>
-    <dgm:cxn modelId="{264CB9D5-C400-4B23-B861-D0293560C561}" type="presParOf" srcId="{549A24A9-885C-46D1-83E0-A1BD0DE6D63E}" destId="{EC56AA5D-4A73-46D7-B73E-4C9219925619}" srcOrd="0" destOrd="0" presId="urn:microsoft.com/office/officeart/2008/layout/PictureAccentList"/>
-    <dgm:cxn modelId="{E932F09B-E95E-4F69-BD26-55461812F414}" type="presParOf" srcId="{549A24A9-885C-46D1-83E0-A1BD0DE6D63E}" destId="{0A80A709-BD68-457B-A775-3EF5BABE291B}" srcOrd="1" destOrd="0" presId="urn:microsoft.com/office/officeart/2008/layout/PictureAccentList"/>
+    <dgm:cxn modelId="{291CEBAE-BA32-41E2-8FE2-3558A5EA1452}" type="presOf" srcId="{2639C892-99FE-4DEB-B688-79A2618365E5}" destId="{C64DEA83-635E-49F0-8383-9ADA8729A88A}" srcOrd="0" destOrd="0" presId="urn:microsoft.com/office/officeart/2005/8/layout/list1"/>
+    <dgm:cxn modelId="{1B33A04F-F1DC-461C-BDA8-3AF2A679B44E}" srcId="{6912E590-92BB-4AA0-89BD-9429CE8A8090}" destId="{59A1A91D-F844-4E2F-97D7-F36DBA27EA16}" srcOrd="1" destOrd="0" parTransId="{B2F5FE03-63D0-40B2-8C53-25F592341BD9}" sibTransId="{CF591321-955A-43F8-80FB-C594AAC56953}"/>
+    <dgm:cxn modelId="{722EA372-3C4E-4FA5-BFEF-76BE1E31B34E}" type="presOf" srcId="{2639C892-99FE-4DEB-B688-79A2618365E5}" destId="{B18896DD-7C29-4F93-9AF1-C016358FDCAD}" srcOrd="1" destOrd="0" presId="urn:microsoft.com/office/officeart/2005/8/layout/list1"/>
+    <dgm:cxn modelId="{F6B93F06-E994-4038-B88B-8C411422BBB4}" type="presOf" srcId="{6912E590-92BB-4AA0-89BD-9429CE8A8090}" destId="{9F82E651-46C2-49AB-AA37-4452BDE2CDE7}" srcOrd="0" destOrd="0" presId="urn:microsoft.com/office/officeart/2005/8/layout/list1"/>
+    <dgm:cxn modelId="{C8578E6B-0F99-429A-BE36-FBFE25C6AF85}" type="presOf" srcId="{59A1A91D-F844-4E2F-97D7-F36DBA27EA16}" destId="{19B9A1D9-3B9F-4408-8CB6-5139F9E2F0CE}" srcOrd="1" destOrd="0" presId="urn:microsoft.com/office/officeart/2005/8/layout/list1"/>
+    <dgm:cxn modelId="{AB33B60D-8AED-4D82-A7F2-CEC9964ADCA4}" type="presOf" srcId="{59A1A91D-F844-4E2F-97D7-F36DBA27EA16}" destId="{CE7B8C15-2578-45DB-AF0D-367DAA0D21E4}" srcOrd="0" destOrd="0" presId="urn:microsoft.com/office/officeart/2005/8/layout/list1"/>
+    <dgm:cxn modelId="{6E816C3B-4B08-4A81-8482-B36719E879B7}" srcId="{6912E590-92BB-4AA0-89BD-9429CE8A8090}" destId="{2639C892-99FE-4DEB-B688-79A2618365E5}" srcOrd="0" destOrd="0" parTransId="{D4D878C7-487A-4738-AF7E-AE79E91141AE}" sibTransId="{9F81DB39-D933-46D1-82D0-A55331FF90A0}"/>
+    <dgm:cxn modelId="{BE8DA858-C436-49A2-80B9-1D09524644A4}" type="presParOf" srcId="{9F82E651-46C2-49AB-AA37-4452BDE2CDE7}" destId="{BC2463E8-9F88-4ABE-8EDD-923FD6F4F0A3}" srcOrd="0" destOrd="0" presId="urn:microsoft.com/office/officeart/2005/8/layout/list1"/>
+    <dgm:cxn modelId="{1C809A1F-1B19-494F-9E31-B81A159C0D6C}" type="presParOf" srcId="{BC2463E8-9F88-4ABE-8EDD-923FD6F4F0A3}" destId="{C64DEA83-635E-49F0-8383-9ADA8729A88A}" srcOrd="0" destOrd="0" presId="urn:microsoft.com/office/officeart/2005/8/layout/list1"/>
+    <dgm:cxn modelId="{2E961DEB-BDCA-4759-BA8A-D9066431AFB8}" type="presParOf" srcId="{BC2463E8-9F88-4ABE-8EDD-923FD6F4F0A3}" destId="{B18896DD-7C29-4F93-9AF1-C016358FDCAD}" srcOrd="1" destOrd="0" presId="urn:microsoft.com/office/officeart/2005/8/layout/list1"/>
+    <dgm:cxn modelId="{F55987B8-58BE-4A54-85FB-727B3346B9DE}" type="presParOf" srcId="{9F82E651-46C2-49AB-AA37-4452BDE2CDE7}" destId="{8E34EC7B-8C12-4000-AC81-7BCB2F337E1F}" srcOrd="1" destOrd="0" presId="urn:microsoft.com/office/officeart/2005/8/layout/list1"/>
+    <dgm:cxn modelId="{C9BBDDE9-BFA1-43D5-BD0A-7EC43BF4FE3B}" type="presParOf" srcId="{9F82E651-46C2-49AB-AA37-4452BDE2CDE7}" destId="{12840E0E-A95F-420D-9CC3-152A293FB409}" srcOrd="2" destOrd="0" presId="urn:microsoft.com/office/officeart/2005/8/layout/list1"/>
+    <dgm:cxn modelId="{23EDC2ED-EF30-4093-BAAC-5E6E837CDFFF}" type="presParOf" srcId="{9F82E651-46C2-49AB-AA37-4452BDE2CDE7}" destId="{33DED9B4-E317-4294-978C-27B50F11573B}" srcOrd="3" destOrd="0" presId="urn:microsoft.com/office/officeart/2005/8/layout/list1"/>
+    <dgm:cxn modelId="{187139EE-E186-4CA1-BC9E-536E7EEAF4D4}" type="presParOf" srcId="{9F82E651-46C2-49AB-AA37-4452BDE2CDE7}" destId="{253C2E72-1CFE-43C5-8FEB-DDEB3778988A}" srcOrd="4" destOrd="0" presId="urn:microsoft.com/office/officeart/2005/8/layout/list1"/>
+    <dgm:cxn modelId="{E355CA09-4FD5-4B4C-8527-63387A4E97A5}" type="presParOf" srcId="{253C2E72-1CFE-43C5-8FEB-DDEB3778988A}" destId="{CE7B8C15-2578-45DB-AF0D-367DAA0D21E4}" srcOrd="0" destOrd="0" presId="urn:microsoft.com/office/officeart/2005/8/layout/list1"/>
+    <dgm:cxn modelId="{4F24BC92-A9A2-4C83-9AF4-9587292C694E}" type="presParOf" srcId="{253C2E72-1CFE-43C5-8FEB-DDEB3778988A}" destId="{19B9A1D9-3B9F-4408-8CB6-5139F9E2F0CE}" srcOrd="1" destOrd="0" presId="urn:microsoft.com/office/officeart/2005/8/layout/list1"/>
+    <dgm:cxn modelId="{DCDF30B7-B508-4D3B-A7FA-71D9201EDCC7}" type="presParOf" srcId="{9F82E651-46C2-49AB-AA37-4452BDE2CDE7}" destId="{40A1C0F7-BC01-4F9E-8F8C-EB4054EF93EC}" srcOrd="5" destOrd="0" presId="urn:microsoft.com/office/officeart/2005/8/layout/list1"/>
+    <dgm:cxn modelId="{D514023C-D069-48BE-BA32-0FB24D534584}" type="presParOf" srcId="{9F82E651-46C2-49AB-AA37-4452BDE2CDE7}" destId="{46326CDB-C235-4267-991B-8DAE50799BE7}" srcOrd="6" destOrd="0" presId="urn:microsoft.com/office/officeart/2005/8/layout/list1"/>
   </dgm:cxnLst>
   <dgm:bg/>
   <dgm:whole/>
   <dgm:extLst>
     <a:ext uri="http://schemas.microsoft.com/office/drawing/2008/diagram">
-      <dsp:dataModelExt xmlns:dsp="http://schemas.microsoft.com/office/drawing/2008/diagram" relId="rId14" minVer="http://schemas.openxmlformats.org/drawingml/2006/diagram"/>
+      <dsp:dataModelExt xmlns:dsp="http://schemas.microsoft.com/office/drawing/2008/diagram" relId="rId7" minVer="http://schemas.openxmlformats.org/drawingml/2006/diagram"/>
     </a:ext>
   </dgm:extLst>
 </dgm:dataModel>
@@ -15732,280 +14689,6 @@
       <dsp:cNvGrpSpPr/>
     </dsp:nvGrpSpPr>
     <dsp:grpSpPr/>
-    <dsp:sp modelId="{12840E0E-A95F-420D-9CC3-152A293FB409}">
-      <dsp:nvSpPr>
-        <dsp:cNvPr id="0" name=""/>
-        <dsp:cNvSpPr/>
-      </dsp:nvSpPr>
-      <dsp:spPr>
-        <a:xfrm>
-          <a:off x="0" y="1001003"/>
-          <a:ext cx="4943987" cy="1134000"/>
-        </a:xfrm>
-        <a:prstGeom prst="rect">
-          <a:avLst/>
-        </a:prstGeom>
-        <a:solidFill>
-          <a:schemeClr val="lt1">
-            <a:alpha val="90000"/>
-            <a:hueOff val="0"/>
-            <a:satOff val="0"/>
-            <a:lumOff val="0"/>
-            <a:alphaOff val="0"/>
-          </a:schemeClr>
-        </a:solidFill>
-        <a:ln w="12700" cap="flat" cmpd="sng" algn="ctr">
-          <a:solidFill>
-            <a:schemeClr val="accent1">
-              <a:hueOff val="0"/>
-              <a:satOff val="0"/>
-              <a:lumOff val="0"/>
-              <a:alphaOff val="0"/>
-            </a:schemeClr>
-          </a:solidFill>
-          <a:prstDash val="solid"/>
-          <a:miter lim="800000"/>
-        </a:ln>
-        <a:effectLst/>
-      </dsp:spPr>
-      <dsp:style>
-        <a:lnRef idx="2">
-          <a:scrgbClr r="0" g="0" b="0"/>
-        </a:lnRef>
-        <a:fillRef idx="1">
-          <a:scrgbClr r="0" g="0" b="0"/>
-        </a:fillRef>
-        <a:effectRef idx="0">
-          <a:scrgbClr r="0" g="0" b="0"/>
-        </a:effectRef>
-        <a:fontRef idx="minor"/>
-      </dsp:style>
-    </dsp:sp>
-    <dsp:sp modelId="{B18896DD-7C29-4F93-9AF1-C016358FDCAD}">
-      <dsp:nvSpPr>
-        <dsp:cNvPr id="0" name=""/>
-        <dsp:cNvSpPr/>
-      </dsp:nvSpPr>
-      <dsp:spPr>
-        <a:xfrm>
-          <a:off x="247199" y="336803"/>
-          <a:ext cx="3460790" cy="1328400"/>
-        </a:xfrm>
-        <a:prstGeom prst="roundRect">
-          <a:avLst/>
-        </a:prstGeom>
-        <a:solidFill>
-          <a:schemeClr val="accent1">
-            <a:hueOff val="0"/>
-            <a:satOff val="0"/>
-            <a:lumOff val="0"/>
-            <a:alphaOff val="0"/>
-          </a:schemeClr>
-        </a:solidFill>
-        <a:ln w="12700" cap="flat" cmpd="sng" algn="ctr">
-          <a:solidFill>
-            <a:schemeClr val="lt1">
-              <a:hueOff val="0"/>
-              <a:satOff val="0"/>
-              <a:lumOff val="0"/>
-              <a:alphaOff val="0"/>
-            </a:schemeClr>
-          </a:solidFill>
-          <a:prstDash val="solid"/>
-          <a:miter lim="800000"/>
-        </a:ln>
-        <a:effectLst/>
-      </dsp:spPr>
-      <dsp:style>
-        <a:lnRef idx="2">
-          <a:scrgbClr r="0" g="0" b="0"/>
-        </a:lnRef>
-        <a:fillRef idx="1">
-          <a:scrgbClr r="0" g="0" b="0"/>
-        </a:fillRef>
-        <a:effectRef idx="0">
-          <a:scrgbClr r="0" g="0" b="0"/>
-        </a:effectRef>
-        <a:fontRef idx="minor">
-          <a:schemeClr val="lt1"/>
-        </a:fontRef>
-      </dsp:style>
-      <dsp:txBody>
-        <a:bodyPr spcFirstLastPara="0" vert="horz" wrap="square" lIns="130810" tIns="0" rIns="130810" bIns="0" numCol="1" spcCol="1270" anchor="ctr" anchorCtr="0">
-          <a:noAutofit/>
-        </a:bodyPr>
-        <a:lstStyle/>
-        <a:p>
-          <a:pPr lvl="0" algn="l" defTabSz="2000250">
-            <a:lnSpc>
-              <a:spcPct val="90000"/>
-            </a:lnSpc>
-            <a:spcBef>
-              <a:spcPct val="0"/>
-            </a:spcBef>
-            <a:spcAft>
-              <a:spcPct val="35000"/>
-            </a:spcAft>
-          </a:pPr>
-          <a:r>
-            <a:rPr lang="en-US" altLang="zh-CN" sz="4500" kern="1200" dirty="0" smtClean="0"/>
-            <a:t>Execute</a:t>
-          </a:r>
-          <a:r>
-            <a:rPr lang="zh-CN" altLang="en-US" sz="4500" kern="1200" dirty="0" smtClean="0"/>
-            <a:t>转发</a:t>
-          </a:r>
-          <a:endParaRPr lang="zh-CN" altLang="en-US" sz="4500" kern="1200" dirty="0"/>
-        </a:p>
-      </dsp:txBody>
-      <dsp:txXfrm>
-        <a:off x="312046" y="401650"/>
-        <a:ext cx="3331096" cy="1198706"/>
-      </dsp:txXfrm>
-    </dsp:sp>
-    <dsp:sp modelId="{46326CDB-C235-4267-991B-8DAE50799BE7}">
-      <dsp:nvSpPr>
-        <dsp:cNvPr id="0" name=""/>
-        <dsp:cNvSpPr/>
-      </dsp:nvSpPr>
-      <dsp:spPr>
-        <a:xfrm>
-          <a:off x="0" y="3042203"/>
-          <a:ext cx="4943987" cy="1134000"/>
-        </a:xfrm>
-        <a:prstGeom prst="rect">
-          <a:avLst/>
-        </a:prstGeom>
-        <a:solidFill>
-          <a:schemeClr val="lt1">
-            <a:alpha val="90000"/>
-            <a:hueOff val="0"/>
-            <a:satOff val="0"/>
-            <a:lumOff val="0"/>
-            <a:alphaOff val="0"/>
-          </a:schemeClr>
-        </a:solidFill>
-        <a:ln w="12700" cap="flat" cmpd="sng" algn="ctr">
-          <a:solidFill>
-            <a:schemeClr val="accent1">
-              <a:hueOff val="0"/>
-              <a:satOff val="0"/>
-              <a:lumOff val="0"/>
-              <a:alphaOff val="0"/>
-            </a:schemeClr>
-          </a:solidFill>
-          <a:prstDash val="solid"/>
-          <a:miter lim="800000"/>
-        </a:ln>
-        <a:effectLst/>
-      </dsp:spPr>
-      <dsp:style>
-        <a:lnRef idx="2">
-          <a:scrgbClr r="0" g="0" b="0"/>
-        </a:lnRef>
-        <a:fillRef idx="1">
-          <a:scrgbClr r="0" g="0" b="0"/>
-        </a:fillRef>
-        <a:effectRef idx="0">
-          <a:scrgbClr r="0" g="0" b="0"/>
-        </a:effectRef>
-        <a:fontRef idx="minor"/>
-      </dsp:style>
-    </dsp:sp>
-    <dsp:sp modelId="{19B9A1D9-3B9F-4408-8CB6-5139F9E2F0CE}">
-      <dsp:nvSpPr>
-        <dsp:cNvPr id="0" name=""/>
-        <dsp:cNvSpPr/>
-      </dsp:nvSpPr>
-      <dsp:spPr>
-        <a:xfrm>
-          <a:off x="247199" y="2378003"/>
-          <a:ext cx="3460790" cy="1328400"/>
-        </a:xfrm>
-        <a:prstGeom prst="roundRect">
-          <a:avLst/>
-        </a:prstGeom>
-        <a:solidFill>
-          <a:schemeClr val="accent1">
-            <a:hueOff val="0"/>
-            <a:satOff val="0"/>
-            <a:lumOff val="0"/>
-            <a:alphaOff val="0"/>
-          </a:schemeClr>
-        </a:solidFill>
-        <a:ln w="12700" cap="flat" cmpd="sng" algn="ctr">
-          <a:solidFill>
-            <a:schemeClr val="lt1">
-              <a:hueOff val="0"/>
-              <a:satOff val="0"/>
-              <a:lumOff val="0"/>
-              <a:alphaOff val="0"/>
-            </a:schemeClr>
-          </a:solidFill>
-          <a:prstDash val="solid"/>
-          <a:miter lim="800000"/>
-        </a:ln>
-        <a:effectLst/>
-      </dsp:spPr>
-      <dsp:style>
-        <a:lnRef idx="2">
-          <a:scrgbClr r="0" g="0" b="0"/>
-        </a:lnRef>
-        <a:fillRef idx="1">
-          <a:scrgbClr r="0" g="0" b="0"/>
-        </a:fillRef>
-        <a:effectRef idx="0">
-          <a:scrgbClr r="0" g="0" b="0"/>
-        </a:effectRef>
-        <a:fontRef idx="minor">
-          <a:schemeClr val="lt1"/>
-        </a:fontRef>
-      </dsp:style>
-      <dsp:txBody>
-        <a:bodyPr spcFirstLastPara="0" vert="horz" wrap="square" lIns="130810" tIns="0" rIns="130810" bIns="0" numCol="1" spcCol="1270" anchor="ctr" anchorCtr="0">
-          <a:noAutofit/>
-        </a:bodyPr>
-        <a:lstStyle/>
-        <a:p>
-          <a:pPr lvl="0" algn="l" defTabSz="2000250">
-            <a:lnSpc>
-              <a:spcPct val="90000"/>
-            </a:lnSpc>
-            <a:spcBef>
-              <a:spcPct val="0"/>
-            </a:spcBef>
-            <a:spcAft>
-              <a:spcPct val="35000"/>
-            </a:spcAft>
-          </a:pPr>
-          <a:r>
-            <a:rPr lang="en-US" altLang="zh-CN" sz="4500" kern="1200" dirty="0" smtClean="0"/>
-            <a:t>Decode</a:t>
-          </a:r>
-          <a:r>
-            <a:rPr lang="zh-CN" altLang="en-US" sz="4500" kern="1200" dirty="0" smtClean="0"/>
-            <a:t>转发</a:t>
-          </a:r>
-          <a:endParaRPr lang="zh-CN" altLang="en-US" sz="4500" kern="1200" dirty="0"/>
-        </a:p>
-      </dsp:txBody>
-      <dsp:txXfrm>
-        <a:off x="312046" y="2442850"/>
-        <a:ext cx="3331096" cy="1198706"/>
-      </dsp:txXfrm>
-    </dsp:sp>
-  </dsp:spTree>
-</dsp:drawing>
-</file>
-
-<file path=ppt/diagrams/drawing11.xml><?xml version="1.0" encoding="utf-8"?>
-<dsp:drawing xmlns:dgm="http://schemas.openxmlformats.org/drawingml/2006/diagram" xmlns:dsp="http://schemas.microsoft.com/office/drawing/2008/diagram" xmlns:a="http://schemas.openxmlformats.org/drawingml/2006/main">
-  <dsp:spTree>
-    <dsp:nvGrpSpPr>
-      <dsp:cNvPr id="0" name=""/>
-      <dsp:cNvGrpSpPr/>
-    </dsp:nvGrpSpPr>
-    <dsp:grpSpPr/>
     <dsp:sp modelId="{498EBBC1-577F-4353-89EC-BFB47B8B9773}">
       <dsp:nvSpPr>
         <dsp:cNvPr id="0" name=""/>
@@ -16084,7 +14767,7 @@
 </dsp:drawing>
 </file>
 
-<file path=ppt/diagrams/drawing12.xml><?xml version="1.0" encoding="utf-8"?>
+<file path=ppt/diagrams/drawing11.xml><?xml version="1.0" encoding="utf-8"?>
 <dsp:drawing xmlns:dgm="http://schemas.openxmlformats.org/drawingml/2006/diagram" xmlns:dsp="http://schemas.microsoft.com/office/drawing/2008/diagram" xmlns:a="http://schemas.openxmlformats.org/drawingml/2006/main">
   <dsp:spTree>
     <dsp:nvGrpSpPr>
@@ -16227,7 +14910,7 @@
 </dsp:drawing>
 </file>
 
-<file path=ppt/diagrams/drawing13.xml><?xml version="1.0" encoding="utf-8"?>
+<file path=ppt/diagrams/drawing12.xml><?xml version="1.0" encoding="utf-8"?>
 <dsp:drawing xmlns:dgm="http://schemas.openxmlformats.org/drawingml/2006/diagram" xmlns:dsp="http://schemas.microsoft.com/office/drawing/2008/diagram" xmlns:a="http://schemas.openxmlformats.org/drawingml/2006/main">
   <dsp:spTree>
     <dsp:nvGrpSpPr>
@@ -16452,7 +15135,7 @@
 </dsp:drawing>
 </file>
 
-<file path=ppt/diagrams/drawing14.xml><?xml version="1.0" encoding="utf-8"?>
+<file path=ppt/diagrams/drawing13.xml><?xml version="1.0" encoding="utf-8"?>
 <dsp:drawing xmlns:dgm="http://schemas.openxmlformats.org/drawingml/2006/diagram" xmlns:dsp="http://schemas.microsoft.com/office/drawing/2008/diagram" xmlns:a="http://schemas.openxmlformats.org/drawingml/2006/main">
   <dsp:spTree>
     <dsp:nvGrpSpPr>
@@ -16661,7 +15344,7 @@
 </dsp:drawing>
 </file>
 
-<file path=ppt/diagrams/drawing15.xml><?xml version="1.0" encoding="utf-8"?>
+<file path=ppt/diagrams/drawing14.xml><?xml version="1.0" encoding="utf-8"?>
 <dsp:drawing xmlns:dgm="http://schemas.openxmlformats.org/drawingml/2006/diagram" xmlns:dsp="http://schemas.microsoft.com/office/drawing/2008/diagram" xmlns:a="http://schemas.openxmlformats.org/drawingml/2006/main">
   <dsp:spTree>
     <dsp:nvGrpSpPr>
@@ -17040,31 +15723,30 @@
       <dsp:cNvGrpSpPr/>
     </dsp:nvGrpSpPr>
     <dsp:grpSpPr/>
-    <dsp:sp modelId="{2529F00E-5D19-4CC8-B55C-9B22D024A9AB}">
+    <dsp:sp modelId="{99FB3F33-CBBD-43D1-8A05-CA92B3CF8EF8}">
       <dsp:nvSpPr>
         <dsp:cNvPr id="0" name=""/>
         <dsp:cNvSpPr/>
       </dsp:nvSpPr>
       <dsp:spPr>
         <a:xfrm>
-          <a:off x="755967" y="428469"/>
-          <a:ext cx="6903719" cy="2157412"/>
+          <a:off x="1453868" y="1368"/>
+          <a:ext cx="5220263" cy="2231231"/>
         </a:xfrm>
         <a:prstGeom prst="rect">
           <a:avLst/>
         </a:prstGeom>
         <a:solidFill>
-          <a:schemeClr val="lt1">
-            <a:alpha val="40000"/>
+          <a:schemeClr val="accent1">
             <a:hueOff val="0"/>
             <a:satOff val="0"/>
             <a:lumOff val="0"/>
             <a:alphaOff val="0"/>
           </a:schemeClr>
         </a:solidFill>
-        <a:ln w="6350" cap="flat" cmpd="sng" algn="ctr">
+        <a:ln w="12700" cap="flat" cmpd="sng" algn="ctr">
           <a:solidFill>
-            <a:schemeClr val="accent1">
+            <a:schemeClr val="lt1">
               <a:hueOff val="0"/>
               <a:satOff val="0"/>
               <a:lumOff val="0"/>
@@ -17077,7 +15759,7 @@
         <a:effectLst/>
       </dsp:spPr>
       <dsp:style>
-        <a:lnRef idx="1">
+        <a:lnRef idx="2">
           <a:scrgbClr r="0" g="0" b="0"/>
         </a:lnRef>
         <a:fillRef idx="1">
@@ -17086,15 +15768,17 @@
         <a:effectRef idx="0">
           <a:scrgbClr r="0" g="0" b="0"/>
         </a:effectRef>
-        <a:fontRef idx="minor"/>
+        <a:fontRef idx="minor">
+          <a:schemeClr val="lt1"/>
+        </a:fontRef>
       </dsp:style>
       <dsp:txBody>
-        <a:bodyPr spcFirstLastPara="0" vert="horz" wrap="square" lIns="1461287" tIns="76200" rIns="76200" bIns="76200" numCol="1" spcCol="1270" anchor="ctr" anchorCtr="0">
+        <a:bodyPr spcFirstLastPara="0" vert="horz" wrap="square" lIns="76200" tIns="76200" rIns="76200" bIns="76200" numCol="1" spcCol="1270" anchor="ctr" anchorCtr="0">
           <a:noAutofit/>
         </a:bodyPr>
         <a:lstStyle/>
         <a:p>
-          <a:pPr lvl="0" algn="l" defTabSz="889000">
+          <a:pPr lvl="0" algn="ctr" defTabSz="889000">
             <a:lnSpc>
               <a:spcPct val="90000"/>
             </a:lnSpc>
@@ -17120,7 +15804,7 @@
           <a:endParaRPr lang="zh-CN" altLang="en-US" sz="2000" kern="1200" dirty="0" smtClean="0"/>
         </a:p>
         <a:p>
-          <a:pPr lvl="0" algn="l" defTabSz="889000">
+          <a:pPr lvl="0" algn="ctr" defTabSz="889000">
             <a:lnSpc>
               <a:spcPct val="90000"/>
             </a:lnSpc>
@@ -17154,7 +15838,7 @@
           <a:endParaRPr lang="zh-CN" altLang="en-US" sz="2000" kern="1200" dirty="0" smtClean="0"/>
         </a:p>
         <a:p>
-          <a:pPr lvl="0" algn="l" defTabSz="889000">
+          <a:pPr lvl="0" algn="ctr" defTabSz="889000">
             <a:lnSpc>
               <a:spcPct val="90000"/>
             </a:lnSpc>
@@ -17173,26 +15857,25 @@
         </a:p>
       </dsp:txBody>
       <dsp:txXfrm>
-        <a:off x="755967" y="428469"/>
-        <a:ext cx="6903719" cy="2157412"/>
+        <a:off x="1453868" y="1368"/>
+        <a:ext cx="5220263" cy="2231231"/>
       </dsp:txXfrm>
     </dsp:sp>
-    <dsp:sp modelId="{ADB959E1-496B-45AA-AB34-7B6113410D13}">
+    <dsp:sp modelId="{4741EECF-2CE5-430F-9BFA-99DA3743581A}">
       <dsp:nvSpPr>
         <dsp:cNvPr id="0" name=""/>
         <dsp:cNvSpPr/>
       </dsp:nvSpPr>
       <dsp:spPr>
         <a:xfrm>
-          <a:off x="468312" y="116842"/>
-          <a:ext cx="1510188" cy="2265283"/>
+          <a:off x="1453868" y="2604471"/>
+          <a:ext cx="5220263" cy="2231231"/>
         </a:xfrm>
         <a:prstGeom prst="rect">
           <a:avLst/>
         </a:prstGeom>
         <a:solidFill>
           <a:schemeClr val="accent1">
-            <a:tint val="50000"/>
             <a:hueOff val="0"/>
             <a:satOff val="0"/>
             <a:lumOff val="0"/>
@@ -17223,64 +15906,17 @@
         <a:effectRef idx="0">
           <a:scrgbClr r="0" g="0" b="0"/>
         </a:effectRef>
-        <a:fontRef idx="minor"/>
-      </dsp:style>
-    </dsp:sp>
-    <dsp:sp modelId="{10A7434A-E88D-4986-826D-FF8A1AACADC4}">
-      <dsp:nvSpPr>
-        <dsp:cNvPr id="0" name=""/>
-        <dsp:cNvSpPr/>
-      </dsp:nvSpPr>
-      <dsp:spPr>
-        <a:xfrm>
-          <a:off x="755967" y="3144411"/>
-          <a:ext cx="6903719" cy="2157412"/>
-        </a:xfrm>
-        <a:prstGeom prst="rect">
-          <a:avLst/>
-        </a:prstGeom>
-        <a:solidFill>
-          <a:schemeClr val="lt1">
-            <a:alpha val="40000"/>
-            <a:hueOff val="0"/>
-            <a:satOff val="0"/>
-            <a:lumOff val="0"/>
-            <a:alphaOff val="0"/>
-          </a:schemeClr>
-        </a:solidFill>
-        <a:ln w="6350" cap="flat" cmpd="sng" algn="ctr">
-          <a:solidFill>
-            <a:schemeClr val="accent1">
-              <a:hueOff val="0"/>
-              <a:satOff val="0"/>
-              <a:lumOff val="0"/>
-              <a:alphaOff val="0"/>
-            </a:schemeClr>
-          </a:solidFill>
-          <a:prstDash val="solid"/>
-          <a:miter lim="800000"/>
-        </a:ln>
-        <a:effectLst/>
-      </dsp:spPr>
-      <dsp:style>
-        <a:lnRef idx="1">
-          <a:scrgbClr r="0" g="0" b="0"/>
-        </a:lnRef>
-        <a:fillRef idx="1">
-          <a:scrgbClr r="0" g="0" b="0"/>
-        </a:fillRef>
-        <a:effectRef idx="0">
-          <a:scrgbClr r="0" g="0" b="0"/>
-        </a:effectRef>
-        <a:fontRef idx="minor"/>
+        <a:fontRef idx="minor">
+          <a:schemeClr val="lt1"/>
+        </a:fontRef>
       </dsp:style>
       <dsp:txBody>
-        <a:bodyPr spcFirstLastPara="0" vert="horz" wrap="square" lIns="1461287" tIns="68580" rIns="68580" bIns="68580" numCol="1" spcCol="1270" anchor="ctr" anchorCtr="0">
+        <a:bodyPr spcFirstLastPara="0" vert="horz" wrap="square" lIns="68580" tIns="68580" rIns="68580" bIns="68580" numCol="1" spcCol="1270" anchor="ctr" anchorCtr="0">
           <a:noAutofit/>
         </a:bodyPr>
         <a:lstStyle/>
         <a:p>
-          <a:pPr lvl="0" algn="l" defTabSz="800100">
+          <a:pPr lvl="0" algn="ctr" defTabSz="800100">
             <a:lnSpc>
               <a:spcPct val="90000"/>
             </a:lnSpc>
@@ -17310,7 +15946,7 @@
           <a:endParaRPr lang="zh-CN" altLang="en-US" sz="1800" kern="1200" dirty="0" smtClean="0"/>
         </a:p>
         <a:p>
-          <a:pPr lvl="0" algn="l" defTabSz="800100">
+          <a:pPr lvl="0" algn="ctr" defTabSz="800100">
             <a:lnSpc>
               <a:spcPct val="90000"/>
             </a:lnSpc>
@@ -17332,7 +15968,7 @@
           <a:endParaRPr lang="zh-CN" altLang="en-US" sz="1800" kern="1200" dirty="0" smtClean="0"/>
         </a:p>
         <a:p>
-          <a:pPr lvl="0" algn="l" defTabSz="800100">
+          <a:pPr lvl="0" algn="ctr" defTabSz="800100">
             <a:lnSpc>
               <a:spcPct val="90000"/>
             </a:lnSpc>
@@ -17366,7 +16002,7 @@
           <a:endParaRPr lang="zh-CN" altLang="en-US" sz="1800" kern="1200" dirty="0" smtClean="0"/>
         </a:p>
         <a:p>
-          <a:pPr lvl="0" algn="l" defTabSz="800100">
+          <a:pPr lvl="0" algn="ctr" defTabSz="800100">
             <a:lnSpc>
               <a:spcPct val="90000"/>
             </a:lnSpc>
@@ -17393,58 +16029,9 @@
         </a:p>
       </dsp:txBody>
       <dsp:txXfrm>
-        <a:off x="755967" y="3144411"/>
-        <a:ext cx="6903719" cy="2157412"/>
+        <a:off x="1453868" y="2604471"/>
+        <a:ext cx="5220263" cy="2231231"/>
       </dsp:txXfrm>
-    </dsp:sp>
-    <dsp:sp modelId="{B1BE2394-0519-4C66-809E-7719D8DB3110}">
-      <dsp:nvSpPr>
-        <dsp:cNvPr id="0" name=""/>
-        <dsp:cNvSpPr/>
-      </dsp:nvSpPr>
-      <dsp:spPr>
-        <a:xfrm>
-          <a:off x="468312" y="2832785"/>
-          <a:ext cx="1510188" cy="2265283"/>
-        </a:xfrm>
-        <a:prstGeom prst="rect">
-          <a:avLst/>
-        </a:prstGeom>
-        <a:solidFill>
-          <a:schemeClr val="accent1">
-            <a:tint val="50000"/>
-            <a:hueOff val="0"/>
-            <a:satOff val="0"/>
-            <a:lumOff val="0"/>
-            <a:alphaOff val="0"/>
-          </a:schemeClr>
-        </a:solidFill>
-        <a:ln w="12700" cap="flat" cmpd="sng" algn="ctr">
-          <a:solidFill>
-            <a:schemeClr val="lt1">
-              <a:hueOff val="0"/>
-              <a:satOff val="0"/>
-              <a:lumOff val="0"/>
-              <a:alphaOff val="0"/>
-            </a:schemeClr>
-          </a:solidFill>
-          <a:prstDash val="solid"/>
-          <a:miter lim="800000"/>
-        </a:ln>
-        <a:effectLst/>
-      </dsp:spPr>
-      <dsp:style>
-        <a:lnRef idx="2">
-          <a:scrgbClr r="0" g="0" b="0"/>
-        </a:lnRef>
-        <a:fillRef idx="1">
-          <a:scrgbClr r="0" g="0" b="0"/>
-        </a:fillRef>
-        <a:effectRef idx="0">
-          <a:scrgbClr r="0" g="0" b="0"/>
-        </a:effectRef>
-        <a:fontRef idx="minor"/>
-      </dsp:style>
     </dsp:sp>
   </dsp:spTree>
 </dsp:drawing>
@@ -18992,20 +17579,67 @@
       <dsp:cNvGrpSpPr/>
     </dsp:nvGrpSpPr>
     <dsp:grpSpPr/>
-    <dsp:sp modelId="{3B4D6DD0-F114-4B1F-9D3E-B22F577CC33B}">
+    <dsp:sp modelId="{12840E0E-A95F-420D-9CC3-152A293FB409}">
       <dsp:nvSpPr>
         <dsp:cNvPr id="0" name=""/>
         <dsp:cNvSpPr/>
       </dsp:nvSpPr>
       <dsp:spPr>
         <a:xfrm>
-          <a:off x="0" y="442337"/>
-          <a:ext cx="5261486" cy="1263820"/>
+          <a:off x="0" y="1001003"/>
+          <a:ext cx="4943987" cy="1134000"/>
+        </a:xfrm>
+        <a:prstGeom prst="rect">
+          <a:avLst/>
+        </a:prstGeom>
+        <a:solidFill>
+          <a:schemeClr val="lt1">
+            <a:alpha val="90000"/>
+            <a:hueOff val="0"/>
+            <a:satOff val="0"/>
+            <a:lumOff val="0"/>
+            <a:alphaOff val="0"/>
+          </a:schemeClr>
+        </a:solidFill>
+        <a:ln w="12700" cap="flat" cmpd="sng" algn="ctr">
+          <a:solidFill>
+            <a:schemeClr val="accent1">
+              <a:hueOff val="0"/>
+              <a:satOff val="0"/>
+              <a:lumOff val="0"/>
+              <a:alphaOff val="0"/>
+            </a:schemeClr>
+          </a:solidFill>
+          <a:prstDash val="solid"/>
+          <a:miter lim="800000"/>
+        </a:ln>
+        <a:effectLst/>
+      </dsp:spPr>
+      <dsp:style>
+        <a:lnRef idx="2">
+          <a:scrgbClr r="0" g="0" b="0"/>
+        </a:lnRef>
+        <a:fillRef idx="1">
+          <a:scrgbClr r="0" g="0" b="0"/>
+        </a:fillRef>
+        <a:effectRef idx="0">
+          <a:scrgbClr r="0" g="0" b="0"/>
+        </a:effectRef>
+        <a:fontRef idx="minor"/>
+      </dsp:style>
+    </dsp:sp>
+    <dsp:sp modelId="{B18896DD-7C29-4F93-9AF1-C016358FDCAD}">
+      <dsp:nvSpPr>
+        <dsp:cNvPr id="0" name=""/>
+        <dsp:cNvSpPr/>
+      </dsp:nvSpPr>
+      <dsp:spPr>
+        <a:xfrm>
+          <a:off x="247199" y="336803"/>
+          <a:ext cx="3460790" cy="1328400"/>
         </a:xfrm>
         <a:prstGeom prst="roundRect">
-          <a:avLst>
-            <a:gd name="adj" fmla="val 10000"/>
-          </a:avLst>
+          <a:avLst/>
         </a:prstGeom>
         <a:solidFill>
           <a:schemeClr val="accent1">
@@ -19044,12 +17678,12 @@
         </a:fontRef>
       </dsp:style>
       <dsp:txBody>
-        <a:bodyPr spcFirstLastPara="0" vert="horz" wrap="square" lIns="81915" tIns="54610" rIns="81915" bIns="54610" numCol="1" spcCol="1270" anchor="ctr" anchorCtr="0">
+        <a:bodyPr spcFirstLastPara="0" vert="horz" wrap="square" lIns="130810" tIns="0" rIns="130810" bIns="0" numCol="1" spcCol="1270" anchor="ctr" anchorCtr="0">
           <a:noAutofit/>
         </a:bodyPr>
         <a:lstStyle/>
         <a:p>
-          <a:pPr lvl="0" algn="ctr" defTabSz="1911350">
+          <a:pPr lvl="0" algn="l" defTabSz="2000250">
             <a:lnSpc>
               <a:spcPct val="90000"/>
             </a:lnSpc>
@@ -19061,34 +17695,37 @@
             </a:spcAft>
           </a:pPr>
           <a:r>
-            <a:rPr lang="zh-CN" altLang="en-US" sz="4300" kern="1200" dirty="0" smtClean="0"/>
-            <a:t>转发导致并行程度低</a:t>
+            <a:rPr lang="en-US" altLang="zh-CN" sz="4500" kern="1200" dirty="0" smtClean="0"/>
+            <a:t>Execute</a:t>
           </a:r>
-          <a:endParaRPr lang="zh-CN" altLang="en-US" sz="4300" kern="1200" dirty="0"/>
+          <a:r>
+            <a:rPr lang="zh-CN" altLang="en-US" sz="4500" kern="1200" dirty="0" smtClean="0"/>
+            <a:t>转发</a:t>
+          </a:r>
+          <a:endParaRPr lang="zh-CN" altLang="en-US" sz="4500" kern="1200" dirty="0"/>
         </a:p>
       </dsp:txBody>
       <dsp:txXfrm>
-        <a:off x="37016" y="479353"/>
-        <a:ext cx="5187454" cy="1189788"/>
+        <a:off x="312046" y="401650"/>
+        <a:ext cx="3331096" cy="1198706"/>
       </dsp:txXfrm>
     </dsp:sp>
-    <dsp:sp modelId="{5F5B4E79-4B20-4654-8D89-0159F0109C49}">
+    <dsp:sp modelId="{46326CDB-C235-4267-991B-8DAE50799BE7}">
       <dsp:nvSpPr>
         <dsp:cNvPr id="0" name=""/>
         <dsp:cNvSpPr/>
       </dsp:nvSpPr>
       <dsp:spPr>
         <a:xfrm>
-          <a:off x="0" y="1933644"/>
-          <a:ext cx="1263820" cy="1263820"/>
+          <a:off x="0" y="3042203"/>
+          <a:ext cx="4943987" cy="1134000"/>
         </a:xfrm>
-        <a:prstGeom prst="roundRect">
-          <a:avLst>
-            <a:gd name="adj" fmla="val 16670"/>
-          </a:avLst>
+        <a:prstGeom prst="rect">
+          <a:avLst/>
         </a:prstGeom>
         <a:solidFill>
-          <a:schemeClr val="accent1">
+          <a:schemeClr val="lt1">
+            <a:alpha val="90000"/>
             <a:hueOff val="0"/>
             <a:satOff val="0"/>
             <a:lumOff val="0"/>
@@ -19097,7 +17734,7 @@
         </a:solidFill>
         <a:ln w="12700" cap="flat" cmpd="sng" algn="ctr">
           <a:solidFill>
-            <a:schemeClr val="lt1">
+            <a:schemeClr val="accent1">
               <a:hueOff val="0"/>
               <a:satOff val="0"/>
               <a:lumOff val="0"/>
@@ -19119,25 +17756,21 @@
         <a:effectRef idx="0">
           <a:scrgbClr r="0" g="0" b="0"/>
         </a:effectRef>
-        <a:fontRef idx="minor">
-          <a:schemeClr val="lt1"/>
-        </a:fontRef>
+        <a:fontRef idx="minor"/>
       </dsp:style>
     </dsp:sp>
-    <dsp:sp modelId="{AC83FA56-769A-43E0-BB48-890B7B9FB20F}">
+    <dsp:sp modelId="{19B9A1D9-3B9F-4408-8CB6-5139F9E2F0CE}">
       <dsp:nvSpPr>
         <dsp:cNvPr id="0" name=""/>
         <dsp:cNvSpPr/>
       </dsp:nvSpPr>
       <dsp:spPr>
         <a:xfrm>
-          <a:off x="1339649" y="1933644"/>
-          <a:ext cx="3921837" cy="1263820"/>
+          <a:off x="247199" y="2378003"/>
+          <a:ext cx="3460790" cy="1328400"/>
         </a:xfrm>
         <a:prstGeom prst="roundRect">
-          <a:avLst>
-            <a:gd name="adj" fmla="val 16670"/>
-          </a:avLst>
+          <a:avLst/>
         </a:prstGeom>
         <a:solidFill>
           <a:schemeClr val="accent1">
@@ -19176,12 +17809,12 @@
         </a:fontRef>
       </dsp:style>
       <dsp:txBody>
-        <a:bodyPr spcFirstLastPara="0" vert="horz" wrap="square" lIns="227584" tIns="227584" rIns="227584" bIns="227584" numCol="1" spcCol="1270" anchor="ctr" anchorCtr="0">
+        <a:bodyPr spcFirstLastPara="0" vert="horz" wrap="square" lIns="130810" tIns="0" rIns="130810" bIns="0" numCol="1" spcCol="1270" anchor="ctr" anchorCtr="0">
           <a:noAutofit/>
         </a:bodyPr>
         <a:lstStyle/>
         <a:p>
-          <a:pPr lvl="0" algn="ctr" defTabSz="1422400">
+          <a:pPr lvl="0" algn="l" defTabSz="2000250">
             <a:lnSpc>
               <a:spcPct val="90000"/>
             </a:lnSpc>
@@ -19193,147 +17826,19 @@
             </a:spcAft>
           </a:pPr>
           <a:r>
-            <a:rPr lang="zh-CN" altLang="en-US" sz="3200" kern="1200" dirty="0" smtClean="0"/>
-            <a:t>延迟转发发生时间</a:t>
+            <a:rPr lang="en-US" altLang="zh-CN" sz="4500" kern="1200" dirty="0" smtClean="0"/>
+            <a:t>Decode</a:t>
           </a:r>
-          <a:endParaRPr lang="zh-CN" altLang="en-US" sz="3200" kern="1200" dirty="0"/>
+          <a:r>
+            <a:rPr lang="zh-CN" altLang="en-US" sz="4500" kern="1200" dirty="0" smtClean="0"/>
+            <a:t>转发</a:t>
+          </a:r>
+          <a:endParaRPr lang="zh-CN" altLang="en-US" sz="4500" kern="1200" dirty="0"/>
         </a:p>
       </dsp:txBody>
       <dsp:txXfrm>
-        <a:off x="1401355" y="1995350"/>
-        <a:ext cx="3798425" cy="1140408"/>
-      </dsp:txXfrm>
-    </dsp:sp>
-    <dsp:sp modelId="{EC56AA5D-4A73-46D7-B73E-4C9219925619}">
-      <dsp:nvSpPr>
-        <dsp:cNvPr id="0" name=""/>
-        <dsp:cNvSpPr/>
-      </dsp:nvSpPr>
-      <dsp:spPr>
-        <a:xfrm>
-          <a:off x="0" y="3349123"/>
-          <a:ext cx="1263820" cy="1263820"/>
-        </a:xfrm>
-        <a:prstGeom prst="roundRect">
-          <a:avLst>
-            <a:gd name="adj" fmla="val 16670"/>
-          </a:avLst>
-        </a:prstGeom>
-        <a:solidFill>
-          <a:schemeClr val="accent1">
-            <a:hueOff val="0"/>
-            <a:satOff val="0"/>
-            <a:lumOff val="0"/>
-            <a:alphaOff val="0"/>
-          </a:schemeClr>
-        </a:solidFill>
-        <a:ln w="12700" cap="flat" cmpd="sng" algn="ctr">
-          <a:solidFill>
-            <a:schemeClr val="lt1">
-              <a:hueOff val="0"/>
-              <a:satOff val="0"/>
-              <a:lumOff val="0"/>
-              <a:alphaOff val="0"/>
-            </a:schemeClr>
-          </a:solidFill>
-          <a:prstDash val="solid"/>
-          <a:miter lim="800000"/>
-        </a:ln>
-        <a:effectLst/>
-      </dsp:spPr>
-      <dsp:style>
-        <a:lnRef idx="2">
-          <a:scrgbClr r="0" g="0" b="0"/>
-        </a:lnRef>
-        <a:fillRef idx="1">
-          <a:scrgbClr r="0" g="0" b="0"/>
-        </a:fillRef>
-        <a:effectRef idx="0">
-          <a:scrgbClr r="0" g="0" b="0"/>
-        </a:effectRef>
-        <a:fontRef idx="minor">
-          <a:schemeClr val="lt1"/>
-        </a:fontRef>
-      </dsp:style>
-    </dsp:sp>
-    <dsp:sp modelId="{0A80A709-BD68-457B-A775-3EF5BABE291B}">
-      <dsp:nvSpPr>
-        <dsp:cNvPr id="0" name=""/>
-        <dsp:cNvSpPr/>
-      </dsp:nvSpPr>
-      <dsp:spPr>
-        <a:xfrm>
-          <a:off x="1339649" y="3349123"/>
-          <a:ext cx="3921837" cy="1263820"/>
-        </a:xfrm>
-        <a:prstGeom prst="roundRect">
-          <a:avLst>
-            <a:gd name="adj" fmla="val 16670"/>
-          </a:avLst>
-        </a:prstGeom>
-        <a:solidFill>
-          <a:schemeClr val="accent1">
-            <a:hueOff val="0"/>
-            <a:satOff val="0"/>
-            <a:lumOff val="0"/>
-            <a:alphaOff val="0"/>
-          </a:schemeClr>
-        </a:solidFill>
-        <a:ln w="12700" cap="flat" cmpd="sng" algn="ctr">
-          <a:solidFill>
-            <a:schemeClr val="lt1">
-              <a:hueOff val="0"/>
-              <a:satOff val="0"/>
-              <a:lumOff val="0"/>
-              <a:alphaOff val="0"/>
-            </a:schemeClr>
-          </a:solidFill>
-          <a:prstDash val="solid"/>
-          <a:miter lim="800000"/>
-        </a:ln>
-        <a:effectLst/>
-      </dsp:spPr>
-      <dsp:style>
-        <a:lnRef idx="2">
-          <a:scrgbClr r="0" g="0" b="0"/>
-        </a:lnRef>
-        <a:fillRef idx="1">
-          <a:scrgbClr r="0" g="0" b="0"/>
-        </a:fillRef>
-        <a:effectRef idx="0">
-          <a:scrgbClr r="0" g="0" b="0"/>
-        </a:effectRef>
-        <a:fontRef idx="minor">
-          <a:schemeClr val="lt1"/>
-        </a:fontRef>
-      </dsp:style>
-      <dsp:txBody>
-        <a:bodyPr spcFirstLastPara="0" vert="horz" wrap="square" lIns="227584" tIns="227584" rIns="227584" bIns="227584" numCol="1" spcCol="1270" anchor="ctr" anchorCtr="0">
-          <a:noAutofit/>
-        </a:bodyPr>
-        <a:lstStyle/>
-        <a:p>
-          <a:pPr lvl="0" algn="ctr" defTabSz="1422400">
-            <a:lnSpc>
-              <a:spcPct val="90000"/>
-            </a:lnSpc>
-            <a:spcBef>
-              <a:spcPct val="0"/>
-            </a:spcBef>
-            <a:spcAft>
-              <a:spcPct val="35000"/>
-            </a:spcAft>
-          </a:pPr>
-          <a:r>
-            <a:rPr lang="zh-CN" altLang="en-US" sz="3200" kern="1200" dirty="0" smtClean="0"/>
-            <a:t>预测转发结果</a:t>
-          </a:r>
-          <a:endParaRPr lang="zh-CN" altLang="en-US" sz="3200" kern="1200" dirty="0"/>
-        </a:p>
-      </dsp:txBody>
-      <dsp:txXfrm>
-        <a:off x="1401355" y="3410829"/>
-        <a:ext cx="3798425" cy="1140408"/>
+        <a:off x="312046" y="2442850"/>
+        <a:ext cx="3331096" cy="1198706"/>
       </dsp:txXfrm>
     </dsp:sp>
   </dsp:spTree>
@@ -19568,231 +18073,6 @@
 </file>
 
 <file path=ppt/diagrams/layout10.xml><?xml version="1.0" encoding="utf-8"?>
-<dgm:layoutDef xmlns:dgm="http://schemas.openxmlformats.org/drawingml/2006/diagram" xmlns:a="http://schemas.openxmlformats.org/drawingml/2006/main" uniqueId="urn:microsoft.com/office/officeart/2005/8/layout/list1">
-  <dgm:title val=""/>
-  <dgm:desc val=""/>
-  <dgm:catLst>
-    <dgm:cat type="list" pri="4000"/>
-  </dgm:catLst>
-  <dgm:sampData>
-    <dgm:dataModel>
-      <dgm:ptLst>
-        <dgm:pt modelId="0" type="doc"/>
-        <dgm:pt modelId="1">
-          <dgm:prSet phldr="1"/>
-        </dgm:pt>
-        <dgm:pt modelId="2">
-          <dgm:prSet phldr="1"/>
-        </dgm:pt>
-        <dgm:pt modelId="3">
-          <dgm:prSet phldr="1"/>
-        </dgm:pt>
-      </dgm:ptLst>
-      <dgm:cxnLst>
-        <dgm:cxn modelId="4" srcId="0" destId="1" srcOrd="0" destOrd="0"/>
-        <dgm:cxn modelId="5" srcId="0" destId="2" srcOrd="1" destOrd="0"/>
-        <dgm:cxn modelId="6" srcId="0" destId="3" srcOrd="2" destOrd="0"/>
-      </dgm:cxnLst>
-      <dgm:bg/>
-      <dgm:whole/>
-    </dgm:dataModel>
-  </dgm:sampData>
-  <dgm:styleData>
-    <dgm:dataModel>
-      <dgm:ptLst>
-        <dgm:pt modelId="0" type="doc"/>
-        <dgm:pt modelId="1"/>
-        <dgm:pt modelId="2"/>
-      </dgm:ptLst>
-      <dgm:cxnLst>
-        <dgm:cxn modelId="4" srcId="0" destId="1" srcOrd="0" destOrd="0"/>
-        <dgm:cxn modelId="5" srcId="0" destId="2" srcOrd="1" destOrd="0"/>
-      </dgm:cxnLst>
-      <dgm:bg/>
-      <dgm:whole/>
-    </dgm:dataModel>
-  </dgm:styleData>
-  <dgm:clrData>
-    <dgm:dataModel>
-      <dgm:ptLst>
-        <dgm:pt modelId="0" type="doc"/>
-        <dgm:pt modelId="1"/>
-        <dgm:pt modelId="2"/>
-        <dgm:pt modelId="3"/>
-        <dgm:pt modelId="4"/>
-      </dgm:ptLst>
-      <dgm:cxnLst>
-        <dgm:cxn modelId="5" srcId="0" destId="1" srcOrd="0" destOrd="0"/>
-        <dgm:cxn modelId="6" srcId="0" destId="2" srcOrd="1" destOrd="0"/>
-        <dgm:cxn modelId="7" srcId="0" destId="3" srcOrd="2" destOrd="0"/>
-        <dgm:cxn modelId="8" srcId="0" destId="4" srcOrd="3" destOrd="0"/>
-      </dgm:cxnLst>
-      <dgm:bg/>
-      <dgm:whole/>
-    </dgm:dataModel>
-  </dgm:clrData>
-  <dgm:layoutNode name="linear">
-    <dgm:varLst>
-      <dgm:dir/>
-      <dgm:animLvl val="lvl"/>
-      <dgm:resizeHandles val="exact"/>
-    </dgm:varLst>
-    <dgm:choose name="Name0">
-      <dgm:if name="Name1" func="var" arg="dir" op="equ" val="norm">
-        <dgm:alg type="lin">
-          <dgm:param type="linDir" val="fromT"/>
-          <dgm:param type="vertAlign" val="mid"/>
-          <dgm:param type="horzAlign" val="l"/>
-          <dgm:param type="nodeHorzAlign" val="l"/>
-        </dgm:alg>
-      </dgm:if>
-      <dgm:else name="Name2">
-        <dgm:alg type="lin">
-          <dgm:param type="linDir" val="fromT"/>
-          <dgm:param type="vertAlign" val="mid"/>
-          <dgm:param type="horzAlign" val="r"/>
-          <dgm:param type="nodeHorzAlign" val="r"/>
-        </dgm:alg>
-      </dgm:else>
-    </dgm:choose>
-    <dgm:shape xmlns:r="http://schemas.openxmlformats.org/officeDocument/2006/relationships" r:blip="">
-      <dgm:adjLst/>
-    </dgm:shape>
-    <dgm:presOf/>
-    <dgm:constrLst>
-      <dgm:constr type="w" for="ch" forName="parentLin" refType="w"/>
-      <dgm:constr type="h" for="ch" forName="parentLin" val="INF"/>
-      <dgm:constr type="w" for="des" forName="parentLeftMargin" refType="w" fact="0.05"/>
-      <dgm:constr type="w" for="des" forName="parentText" refType="w" fact="0.7"/>
-      <dgm:constr type="h" for="des" forName="parentText" refType="primFontSz" refFor="des" refForName="parentText" fact="0.82"/>
-      <dgm:constr type="h" for="ch" forName="negativeSpace" refType="primFontSz" refFor="des" refForName="parentText" fact="-0.41"/>
-      <dgm:constr type="h" for="ch" forName="negativeSpace" refType="h" refFor="des" refForName="parentText" op="lte" fact="-0.82"/>
-      <dgm:constr type="h" for="ch" forName="negativeSpace" refType="h" refFor="des" refForName="parentText" op="gte" fact="-0.82"/>
-      <dgm:constr type="w" for="ch" forName="childText" refType="w"/>
-      <dgm:constr type="h" for="ch" forName="childText" refType="primFontSz" refFor="des" refForName="parentText" fact="0.7"/>
-      <dgm:constr type="primFontSz" for="des" forName="parentText" val="65"/>
-      <dgm:constr type="primFontSz" for="ch" forName="childText" refType="primFontSz" refFor="des" refForName="parentText"/>
-      <dgm:constr type="tMarg" for="ch" forName="childText" refType="primFontSz" refFor="des" refForName="parentText" fact="1.64"/>
-      <dgm:constr type="tMarg" for="ch" forName="childText" refType="h" refFor="des" refForName="parentText" op="lte" fact="3.28"/>
-      <dgm:constr type="tMarg" for="ch" forName="childText" refType="h" refFor="des" refForName="parentText" op="gte" fact="3.28"/>
-      <dgm:constr type="lMarg" for="ch" forName="childText" refType="w" fact="0.22"/>
-      <dgm:constr type="rMarg" for="ch" forName="childText" refType="lMarg" refFor="ch" refForName="childText"/>
-      <dgm:constr type="lMarg" for="des" forName="parentText" refType="w" fact="0.075"/>
-      <dgm:constr type="rMarg" for="des" forName="parentText" refType="lMarg" refFor="des" refForName="parentText"/>
-      <dgm:constr type="h" for="ch" forName="spaceBetweenRectangles" refType="primFontSz" refFor="des" refForName="parentText" fact="0.15"/>
-    </dgm:constrLst>
-    <dgm:ruleLst>
-      <dgm:rule type="primFontSz" for="des" forName="parentText" val="5" fact="NaN" max="NaN"/>
-    </dgm:ruleLst>
-    <dgm:forEach name="Name3" axis="ch" ptType="node">
-      <dgm:layoutNode name="parentLin">
-        <dgm:choose name="Name4">
-          <dgm:if name="Name5" func="var" arg="dir" op="equ" val="norm">
-            <dgm:alg type="lin">
-              <dgm:param type="linDir" val="fromL"/>
-              <dgm:param type="horzAlign" val="l"/>
-              <dgm:param type="nodeHorzAlign" val="l"/>
-            </dgm:alg>
-          </dgm:if>
-          <dgm:else name="Name6">
-            <dgm:alg type="lin">
-              <dgm:param type="linDir" val="fromR"/>
-              <dgm:param type="horzAlign" val="r"/>
-              <dgm:param type="nodeHorzAlign" val="r"/>
-            </dgm:alg>
-          </dgm:else>
-        </dgm:choose>
-        <dgm:shape xmlns:r="http://schemas.openxmlformats.org/officeDocument/2006/relationships" r:blip="">
-          <dgm:adjLst/>
-        </dgm:shape>
-        <dgm:presOf/>
-        <dgm:constrLst/>
-        <dgm:ruleLst/>
-        <dgm:layoutNode name="parentLeftMargin">
-          <dgm:alg type="sp"/>
-          <dgm:shape xmlns:r="http://schemas.openxmlformats.org/officeDocument/2006/relationships" type="rect" r:blip="" hideGeom="1">
-            <dgm:adjLst/>
-          </dgm:shape>
-          <dgm:presOf axis="self"/>
-          <dgm:constrLst>
-            <dgm:constr type="h"/>
-          </dgm:constrLst>
-          <dgm:ruleLst/>
-        </dgm:layoutNode>
-        <dgm:layoutNode name="parentText" styleLbl="node1">
-          <dgm:varLst>
-            <dgm:chMax val="0"/>
-            <dgm:bulletEnabled val="1"/>
-          </dgm:varLst>
-          <dgm:choose name="Name7">
-            <dgm:if name="Name8" func="var" arg="dir" op="equ" val="norm">
-              <dgm:alg type="tx">
-                <dgm:param type="parTxLTRAlign" val="l"/>
-                <dgm:param type="parTxRTLAlign" val="l"/>
-              </dgm:alg>
-            </dgm:if>
-            <dgm:else name="Name9">
-              <dgm:alg type="tx">
-                <dgm:param type="parTxLTRAlign" val="r"/>
-                <dgm:param type="parTxRTLAlign" val="r"/>
-              </dgm:alg>
-            </dgm:else>
-          </dgm:choose>
-          <dgm:shape xmlns:r="http://schemas.openxmlformats.org/officeDocument/2006/relationships" type="roundRect" r:blip="">
-            <dgm:adjLst/>
-          </dgm:shape>
-          <dgm:presOf axis="self" ptType="node"/>
-          <dgm:constrLst>
-            <dgm:constr type="tMarg"/>
-            <dgm:constr type="bMarg"/>
-          </dgm:constrLst>
-          <dgm:ruleLst/>
-        </dgm:layoutNode>
-      </dgm:layoutNode>
-      <dgm:layoutNode name="negativeSpace">
-        <dgm:alg type="sp"/>
-        <dgm:shape xmlns:r="http://schemas.openxmlformats.org/officeDocument/2006/relationships" r:blip="">
-          <dgm:adjLst/>
-        </dgm:shape>
-        <dgm:presOf/>
-        <dgm:constrLst/>
-        <dgm:ruleLst/>
-      </dgm:layoutNode>
-      <dgm:layoutNode name="childText" styleLbl="conFgAcc1">
-        <dgm:varLst>
-          <dgm:bulletEnabled val="1"/>
-        </dgm:varLst>
-        <dgm:alg type="tx">
-          <dgm:param type="stBulletLvl" val="1"/>
-        </dgm:alg>
-        <dgm:shape xmlns:r="http://schemas.openxmlformats.org/officeDocument/2006/relationships" type="rect" r:blip="" zOrderOff="-2">
-          <dgm:adjLst/>
-        </dgm:shape>
-        <dgm:presOf axis="des" ptType="node"/>
-        <dgm:constrLst>
-          <dgm:constr type="secFontSz" refType="primFontSz"/>
-        </dgm:constrLst>
-        <dgm:ruleLst>
-          <dgm:rule type="h" val="INF" fact="NaN" max="NaN"/>
-        </dgm:ruleLst>
-      </dgm:layoutNode>
-      <dgm:forEach name="Name10" axis="followSib" ptType="sibTrans" cnt="1">
-        <dgm:layoutNode name="spaceBetweenRectangles">
-          <dgm:alg type="sp"/>
-          <dgm:shape xmlns:r="http://schemas.openxmlformats.org/officeDocument/2006/relationships" r:blip="">
-            <dgm:adjLst/>
-          </dgm:shape>
-          <dgm:presOf/>
-          <dgm:constrLst/>
-          <dgm:ruleLst/>
-        </dgm:layoutNode>
-      </dgm:forEach>
-    </dgm:forEach>
-  </dgm:layoutNode>
-</dgm:layoutDef>
-</file>
-
-<file path=ppt/diagrams/layout11.xml><?xml version="1.0" encoding="utf-8"?>
 <dgm:layoutDef xmlns:dgm="http://schemas.openxmlformats.org/drawingml/2006/diagram" xmlns:a="http://schemas.openxmlformats.org/drawingml/2006/main" uniqueId="urn:microsoft.com/office/officeart/2005/8/layout/lProcess2">
   <dgm:title val=""/>
   <dgm:desc val=""/>
@@ -20019,7 +18299,7 @@
 </dgm:layoutDef>
 </file>
 
-<file path=ppt/diagrams/layout12.xml><?xml version="1.0" encoding="utf-8"?>
+<file path=ppt/diagrams/layout11.xml><?xml version="1.0" encoding="utf-8"?>
 <dgm:layoutDef xmlns:dgm="http://schemas.openxmlformats.org/drawingml/2006/diagram" xmlns:a="http://schemas.openxmlformats.org/drawingml/2006/main" uniqueId="urn:microsoft.com/office/officeart/2005/8/layout/list1">
   <dgm:title val=""/>
   <dgm:desc val=""/>
@@ -20244,7 +18524,7 @@
 </dgm:layoutDef>
 </file>
 
-<file path=ppt/diagrams/layout13.xml><?xml version="1.0" encoding="utf-8"?>
+<file path=ppt/diagrams/layout12.xml><?xml version="1.0" encoding="utf-8"?>
 <dgm:layoutDef xmlns:dgm="http://schemas.openxmlformats.org/drawingml/2006/diagram" xmlns:a="http://schemas.openxmlformats.org/drawingml/2006/main" uniqueId="urn:microsoft.com/office/officeart/2005/8/layout/arrow6">
   <dgm:title val=""/>
   <dgm:desc val=""/>
@@ -20409,7 +18689,7 @@
 </dgm:layoutDef>
 </file>
 
-<file path=ppt/diagrams/layout14.xml><?xml version="1.0" encoding="utf-8"?>
+<file path=ppt/diagrams/layout13.xml><?xml version="1.0" encoding="utf-8"?>
 <dgm:layoutDef xmlns:dgm="http://schemas.openxmlformats.org/drawingml/2006/diagram" xmlns:a="http://schemas.openxmlformats.org/drawingml/2006/main" uniqueId="urn:microsoft.com/office/officeart/2005/8/layout/hList1">
   <dgm:title val=""/>
   <dgm:desc val=""/>
@@ -20626,7 +18906,7 @@
 </dgm:layoutDef>
 </file>
 
-<file path=ppt/diagrams/layout15.xml><?xml version="1.0" encoding="utf-8"?>
+<file path=ppt/diagrams/layout14.xml><?xml version="1.0" encoding="utf-8"?>
 <dgm:layoutDef xmlns:dgm="http://schemas.openxmlformats.org/drawingml/2006/diagram" xmlns:a="http://schemas.openxmlformats.org/drawingml/2006/main" uniqueId="urn:microsoft.com/office/officeart/2005/8/layout/hList1">
   <dgm:title val=""/>
   <dgm:desc val=""/>
@@ -21071,32 +19351,38 @@
 </file>
 
 <file path=ppt/diagrams/layout3.xml><?xml version="1.0" encoding="utf-8"?>
-<dgm:layoutDef xmlns:dgm="http://schemas.openxmlformats.org/drawingml/2006/diagram" xmlns:a="http://schemas.openxmlformats.org/drawingml/2006/main" uniqueId="urn:microsoft.com/office/officeart/2008/layout/PictureStrips">
+<dgm:layoutDef xmlns:dgm="http://schemas.openxmlformats.org/drawingml/2006/diagram" xmlns:a="http://schemas.openxmlformats.org/drawingml/2006/main" uniqueId="urn:microsoft.com/office/officeart/2005/8/layout/default">
   <dgm:title val=""/>
   <dgm:desc val=""/>
   <dgm:catLst>
-    <dgm:cat type="list" pri="12500"/>
-    <dgm:cat type="picture" pri="13000"/>
-    <dgm:cat type="pictureconvert" pri="13000"/>
+    <dgm:cat type="list" pri="400"/>
   </dgm:catLst>
   <dgm:sampData>
     <dgm:dataModel>
       <dgm:ptLst>
         <dgm:pt modelId="0" type="doc"/>
-        <dgm:pt modelId="10">
+        <dgm:pt modelId="1">
           <dgm:prSet phldr="1"/>
         </dgm:pt>
-        <dgm:pt modelId="20">
+        <dgm:pt modelId="2">
           <dgm:prSet phldr="1"/>
         </dgm:pt>
-        <dgm:pt modelId="30">
+        <dgm:pt modelId="3">
+          <dgm:prSet phldr="1"/>
+        </dgm:pt>
+        <dgm:pt modelId="4">
+          <dgm:prSet phldr="1"/>
+        </dgm:pt>
+        <dgm:pt modelId="5">
           <dgm:prSet phldr="1"/>
         </dgm:pt>
       </dgm:ptLst>
       <dgm:cxnLst>
-        <dgm:cxn modelId="40" srcId="0" destId="10" srcOrd="0" destOrd="0"/>
-        <dgm:cxn modelId="50" srcId="0" destId="20" srcOrd="1" destOrd="0"/>
-        <dgm:cxn modelId="60" srcId="0" destId="30" srcOrd="2" destOrd="0"/>
+        <dgm:cxn modelId="6" srcId="0" destId="1" srcOrd="0" destOrd="0"/>
+        <dgm:cxn modelId="7" srcId="0" destId="2" srcOrd="1" destOrd="0"/>
+        <dgm:cxn modelId="8" srcId="0" destId="3" srcOrd="2" destOrd="0"/>
+        <dgm:cxn modelId="9" srcId="0" destId="4" srcOrd="3" destOrd="0"/>
+        <dgm:cxn modelId="10" srcId="0" destId="5" srcOrd="4" destOrd="0"/>
       </dgm:cxnLst>
       <dgm:bg/>
       <dgm:whole/>
@@ -21106,16 +19392,12 @@
     <dgm:dataModel>
       <dgm:ptLst>
         <dgm:pt modelId="0" type="doc"/>
-        <dgm:pt modelId="10">
-          <dgm:prSet phldr="1"/>
-        </dgm:pt>
-        <dgm:pt modelId="20">
-          <dgm:prSet phldr="1"/>
-        </dgm:pt>
+        <dgm:pt modelId="1"/>
+        <dgm:pt modelId="2"/>
       </dgm:ptLst>
       <dgm:cxnLst>
-        <dgm:cxn modelId="40" srcId="0" destId="10" srcOrd="0" destOrd="0"/>
-        <dgm:cxn modelId="50" srcId="0" destId="20" srcOrd="1" destOrd="0"/>
+        <dgm:cxn modelId="3" srcId="0" destId="1" srcOrd="0" destOrd="0"/>
+        <dgm:cxn modelId="4" srcId="0" destId="2" srcOrd="1" destOrd="0"/>
       </dgm:cxnLst>
       <dgm:bg/>
       <dgm:whole/>
@@ -21125,139 +19407,89 @@
     <dgm:dataModel>
       <dgm:ptLst>
         <dgm:pt modelId="0" type="doc"/>
-        <dgm:pt modelId="10">
-          <dgm:prSet phldr="1"/>
-        </dgm:pt>
-        <dgm:pt modelId="20">
-          <dgm:prSet phldr="1"/>
-        </dgm:pt>
-        <dgm:pt modelId="30">
-          <dgm:prSet phldr="1"/>
-        </dgm:pt>
-        <dgm:pt modelId="40">
-          <dgm:prSet phldr="1"/>
-        </dgm:pt>
+        <dgm:pt modelId="1"/>
+        <dgm:pt modelId="2"/>
+        <dgm:pt modelId="3"/>
+        <dgm:pt modelId="4"/>
+        <dgm:pt modelId="5"/>
+        <dgm:pt modelId="6"/>
       </dgm:ptLst>
       <dgm:cxnLst>
-        <dgm:cxn modelId="40" srcId="0" destId="10" srcOrd="0" destOrd="0"/>
-        <dgm:cxn modelId="50" srcId="0" destId="20" srcOrd="1" destOrd="0"/>
-        <dgm:cxn modelId="60" srcId="0" destId="30" srcOrd="2" destOrd="0"/>
-        <dgm:cxn modelId="70" srcId="0" destId="40" srcOrd="2" destOrd="0"/>
+        <dgm:cxn modelId="7" srcId="0" destId="1" srcOrd="0" destOrd="0"/>
+        <dgm:cxn modelId="8" srcId="0" destId="2" srcOrd="1" destOrd="0"/>
+        <dgm:cxn modelId="9" srcId="0" destId="3" srcOrd="2" destOrd="0"/>
+        <dgm:cxn modelId="10" srcId="0" destId="4" srcOrd="3" destOrd="0"/>
+        <dgm:cxn modelId="11" srcId="0" destId="5" srcOrd="4" destOrd="0"/>
+        <dgm:cxn modelId="12" srcId="0" destId="6" srcOrd="5" destOrd="0"/>
       </dgm:cxnLst>
       <dgm:bg/>
       <dgm:whole/>
     </dgm:dataModel>
   </dgm:clrData>
-  <dgm:layoutNode name="Name0">
+  <dgm:layoutNode name="diagram">
     <dgm:varLst>
       <dgm:dir/>
       <dgm:resizeHandles val="exact"/>
     </dgm:varLst>
-    <dgm:choose name="Name1">
-      <dgm:if name="Name2" func="var" arg="dir" op="equ" val="norm">
+    <dgm:choose name="Name0">
+      <dgm:if name="Name1" func="var" arg="dir" op="equ" val="norm">
         <dgm:alg type="snake">
+          <dgm:param type="grDir" val="tL"/>
+          <dgm:param type="flowDir" val="row"/>
+          <dgm:param type="contDir" val="sameDir"/>
           <dgm:param type="off" val="ctr"/>
         </dgm:alg>
       </dgm:if>
-      <dgm:else name="Name3">
+      <dgm:else name="Name2">
         <dgm:alg type="snake">
+          <dgm:param type="grDir" val="tR"/>
+          <dgm:param type="flowDir" val="row"/>
+          <dgm:param type="contDir" val="sameDir"/>
           <dgm:param type="off" val="ctr"/>
-          <dgm:param type="grDir" val="tR"/>
         </dgm:alg>
       </dgm:else>
     </dgm:choose>
     <dgm:shape xmlns:r="http://schemas.openxmlformats.org/officeDocument/2006/relationships" r:blip="">
       <dgm:adjLst/>
     </dgm:shape>
+    <dgm:presOf/>
     <dgm:constrLst>
-      <dgm:constr type="primFontSz" for="des" ptType="node" op="equ" val="65"/>
-      <dgm:constr type="w" for="ch" forName="composite" refType="w"/>
-      <dgm:constr type="h" for="ch" forName="composite" refType="h"/>
-      <dgm:constr type="sp" refType="h" refFor="ch" refForName="composite" op="equ" fact="0.1"/>
-      <dgm:constr type="h" for="ch" forName="sibTrans" refType="h" refFor="ch" refForName="composite" op="equ" fact="0.1"/>
-      <dgm:constr type="w" for="ch" forName="sibTrans" refType="h" refFor="ch" refForName="sibTrans" op="equ"/>
+      <dgm:constr type="w" for="ch" forName="node" refType="w"/>
+      <dgm:constr type="h" for="ch" forName="node" refType="w" refFor="ch" refForName="node" fact="0.6"/>
+      <dgm:constr type="w" for="ch" forName="sibTrans" refType="w" refFor="ch" refForName="node" fact="0.1"/>
+      <dgm:constr type="sp" refType="w" refFor="ch" refForName="sibTrans"/>
+      <dgm:constr type="primFontSz" for="ch" forName="node" op="equ" val="65"/>
     </dgm:constrLst>
-    <dgm:forEach name="nodesForEach" axis="ch" ptType="node">
-      <dgm:layoutNode name="composite">
-        <dgm:alg type="composite">
-          <dgm:param type="ar" val="3"/>
-        </dgm:alg>
-        <dgm:shape xmlns:r="http://schemas.openxmlformats.org/officeDocument/2006/relationships" r:blip="">
+    <dgm:ruleLst/>
+    <dgm:forEach name="Name3" axis="ch" ptType="node">
+      <dgm:layoutNode name="node">
+        <dgm:varLst>
+          <dgm:bulletEnabled val="1"/>
+        </dgm:varLst>
+        <dgm:alg type="tx"/>
+        <dgm:shape xmlns:r="http://schemas.openxmlformats.org/officeDocument/2006/relationships" type="rect" r:blip="">
           <dgm:adjLst/>
         </dgm:shape>
-        <dgm:choose name="Name4">
-          <dgm:if name="Name5" func="var" arg="dir" op="equ" val="norm">
-            <dgm:constrLst>
-              <dgm:constr type="l" for="ch" forName="rect1" refType="w" fact="0.04"/>
-              <dgm:constr type="t" for="ch" forName="rect1" refType="h" fact="0.13"/>
-              <dgm:constr type="w" for="ch" forName="rect1" refType="w" fact="0.96"/>
-              <dgm:constr type="h" for="ch" forName="rect1" refType="h" fact="0.9"/>
-              <dgm:constr type="l" for="ch" forName="rect2" refType="w" fact="0"/>
-              <dgm:constr type="t" for="ch" forName="rect2" refType="h" fact="0"/>
-              <dgm:constr type="w" for="ch" forName="rect2" refType="w" fact="0.21"/>
-              <dgm:constr type="h" for="ch" forName="rect2" refType="w" fact="0.315"/>
-            </dgm:constrLst>
-          </dgm:if>
-          <dgm:else name="Name6">
-            <dgm:constrLst>
-              <dgm:constr type="l" for="ch" forName="rect1" refType="w" fact="0"/>
-              <dgm:constr type="t" for="ch" forName="rect1" refType="h" fact="0.13"/>
-              <dgm:constr type="w" for="ch" forName="rect1" refType="w" fact="0.96"/>
-              <dgm:constr type="h" for="ch" forName="rect1" refType="h" fact="0.9"/>
-              <dgm:constr type="l" for="ch" forName="rect2" refType="w" fact="0.79"/>
-              <dgm:constr type="t" for="ch" forName="rect2" refType="h" fact="0"/>
-              <dgm:constr type="w" for="ch" forName="rect2" refType="w" fact="0.21"/>
-              <dgm:constr type="h" for="ch" forName="rect2" refType="w" fact="0.315"/>
-            </dgm:constrLst>
-          </dgm:else>
-        </dgm:choose>
-        <dgm:layoutNode name="rect1" styleLbl="trAlignAcc1">
-          <dgm:varLst>
-            <dgm:bulletEnabled val="1"/>
-          </dgm:varLst>
-          <dgm:alg type="tx">
-            <dgm:param type="parTxLTRAlign" val="l"/>
-          </dgm:alg>
-          <dgm:shape xmlns:r="http://schemas.openxmlformats.org/officeDocument/2006/relationships" type="rect" r:blip="">
-            <dgm:adjLst/>
-          </dgm:shape>
-          <dgm:presOf axis="desOrSelf" ptType="node"/>
-          <dgm:choose name="Name7">
-            <dgm:if name="Name8" func="var" arg="dir" op="equ" val="norm">
-              <dgm:constrLst>
-                <dgm:constr type="lMarg" refType="w" fact="0.6"/>
-                <dgm:constr type="rMarg" refType="primFontSz" fact="0.3"/>
-                <dgm:constr type="tMarg" refType="primFontSz" fact="0.3"/>
-                <dgm:constr type="bMarg" refType="primFontSz" fact="0.3"/>
-              </dgm:constrLst>
-            </dgm:if>
-            <dgm:else name="Name9">
-              <dgm:constrLst>
-                <dgm:constr type="lMarg" refType="primFontSz" fact="0.3"/>
-                <dgm:constr type="rMarg" refType="w" fact="0.6"/>
-                <dgm:constr type="tMarg" refType="primFontSz" fact="0.3"/>
-                <dgm:constr type="bMarg" refType="primFontSz" fact="0.3"/>
-              </dgm:constrLst>
-            </dgm:else>
-          </dgm:choose>
-          <dgm:ruleLst>
-            <dgm:rule type="primFontSz" val="5" fact="NaN" max="NaN"/>
-          </dgm:ruleLst>
-        </dgm:layoutNode>
-        <dgm:layoutNode name="rect2" styleLbl="fgImgPlace1">
-          <dgm:alg type="sp"/>
-          <dgm:shape xmlns:r="http://schemas.openxmlformats.org/officeDocument/2006/relationships" type="rect" r:blip="" blipPhldr="1">
-            <dgm:adjLst/>
-          </dgm:shape>
-          <dgm:presOf/>
-        </dgm:layoutNode>
+        <dgm:presOf axis="desOrSelf" ptType="node"/>
+        <dgm:constrLst>
+          <dgm:constr type="lMarg" refType="primFontSz" fact="0.3"/>
+          <dgm:constr type="rMarg" refType="primFontSz" fact="0.3"/>
+          <dgm:constr type="tMarg" refType="primFontSz" fact="0.3"/>
+          <dgm:constr type="bMarg" refType="primFontSz" fact="0.3"/>
+        </dgm:constrLst>
+        <dgm:ruleLst>
+          <dgm:rule type="primFontSz" val="5" fact="NaN" max="NaN"/>
+        </dgm:ruleLst>
       </dgm:layoutNode>
-      <dgm:forEach name="sibTransForEach" axis="followSib" ptType="sibTrans" cnt="1">
+      <dgm:forEach name="Name4" axis="followSib" ptType="sibTrans" cnt="1">
         <dgm:layoutNode name="sibTrans">
           <dgm:alg type="sp"/>
           <dgm:shape xmlns:r="http://schemas.openxmlformats.org/officeDocument/2006/relationships" r:blip="">
             <dgm:adjLst/>
           </dgm:shape>
+          <dgm:presOf/>
+          <dgm:constrLst/>
+          <dgm:ruleLst/>
         </dgm:layoutNode>
       </dgm:forEach>
     </dgm:forEach>
@@ -22401,12 +20633,11 @@
 </file>
 
 <file path=ppt/diagrams/layout9.xml><?xml version="1.0" encoding="utf-8"?>
-<dgm:layoutDef xmlns:dgm="http://schemas.openxmlformats.org/drawingml/2006/diagram" xmlns:a="http://schemas.openxmlformats.org/drawingml/2006/main" uniqueId="urn:microsoft.com/office/officeart/2008/layout/PictureAccentList">
+<dgm:layoutDef xmlns:dgm="http://schemas.openxmlformats.org/drawingml/2006/diagram" xmlns:a="http://schemas.openxmlformats.org/drawingml/2006/main" uniqueId="urn:microsoft.com/office/officeart/2005/8/layout/list1">
   <dgm:title val=""/>
   <dgm:desc val=""/>
   <dgm:catLst>
-    <dgm:cat type="picture" pri="14000"/>
-    <dgm:cat type="list" pri="14500"/>
+    <dgm:cat type="list" pri="4000"/>
   </dgm:catLst>
   <dgm:sampData>
     <dgm:dataModel>
@@ -22415,17 +20646,17 @@
         <dgm:pt modelId="1">
           <dgm:prSet phldr="1"/>
         </dgm:pt>
-        <dgm:pt modelId="11">
+        <dgm:pt modelId="2">
           <dgm:prSet phldr="1"/>
         </dgm:pt>
-        <dgm:pt modelId="12">
+        <dgm:pt modelId="3">
           <dgm:prSet phldr="1"/>
         </dgm:pt>
       </dgm:ptLst>
       <dgm:cxnLst>
         <dgm:cxn modelId="4" srcId="0" destId="1" srcOrd="0" destOrd="0"/>
-        <dgm:cxn modelId="5" srcId="1" destId="11" srcOrd="0" destOrd="0"/>
-        <dgm:cxn modelId="6" srcId="1" destId="12" srcOrd="1" destOrd="0"/>
+        <dgm:cxn modelId="5" srcId="0" destId="2" srcOrd="1" destOrd="0"/>
+        <dgm:cxn modelId="6" srcId="0" destId="3" srcOrd="2" destOrd="0"/>
       </dgm:cxnLst>
       <dgm:bg/>
       <dgm:whole/>
@@ -22436,15 +20667,11 @@
       <dgm:ptLst>
         <dgm:pt modelId="0" type="doc"/>
         <dgm:pt modelId="1"/>
-        <dgm:pt modelId="11"/>
-        <dgm:pt modelId="12"/>
-        <dgm:pt modelId="13"/>
+        <dgm:pt modelId="2"/>
       </dgm:ptLst>
       <dgm:cxnLst>
         <dgm:cxn modelId="4" srcId="0" destId="1" srcOrd="0" destOrd="0"/>
-        <dgm:cxn modelId="5" srcId="1" destId="11" srcOrd="0" destOrd="0"/>
-        <dgm:cxn modelId="6" srcId="1" destId="12" srcOrd="0" destOrd="0"/>
-        <dgm:cxn modelId="14" srcId="1" destId="13" srcOrd="0" destOrd="0"/>
+        <dgm:cxn modelId="5" srcId="0" destId="2" srcOrd="1" destOrd="0"/>
       </dgm:cxnLst>
       <dgm:bg/>
       <dgm:whole/>
@@ -22455,38 +20682,41 @@
       <dgm:ptLst>
         <dgm:pt modelId="0" type="doc"/>
         <dgm:pt modelId="1"/>
-        <dgm:pt modelId="11"/>
-        <dgm:pt modelId="12"/>
-        <dgm:pt modelId="13"/>
+        <dgm:pt modelId="2"/>
+        <dgm:pt modelId="3"/>
+        <dgm:pt modelId="4"/>
       </dgm:ptLst>
       <dgm:cxnLst>
-        <dgm:cxn modelId="4" srcId="0" destId="1" srcOrd="0" destOrd="0"/>
-        <dgm:cxn modelId="5" srcId="1" destId="11" srcOrd="0" destOrd="0"/>
-        <dgm:cxn modelId="6" srcId="1" destId="12" srcOrd="0" destOrd="0"/>
-        <dgm:cxn modelId="14" srcId="1" destId="13" srcOrd="0" destOrd="0"/>
+        <dgm:cxn modelId="5" srcId="0" destId="1" srcOrd="0" destOrd="0"/>
+        <dgm:cxn modelId="6" srcId="0" destId="2" srcOrd="1" destOrd="0"/>
+        <dgm:cxn modelId="7" srcId="0" destId="3" srcOrd="2" destOrd="0"/>
+        <dgm:cxn modelId="8" srcId="0" destId="4" srcOrd="3" destOrd="0"/>
       </dgm:cxnLst>
       <dgm:bg/>
       <dgm:whole/>
     </dgm:dataModel>
   </dgm:clrData>
-  <dgm:layoutNode name="layout">
+  <dgm:layoutNode name="linear">
     <dgm:varLst>
-      <dgm:chMax/>
-      <dgm:chPref/>
       <dgm:dir/>
-      <dgm:animOne val="branch"/>
       <dgm:animLvl val="lvl"/>
-      <dgm:resizeHandles/>
+      <dgm:resizeHandles val="exact"/>
     </dgm:varLst>
     <dgm:choose name="Name0">
       <dgm:if name="Name1" func="var" arg="dir" op="equ" val="norm">
-        <dgm:alg type="hierChild">
-          <dgm:param type="linDir" val="fromL"/>
+        <dgm:alg type="lin">
+          <dgm:param type="linDir" val="fromT"/>
+          <dgm:param type="vertAlign" val="mid"/>
+          <dgm:param type="horzAlign" val="l"/>
+          <dgm:param type="nodeHorzAlign" val="l"/>
         </dgm:alg>
       </dgm:if>
       <dgm:else name="Name2">
-        <dgm:alg type="hierChild">
-          <dgm:param type="linDir" val="fromL"/>
+        <dgm:alg type="lin">
+          <dgm:param type="linDir" val="fromT"/>
+          <dgm:param type="vertAlign" val="mid"/>
+          <dgm:param type="horzAlign" val="r"/>
+          <dgm:param type="nodeHorzAlign" val="r"/>
         </dgm:alg>
       </dgm:else>
     </dgm:choose>
@@ -22495,153 +20725,131 @@
     </dgm:shape>
     <dgm:presOf/>
     <dgm:constrLst>
-      <dgm:constr type="primFontSz" for="des" forName="rootText" op="equ" val="65"/>
-      <dgm:constr type="primFontSz" for="des" forName="childText" op="equ" val="65"/>
-      <dgm:constr type="primFontSz" for="des" forName="childText" refType="primFontSz" refFor="des" refForName="rootText" op="lte"/>
-      <dgm:constr type="w" for="des" forName="rootComposite" refType="w" fact="4"/>
-      <dgm:constr type="h" for="des" forName="rootComposite" refType="h"/>
-      <dgm:constr type="w" for="des" forName="childComposite" refType="w" refFor="des" refForName="rootComposite"/>
-      <dgm:constr type="h" for="des" forName="childComposite" refType="h" refFor="des" refForName="rootComposite"/>
-      <dgm:constr type="sibSp" refType="w" refFor="des" refForName="rootComposite" fact="0.1"/>
-      <dgm:constr type="sibSp" for="des" forName="childShape" refType="h" refFor="des" refForName="rootComposite" fact="0.12"/>
-      <dgm:constr type="sp" for="des" forName="root" refType="h" refFor="des" refForName="rootComposite" fact="0.18"/>
+      <dgm:constr type="w" for="ch" forName="parentLin" refType="w"/>
+      <dgm:constr type="h" for="ch" forName="parentLin" val="INF"/>
+      <dgm:constr type="w" for="des" forName="parentLeftMargin" refType="w" fact="0.05"/>
+      <dgm:constr type="w" for="des" forName="parentText" refType="w" fact="0.7"/>
+      <dgm:constr type="h" for="des" forName="parentText" refType="primFontSz" refFor="des" refForName="parentText" fact="0.82"/>
+      <dgm:constr type="h" for="ch" forName="negativeSpace" refType="primFontSz" refFor="des" refForName="parentText" fact="-0.41"/>
+      <dgm:constr type="h" for="ch" forName="negativeSpace" refType="h" refFor="des" refForName="parentText" op="lte" fact="-0.82"/>
+      <dgm:constr type="h" for="ch" forName="negativeSpace" refType="h" refFor="des" refForName="parentText" op="gte" fact="-0.82"/>
+      <dgm:constr type="w" for="ch" forName="childText" refType="w"/>
+      <dgm:constr type="h" for="ch" forName="childText" refType="primFontSz" refFor="des" refForName="parentText" fact="0.7"/>
+      <dgm:constr type="primFontSz" for="des" forName="parentText" val="65"/>
+      <dgm:constr type="primFontSz" for="ch" forName="childText" refType="primFontSz" refFor="des" refForName="parentText"/>
+      <dgm:constr type="tMarg" for="ch" forName="childText" refType="primFontSz" refFor="des" refForName="parentText" fact="1.64"/>
+      <dgm:constr type="tMarg" for="ch" forName="childText" refType="h" refFor="des" refForName="parentText" op="lte" fact="3.28"/>
+      <dgm:constr type="tMarg" for="ch" forName="childText" refType="h" refFor="des" refForName="parentText" op="gte" fact="3.28"/>
+      <dgm:constr type="lMarg" for="ch" forName="childText" refType="w" fact="0.22"/>
+      <dgm:constr type="rMarg" for="ch" forName="childText" refType="lMarg" refFor="ch" refForName="childText"/>
+      <dgm:constr type="lMarg" for="des" forName="parentText" refType="w" fact="0.075"/>
+      <dgm:constr type="rMarg" for="des" forName="parentText" refType="lMarg" refFor="des" refForName="parentText"/>
+      <dgm:constr type="h" for="ch" forName="spaceBetweenRectangles" refType="primFontSz" refFor="des" refForName="parentText" fact="0.15"/>
     </dgm:constrLst>
-    <dgm:ruleLst/>
-    <dgm:forEach name="Name3" axis="ch">
-      <dgm:forEach name="Name4" axis="self" ptType="node" cnt="1">
-        <dgm:layoutNode name="root">
+    <dgm:ruleLst>
+      <dgm:rule type="primFontSz" for="des" forName="parentText" val="5" fact="NaN" max="NaN"/>
+    </dgm:ruleLst>
+    <dgm:forEach name="Name3" axis="ch" ptType="node">
+      <dgm:layoutNode name="parentLin">
+        <dgm:choose name="Name4">
+          <dgm:if name="Name5" func="var" arg="dir" op="equ" val="norm">
+            <dgm:alg type="lin">
+              <dgm:param type="linDir" val="fromL"/>
+              <dgm:param type="horzAlign" val="l"/>
+              <dgm:param type="nodeHorzAlign" val="l"/>
+            </dgm:alg>
+          </dgm:if>
+          <dgm:else name="Name6">
+            <dgm:alg type="lin">
+              <dgm:param type="linDir" val="fromR"/>
+              <dgm:param type="horzAlign" val="r"/>
+              <dgm:param type="nodeHorzAlign" val="r"/>
+            </dgm:alg>
+          </dgm:else>
+        </dgm:choose>
+        <dgm:shape xmlns:r="http://schemas.openxmlformats.org/officeDocument/2006/relationships" r:blip="">
+          <dgm:adjLst/>
+        </dgm:shape>
+        <dgm:presOf/>
+        <dgm:constrLst/>
+        <dgm:ruleLst/>
+        <dgm:layoutNode name="parentLeftMargin">
+          <dgm:alg type="sp"/>
+          <dgm:shape xmlns:r="http://schemas.openxmlformats.org/officeDocument/2006/relationships" type="rect" r:blip="" hideGeom="1">
+            <dgm:adjLst/>
+          </dgm:shape>
+          <dgm:presOf axis="self"/>
+          <dgm:constrLst>
+            <dgm:constr type="h"/>
+          </dgm:constrLst>
+          <dgm:ruleLst/>
+        </dgm:layoutNode>
+        <dgm:layoutNode name="parentText" styleLbl="node1">
           <dgm:varLst>
-            <dgm:chMax/>
-            <dgm:chPref val="4"/>
+            <dgm:chMax val="0"/>
+            <dgm:bulletEnabled val="1"/>
           </dgm:varLst>
-          <dgm:alg type="hierRoot"/>
+          <dgm:choose name="Name7">
+            <dgm:if name="Name8" func="var" arg="dir" op="equ" val="norm">
+              <dgm:alg type="tx">
+                <dgm:param type="parTxLTRAlign" val="l"/>
+                <dgm:param type="parTxRTLAlign" val="l"/>
+              </dgm:alg>
+            </dgm:if>
+            <dgm:else name="Name9">
+              <dgm:alg type="tx">
+                <dgm:param type="parTxLTRAlign" val="r"/>
+                <dgm:param type="parTxRTLAlign" val="r"/>
+              </dgm:alg>
+            </dgm:else>
+          </dgm:choose>
+          <dgm:shape xmlns:r="http://schemas.openxmlformats.org/officeDocument/2006/relationships" type="roundRect" r:blip="">
+            <dgm:adjLst/>
+          </dgm:shape>
+          <dgm:presOf axis="self" ptType="node"/>
+          <dgm:constrLst>
+            <dgm:constr type="tMarg"/>
+            <dgm:constr type="bMarg"/>
+          </dgm:constrLst>
+          <dgm:ruleLst/>
+        </dgm:layoutNode>
+      </dgm:layoutNode>
+      <dgm:layoutNode name="negativeSpace">
+        <dgm:alg type="sp"/>
+        <dgm:shape xmlns:r="http://schemas.openxmlformats.org/officeDocument/2006/relationships" r:blip="">
+          <dgm:adjLst/>
+        </dgm:shape>
+        <dgm:presOf/>
+        <dgm:constrLst/>
+        <dgm:ruleLst/>
+      </dgm:layoutNode>
+      <dgm:layoutNode name="childText" styleLbl="conFgAcc1">
+        <dgm:varLst>
+          <dgm:bulletEnabled val="1"/>
+        </dgm:varLst>
+        <dgm:alg type="tx">
+          <dgm:param type="stBulletLvl" val="1"/>
+        </dgm:alg>
+        <dgm:shape xmlns:r="http://schemas.openxmlformats.org/officeDocument/2006/relationships" type="rect" r:blip="" zOrderOff="-2">
+          <dgm:adjLst/>
+        </dgm:shape>
+        <dgm:presOf axis="des" ptType="node"/>
+        <dgm:constrLst>
+          <dgm:constr type="secFontSz" refType="primFontSz"/>
+        </dgm:constrLst>
+        <dgm:ruleLst>
+          <dgm:rule type="h" val="INF" fact="NaN" max="NaN"/>
+        </dgm:ruleLst>
+      </dgm:layoutNode>
+      <dgm:forEach name="Name10" axis="followSib" ptType="sibTrans" cnt="1">
+        <dgm:layoutNode name="spaceBetweenRectangles">
+          <dgm:alg type="sp"/>
           <dgm:shape xmlns:r="http://schemas.openxmlformats.org/officeDocument/2006/relationships" r:blip="">
             <dgm:adjLst/>
           </dgm:shape>
           <dgm:presOf/>
           <dgm:constrLst/>
           <dgm:ruleLst/>
-          <dgm:layoutNode name="rootComposite">
-            <dgm:varLst/>
-            <dgm:alg type="composite"/>
-            <dgm:shape xmlns:r="http://schemas.openxmlformats.org/officeDocument/2006/relationships" r:blip="">
-              <dgm:adjLst/>
-            </dgm:shape>
-            <dgm:presOf axis="self" ptType="node" cnt="1"/>
-            <dgm:constrLst>
-              <dgm:constr type="l" for="ch" forName="rootText"/>
-              <dgm:constr type="t" for="ch" forName="rootText"/>
-              <dgm:constr type="w" for="ch" forName="rootText" refType="w"/>
-              <dgm:constr type="h" for="ch" forName="rootText" refType="h"/>
-            </dgm:constrLst>
-            <dgm:ruleLst/>
-            <dgm:layoutNode name="rootText" styleLbl="node0">
-              <dgm:varLst>
-                <dgm:chMax/>
-                <dgm:chPref val="4"/>
-              </dgm:varLst>
-              <dgm:alg type="tx"/>
-              <dgm:shape xmlns:r="http://schemas.openxmlformats.org/officeDocument/2006/relationships" type="roundRect" r:blip="">
-                <dgm:adjLst>
-                  <dgm:adj idx="1" val="0.1"/>
-                </dgm:adjLst>
-              </dgm:shape>
-              <dgm:presOf axis="self" ptType="node" cnt="1"/>
-              <dgm:constrLst>
-                <dgm:constr type="tMarg" refType="primFontSz" fact="0.1"/>
-                <dgm:constr type="bMarg" refType="primFontSz" fact="0.1"/>
-                <dgm:constr type="lMarg" refType="primFontSz" fact="0.15"/>
-                <dgm:constr type="rMarg" refType="primFontSz" fact="0.15"/>
-              </dgm:constrLst>
-              <dgm:ruleLst>
-                <dgm:rule type="primFontSz" val="5" fact="NaN" max="NaN"/>
-                <dgm:rule type="primFontSz" val="65" fact="NaN" max="NaN"/>
-              </dgm:ruleLst>
-            </dgm:layoutNode>
-          </dgm:layoutNode>
-          <dgm:layoutNode name="childShape">
-            <dgm:varLst>
-              <dgm:chMax val="0"/>
-              <dgm:chPref val="0"/>
-            </dgm:varLst>
-            <dgm:alg type="hierChild">
-              <dgm:param type="chAlign" val="r"/>
-              <dgm:param type="linDir" val="fromT"/>
-              <dgm:param type="fallback" val="2D"/>
-            </dgm:alg>
-            <dgm:shape xmlns:r="http://schemas.openxmlformats.org/officeDocument/2006/relationships" r:blip="">
-              <dgm:adjLst/>
-            </dgm:shape>
-            <dgm:presOf/>
-            <dgm:constrLst/>
-            <dgm:ruleLst/>
-            <dgm:forEach name="Name5" axis="ch">
-              <dgm:forEach name="Name6" axis="self" ptType="node">
-                <dgm:layoutNode name="childComposite">
-                  <dgm:varLst>
-                    <dgm:chMax val="0"/>
-                    <dgm:chPref val="0"/>
-                  </dgm:varLst>
-                  <dgm:alg type="composite"/>
-                  <dgm:shape xmlns:r="http://schemas.openxmlformats.org/officeDocument/2006/relationships" r:blip="">
-                    <dgm:adjLst/>
-                  </dgm:shape>
-                  <dgm:presOf/>
-                  <dgm:choose name="Name7">
-                    <dgm:if name="Name8" func="var" arg="dir" op="equ" val="norm">
-                      <dgm:constrLst>
-                        <dgm:constr type="w" for="ch" forName="Image" refType="h"/>
-                        <dgm:constr type="h" for="ch" forName="Image" refType="h"/>
-                        <dgm:constr type="l" for="ch" forName="Image"/>
-                        <dgm:constr type="t" for="ch" forName="Image"/>
-                        <dgm:constr type="h" for="ch" forName="childText" refType="h"/>
-                        <dgm:constr type="l" for="ch" forName="childText" refType="w" refFor="ch" refForName="Image" fact="1.06"/>
-                        <dgm:constr type="t" for="ch" forName="childText"/>
-                      </dgm:constrLst>
-                    </dgm:if>
-                    <dgm:else name="Name9">
-                      <dgm:constrLst>
-                        <dgm:constr type="w" for="ch" forName="Image" refType="h"/>
-                        <dgm:constr type="h" for="ch" forName="Image" refType="h"/>
-                        <dgm:constr type="r" for="ch" forName="Image" refType="w"/>
-                        <dgm:constr type="t" for="ch" forName="Image"/>
-                        <dgm:constr type="h" for="ch" forName="childText" refType="h"/>
-                        <dgm:constr type="t" for="ch" forName="childText"/>
-                        <dgm:constr type="wOff" for="ch" forName="childText" refType="w" refFor="ch" refForName="Image" fact="-1.06"/>
-                      </dgm:constrLst>
-                    </dgm:else>
-                  </dgm:choose>
-                  <dgm:ruleLst/>
-                  <dgm:layoutNode name="Image" styleLbl="node1">
-                    <dgm:alg type="sp"/>
-                    <dgm:shape xmlns:r="http://schemas.openxmlformats.org/officeDocument/2006/relationships" type="roundRect" r:blip="" blipPhldr="1">
-                      <dgm:adjLst>
-                        <dgm:adj idx="1" val="0.1667"/>
-                      </dgm:adjLst>
-                    </dgm:shape>
-                    <dgm:presOf/>
-                  </dgm:layoutNode>
-                  <dgm:layoutNode name="childText" styleLbl="lnNode1">
-                    <dgm:varLst>
-                      <dgm:chMax val="0"/>
-                      <dgm:chPref val="0"/>
-                      <dgm:bulletEnabled val="1"/>
-                    </dgm:varLst>
-                    <dgm:alg type="tx"/>
-                    <dgm:shape xmlns:r="http://schemas.openxmlformats.org/officeDocument/2006/relationships" type="roundRect" r:blip="">
-                      <dgm:adjLst>
-                        <dgm:adj idx="1" val="0.1667"/>
-                      </dgm:adjLst>
-                    </dgm:shape>
-                    <dgm:presOf axis="self desOrSelf" ptType="node node" st="1 1" cnt="1 0"/>
-                    <dgm:ruleLst>
-                      <dgm:rule type="primFontSz" val="5" fact="NaN" max="NaN"/>
-                    </dgm:ruleLst>
-                  </dgm:layoutNode>
-                </dgm:layoutNode>
-              </dgm:forEach>
-            </dgm:forEach>
-          </dgm:layoutNode>
         </dgm:layoutNode>
       </dgm:forEach>
     </dgm:forEach>
@@ -25752,6 +23960,1123 @@
 </file>
 
 <file path=ppt/diagrams/quickStyle12.xml><?xml version="1.0" encoding="utf-8"?>
+<dgm:styleDef xmlns:dgm="http://schemas.openxmlformats.org/drawingml/2006/diagram" xmlns:a="http://schemas.openxmlformats.org/drawingml/2006/main" uniqueId="urn:microsoft.com/office/officeart/2005/8/quickstyle/3d1">
+  <dgm:title val=""/>
+  <dgm:desc val=""/>
+  <dgm:catLst>
+    <dgm:cat type="3D" pri="11100"/>
+  </dgm:catLst>
+  <dgm:scene3d>
+    <a:camera prst="orthographicFront"/>
+    <a:lightRig rig="threePt" dir="t"/>
+  </dgm:scene3d>
+  <dgm:styleLbl name="node0">
+    <dgm:scene3d>
+      <a:camera prst="orthographicFront"/>
+      <a:lightRig rig="flat" dir="t"/>
+    </dgm:scene3d>
+    <dgm:sp3d prstMaterial="plastic">
+      <a:bevelT w="120900" h="88900"/>
+      <a:bevelB w="88900" h="31750" prst="angle"/>
+    </dgm:sp3d>
+    <dgm:txPr/>
+    <dgm:style>
+      <a:lnRef idx="0">
+        <a:scrgbClr r="0" g="0" b="0"/>
+      </a:lnRef>
+      <a:fillRef idx="3">
+        <a:scrgbClr r="0" g="0" b="0"/>
+      </a:fillRef>
+      <a:effectRef idx="2">
+        <a:scrgbClr r="0" g="0" b="0"/>
+      </a:effectRef>
+      <a:fontRef idx="minor">
+        <a:schemeClr val="lt1"/>
+      </a:fontRef>
+    </dgm:style>
+  </dgm:styleLbl>
+  <dgm:styleLbl name="lnNode1">
+    <dgm:scene3d>
+      <a:camera prst="orthographicFront"/>
+      <a:lightRig rig="flat" dir="t"/>
+    </dgm:scene3d>
+    <dgm:sp3d prstMaterial="plastic">
+      <a:bevelT w="120900" h="88900"/>
+      <a:bevelB w="88900" h="31750" prst="angle"/>
+    </dgm:sp3d>
+    <dgm:txPr/>
+    <dgm:style>
+      <a:lnRef idx="0">
+        <a:scrgbClr r="0" g="0" b="0"/>
+      </a:lnRef>
+      <a:fillRef idx="3">
+        <a:scrgbClr r="0" g="0" b="0"/>
+      </a:fillRef>
+      <a:effectRef idx="1">
+        <a:scrgbClr r="0" g="0" b="0"/>
+      </a:effectRef>
+      <a:fontRef idx="minor">
+        <a:schemeClr val="lt1"/>
+      </a:fontRef>
+    </dgm:style>
+  </dgm:styleLbl>
+  <dgm:styleLbl name="vennNode1">
+    <dgm:scene3d>
+      <a:camera prst="orthographicFront"/>
+      <a:lightRig rig="flat" dir="t"/>
+    </dgm:scene3d>
+    <dgm:sp3d prstMaterial="plastic">
+      <a:bevelT w="120900" h="88900"/>
+      <a:bevelB w="88900" h="31750" prst="angle"/>
+    </dgm:sp3d>
+    <dgm:txPr/>
+    <dgm:style>
+      <a:lnRef idx="0">
+        <a:scrgbClr r="0" g="0" b="0"/>
+      </a:lnRef>
+      <a:fillRef idx="1">
+        <a:scrgbClr r="0" g="0" b="0"/>
+      </a:fillRef>
+      <a:effectRef idx="1">
+        <a:scrgbClr r="0" g="0" b="0"/>
+      </a:effectRef>
+      <a:fontRef idx="minor">
+        <a:schemeClr val="tx1"/>
+      </a:fontRef>
+    </dgm:style>
+  </dgm:styleLbl>
+  <dgm:styleLbl name="alignNode1">
+    <dgm:scene3d>
+      <a:camera prst="orthographicFront"/>
+      <a:lightRig rig="flat" dir="t"/>
+    </dgm:scene3d>
+    <dgm:sp3d prstMaterial="plastic">
+      <a:bevelT w="120900" h="88900"/>
+      <a:bevelB w="88900" h="31750" prst="angle"/>
+    </dgm:sp3d>
+    <dgm:txPr/>
+    <dgm:style>
+      <a:lnRef idx="1">
+        <a:scrgbClr r="0" g="0" b="0"/>
+      </a:lnRef>
+      <a:fillRef idx="3">
+        <a:scrgbClr r="0" g="0" b="0"/>
+      </a:fillRef>
+      <a:effectRef idx="2">
+        <a:scrgbClr r="0" g="0" b="0"/>
+      </a:effectRef>
+      <a:fontRef idx="minor">
+        <a:schemeClr val="lt1"/>
+      </a:fontRef>
+    </dgm:style>
+  </dgm:styleLbl>
+  <dgm:styleLbl name="node1">
+    <dgm:scene3d>
+      <a:camera prst="orthographicFront"/>
+      <a:lightRig rig="flat" dir="t"/>
+    </dgm:scene3d>
+    <dgm:sp3d prstMaterial="plastic">
+      <a:bevelT w="120900" h="88900"/>
+      <a:bevelB w="88900" h="31750" prst="angle"/>
+    </dgm:sp3d>
+    <dgm:txPr/>
+    <dgm:style>
+      <a:lnRef idx="0">
+        <a:scrgbClr r="0" g="0" b="0"/>
+      </a:lnRef>
+      <a:fillRef idx="3">
+        <a:scrgbClr r="0" g="0" b="0"/>
+      </a:fillRef>
+      <a:effectRef idx="2">
+        <a:scrgbClr r="0" g="0" b="0"/>
+      </a:effectRef>
+      <a:fontRef idx="minor">
+        <a:schemeClr val="lt1"/>
+      </a:fontRef>
+    </dgm:style>
+  </dgm:styleLbl>
+  <dgm:styleLbl name="node2">
+    <dgm:scene3d>
+      <a:camera prst="orthographicFront"/>
+      <a:lightRig rig="flat" dir="t"/>
+    </dgm:scene3d>
+    <dgm:sp3d prstMaterial="plastic">
+      <a:bevelT w="120900" h="88900"/>
+      <a:bevelB w="88900" h="31750" prst="angle"/>
+    </dgm:sp3d>
+    <dgm:txPr/>
+    <dgm:style>
+      <a:lnRef idx="0">
+        <a:scrgbClr r="0" g="0" b="0"/>
+      </a:lnRef>
+      <a:fillRef idx="3">
+        <a:scrgbClr r="0" g="0" b="0"/>
+      </a:fillRef>
+      <a:effectRef idx="1">
+        <a:scrgbClr r="0" g="0" b="0"/>
+      </a:effectRef>
+      <a:fontRef idx="minor">
+        <a:schemeClr val="lt1"/>
+      </a:fontRef>
+    </dgm:style>
+  </dgm:styleLbl>
+  <dgm:styleLbl name="node3">
+    <dgm:scene3d>
+      <a:camera prst="orthographicFront"/>
+      <a:lightRig rig="flat" dir="t"/>
+    </dgm:scene3d>
+    <dgm:sp3d prstMaterial="plastic">
+      <a:bevelT w="120900" h="88900"/>
+      <a:bevelB w="88900" h="31750" prst="angle"/>
+    </dgm:sp3d>
+    <dgm:txPr/>
+    <dgm:style>
+      <a:lnRef idx="0">
+        <a:scrgbClr r="0" g="0" b="0"/>
+      </a:lnRef>
+      <a:fillRef idx="3">
+        <a:scrgbClr r="0" g="0" b="0"/>
+      </a:fillRef>
+      <a:effectRef idx="1">
+        <a:scrgbClr r="0" g="0" b="0"/>
+      </a:effectRef>
+      <a:fontRef idx="minor">
+        <a:schemeClr val="lt1"/>
+      </a:fontRef>
+    </dgm:style>
+  </dgm:styleLbl>
+  <dgm:styleLbl name="node4">
+    <dgm:scene3d>
+      <a:camera prst="orthographicFront"/>
+      <a:lightRig rig="flat" dir="t"/>
+    </dgm:scene3d>
+    <dgm:sp3d prstMaterial="plastic">
+      <a:bevelT w="120900" h="88900"/>
+      <a:bevelB w="88900" h="31750" prst="angle"/>
+    </dgm:sp3d>
+    <dgm:txPr/>
+    <dgm:style>
+      <a:lnRef idx="0">
+        <a:scrgbClr r="0" g="0" b="0"/>
+      </a:lnRef>
+      <a:fillRef idx="3">
+        <a:scrgbClr r="0" g="0" b="0"/>
+      </a:fillRef>
+      <a:effectRef idx="1">
+        <a:scrgbClr r="0" g="0" b="0"/>
+      </a:effectRef>
+      <a:fontRef idx="minor">
+        <a:schemeClr val="lt1"/>
+      </a:fontRef>
+    </dgm:style>
+  </dgm:styleLbl>
+  <dgm:styleLbl name="fgImgPlace1">
+    <dgm:scene3d>
+      <a:camera prst="orthographicFront"/>
+      <a:lightRig rig="flat" dir="t"/>
+    </dgm:scene3d>
+    <dgm:sp3d z="127000" prstMaterial="plastic">
+      <a:bevelT w="88900" h="88900"/>
+      <a:bevelB w="88900" h="31750" prst="angle"/>
+    </dgm:sp3d>
+    <dgm:txPr/>
+    <dgm:style>
+      <a:lnRef idx="0">
+        <a:scrgbClr r="0" g="0" b="0"/>
+      </a:lnRef>
+      <a:fillRef idx="3">
+        <a:scrgbClr r="0" g="0" b="0"/>
+      </a:fillRef>
+      <a:effectRef idx="2">
+        <a:scrgbClr r="0" g="0" b="0"/>
+      </a:effectRef>
+      <a:fontRef idx="minor"/>
+    </dgm:style>
+  </dgm:styleLbl>
+  <dgm:styleLbl name="alignImgPlace1">
+    <dgm:scene3d>
+      <a:camera prst="orthographicFront"/>
+      <a:lightRig rig="flat" dir="t"/>
+    </dgm:scene3d>
+    <dgm:sp3d prstMaterial="plastic">
+      <a:bevelT w="88900" h="88900"/>
+      <a:bevelB w="88900" h="31750" prst="angle"/>
+    </dgm:sp3d>
+    <dgm:txPr/>
+    <dgm:style>
+      <a:lnRef idx="0">
+        <a:scrgbClr r="0" g="0" b="0"/>
+      </a:lnRef>
+      <a:fillRef idx="3">
+        <a:scrgbClr r="0" g="0" b="0"/>
+      </a:fillRef>
+      <a:effectRef idx="2">
+        <a:scrgbClr r="0" g="0" b="0"/>
+      </a:effectRef>
+      <a:fontRef idx="minor"/>
+    </dgm:style>
+  </dgm:styleLbl>
+  <dgm:styleLbl name="bgImgPlace1">
+    <dgm:scene3d>
+      <a:camera prst="orthographicFront"/>
+      <a:lightRig rig="flat" dir="t"/>
+    </dgm:scene3d>
+    <dgm:sp3d z="-190500" prstMaterial="plastic">
+      <a:bevelT w="88900" h="88900"/>
+      <a:bevelB w="88900" h="31750" prst="angle"/>
+    </dgm:sp3d>
+    <dgm:txPr/>
+    <dgm:style>
+      <a:lnRef idx="0">
+        <a:scrgbClr r="0" g="0" b="0"/>
+      </a:lnRef>
+      <a:fillRef idx="3">
+        <a:scrgbClr r="0" g="0" b="0"/>
+      </a:fillRef>
+      <a:effectRef idx="2">
+        <a:scrgbClr r="0" g="0" b="0"/>
+      </a:effectRef>
+      <a:fontRef idx="minor"/>
+    </dgm:style>
+  </dgm:styleLbl>
+  <dgm:styleLbl name="sibTrans2D1">
+    <dgm:scene3d>
+      <a:camera prst="orthographicFront"/>
+      <a:lightRig rig="flat" dir="t"/>
+    </dgm:scene3d>
+    <dgm:sp3d z="-80000" prstMaterial="plastic">
+      <a:bevelT w="50800" h="50800"/>
+      <a:bevelB w="25400" h="25400" prst="angle"/>
+    </dgm:sp3d>
+    <dgm:txPr/>
+    <dgm:style>
+      <a:lnRef idx="0">
+        <a:scrgbClr r="0" g="0" b="0"/>
+      </a:lnRef>
+      <a:fillRef idx="3">
+        <a:scrgbClr r="0" g="0" b="0"/>
+      </a:fillRef>
+      <a:effectRef idx="2">
+        <a:scrgbClr r="0" g="0" b="0"/>
+      </a:effectRef>
+      <a:fontRef idx="minor">
+        <a:schemeClr val="lt1"/>
+      </a:fontRef>
+    </dgm:style>
+  </dgm:styleLbl>
+  <dgm:styleLbl name="fgSibTrans2D1">
+    <dgm:scene3d>
+      <a:camera prst="orthographicFront"/>
+      <a:lightRig rig="flat" dir="t"/>
+    </dgm:scene3d>
+    <dgm:sp3d z="127000" prstMaterial="plastic">
+      <a:bevelT w="50800" h="50800"/>
+      <a:bevelB w="25400" h="25400" prst="angle"/>
+    </dgm:sp3d>
+    <dgm:txPr/>
+    <dgm:style>
+      <a:lnRef idx="0">
+        <a:scrgbClr r="0" g="0" b="0"/>
+      </a:lnRef>
+      <a:fillRef idx="3">
+        <a:scrgbClr r="0" g="0" b="0"/>
+      </a:fillRef>
+      <a:effectRef idx="2">
+        <a:scrgbClr r="0" g="0" b="0"/>
+      </a:effectRef>
+      <a:fontRef idx="minor">
+        <a:schemeClr val="lt1"/>
+      </a:fontRef>
+    </dgm:style>
+  </dgm:styleLbl>
+  <dgm:styleLbl name="bgSibTrans2D1">
+    <dgm:scene3d>
+      <a:camera prst="orthographicFront"/>
+      <a:lightRig rig="flat" dir="t"/>
+    </dgm:scene3d>
+    <dgm:sp3d z="-190500" prstMaterial="plastic">
+      <a:bevelT w="50800" h="50800"/>
+      <a:bevelB w="25400" h="25400" prst="angle"/>
+    </dgm:sp3d>
+    <dgm:txPr/>
+    <dgm:style>
+      <a:lnRef idx="0">
+        <a:scrgbClr r="0" g="0" b="0"/>
+      </a:lnRef>
+      <a:fillRef idx="3">
+        <a:scrgbClr r="0" g="0" b="0"/>
+      </a:fillRef>
+      <a:effectRef idx="2">
+        <a:scrgbClr r="0" g="0" b="0"/>
+      </a:effectRef>
+      <a:fontRef idx="minor">
+        <a:schemeClr val="lt1"/>
+      </a:fontRef>
+    </dgm:style>
+  </dgm:styleLbl>
+  <dgm:styleLbl name="sibTrans1D1">
+    <dgm:scene3d>
+      <a:camera prst="orthographicFront"/>
+      <a:lightRig rig="flat" dir="t"/>
+    </dgm:scene3d>
+    <dgm:sp3d z="-40000" prstMaterial="matte"/>
+    <dgm:txPr/>
+    <dgm:style>
+      <a:lnRef idx="1">
+        <a:scrgbClr r="0" g="0" b="0"/>
+      </a:lnRef>
+      <a:fillRef idx="0">
+        <a:scrgbClr r="0" g="0" b="0"/>
+      </a:fillRef>
+      <a:effectRef idx="0">
+        <a:scrgbClr r="0" g="0" b="0"/>
+      </a:effectRef>
+      <a:fontRef idx="minor"/>
+    </dgm:style>
+  </dgm:styleLbl>
+  <dgm:styleLbl name="callout">
+    <dgm:scene3d>
+      <a:camera prst="orthographicFront"/>
+      <a:lightRig rig="threePt" dir="t"/>
+    </dgm:scene3d>
+    <dgm:sp3d z="127000" prstMaterial="matte"/>
+    <dgm:txPr/>
+    <dgm:style>
+      <a:lnRef idx="2">
+        <a:scrgbClr r="0" g="0" b="0"/>
+      </a:lnRef>
+      <a:fillRef idx="1">
+        <a:scrgbClr r="0" g="0" b="0"/>
+      </a:fillRef>
+      <a:effectRef idx="0">
+        <a:scrgbClr r="0" g="0" b="0"/>
+      </a:effectRef>
+      <a:fontRef idx="minor"/>
+    </dgm:style>
+  </dgm:styleLbl>
+  <dgm:styleLbl name="asst0">
+    <dgm:scene3d>
+      <a:camera prst="orthographicFront"/>
+      <a:lightRig rig="flat" dir="t"/>
+    </dgm:scene3d>
+    <dgm:sp3d prstMaterial="plastic">
+      <a:bevelT w="120900" h="88900"/>
+      <a:bevelB w="88900" h="31750" prst="angle"/>
+    </dgm:sp3d>
+    <dgm:txPr/>
+    <dgm:style>
+      <a:lnRef idx="0">
+        <a:scrgbClr r="0" g="0" b="0"/>
+      </a:lnRef>
+      <a:fillRef idx="3">
+        <a:scrgbClr r="0" g="0" b="0"/>
+      </a:fillRef>
+      <a:effectRef idx="1">
+        <a:scrgbClr r="0" g="0" b="0"/>
+      </a:effectRef>
+      <a:fontRef idx="minor">
+        <a:schemeClr val="lt1"/>
+      </a:fontRef>
+    </dgm:style>
+  </dgm:styleLbl>
+  <dgm:styleLbl name="asst1">
+    <dgm:scene3d>
+      <a:camera prst="orthographicFront"/>
+      <a:lightRig rig="flat" dir="t"/>
+    </dgm:scene3d>
+    <dgm:sp3d prstMaterial="plastic">
+      <a:bevelT w="120900" h="88900"/>
+      <a:bevelB w="88900" h="31750" prst="angle"/>
+    </dgm:sp3d>
+    <dgm:txPr/>
+    <dgm:style>
+      <a:lnRef idx="0">
+        <a:scrgbClr r="0" g="0" b="0"/>
+      </a:lnRef>
+      <a:fillRef idx="3">
+        <a:scrgbClr r="0" g="0" b="0"/>
+      </a:fillRef>
+      <a:effectRef idx="1">
+        <a:scrgbClr r="0" g="0" b="0"/>
+      </a:effectRef>
+      <a:fontRef idx="minor">
+        <a:schemeClr val="lt1"/>
+      </a:fontRef>
+    </dgm:style>
+  </dgm:styleLbl>
+  <dgm:styleLbl name="asst2">
+    <dgm:scene3d>
+      <a:camera prst="orthographicFront"/>
+      <a:lightRig rig="flat" dir="t"/>
+    </dgm:scene3d>
+    <dgm:sp3d prstMaterial="plastic">
+      <a:bevelT w="120900" h="88900"/>
+      <a:bevelB w="88900" h="31750" prst="angle"/>
+    </dgm:sp3d>
+    <dgm:txPr/>
+    <dgm:style>
+      <a:lnRef idx="0">
+        <a:scrgbClr r="0" g="0" b="0"/>
+      </a:lnRef>
+      <a:fillRef idx="3">
+        <a:scrgbClr r="0" g="0" b="0"/>
+      </a:fillRef>
+      <a:effectRef idx="1">
+        <a:scrgbClr r="0" g="0" b="0"/>
+      </a:effectRef>
+      <a:fontRef idx="minor">
+        <a:schemeClr val="lt1"/>
+      </a:fontRef>
+    </dgm:style>
+  </dgm:styleLbl>
+  <dgm:styleLbl name="asst3">
+    <dgm:scene3d>
+      <a:camera prst="orthographicFront"/>
+      <a:lightRig rig="flat" dir="t"/>
+    </dgm:scene3d>
+    <dgm:sp3d prstMaterial="plastic">
+      <a:bevelT w="120900" h="88900"/>
+      <a:bevelB w="88900" h="31750" prst="angle"/>
+    </dgm:sp3d>
+    <dgm:txPr/>
+    <dgm:style>
+      <a:lnRef idx="0">
+        <a:scrgbClr r="0" g="0" b="0"/>
+      </a:lnRef>
+      <a:fillRef idx="3">
+        <a:scrgbClr r="0" g="0" b="0"/>
+      </a:fillRef>
+      <a:effectRef idx="1">
+        <a:scrgbClr r="0" g="0" b="0"/>
+      </a:effectRef>
+      <a:fontRef idx="minor">
+        <a:schemeClr val="lt1"/>
+      </a:fontRef>
+    </dgm:style>
+  </dgm:styleLbl>
+  <dgm:styleLbl name="parChTrans2D1">
+    <dgm:scene3d>
+      <a:camera prst="orthographicFront"/>
+      <a:lightRig rig="flat" dir="t"/>
+    </dgm:scene3d>
+    <dgm:sp3d z="-100000" prstMaterial="plastic">
+      <a:bevelT w="120900" h="88900"/>
+      <a:bevelB w="88900" h="31750" prst="angle"/>
+    </dgm:sp3d>
+    <dgm:txPr/>
+    <dgm:style>
+      <a:lnRef idx="0">
+        <a:scrgbClr r="0" g="0" b="0"/>
+      </a:lnRef>
+      <a:fillRef idx="3">
+        <a:scrgbClr r="0" g="0" b="0"/>
+      </a:fillRef>
+      <a:effectRef idx="1">
+        <a:scrgbClr r="0" g="0" b="0"/>
+      </a:effectRef>
+      <a:fontRef idx="minor">
+        <a:schemeClr val="lt1"/>
+      </a:fontRef>
+    </dgm:style>
+  </dgm:styleLbl>
+  <dgm:styleLbl name="parChTrans2D2">
+    <dgm:scene3d>
+      <a:camera prst="orthographicFront"/>
+      <a:lightRig rig="flat" dir="t"/>
+    </dgm:scene3d>
+    <dgm:sp3d z="-60000" prstMaterial="plastic">
+      <a:bevelT w="120900" h="88900"/>
+      <a:bevelB w="88900" h="31750" prst="angle"/>
+    </dgm:sp3d>
+    <dgm:txPr/>
+    <dgm:style>
+      <a:lnRef idx="0">
+        <a:scrgbClr r="0" g="0" b="0"/>
+      </a:lnRef>
+      <a:fillRef idx="3">
+        <a:scrgbClr r="0" g="0" b="0"/>
+      </a:fillRef>
+      <a:effectRef idx="1">
+        <a:scrgbClr r="0" g="0" b="0"/>
+      </a:effectRef>
+      <a:fontRef idx="minor">
+        <a:schemeClr val="lt1"/>
+      </a:fontRef>
+    </dgm:style>
+  </dgm:styleLbl>
+  <dgm:styleLbl name="parChTrans2D3">
+    <dgm:scene3d>
+      <a:camera prst="orthographicFront"/>
+      <a:lightRig rig="flat" dir="t"/>
+    </dgm:scene3d>
+    <dgm:sp3d z="-60000" prstMaterial="plastic">
+      <a:bevelT w="120900" h="88900"/>
+      <a:bevelB w="88900" h="31750" prst="angle"/>
+    </dgm:sp3d>
+    <dgm:txPr/>
+    <dgm:style>
+      <a:lnRef idx="0">
+        <a:scrgbClr r="0" g="0" b="0"/>
+      </a:lnRef>
+      <a:fillRef idx="3">
+        <a:scrgbClr r="0" g="0" b="0"/>
+      </a:fillRef>
+      <a:effectRef idx="1">
+        <a:scrgbClr r="0" g="0" b="0"/>
+      </a:effectRef>
+      <a:fontRef idx="minor">
+        <a:schemeClr val="lt1"/>
+      </a:fontRef>
+    </dgm:style>
+  </dgm:styleLbl>
+  <dgm:styleLbl name="parChTrans2D4">
+    <dgm:scene3d>
+      <a:camera prst="orthographicFront"/>
+      <a:lightRig rig="flat" dir="t"/>
+    </dgm:scene3d>
+    <dgm:sp3d z="-60000" prstMaterial="plastic">
+      <a:bevelT w="120900" h="88900"/>
+      <a:bevelB w="88900" h="31750" prst="angle"/>
+    </dgm:sp3d>
+    <dgm:txPr/>
+    <dgm:style>
+      <a:lnRef idx="0">
+        <a:scrgbClr r="0" g="0" b="0"/>
+      </a:lnRef>
+      <a:fillRef idx="3">
+        <a:scrgbClr r="0" g="0" b="0"/>
+      </a:fillRef>
+      <a:effectRef idx="1">
+        <a:scrgbClr r="0" g="0" b="0"/>
+      </a:effectRef>
+      <a:fontRef idx="minor">
+        <a:schemeClr val="lt1"/>
+      </a:fontRef>
+    </dgm:style>
+  </dgm:styleLbl>
+  <dgm:styleLbl name="parChTrans1D1">
+    <dgm:scene3d>
+      <a:camera prst="orthographicFront"/>
+      <a:lightRig rig="flat" dir="t"/>
+    </dgm:scene3d>
+    <dgm:sp3d prstMaterial="matte"/>
+    <dgm:txPr/>
+    <dgm:style>
+      <a:lnRef idx="2">
+        <a:scrgbClr r="0" g="0" b="0"/>
+      </a:lnRef>
+      <a:fillRef idx="0">
+        <a:scrgbClr r="0" g="0" b="0"/>
+      </a:fillRef>
+      <a:effectRef idx="0">
+        <a:scrgbClr r="0" g="0" b="0"/>
+      </a:effectRef>
+      <a:fontRef idx="minor"/>
+    </dgm:style>
+  </dgm:styleLbl>
+  <dgm:styleLbl name="parChTrans1D2">
+    <dgm:scene3d>
+      <a:camera prst="orthographicFront"/>
+      <a:lightRig rig="flat" dir="t"/>
+    </dgm:scene3d>
+    <dgm:sp3d prstMaterial="matte"/>
+    <dgm:txPr/>
+    <dgm:style>
+      <a:lnRef idx="2">
+        <a:scrgbClr r="0" g="0" b="0"/>
+      </a:lnRef>
+      <a:fillRef idx="0">
+        <a:scrgbClr r="0" g="0" b="0"/>
+      </a:fillRef>
+      <a:effectRef idx="0">
+        <a:scrgbClr r="0" g="0" b="0"/>
+      </a:effectRef>
+      <a:fontRef idx="minor"/>
+    </dgm:style>
+  </dgm:styleLbl>
+  <dgm:styleLbl name="parChTrans1D3">
+    <dgm:scene3d>
+      <a:camera prst="orthographicFront"/>
+      <a:lightRig rig="flat" dir="t"/>
+    </dgm:scene3d>
+    <dgm:sp3d prstMaterial="matte"/>
+    <dgm:txPr/>
+    <dgm:style>
+      <a:lnRef idx="2">
+        <a:scrgbClr r="0" g="0" b="0"/>
+      </a:lnRef>
+      <a:fillRef idx="0">
+        <a:scrgbClr r="0" g="0" b="0"/>
+      </a:fillRef>
+      <a:effectRef idx="0">
+        <a:scrgbClr r="0" g="0" b="0"/>
+      </a:effectRef>
+      <a:fontRef idx="minor"/>
+    </dgm:style>
+  </dgm:styleLbl>
+  <dgm:styleLbl name="parChTrans1D4">
+    <dgm:scene3d>
+      <a:camera prst="orthographicFront"/>
+      <a:lightRig rig="flat" dir="t"/>
+    </dgm:scene3d>
+    <dgm:sp3d prstMaterial="matte"/>
+    <dgm:txPr/>
+    <dgm:style>
+      <a:lnRef idx="2">
+        <a:scrgbClr r="0" g="0" b="0"/>
+      </a:lnRef>
+      <a:fillRef idx="0">
+        <a:scrgbClr r="0" g="0" b="0"/>
+      </a:fillRef>
+      <a:effectRef idx="0">
+        <a:scrgbClr r="0" g="0" b="0"/>
+      </a:effectRef>
+      <a:fontRef idx="minor"/>
+    </dgm:style>
+  </dgm:styleLbl>
+  <dgm:styleLbl name="fgAcc1">
+    <dgm:scene3d>
+      <a:camera prst="orthographicFront"/>
+      <a:lightRig rig="flat" dir="t"/>
+    </dgm:scene3d>
+    <dgm:sp3d z="190500" extrusionH="12700" prstMaterial="plastic">
+      <a:bevelT w="50800" h="50800"/>
+    </dgm:sp3d>
+    <dgm:txPr/>
+    <dgm:style>
+      <a:lnRef idx="1">
+        <a:scrgbClr r="0" g="0" b="0"/>
+      </a:lnRef>
+      <a:fillRef idx="1">
+        <a:scrgbClr r="0" g="0" b="0"/>
+      </a:fillRef>
+      <a:effectRef idx="2">
+        <a:scrgbClr r="0" g="0" b="0"/>
+      </a:effectRef>
+      <a:fontRef idx="minor"/>
+    </dgm:style>
+  </dgm:styleLbl>
+  <dgm:styleLbl name="conFgAcc1">
+    <dgm:scene3d>
+      <a:camera prst="orthographicFront"/>
+      <a:lightRig rig="flat" dir="t"/>
+    </dgm:scene3d>
+    <dgm:sp3d z="190500" extrusionH="12700" prstMaterial="plastic">
+      <a:bevelT w="50800" h="50800"/>
+    </dgm:sp3d>
+    <dgm:txPr/>
+    <dgm:style>
+      <a:lnRef idx="1">
+        <a:scrgbClr r="0" g="0" b="0"/>
+      </a:lnRef>
+      <a:fillRef idx="1">
+        <a:scrgbClr r="0" g="0" b="0"/>
+      </a:fillRef>
+      <a:effectRef idx="2">
+        <a:scrgbClr r="0" g="0" b="0"/>
+      </a:effectRef>
+      <a:fontRef idx="minor"/>
+    </dgm:style>
+  </dgm:styleLbl>
+  <dgm:styleLbl name="alignAcc1">
+    <dgm:scene3d>
+      <a:camera prst="orthographicFront"/>
+      <a:lightRig rig="flat" dir="t"/>
+    </dgm:scene3d>
+    <dgm:sp3d extrusionH="12700" prstMaterial="plastic">
+      <a:bevelT w="50800" h="50800"/>
+    </dgm:sp3d>
+    <dgm:txPr/>
+    <dgm:style>
+      <a:lnRef idx="1">
+        <a:scrgbClr r="0" g="0" b="0"/>
+      </a:lnRef>
+      <a:fillRef idx="1">
+        <a:scrgbClr r="0" g="0" b="0"/>
+      </a:fillRef>
+      <a:effectRef idx="2">
+        <a:scrgbClr r="0" g="0" b="0"/>
+      </a:effectRef>
+      <a:fontRef idx="minor"/>
+    </dgm:style>
+  </dgm:styleLbl>
+  <dgm:styleLbl name="trAlignAcc1">
+    <dgm:scene3d>
+      <a:camera prst="orthographicFront"/>
+      <a:lightRig rig="flat" dir="t"/>
+    </dgm:scene3d>
+    <dgm:sp3d extrusionH="12700" prstMaterial="plastic">
+      <a:bevelT w="50800" h="50800"/>
+    </dgm:sp3d>
+    <dgm:txPr/>
+    <dgm:style>
+      <a:lnRef idx="1">
+        <a:scrgbClr r="0" g="0" b="0"/>
+      </a:lnRef>
+      <a:fillRef idx="1">
+        <a:scrgbClr r="0" g="0" b="0"/>
+      </a:fillRef>
+      <a:effectRef idx="2">
+        <a:scrgbClr r="0" g="0" b="0"/>
+      </a:effectRef>
+      <a:fontRef idx="minor"/>
+    </dgm:style>
+  </dgm:styleLbl>
+  <dgm:styleLbl name="bgAcc1">
+    <dgm:scene3d>
+      <a:camera prst="orthographicFront"/>
+      <a:lightRig rig="flat" dir="t"/>
+    </dgm:scene3d>
+    <dgm:sp3d z="-190500" extrusionH="12700" prstMaterial="plastic">
+      <a:bevelT w="50800" h="50800"/>
+    </dgm:sp3d>
+    <dgm:txPr/>
+    <dgm:style>
+      <a:lnRef idx="1">
+        <a:scrgbClr r="0" g="0" b="0"/>
+      </a:lnRef>
+      <a:fillRef idx="1">
+        <a:scrgbClr r="0" g="0" b="0"/>
+      </a:fillRef>
+      <a:effectRef idx="2">
+        <a:scrgbClr r="0" g="0" b="0"/>
+      </a:effectRef>
+      <a:fontRef idx="minor"/>
+    </dgm:style>
+  </dgm:styleLbl>
+  <dgm:styleLbl name="solidFgAcc1">
+    <dgm:scene3d>
+      <a:camera prst="orthographicFront"/>
+      <a:lightRig rig="flat" dir="t"/>
+    </dgm:scene3d>
+    <dgm:sp3d z="190500" extrusionH="12700" prstMaterial="plastic">
+      <a:bevelT w="50800" h="50800"/>
+    </dgm:sp3d>
+    <dgm:txPr/>
+    <dgm:style>
+      <a:lnRef idx="1">
+        <a:scrgbClr r="0" g="0" b="0"/>
+      </a:lnRef>
+      <a:fillRef idx="1">
+        <a:scrgbClr r="0" g="0" b="0"/>
+      </a:fillRef>
+      <a:effectRef idx="2">
+        <a:scrgbClr r="0" g="0" b="0"/>
+      </a:effectRef>
+      <a:fontRef idx="minor"/>
+    </dgm:style>
+  </dgm:styleLbl>
+  <dgm:styleLbl name="solidAlignAcc1">
+    <dgm:scene3d>
+      <a:camera prst="orthographicFront"/>
+      <a:lightRig rig="flat" dir="t"/>
+    </dgm:scene3d>
+    <dgm:sp3d extrusionH="12700" prstMaterial="plastic">
+      <a:bevelT w="50800" h="50800"/>
+    </dgm:sp3d>
+    <dgm:txPr/>
+    <dgm:style>
+      <a:lnRef idx="1">
+        <a:scrgbClr r="0" g="0" b="0"/>
+      </a:lnRef>
+      <a:fillRef idx="1">
+        <a:scrgbClr r="0" g="0" b="0"/>
+      </a:fillRef>
+      <a:effectRef idx="2">
+        <a:scrgbClr r="0" g="0" b="0"/>
+      </a:effectRef>
+      <a:fontRef idx="minor"/>
+    </dgm:style>
+  </dgm:styleLbl>
+  <dgm:styleLbl name="solidBgAcc1">
+    <dgm:scene3d>
+      <a:camera prst="orthographicFront"/>
+      <a:lightRig rig="flat" dir="t"/>
+    </dgm:scene3d>
+    <dgm:sp3d z="-190500" extrusionH="12700" prstMaterial="plastic">
+      <a:bevelT w="50800" h="50800"/>
+    </dgm:sp3d>
+    <dgm:txPr/>
+    <dgm:style>
+      <a:lnRef idx="1">
+        <a:scrgbClr r="0" g="0" b="0"/>
+      </a:lnRef>
+      <a:fillRef idx="1">
+        <a:scrgbClr r="0" g="0" b="0"/>
+      </a:fillRef>
+      <a:effectRef idx="2">
+        <a:scrgbClr r="0" g="0" b="0"/>
+      </a:effectRef>
+      <a:fontRef idx="minor"/>
+    </dgm:style>
+  </dgm:styleLbl>
+  <dgm:styleLbl name="fgAccFollowNode1">
+    <dgm:scene3d>
+      <a:camera prst="orthographicFront"/>
+      <a:lightRig rig="flat" dir="t"/>
+    </dgm:scene3d>
+    <dgm:sp3d z="190500" extrusionH="12700" prstMaterial="plastic">
+      <a:bevelT w="50800" h="50800"/>
+    </dgm:sp3d>
+    <dgm:txPr/>
+    <dgm:style>
+      <a:lnRef idx="1">
+        <a:scrgbClr r="0" g="0" b="0"/>
+      </a:lnRef>
+      <a:fillRef idx="1">
+        <a:scrgbClr r="0" g="0" b="0"/>
+      </a:fillRef>
+      <a:effectRef idx="2">
+        <a:scrgbClr r="0" g="0" b="0"/>
+      </a:effectRef>
+      <a:fontRef idx="minor"/>
+    </dgm:style>
+  </dgm:styleLbl>
+  <dgm:styleLbl name="alignAccFollowNode1">
+    <dgm:scene3d>
+      <a:camera prst="orthographicFront"/>
+      <a:lightRig rig="flat" dir="t"/>
+    </dgm:scene3d>
+    <dgm:sp3d extrusionH="12700" prstMaterial="plastic">
+      <a:bevelT w="50800" h="50800"/>
+    </dgm:sp3d>
+    <dgm:txPr/>
+    <dgm:style>
+      <a:lnRef idx="1">
+        <a:scrgbClr r="0" g="0" b="0"/>
+      </a:lnRef>
+      <a:fillRef idx="1">
+        <a:scrgbClr r="0" g="0" b="0"/>
+      </a:fillRef>
+      <a:effectRef idx="2">
+        <a:scrgbClr r="0" g="0" b="0"/>
+      </a:effectRef>
+      <a:fontRef idx="minor"/>
+    </dgm:style>
+  </dgm:styleLbl>
+  <dgm:styleLbl name="bgAccFollowNode1">
+    <dgm:scene3d>
+      <a:camera prst="orthographicFront"/>
+      <a:lightRig rig="flat" dir="t"/>
+    </dgm:scene3d>
+    <dgm:sp3d z="-190500" extrusionH="12700" prstMaterial="plastic">
+      <a:bevelT w="50800" h="50800"/>
+    </dgm:sp3d>
+    <dgm:txPr/>
+    <dgm:style>
+      <a:lnRef idx="1">
+        <a:scrgbClr r="0" g="0" b="0"/>
+      </a:lnRef>
+      <a:fillRef idx="1">
+        <a:scrgbClr r="0" g="0" b="0"/>
+      </a:fillRef>
+      <a:effectRef idx="2">
+        <a:scrgbClr r="0" g="0" b="0"/>
+      </a:effectRef>
+      <a:fontRef idx="minor"/>
+    </dgm:style>
+  </dgm:styleLbl>
+  <dgm:styleLbl name="fgAcc0">
+    <dgm:scene3d>
+      <a:camera prst="orthographicFront"/>
+      <a:lightRig rig="flat" dir="t"/>
+    </dgm:scene3d>
+    <dgm:sp3d z="190500" extrusionH="12700" prstMaterial="plastic">
+      <a:bevelT w="50800" h="50800"/>
+    </dgm:sp3d>
+    <dgm:txPr/>
+    <dgm:style>
+      <a:lnRef idx="1">
+        <a:scrgbClr r="0" g="0" b="0"/>
+      </a:lnRef>
+      <a:fillRef idx="1">
+        <a:scrgbClr r="0" g="0" b="0"/>
+      </a:fillRef>
+      <a:effectRef idx="2">
+        <a:scrgbClr r="0" g="0" b="0"/>
+      </a:effectRef>
+      <a:fontRef idx="minor"/>
+    </dgm:style>
+  </dgm:styleLbl>
+  <dgm:styleLbl name="fgAcc2">
+    <dgm:scene3d>
+      <a:camera prst="orthographicFront"/>
+      <a:lightRig rig="flat" dir="t"/>
+    </dgm:scene3d>
+    <dgm:sp3d z="190500" extrusionH="12700" prstMaterial="plastic">
+      <a:bevelT w="50800" h="50800"/>
+    </dgm:sp3d>
+    <dgm:txPr/>
+    <dgm:style>
+      <a:lnRef idx="1">
+        <a:scrgbClr r="0" g="0" b="0"/>
+      </a:lnRef>
+      <a:fillRef idx="1">
+        <a:scrgbClr r="0" g="0" b="0"/>
+      </a:fillRef>
+      <a:effectRef idx="2">
+        <a:scrgbClr r="0" g="0" b="0"/>
+      </a:effectRef>
+      <a:fontRef idx="minor"/>
+    </dgm:style>
+  </dgm:styleLbl>
+  <dgm:styleLbl name="fgAcc3">
+    <dgm:scene3d>
+      <a:camera prst="orthographicFront"/>
+      <a:lightRig rig="flat" dir="t"/>
+    </dgm:scene3d>
+    <dgm:sp3d z="190500" extrusionH="12700" prstMaterial="plastic">
+      <a:bevelT w="50800" h="50800"/>
+    </dgm:sp3d>
+    <dgm:txPr/>
+    <dgm:style>
+      <a:lnRef idx="1">
+        <a:scrgbClr r="0" g="0" b="0"/>
+      </a:lnRef>
+      <a:fillRef idx="1">
+        <a:scrgbClr r="0" g="0" b="0"/>
+      </a:fillRef>
+      <a:effectRef idx="2">
+        <a:scrgbClr r="0" g="0" b="0"/>
+      </a:effectRef>
+      <a:fontRef idx="minor"/>
+    </dgm:style>
+  </dgm:styleLbl>
+  <dgm:styleLbl name="fgAcc4">
+    <dgm:scene3d>
+      <a:camera prst="orthographicFront"/>
+      <a:lightRig rig="flat" dir="t"/>
+    </dgm:scene3d>
+    <dgm:sp3d z="190500" extrusionH="12700" prstMaterial="plastic">
+      <a:bevelT w="50800" h="50800"/>
+    </dgm:sp3d>
+    <dgm:txPr/>
+    <dgm:style>
+      <a:lnRef idx="1">
+        <a:scrgbClr r="0" g="0" b="0"/>
+      </a:lnRef>
+      <a:fillRef idx="1">
+        <a:scrgbClr r="0" g="0" b="0"/>
+      </a:fillRef>
+      <a:effectRef idx="2">
+        <a:scrgbClr r="0" g="0" b="0"/>
+      </a:effectRef>
+      <a:fontRef idx="minor"/>
+    </dgm:style>
+  </dgm:styleLbl>
+  <dgm:styleLbl name="bgShp">
+    <dgm:scene3d>
+      <a:camera prst="orthographicFront"/>
+      <a:lightRig rig="flat" dir="t"/>
+    </dgm:scene3d>
+    <dgm:sp3d z="-190500" extrusionH="12700" prstMaterial="plastic">
+      <a:bevelT w="50800" h="50800"/>
+    </dgm:sp3d>
+    <dgm:txPr/>
+    <dgm:style>
+      <a:lnRef idx="0">
+        <a:scrgbClr r="0" g="0" b="0"/>
+      </a:lnRef>
+      <a:fillRef idx="3">
+        <a:scrgbClr r="0" g="0" b="0"/>
+      </a:fillRef>
+      <a:effectRef idx="0">
+        <a:scrgbClr r="0" g="0" b="0"/>
+      </a:effectRef>
+      <a:fontRef idx="minor"/>
+    </dgm:style>
+  </dgm:styleLbl>
+  <dgm:styleLbl name="dkBgShp">
+    <dgm:scene3d>
+      <a:camera prst="orthographicFront"/>
+      <a:lightRig rig="flat" dir="t"/>
+    </dgm:scene3d>
+    <dgm:sp3d z="-190500" extrusionH="12700" prstMaterial="plastic">
+      <a:bevelT w="50800" h="50800"/>
+    </dgm:sp3d>
+    <dgm:txPr/>
+    <dgm:style>
+      <a:lnRef idx="0">
+        <a:scrgbClr r="0" g="0" b="0"/>
+      </a:lnRef>
+      <a:fillRef idx="2">
+        <a:scrgbClr r="0" g="0" b="0"/>
+      </a:fillRef>
+      <a:effectRef idx="0">
+        <a:scrgbClr r="0" g="0" b="0"/>
+      </a:effectRef>
+      <a:fontRef idx="minor"/>
+    </dgm:style>
+  </dgm:styleLbl>
+  <dgm:styleLbl name="trBgShp">
+    <dgm:scene3d>
+      <a:camera prst="orthographicFront"/>
+      <a:lightRig rig="flat" dir="t"/>
+    </dgm:scene3d>
+    <dgm:sp3d z="-190500" extrusionH="12700" prstMaterial="matte"/>
+    <dgm:txPr/>
+    <dgm:style>
+      <a:lnRef idx="0">
+        <a:scrgbClr r="0" g="0" b="0"/>
+      </a:lnRef>
+      <a:fillRef idx="1">
+        <a:scrgbClr r="0" g="0" b="0"/>
+      </a:fillRef>
+      <a:effectRef idx="0">
+        <a:scrgbClr r="0" g="0" b="0"/>
+      </a:effectRef>
+      <a:fontRef idx="minor"/>
+    </dgm:style>
+  </dgm:styleLbl>
+  <dgm:styleLbl name="fgShp">
+    <dgm:scene3d>
+      <a:camera prst="orthographicFront"/>
+      <a:lightRig rig="flat" dir="t"/>
+    </dgm:scene3d>
+    <dgm:sp3d z="190500" prstMaterial="plastic">
+      <a:bevelT w="120900" h="88900"/>
+      <a:bevelB w="88900" h="31750" prst="angle"/>
+    </dgm:sp3d>
+    <dgm:txPr/>
+    <dgm:style>
+      <a:lnRef idx="0">
+        <a:scrgbClr r="0" g="0" b="0"/>
+      </a:lnRef>
+      <a:fillRef idx="1">
+        <a:scrgbClr r="0" g="0" b="0"/>
+      </a:fillRef>
+      <a:effectRef idx="3">
+        <a:scrgbClr r="0" g="0" b="0"/>
+      </a:effectRef>
+      <a:fontRef idx="minor">
+        <a:schemeClr val="lt1"/>
+      </a:fontRef>
+    </dgm:style>
+  </dgm:styleLbl>
+  <dgm:styleLbl name="revTx">
+    <dgm:scene3d>
+      <a:camera prst="orthographicFront"/>
+      <a:lightRig rig="threePt" dir="t"/>
+    </dgm:scene3d>
+    <dgm:sp3d/>
+    <dgm:txPr/>
+    <dgm:style>
+      <a:lnRef idx="0">
+        <a:scrgbClr r="0" g="0" b="0"/>
+      </a:lnRef>
+      <a:fillRef idx="0">
+        <a:scrgbClr r="0" g="0" b="0"/>
+      </a:fillRef>
+      <a:effectRef idx="0">
+        <a:scrgbClr r="0" g="0" b="0"/>
+      </a:effectRef>
+      <a:fontRef idx="minor"/>
+    </dgm:style>
+  </dgm:styleLbl>
+</dgm:styleDef>
+</file>
+
+<file path=ppt/diagrams/quickStyle13.xml><?xml version="1.0" encoding="utf-8"?>
 <dgm:styleDef xmlns:dgm="http://schemas.openxmlformats.org/drawingml/2006/diagram" xmlns:a="http://schemas.openxmlformats.org/drawingml/2006/main" uniqueId="urn:microsoft.com/office/officeart/2005/8/quickstyle/simple1">
   <dgm:title val=""/>
   <dgm:desc val=""/>
@@ -26785,2158 +26110,7 @@
 </dgm:styleDef>
 </file>
 
-<file path=ppt/diagrams/quickStyle13.xml><?xml version="1.0" encoding="utf-8"?>
-<dgm:styleDef xmlns:dgm="http://schemas.openxmlformats.org/drawingml/2006/diagram" xmlns:a="http://schemas.openxmlformats.org/drawingml/2006/main" uniqueId="urn:microsoft.com/office/officeart/2005/8/quickstyle/3d1">
-  <dgm:title val=""/>
-  <dgm:desc val=""/>
-  <dgm:catLst>
-    <dgm:cat type="3D" pri="11100"/>
-  </dgm:catLst>
-  <dgm:scene3d>
-    <a:camera prst="orthographicFront"/>
-    <a:lightRig rig="threePt" dir="t"/>
-  </dgm:scene3d>
-  <dgm:styleLbl name="node0">
-    <dgm:scene3d>
-      <a:camera prst="orthographicFront"/>
-      <a:lightRig rig="flat" dir="t"/>
-    </dgm:scene3d>
-    <dgm:sp3d prstMaterial="plastic">
-      <a:bevelT w="120900" h="88900"/>
-      <a:bevelB w="88900" h="31750" prst="angle"/>
-    </dgm:sp3d>
-    <dgm:txPr/>
-    <dgm:style>
-      <a:lnRef idx="0">
-        <a:scrgbClr r="0" g="0" b="0"/>
-      </a:lnRef>
-      <a:fillRef idx="3">
-        <a:scrgbClr r="0" g="0" b="0"/>
-      </a:fillRef>
-      <a:effectRef idx="2">
-        <a:scrgbClr r="0" g="0" b="0"/>
-      </a:effectRef>
-      <a:fontRef idx="minor">
-        <a:schemeClr val="lt1"/>
-      </a:fontRef>
-    </dgm:style>
-  </dgm:styleLbl>
-  <dgm:styleLbl name="lnNode1">
-    <dgm:scene3d>
-      <a:camera prst="orthographicFront"/>
-      <a:lightRig rig="flat" dir="t"/>
-    </dgm:scene3d>
-    <dgm:sp3d prstMaterial="plastic">
-      <a:bevelT w="120900" h="88900"/>
-      <a:bevelB w="88900" h="31750" prst="angle"/>
-    </dgm:sp3d>
-    <dgm:txPr/>
-    <dgm:style>
-      <a:lnRef idx="0">
-        <a:scrgbClr r="0" g="0" b="0"/>
-      </a:lnRef>
-      <a:fillRef idx="3">
-        <a:scrgbClr r="0" g="0" b="0"/>
-      </a:fillRef>
-      <a:effectRef idx="1">
-        <a:scrgbClr r="0" g="0" b="0"/>
-      </a:effectRef>
-      <a:fontRef idx="minor">
-        <a:schemeClr val="lt1"/>
-      </a:fontRef>
-    </dgm:style>
-  </dgm:styleLbl>
-  <dgm:styleLbl name="vennNode1">
-    <dgm:scene3d>
-      <a:camera prst="orthographicFront"/>
-      <a:lightRig rig="flat" dir="t"/>
-    </dgm:scene3d>
-    <dgm:sp3d prstMaterial="plastic">
-      <a:bevelT w="120900" h="88900"/>
-      <a:bevelB w="88900" h="31750" prst="angle"/>
-    </dgm:sp3d>
-    <dgm:txPr/>
-    <dgm:style>
-      <a:lnRef idx="0">
-        <a:scrgbClr r="0" g="0" b="0"/>
-      </a:lnRef>
-      <a:fillRef idx="1">
-        <a:scrgbClr r="0" g="0" b="0"/>
-      </a:fillRef>
-      <a:effectRef idx="1">
-        <a:scrgbClr r="0" g="0" b="0"/>
-      </a:effectRef>
-      <a:fontRef idx="minor">
-        <a:schemeClr val="tx1"/>
-      </a:fontRef>
-    </dgm:style>
-  </dgm:styleLbl>
-  <dgm:styleLbl name="alignNode1">
-    <dgm:scene3d>
-      <a:camera prst="orthographicFront"/>
-      <a:lightRig rig="flat" dir="t"/>
-    </dgm:scene3d>
-    <dgm:sp3d prstMaterial="plastic">
-      <a:bevelT w="120900" h="88900"/>
-      <a:bevelB w="88900" h="31750" prst="angle"/>
-    </dgm:sp3d>
-    <dgm:txPr/>
-    <dgm:style>
-      <a:lnRef idx="1">
-        <a:scrgbClr r="0" g="0" b="0"/>
-      </a:lnRef>
-      <a:fillRef idx="3">
-        <a:scrgbClr r="0" g="0" b="0"/>
-      </a:fillRef>
-      <a:effectRef idx="2">
-        <a:scrgbClr r="0" g="0" b="0"/>
-      </a:effectRef>
-      <a:fontRef idx="minor">
-        <a:schemeClr val="lt1"/>
-      </a:fontRef>
-    </dgm:style>
-  </dgm:styleLbl>
-  <dgm:styleLbl name="node1">
-    <dgm:scene3d>
-      <a:camera prst="orthographicFront"/>
-      <a:lightRig rig="flat" dir="t"/>
-    </dgm:scene3d>
-    <dgm:sp3d prstMaterial="plastic">
-      <a:bevelT w="120900" h="88900"/>
-      <a:bevelB w="88900" h="31750" prst="angle"/>
-    </dgm:sp3d>
-    <dgm:txPr/>
-    <dgm:style>
-      <a:lnRef idx="0">
-        <a:scrgbClr r="0" g="0" b="0"/>
-      </a:lnRef>
-      <a:fillRef idx="3">
-        <a:scrgbClr r="0" g="0" b="0"/>
-      </a:fillRef>
-      <a:effectRef idx="2">
-        <a:scrgbClr r="0" g="0" b="0"/>
-      </a:effectRef>
-      <a:fontRef idx="minor">
-        <a:schemeClr val="lt1"/>
-      </a:fontRef>
-    </dgm:style>
-  </dgm:styleLbl>
-  <dgm:styleLbl name="node2">
-    <dgm:scene3d>
-      <a:camera prst="orthographicFront"/>
-      <a:lightRig rig="flat" dir="t"/>
-    </dgm:scene3d>
-    <dgm:sp3d prstMaterial="plastic">
-      <a:bevelT w="120900" h="88900"/>
-      <a:bevelB w="88900" h="31750" prst="angle"/>
-    </dgm:sp3d>
-    <dgm:txPr/>
-    <dgm:style>
-      <a:lnRef idx="0">
-        <a:scrgbClr r="0" g="0" b="0"/>
-      </a:lnRef>
-      <a:fillRef idx="3">
-        <a:scrgbClr r="0" g="0" b="0"/>
-      </a:fillRef>
-      <a:effectRef idx="1">
-        <a:scrgbClr r="0" g="0" b="0"/>
-      </a:effectRef>
-      <a:fontRef idx="minor">
-        <a:schemeClr val="lt1"/>
-      </a:fontRef>
-    </dgm:style>
-  </dgm:styleLbl>
-  <dgm:styleLbl name="node3">
-    <dgm:scene3d>
-      <a:camera prst="orthographicFront"/>
-      <a:lightRig rig="flat" dir="t"/>
-    </dgm:scene3d>
-    <dgm:sp3d prstMaterial="plastic">
-      <a:bevelT w="120900" h="88900"/>
-      <a:bevelB w="88900" h="31750" prst="angle"/>
-    </dgm:sp3d>
-    <dgm:txPr/>
-    <dgm:style>
-      <a:lnRef idx="0">
-        <a:scrgbClr r="0" g="0" b="0"/>
-      </a:lnRef>
-      <a:fillRef idx="3">
-        <a:scrgbClr r="0" g="0" b="0"/>
-      </a:fillRef>
-      <a:effectRef idx="1">
-        <a:scrgbClr r="0" g="0" b="0"/>
-      </a:effectRef>
-      <a:fontRef idx="minor">
-        <a:schemeClr val="lt1"/>
-      </a:fontRef>
-    </dgm:style>
-  </dgm:styleLbl>
-  <dgm:styleLbl name="node4">
-    <dgm:scene3d>
-      <a:camera prst="orthographicFront"/>
-      <a:lightRig rig="flat" dir="t"/>
-    </dgm:scene3d>
-    <dgm:sp3d prstMaterial="plastic">
-      <a:bevelT w="120900" h="88900"/>
-      <a:bevelB w="88900" h="31750" prst="angle"/>
-    </dgm:sp3d>
-    <dgm:txPr/>
-    <dgm:style>
-      <a:lnRef idx="0">
-        <a:scrgbClr r="0" g="0" b="0"/>
-      </a:lnRef>
-      <a:fillRef idx="3">
-        <a:scrgbClr r="0" g="0" b="0"/>
-      </a:fillRef>
-      <a:effectRef idx="1">
-        <a:scrgbClr r="0" g="0" b="0"/>
-      </a:effectRef>
-      <a:fontRef idx="minor">
-        <a:schemeClr val="lt1"/>
-      </a:fontRef>
-    </dgm:style>
-  </dgm:styleLbl>
-  <dgm:styleLbl name="fgImgPlace1">
-    <dgm:scene3d>
-      <a:camera prst="orthographicFront"/>
-      <a:lightRig rig="flat" dir="t"/>
-    </dgm:scene3d>
-    <dgm:sp3d z="127000" prstMaterial="plastic">
-      <a:bevelT w="88900" h="88900"/>
-      <a:bevelB w="88900" h="31750" prst="angle"/>
-    </dgm:sp3d>
-    <dgm:txPr/>
-    <dgm:style>
-      <a:lnRef idx="0">
-        <a:scrgbClr r="0" g="0" b="0"/>
-      </a:lnRef>
-      <a:fillRef idx="3">
-        <a:scrgbClr r="0" g="0" b="0"/>
-      </a:fillRef>
-      <a:effectRef idx="2">
-        <a:scrgbClr r="0" g="0" b="0"/>
-      </a:effectRef>
-      <a:fontRef idx="minor"/>
-    </dgm:style>
-  </dgm:styleLbl>
-  <dgm:styleLbl name="alignImgPlace1">
-    <dgm:scene3d>
-      <a:camera prst="orthographicFront"/>
-      <a:lightRig rig="flat" dir="t"/>
-    </dgm:scene3d>
-    <dgm:sp3d prstMaterial="plastic">
-      <a:bevelT w="88900" h="88900"/>
-      <a:bevelB w="88900" h="31750" prst="angle"/>
-    </dgm:sp3d>
-    <dgm:txPr/>
-    <dgm:style>
-      <a:lnRef idx="0">
-        <a:scrgbClr r="0" g="0" b="0"/>
-      </a:lnRef>
-      <a:fillRef idx="3">
-        <a:scrgbClr r="0" g="0" b="0"/>
-      </a:fillRef>
-      <a:effectRef idx="2">
-        <a:scrgbClr r="0" g="0" b="0"/>
-      </a:effectRef>
-      <a:fontRef idx="minor"/>
-    </dgm:style>
-  </dgm:styleLbl>
-  <dgm:styleLbl name="bgImgPlace1">
-    <dgm:scene3d>
-      <a:camera prst="orthographicFront"/>
-      <a:lightRig rig="flat" dir="t"/>
-    </dgm:scene3d>
-    <dgm:sp3d z="-190500" prstMaterial="plastic">
-      <a:bevelT w="88900" h="88900"/>
-      <a:bevelB w="88900" h="31750" prst="angle"/>
-    </dgm:sp3d>
-    <dgm:txPr/>
-    <dgm:style>
-      <a:lnRef idx="0">
-        <a:scrgbClr r="0" g="0" b="0"/>
-      </a:lnRef>
-      <a:fillRef idx="3">
-        <a:scrgbClr r="0" g="0" b="0"/>
-      </a:fillRef>
-      <a:effectRef idx="2">
-        <a:scrgbClr r="0" g="0" b="0"/>
-      </a:effectRef>
-      <a:fontRef idx="minor"/>
-    </dgm:style>
-  </dgm:styleLbl>
-  <dgm:styleLbl name="sibTrans2D1">
-    <dgm:scene3d>
-      <a:camera prst="orthographicFront"/>
-      <a:lightRig rig="flat" dir="t"/>
-    </dgm:scene3d>
-    <dgm:sp3d z="-80000" prstMaterial="plastic">
-      <a:bevelT w="50800" h="50800"/>
-      <a:bevelB w="25400" h="25400" prst="angle"/>
-    </dgm:sp3d>
-    <dgm:txPr/>
-    <dgm:style>
-      <a:lnRef idx="0">
-        <a:scrgbClr r="0" g="0" b="0"/>
-      </a:lnRef>
-      <a:fillRef idx="3">
-        <a:scrgbClr r="0" g="0" b="0"/>
-      </a:fillRef>
-      <a:effectRef idx="2">
-        <a:scrgbClr r="0" g="0" b="0"/>
-      </a:effectRef>
-      <a:fontRef idx="minor">
-        <a:schemeClr val="lt1"/>
-      </a:fontRef>
-    </dgm:style>
-  </dgm:styleLbl>
-  <dgm:styleLbl name="fgSibTrans2D1">
-    <dgm:scene3d>
-      <a:camera prst="orthographicFront"/>
-      <a:lightRig rig="flat" dir="t"/>
-    </dgm:scene3d>
-    <dgm:sp3d z="127000" prstMaterial="plastic">
-      <a:bevelT w="50800" h="50800"/>
-      <a:bevelB w="25400" h="25400" prst="angle"/>
-    </dgm:sp3d>
-    <dgm:txPr/>
-    <dgm:style>
-      <a:lnRef idx="0">
-        <a:scrgbClr r="0" g="0" b="0"/>
-      </a:lnRef>
-      <a:fillRef idx="3">
-        <a:scrgbClr r="0" g="0" b="0"/>
-      </a:fillRef>
-      <a:effectRef idx="2">
-        <a:scrgbClr r="0" g="0" b="0"/>
-      </a:effectRef>
-      <a:fontRef idx="minor">
-        <a:schemeClr val="lt1"/>
-      </a:fontRef>
-    </dgm:style>
-  </dgm:styleLbl>
-  <dgm:styleLbl name="bgSibTrans2D1">
-    <dgm:scene3d>
-      <a:camera prst="orthographicFront"/>
-      <a:lightRig rig="flat" dir="t"/>
-    </dgm:scene3d>
-    <dgm:sp3d z="-190500" prstMaterial="plastic">
-      <a:bevelT w="50800" h="50800"/>
-      <a:bevelB w="25400" h="25400" prst="angle"/>
-    </dgm:sp3d>
-    <dgm:txPr/>
-    <dgm:style>
-      <a:lnRef idx="0">
-        <a:scrgbClr r="0" g="0" b="0"/>
-      </a:lnRef>
-      <a:fillRef idx="3">
-        <a:scrgbClr r="0" g="0" b="0"/>
-      </a:fillRef>
-      <a:effectRef idx="2">
-        <a:scrgbClr r="0" g="0" b="0"/>
-      </a:effectRef>
-      <a:fontRef idx="minor">
-        <a:schemeClr val="lt1"/>
-      </a:fontRef>
-    </dgm:style>
-  </dgm:styleLbl>
-  <dgm:styleLbl name="sibTrans1D1">
-    <dgm:scene3d>
-      <a:camera prst="orthographicFront"/>
-      <a:lightRig rig="flat" dir="t"/>
-    </dgm:scene3d>
-    <dgm:sp3d z="-40000" prstMaterial="matte"/>
-    <dgm:txPr/>
-    <dgm:style>
-      <a:lnRef idx="1">
-        <a:scrgbClr r="0" g="0" b="0"/>
-      </a:lnRef>
-      <a:fillRef idx="0">
-        <a:scrgbClr r="0" g="0" b="0"/>
-      </a:fillRef>
-      <a:effectRef idx="0">
-        <a:scrgbClr r="0" g="0" b="0"/>
-      </a:effectRef>
-      <a:fontRef idx="minor"/>
-    </dgm:style>
-  </dgm:styleLbl>
-  <dgm:styleLbl name="callout">
-    <dgm:scene3d>
-      <a:camera prst="orthographicFront"/>
-      <a:lightRig rig="threePt" dir="t"/>
-    </dgm:scene3d>
-    <dgm:sp3d z="127000" prstMaterial="matte"/>
-    <dgm:txPr/>
-    <dgm:style>
-      <a:lnRef idx="2">
-        <a:scrgbClr r="0" g="0" b="0"/>
-      </a:lnRef>
-      <a:fillRef idx="1">
-        <a:scrgbClr r="0" g="0" b="0"/>
-      </a:fillRef>
-      <a:effectRef idx="0">
-        <a:scrgbClr r="0" g="0" b="0"/>
-      </a:effectRef>
-      <a:fontRef idx="minor"/>
-    </dgm:style>
-  </dgm:styleLbl>
-  <dgm:styleLbl name="asst0">
-    <dgm:scene3d>
-      <a:camera prst="orthographicFront"/>
-      <a:lightRig rig="flat" dir="t"/>
-    </dgm:scene3d>
-    <dgm:sp3d prstMaterial="plastic">
-      <a:bevelT w="120900" h="88900"/>
-      <a:bevelB w="88900" h="31750" prst="angle"/>
-    </dgm:sp3d>
-    <dgm:txPr/>
-    <dgm:style>
-      <a:lnRef idx="0">
-        <a:scrgbClr r="0" g="0" b="0"/>
-      </a:lnRef>
-      <a:fillRef idx="3">
-        <a:scrgbClr r="0" g="0" b="0"/>
-      </a:fillRef>
-      <a:effectRef idx="1">
-        <a:scrgbClr r="0" g="0" b="0"/>
-      </a:effectRef>
-      <a:fontRef idx="minor">
-        <a:schemeClr val="lt1"/>
-      </a:fontRef>
-    </dgm:style>
-  </dgm:styleLbl>
-  <dgm:styleLbl name="asst1">
-    <dgm:scene3d>
-      <a:camera prst="orthographicFront"/>
-      <a:lightRig rig="flat" dir="t"/>
-    </dgm:scene3d>
-    <dgm:sp3d prstMaterial="plastic">
-      <a:bevelT w="120900" h="88900"/>
-      <a:bevelB w="88900" h="31750" prst="angle"/>
-    </dgm:sp3d>
-    <dgm:txPr/>
-    <dgm:style>
-      <a:lnRef idx="0">
-        <a:scrgbClr r="0" g="0" b="0"/>
-      </a:lnRef>
-      <a:fillRef idx="3">
-        <a:scrgbClr r="0" g="0" b="0"/>
-      </a:fillRef>
-      <a:effectRef idx="1">
-        <a:scrgbClr r="0" g="0" b="0"/>
-      </a:effectRef>
-      <a:fontRef idx="minor">
-        <a:schemeClr val="lt1"/>
-      </a:fontRef>
-    </dgm:style>
-  </dgm:styleLbl>
-  <dgm:styleLbl name="asst2">
-    <dgm:scene3d>
-      <a:camera prst="orthographicFront"/>
-      <a:lightRig rig="flat" dir="t"/>
-    </dgm:scene3d>
-    <dgm:sp3d prstMaterial="plastic">
-      <a:bevelT w="120900" h="88900"/>
-      <a:bevelB w="88900" h="31750" prst="angle"/>
-    </dgm:sp3d>
-    <dgm:txPr/>
-    <dgm:style>
-      <a:lnRef idx="0">
-        <a:scrgbClr r="0" g="0" b="0"/>
-      </a:lnRef>
-      <a:fillRef idx="3">
-        <a:scrgbClr r="0" g="0" b="0"/>
-      </a:fillRef>
-      <a:effectRef idx="1">
-        <a:scrgbClr r="0" g="0" b="0"/>
-      </a:effectRef>
-      <a:fontRef idx="minor">
-        <a:schemeClr val="lt1"/>
-      </a:fontRef>
-    </dgm:style>
-  </dgm:styleLbl>
-  <dgm:styleLbl name="asst3">
-    <dgm:scene3d>
-      <a:camera prst="orthographicFront"/>
-      <a:lightRig rig="flat" dir="t"/>
-    </dgm:scene3d>
-    <dgm:sp3d prstMaterial="plastic">
-      <a:bevelT w="120900" h="88900"/>
-      <a:bevelB w="88900" h="31750" prst="angle"/>
-    </dgm:sp3d>
-    <dgm:txPr/>
-    <dgm:style>
-      <a:lnRef idx="0">
-        <a:scrgbClr r="0" g="0" b="0"/>
-      </a:lnRef>
-      <a:fillRef idx="3">
-        <a:scrgbClr r="0" g="0" b="0"/>
-      </a:fillRef>
-      <a:effectRef idx="1">
-        <a:scrgbClr r="0" g="0" b="0"/>
-      </a:effectRef>
-      <a:fontRef idx="minor">
-        <a:schemeClr val="lt1"/>
-      </a:fontRef>
-    </dgm:style>
-  </dgm:styleLbl>
-  <dgm:styleLbl name="parChTrans2D1">
-    <dgm:scene3d>
-      <a:camera prst="orthographicFront"/>
-      <a:lightRig rig="flat" dir="t"/>
-    </dgm:scene3d>
-    <dgm:sp3d z="-100000" prstMaterial="plastic">
-      <a:bevelT w="120900" h="88900"/>
-      <a:bevelB w="88900" h="31750" prst="angle"/>
-    </dgm:sp3d>
-    <dgm:txPr/>
-    <dgm:style>
-      <a:lnRef idx="0">
-        <a:scrgbClr r="0" g="0" b="0"/>
-      </a:lnRef>
-      <a:fillRef idx="3">
-        <a:scrgbClr r="0" g="0" b="0"/>
-      </a:fillRef>
-      <a:effectRef idx="1">
-        <a:scrgbClr r="0" g="0" b="0"/>
-      </a:effectRef>
-      <a:fontRef idx="minor">
-        <a:schemeClr val="lt1"/>
-      </a:fontRef>
-    </dgm:style>
-  </dgm:styleLbl>
-  <dgm:styleLbl name="parChTrans2D2">
-    <dgm:scene3d>
-      <a:camera prst="orthographicFront"/>
-      <a:lightRig rig="flat" dir="t"/>
-    </dgm:scene3d>
-    <dgm:sp3d z="-60000" prstMaterial="plastic">
-      <a:bevelT w="120900" h="88900"/>
-      <a:bevelB w="88900" h="31750" prst="angle"/>
-    </dgm:sp3d>
-    <dgm:txPr/>
-    <dgm:style>
-      <a:lnRef idx="0">
-        <a:scrgbClr r="0" g="0" b="0"/>
-      </a:lnRef>
-      <a:fillRef idx="3">
-        <a:scrgbClr r="0" g="0" b="0"/>
-      </a:fillRef>
-      <a:effectRef idx="1">
-        <a:scrgbClr r="0" g="0" b="0"/>
-      </a:effectRef>
-      <a:fontRef idx="minor">
-        <a:schemeClr val="lt1"/>
-      </a:fontRef>
-    </dgm:style>
-  </dgm:styleLbl>
-  <dgm:styleLbl name="parChTrans2D3">
-    <dgm:scene3d>
-      <a:camera prst="orthographicFront"/>
-      <a:lightRig rig="flat" dir="t"/>
-    </dgm:scene3d>
-    <dgm:sp3d z="-60000" prstMaterial="plastic">
-      <a:bevelT w="120900" h="88900"/>
-      <a:bevelB w="88900" h="31750" prst="angle"/>
-    </dgm:sp3d>
-    <dgm:txPr/>
-    <dgm:style>
-      <a:lnRef idx="0">
-        <a:scrgbClr r="0" g="0" b="0"/>
-      </a:lnRef>
-      <a:fillRef idx="3">
-        <a:scrgbClr r="0" g="0" b="0"/>
-      </a:fillRef>
-      <a:effectRef idx="1">
-        <a:scrgbClr r="0" g="0" b="0"/>
-      </a:effectRef>
-      <a:fontRef idx="minor">
-        <a:schemeClr val="lt1"/>
-      </a:fontRef>
-    </dgm:style>
-  </dgm:styleLbl>
-  <dgm:styleLbl name="parChTrans2D4">
-    <dgm:scene3d>
-      <a:camera prst="orthographicFront"/>
-      <a:lightRig rig="flat" dir="t"/>
-    </dgm:scene3d>
-    <dgm:sp3d z="-60000" prstMaterial="plastic">
-      <a:bevelT w="120900" h="88900"/>
-      <a:bevelB w="88900" h="31750" prst="angle"/>
-    </dgm:sp3d>
-    <dgm:txPr/>
-    <dgm:style>
-      <a:lnRef idx="0">
-        <a:scrgbClr r="0" g="0" b="0"/>
-      </a:lnRef>
-      <a:fillRef idx="3">
-        <a:scrgbClr r="0" g="0" b="0"/>
-      </a:fillRef>
-      <a:effectRef idx="1">
-        <a:scrgbClr r="0" g="0" b="0"/>
-      </a:effectRef>
-      <a:fontRef idx="minor">
-        <a:schemeClr val="lt1"/>
-      </a:fontRef>
-    </dgm:style>
-  </dgm:styleLbl>
-  <dgm:styleLbl name="parChTrans1D1">
-    <dgm:scene3d>
-      <a:camera prst="orthographicFront"/>
-      <a:lightRig rig="flat" dir="t"/>
-    </dgm:scene3d>
-    <dgm:sp3d prstMaterial="matte"/>
-    <dgm:txPr/>
-    <dgm:style>
-      <a:lnRef idx="2">
-        <a:scrgbClr r="0" g="0" b="0"/>
-      </a:lnRef>
-      <a:fillRef idx="0">
-        <a:scrgbClr r="0" g="0" b="0"/>
-      </a:fillRef>
-      <a:effectRef idx="0">
-        <a:scrgbClr r="0" g="0" b="0"/>
-      </a:effectRef>
-      <a:fontRef idx="minor"/>
-    </dgm:style>
-  </dgm:styleLbl>
-  <dgm:styleLbl name="parChTrans1D2">
-    <dgm:scene3d>
-      <a:camera prst="orthographicFront"/>
-      <a:lightRig rig="flat" dir="t"/>
-    </dgm:scene3d>
-    <dgm:sp3d prstMaterial="matte"/>
-    <dgm:txPr/>
-    <dgm:style>
-      <a:lnRef idx="2">
-        <a:scrgbClr r="0" g="0" b="0"/>
-      </a:lnRef>
-      <a:fillRef idx="0">
-        <a:scrgbClr r="0" g="0" b="0"/>
-      </a:fillRef>
-      <a:effectRef idx="0">
-        <a:scrgbClr r="0" g="0" b="0"/>
-      </a:effectRef>
-      <a:fontRef idx="minor"/>
-    </dgm:style>
-  </dgm:styleLbl>
-  <dgm:styleLbl name="parChTrans1D3">
-    <dgm:scene3d>
-      <a:camera prst="orthographicFront"/>
-      <a:lightRig rig="flat" dir="t"/>
-    </dgm:scene3d>
-    <dgm:sp3d prstMaterial="matte"/>
-    <dgm:txPr/>
-    <dgm:style>
-      <a:lnRef idx="2">
-        <a:scrgbClr r="0" g="0" b="0"/>
-      </a:lnRef>
-      <a:fillRef idx="0">
-        <a:scrgbClr r="0" g="0" b="0"/>
-      </a:fillRef>
-      <a:effectRef idx="0">
-        <a:scrgbClr r="0" g="0" b="0"/>
-      </a:effectRef>
-      <a:fontRef idx="minor"/>
-    </dgm:style>
-  </dgm:styleLbl>
-  <dgm:styleLbl name="parChTrans1D4">
-    <dgm:scene3d>
-      <a:camera prst="orthographicFront"/>
-      <a:lightRig rig="flat" dir="t"/>
-    </dgm:scene3d>
-    <dgm:sp3d prstMaterial="matte"/>
-    <dgm:txPr/>
-    <dgm:style>
-      <a:lnRef idx="2">
-        <a:scrgbClr r="0" g="0" b="0"/>
-      </a:lnRef>
-      <a:fillRef idx="0">
-        <a:scrgbClr r="0" g="0" b="0"/>
-      </a:fillRef>
-      <a:effectRef idx="0">
-        <a:scrgbClr r="0" g="0" b="0"/>
-      </a:effectRef>
-      <a:fontRef idx="minor"/>
-    </dgm:style>
-  </dgm:styleLbl>
-  <dgm:styleLbl name="fgAcc1">
-    <dgm:scene3d>
-      <a:camera prst="orthographicFront"/>
-      <a:lightRig rig="flat" dir="t"/>
-    </dgm:scene3d>
-    <dgm:sp3d z="190500" extrusionH="12700" prstMaterial="plastic">
-      <a:bevelT w="50800" h="50800"/>
-    </dgm:sp3d>
-    <dgm:txPr/>
-    <dgm:style>
-      <a:lnRef idx="1">
-        <a:scrgbClr r="0" g="0" b="0"/>
-      </a:lnRef>
-      <a:fillRef idx="1">
-        <a:scrgbClr r="0" g="0" b="0"/>
-      </a:fillRef>
-      <a:effectRef idx="2">
-        <a:scrgbClr r="0" g="0" b="0"/>
-      </a:effectRef>
-      <a:fontRef idx="minor"/>
-    </dgm:style>
-  </dgm:styleLbl>
-  <dgm:styleLbl name="conFgAcc1">
-    <dgm:scene3d>
-      <a:camera prst="orthographicFront"/>
-      <a:lightRig rig="flat" dir="t"/>
-    </dgm:scene3d>
-    <dgm:sp3d z="190500" extrusionH="12700" prstMaterial="plastic">
-      <a:bevelT w="50800" h="50800"/>
-    </dgm:sp3d>
-    <dgm:txPr/>
-    <dgm:style>
-      <a:lnRef idx="1">
-        <a:scrgbClr r="0" g="0" b="0"/>
-      </a:lnRef>
-      <a:fillRef idx="1">
-        <a:scrgbClr r="0" g="0" b="0"/>
-      </a:fillRef>
-      <a:effectRef idx="2">
-        <a:scrgbClr r="0" g="0" b="0"/>
-      </a:effectRef>
-      <a:fontRef idx="minor"/>
-    </dgm:style>
-  </dgm:styleLbl>
-  <dgm:styleLbl name="alignAcc1">
-    <dgm:scene3d>
-      <a:camera prst="orthographicFront"/>
-      <a:lightRig rig="flat" dir="t"/>
-    </dgm:scene3d>
-    <dgm:sp3d extrusionH="12700" prstMaterial="plastic">
-      <a:bevelT w="50800" h="50800"/>
-    </dgm:sp3d>
-    <dgm:txPr/>
-    <dgm:style>
-      <a:lnRef idx="1">
-        <a:scrgbClr r="0" g="0" b="0"/>
-      </a:lnRef>
-      <a:fillRef idx="1">
-        <a:scrgbClr r="0" g="0" b="0"/>
-      </a:fillRef>
-      <a:effectRef idx="2">
-        <a:scrgbClr r="0" g="0" b="0"/>
-      </a:effectRef>
-      <a:fontRef idx="minor"/>
-    </dgm:style>
-  </dgm:styleLbl>
-  <dgm:styleLbl name="trAlignAcc1">
-    <dgm:scene3d>
-      <a:camera prst="orthographicFront"/>
-      <a:lightRig rig="flat" dir="t"/>
-    </dgm:scene3d>
-    <dgm:sp3d extrusionH="12700" prstMaterial="plastic">
-      <a:bevelT w="50800" h="50800"/>
-    </dgm:sp3d>
-    <dgm:txPr/>
-    <dgm:style>
-      <a:lnRef idx="1">
-        <a:scrgbClr r="0" g="0" b="0"/>
-      </a:lnRef>
-      <a:fillRef idx="1">
-        <a:scrgbClr r="0" g="0" b="0"/>
-      </a:fillRef>
-      <a:effectRef idx="2">
-        <a:scrgbClr r="0" g="0" b="0"/>
-      </a:effectRef>
-      <a:fontRef idx="minor"/>
-    </dgm:style>
-  </dgm:styleLbl>
-  <dgm:styleLbl name="bgAcc1">
-    <dgm:scene3d>
-      <a:camera prst="orthographicFront"/>
-      <a:lightRig rig="flat" dir="t"/>
-    </dgm:scene3d>
-    <dgm:sp3d z="-190500" extrusionH="12700" prstMaterial="plastic">
-      <a:bevelT w="50800" h="50800"/>
-    </dgm:sp3d>
-    <dgm:txPr/>
-    <dgm:style>
-      <a:lnRef idx="1">
-        <a:scrgbClr r="0" g="0" b="0"/>
-      </a:lnRef>
-      <a:fillRef idx="1">
-        <a:scrgbClr r="0" g="0" b="0"/>
-      </a:fillRef>
-      <a:effectRef idx="2">
-        <a:scrgbClr r="0" g="0" b="0"/>
-      </a:effectRef>
-      <a:fontRef idx="minor"/>
-    </dgm:style>
-  </dgm:styleLbl>
-  <dgm:styleLbl name="solidFgAcc1">
-    <dgm:scene3d>
-      <a:camera prst="orthographicFront"/>
-      <a:lightRig rig="flat" dir="t"/>
-    </dgm:scene3d>
-    <dgm:sp3d z="190500" extrusionH="12700" prstMaterial="plastic">
-      <a:bevelT w="50800" h="50800"/>
-    </dgm:sp3d>
-    <dgm:txPr/>
-    <dgm:style>
-      <a:lnRef idx="1">
-        <a:scrgbClr r="0" g="0" b="0"/>
-      </a:lnRef>
-      <a:fillRef idx="1">
-        <a:scrgbClr r="0" g="0" b="0"/>
-      </a:fillRef>
-      <a:effectRef idx="2">
-        <a:scrgbClr r="0" g="0" b="0"/>
-      </a:effectRef>
-      <a:fontRef idx="minor"/>
-    </dgm:style>
-  </dgm:styleLbl>
-  <dgm:styleLbl name="solidAlignAcc1">
-    <dgm:scene3d>
-      <a:camera prst="orthographicFront"/>
-      <a:lightRig rig="flat" dir="t"/>
-    </dgm:scene3d>
-    <dgm:sp3d extrusionH="12700" prstMaterial="plastic">
-      <a:bevelT w="50800" h="50800"/>
-    </dgm:sp3d>
-    <dgm:txPr/>
-    <dgm:style>
-      <a:lnRef idx="1">
-        <a:scrgbClr r="0" g="0" b="0"/>
-      </a:lnRef>
-      <a:fillRef idx="1">
-        <a:scrgbClr r="0" g="0" b="0"/>
-      </a:fillRef>
-      <a:effectRef idx="2">
-        <a:scrgbClr r="0" g="0" b="0"/>
-      </a:effectRef>
-      <a:fontRef idx="minor"/>
-    </dgm:style>
-  </dgm:styleLbl>
-  <dgm:styleLbl name="solidBgAcc1">
-    <dgm:scene3d>
-      <a:camera prst="orthographicFront"/>
-      <a:lightRig rig="flat" dir="t"/>
-    </dgm:scene3d>
-    <dgm:sp3d z="-190500" extrusionH="12700" prstMaterial="plastic">
-      <a:bevelT w="50800" h="50800"/>
-    </dgm:sp3d>
-    <dgm:txPr/>
-    <dgm:style>
-      <a:lnRef idx="1">
-        <a:scrgbClr r="0" g="0" b="0"/>
-      </a:lnRef>
-      <a:fillRef idx="1">
-        <a:scrgbClr r="0" g="0" b="0"/>
-      </a:fillRef>
-      <a:effectRef idx="2">
-        <a:scrgbClr r="0" g="0" b="0"/>
-      </a:effectRef>
-      <a:fontRef idx="minor"/>
-    </dgm:style>
-  </dgm:styleLbl>
-  <dgm:styleLbl name="fgAccFollowNode1">
-    <dgm:scene3d>
-      <a:camera prst="orthographicFront"/>
-      <a:lightRig rig="flat" dir="t"/>
-    </dgm:scene3d>
-    <dgm:sp3d z="190500" extrusionH="12700" prstMaterial="plastic">
-      <a:bevelT w="50800" h="50800"/>
-    </dgm:sp3d>
-    <dgm:txPr/>
-    <dgm:style>
-      <a:lnRef idx="1">
-        <a:scrgbClr r="0" g="0" b="0"/>
-      </a:lnRef>
-      <a:fillRef idx="1">
-        <a:scrgbClr r="0" g="0" b="0"/>
-      </a:fillRef>
-      <a:effectRef idx="2">
-        <a:scrgbClr r="0" g="0" b="0"/>
-      </a:effectRef>
-      <a:fontRef idx="minor"/>
-    </dgm:style>
-  </dgm:styleLbl>
-  <dgm:styleLbl name="alignAccFollowNode1">
-    <dgm:scene3d>
-      <a:camera prst="orthographicFront"/>
-      <a:lightRig rig="flat" dir="t"/>
-    </dgm:scene3d>
-    <dgm:sp3d extrusionH="12700" prstMaterial="plastic">
-      <a:bevelT w="50800" h="50800"/>
-    </dgm:sp3d>
-    <dgm:txPr/>
-    <dgm:style>
-      <a:lnRef idx="1">
-        <a:scrgbClr r="0" g="0" b="0"/>
-      </a:lnRef>
-      <a:fillRef idx="1">
-        <a:scrgbClr r="0" g="0" b="0"/>
-      </a:fillRef>
-      <a:effectRef idx="2">
-        <a:scrgbClr r="0" g="0" b="0"/>
-      </a:effectRef>
-      <a:fontRef idx="minor"/>
-    </dgm:style>
-  </dgm:styleLbl>
-  <dgm:styleLbl name="bgAccFollowNode1">
-    <dgm:scene3d>
-      <a:camera prst="orthographicFront"/>
-      <a:lightRig rig="flat" dir="t"/>
-    </dgm:scene3d>
-    <dgm:sp3d z="-190500" extrusionH="12700" prstMaterial="plastic">
-      <a:bevelT w="50800" h="50800"/>
-    </dgm:sp3d>
-    <dgm:txPr/>
-    <dgm:style>
-      <a:lnRef idx="1">
-        <a:scrgbClr r="0" g="0" b="0"/>
-      </a:lnRef>
-      <a:fillRef idx="1">
-        <a:scrgbClr r="0" g="0" b="0"/>
-      </a:fillRef>
-      <a:effectRef idx="2">
-        <a:scrgbClr r="0" g="0" b="0"/>
-      </a:effectRef>
-      <a:fontRef idx="minor"/>
-    </dgm:style>
-  </dgm:styleLbl>
-  <dgm:styleLbl name="fgAcc0">
-    <dgm:scene3d>
-      <a:camera prst="orthographicFront"/>
-      <a:lightRig rig="flat" dir="t"/>
-    </dgm:scene3d>
-    <dgm:sp3d z="190500" extrusionH="12700" prstMaterial="plastic">
-      <a:bevelT w="50800" h="50800"/>
-    </dgm:sp3d>
-    <dgm:txPr/>
-    <dgm:style>
-      <a:lnRef idx="1">
-        <a:scrgbClr r="0" g="0" b="0"/>
-      </a:lnRef>
-      <a:fillRef idx="1">
-        <a:scrgbClr r="0" g="0" b="0"/>
-      </a:fillRef>
-      <a:effectRef idx="2">
-        <a:scrgbClr r="0" g="0" b="0"/>
-      </a:effectRef>
-      <a:fontRef idx="minor"/>
-    </dgm:style>
-  </dgm:styleLbl>
-  <dgm:styleLbl name="fgAcc2">
-    <dgm:scene3d>
-      <a:camera prst="orthographicFront"/>
-      <a:lightRig rig="flat" dir="t"/>
-    </dgm:scene3d>
-    <dgm:sp3d z="190500" extrusionH="12700" prstMaterial="plastic">
-      <a:bevelT w="50800" h="50800"/>
-    </dgm:sp3d>
-    <dgm:txPr/>
-    <dgm:style>
-      <a:lnRef idx="1">
-        <a:scrgbClr r="0" g="0" b="0"/>
-      </a:lnRef>
-      <a:fillRef idx="1">
-        <a:scrgbClr r="0" g="0" b="0"/>
-      </a:fillRef>
-      <a:effectRef idx="2">
-        <a:scrgbClr r="0" g="0" b="0"/>
-      </a:effectRef>
-      <a:fontRef idx="minor"/>
-    </dgm:style>
-  </dgm:styleLbl>
-  <dgm:styleLbl name="fgAcc3">
-    <dgm:scene3d>
-      <a:camera prst="orthographicFront"/>
-      <a:lightRig rig="flat" dir="t"/>
-    </dgm:scene3d>
-    <dgm:sp3d z="190500" extrusionH="12700" prstMaterial="plastic">
-      <a:bevelT w="50800" h="50800"/>
-    </dgm:sp3d>
-    <dgm:txPr/>
-    <dgm:style>
-      <a:lnRef idx="1">
-        <a:scrgbClr r="0" g="0" b="0"/>
-      </a:lnRef>
-      <a:fillRef idx="1">
-        <a:scrgbClr r="0" g="0" b="0"/>
-      </a:fillRef>
-      <a:effectRef idx="2">
-        <a:scrgbClr r="0" g="0" b="0"/>
-      </a:effectRef>
-      <a:fontRef idx="minor"/>
-    </dgm:style>
-  </dgm:styleLbl>
-  <dgm:styleLbl name="fgAcc4">
-    <dgm:scene3d>
-      <a:camera prst="orthographicFront"/>
-      <a:lightRig rig="flat" dir="t"/>
-    </dgm:scene3d>
-    <dgm:sp3d z="190500" extrusionH="12700" prstMaterial="plastic">
-      <a:bevelT w="50800" h="50800"/>
-    </dgm:sp3d>
-    <dgm:txPr/>
-    <dgm:style>
-      <a:lnRef idx="1">
-        <a:scrgbClr r="0" g="0" b="0"/>
-      </a:lnRef>
-      <a:fillRef idx="1">
-        <a:scrgbClr r="0" g="0" b="0"/>
-      </a:fillRef>
-      <a:effectRef idx="2">
-        <a:scrgbClr r="0" g="0" b="0"/>
-      </a:effectRef>
-      <a:fontRef idx="minor"/>
-    </dgm:style>
-  </dgm:styleLbl>
-  <dgm:styleLbl name="bgShp">
-    <dgm:scene3d>
-      <a:camera prst="orthographicFront"/>
-      <a:lightRig rig="flat" dir="t"/>
-    </dgm:scene3d>
-    <dgm:sp3d z="-190500" extrusionH="12700" prstMaterial="plastic">
-      <a:bevelT w="50800" h="50800"/>
-    </dgm:sp3d>
-    <dgm:txPr/>
-    <dgm:style>
-      <a:lnRef idx="0">
-        <a:scrgbClr r="0" g="0" b="0"/>
-      </a:lnRef>
-      <a:fillRef idx="3">
-        <a:scrgbClr r="0" g="0" b="0"/>
-      </a:fillRef>
-      <a:effectRef idx="0">
-        <a:scrgbClr r="0" g="0" b="0"/>
-      </a:effectRef>
-      <a:fontRef idx="minor"/>
-    </dgm:style>
-  </dgm:styleLbl>
-  <dgm:styleLbl name="dkBgShp">
-    <dgm:scene3d>
-      <a:camera prst="orthographicFront"/>
-      <a:lightRig rig="flat" dir="t"/>
-    </dgm:scene3d>
-    <dgm:sp3d z="-190500" extrusionH="12700" prstMaterial="plastic">
-      <a:bevelT w="50800" h="50800"/>
-    </dgm:sp3d>
-    <dgm:txPr/>
-    <dgm:style>
-      <a:lnRef idx="0">
-        <a:scrgbClr r="0" g="0" b="0"/>
-      </a:lnRef>
-      <a:fillRef idx="2">
-        <a:scrgbClr r="0" g="0" b="0"/>
-      </a:fillRef>
-      <a:effectRef idx="0">
-        <a:scrgbClr r="0" g="0" b="0"/>
-      </a:effectRef>
-      <a:fontRef idx="minor"/>
-    </dgm:style>
-  </dgm:styleLbl>
-  <dgm:styleLbl name="trBgShp">
-    <dgm:scene3d>
-      <a:camera prst="orthographicFront"/>
-      <a:lightRig rig="flat" dir="t"/>
-    </dgm:scene3d>
-    <dgm:sp3d z="-190500" extrusionH="12700" prstMaterial="matte"/>
-    <dgm:txPr/>
-    <dgm:style>
-      <a:lnRef idx="0">
-        <a:scrgbClr r="0" g="0" b="0"/>
-      </a:lnRef>
-      <a:fillRef idx="1">
-        <a:scrgbClr r="0" g="0" b="0"/>
-      </a:fillRef>
-      <a:effectRef idx="0">
-        <a:scrgbClr r="0" g="0" b="0"/>
-      </a:effectRef>
-      <a:fontRef idx="minor"/>
-    </dgm:style>
-  </dgm:styleLbl>
-  <dgm:styleLbl name="fgShp">
-    <dgm:scene3d>
-      <a:camera prst="orthographicFront"/>
-      <a:lightRig rig="flat" dir="t"/>
-    </dgm:scene3d>
-    <dgm:sp3d z="190500" prstMaterial="plastic">
-      <a:bevelT w="120900" h="88900"/>
-      <a:bevelB w="88900" h="31750" prst="angle"/>
-    </dgm:sp3d>
-    <dgm:txPr/>
-    <dgm:style>
-      <a:lnRef idx="0">
-        <a:scrgbClr r="0" g="0" b="0"/>
-      </a:lnRef>
-      <a:fillRef idx="1">
-        <a:scrgbClr r="0" g="0" b="0"/>
-      </a:fillRef>
-      <a:effectRef idx="3">
-        <a:scrgbClr r="0" g="0" b="0"/>
-      </a:effectRef>
-      <a:fontRef idx="minor">
-        <a:schemeClr val="lt1"/>
-      </a:fontRef>
-    </dgm:style>
-  </dgm:styleLbl>
-  <dgm:styleLbl name="revTx">
-    <dgm:scene3d>
-      <a:camera prst="orthographicFront"/>
-      <a:lightRig rig="threePt" dir="t"/>
-    </dgm:scene3d>
-    <dgm:sp3d/>
-    <dgm:txPr/>
-    <dgm:style>
-      <a:lnRef idx="0">
-        <a:scrgbClr r="0" g="0" b="0"/>
-      </a:lnRef>
-      <a:fillRef idx="0">
-        <a:scrgbClr r="0" g="0" b="0"/>
-      </a:fillRef>
-      <a:effectRef idx="0">
-        <a:scrgbClr r="0" g="0" b="0"/>
-      </a:effectRef>
-      <a:fontRef idx="minor"/>
-    </dgm:style>
-  </dgm:styleLbl>
-</dgm:styleDef>
-</file>
-
 <file path=ppt/diagrams/quickStyle14.xml><?xml version="1.0" encoding="utf-8"?>
-<dgm:styleDef xmlns:dgm="http://schemas.openxmlformats.org/drawingml/2006/diagram" xmlns:a="http://schemas.openxmlformats.org/drawingml/2006/main" uniqueId="urn:microsoft.com/office/officeart/2005/8/quickstyle/simple1">
-  <dgm:title val=""/>
-  <dgm:desc val=""/>
-  <dgm:catLst>
-    <dgm:cat type="simple" pri="10100"/>
-  </dgm:catLst>
-  <dgm:scene3d>
-    <a:camera prst="orthographicFront"/>
-    <a:lightRig rig="threePt" dir="t"/>
-  </dgm:scene3d>
-  <dgm:styleLbl name="node0">
-    <dgm:scene3d>
-      <a:camera prst="orthographicFront"/>
-      <a:lightRig rig="threePt" dir="t"/>
-    </dgm:scene3d>
-    <dgm:sp3d/>
-    <dgm:txPr/>
-    <dgm:style>
-      <a:lnRef idx="2">
-        <a:scrgbClr r="0" g="0" b="0"/>
-      </a:lnRef>
-      <a:fillRef idx="1">
-        <a:scrgbClr r="0" g="0" b="0"/>
-      </a:fillRef>
-      <a:effectRef idx="0">
-        <a:scrgbClr r="0" g="0" b="0"/>
-      </a:effectRef>
-      <a:fontRef idx="minor">
-        <a:schemeClr val="lt1"/>
-      </a:fontRef>
-    </dgm:style>
-  </dgm:styleLbl>
-  <dgm:styleLbl name="lnNode1">
-    <dgm:scene3d>
-      <a:camera prst="orthographicFront"/>
-      <a:lightRig rig="threePt" dir="t"/>
-    </dgm:scene3d>
-    <dgm:sp3d/>
-    <dgm:txPr/>
-    <dgm:style>
-      <a:lnRef idx="2">
-        <a:scrgbClr r="0" g="0" b="0"/>
-      </a:lnRef>
-      <a:fillRef idx="1">
-        <a:scrgbClr r="0" g="0" b="0"/>
-      </a:fillRef>
-      <a:effectRef idx="0">
-        <a:scrgbClr r="0" g="0" b="0"/>
-      </a:effectRef>
-      <a:fontRef idx="minor">
-        <a:schemeClr val="lt1"/>
-      </a:fontRef>
-    </dgm:style>
-  </dgm:styleLbl>
-  <dgm:styleLbl name="vennNode1">
-    <dgm:scene3d>
-      <a:camera prst="orthographicFront"/>
-      <a:lightRig rig="threePt" dir="t"/>
-    </dgm:scene3d>
-    <dgm:sp3d/>
-    <dgm:txPr/>
-    <dgm:style>
-      <a:lnRef idx="2">
-        <a:scrgbClr r="0" g="0" b="0"/>
-      </a:lnRef>
-      <a:fillRef idx="1">
-        <a:scrgbClr r="0" g="0" b="0"/>
-      </a:fillRef>
-      <a:effectRef idx="0">
-        <a:scrgbClr r="0" g="0" b="0"/>
-      </a:effectRef>
-      <a:fontRef idx="minor">
-        <a:schemeClr val="tx1"/>
-      </a:fontRef>
-    </dgm:style>
-  </dgm:styleLbl>
-  <dgm:styleLbl name="alignNode1">
-    <dgm:scene3d>
-      <a:camera prst="orthographicFront"/>
-      <a:lightRig rig="threePt" dir="t"/>
-    </dgm:scene3d>
-    <dgm:sp3d/>
-    <dgm:txPr/>
-    <dgm:style>
-      <a:lnRef idx="2">
-        <a:scrgbClr r="0" g="0" b="0"/>
-      </a:lnRef>
-      <a:fillRef idx="1">
-        <a:scrgbClr r="0" g="0" b="0"/>
-      </a:fillRef>
-      <a:effectRef idx="0">
-        <a:scrgbClr r="0" g="0" b="0"/>
-      </a:effectRef>
-      <a:fontRef idx="minor">
-        <a:schemeClr val="lt1"/>
-      </a:fontRef>
-    </dgm:style>
-  </dgm:styleLbl>
-  <dgm:styleLbl name="node1">
-    <dgm:scene3d>
-      <a:camera prst="orthographicFront"/>
-      <a:lightRig rig="threePt" dir="t"/>
-    </dgm:scene3d>
-    <dgm:sp3d/>
-    <dgm:txPr/>
-    <dgm:style>
-      <a:lnRef idx="2">
-        <a:scrgbClr r="0" g="0" b="0"/>
-      </a:lnRef>
-      <a:fillRef idx="1">
-        <a:scrgbClr r="0" g="0" b="0"/>
-      </a:fillRef>
-      <a:effectRef idx="0">
-        <a:scrgbClr r="0" g="0" b="0"/>
-      </a:effectRef>
-      <a:fontRef idx="minor">
-        <a:schemeClr val="lt1"/>
-      </a:fontRef>
-    </dgm:style>
-  </dgm:styleLbl>
-  <dgm:styleLbl name="node2">
-    <dgm:scene3d>
-      <a:camera prst="orthographicFront"/>
-      <a:lightRig rig="threePt" dir="t"/>
-    </dgm:scene3d>
-    <dgm:sp3d/>
-    <dgm:txPr/>
-    <dgm:style>
-      <a:lnRef idx="2">
-        <a:scrgbClr r="0" g="0" b="0"/>
-      </a:lnRef>
-      <a:fillRef idx="1">
-        <a:scrgbClr r="0" g="0" b="0"/>
-      </a:fillRef>
-      <a:effectRef idx="0">
-        <a:scrgbClr r="0" g="0" b="0"/>
-      </a:effectRef>
-      <a:fontRef idx="minor">
-        <a:schemeClr val="lt1"/>
-      </a:fontRef>
-    </dgm:style>
-  </dgm:styleLbl>
-  <dgm:styleLbl name="node3">
-    <dgm:scene3d>
-      <a:camera prst="orthographicFront"/>
-      <a:lightRig rig="threePt" dir="t"/>
-    </dgm:scene3d>
-    <dgm:sp3d/>
-    <dgm:txPr/>
-    <dgm:style>
-      <a:lnRef idx="2">
-        <a:scrgbClr r="0" g="0" b="0"/>
-      </a:lnRef>
-      <a:fillRef idx="1">
-        <a:scrgbClr r="0" g="0" b="0"/>
-      </a:fillRef>
-      <a:effectRef idx="0">
-        <a:scrgbClr r="0" g="0" b="0"/>
-      </a:effectRef>
-      <a:fontRef idx="minor">
-        <a:schemeClr val="lt1"/>
-      </a:fontRef>
-    </dgm:style>
-  </dgm:styleLbl>
-  <dgm:styleLbl name="node4">
-    <dgm:scene3d>
-      <a:camera prst="orthographicFront"/>
-      <a:lightRig rig="threePt" dir="t"/>
-    </dgm:scene3d>
-    <dgm:sp3d/>
-    <dgm:txPr/>
-    <dgm:style>
-      <a:lnRef idx="2">
-        <a:scrgbClr r="0" g="0" b="0"/>
-      </a:lnRef>
-      <a:fillRef idx="1">
-        <a:scrgbClr r="0" g="0" b="0"/>
-      </a:fillRef>
-      <a:effectRef idx="0">
-        <a:scrgbClr r="0" g="0" b="0"/>
-      </a:effectRef>
-      <a:fontRef idx="minor">
-        <a:schemeClr val="lt1"/>
-      </a:fontRef>
-    </dgm:style>
-  </dgm:styleLbl>
-  <dgm:styleLbl name="fgImgPlace1">
-    <dgm:scene3d>
-      <a:camera prst="orthographicFront"/>
-      <a:lightRig rig="threePt" dir="t"/>
-    </dgm:scene3d>
-    <dgm:sp3d/>
-    <dgm:txPr/>
-    <dgm:style>
-      <a:lnRef idx="2">
-        <a:scrgbClr r="0" g="0" b="0"/>
-      </a:lnRef>
-      <a:fillRef idx="1">
-        <a:scrgbClr r="0" g="0" b="0"/>
-      </a:fillRef>
-      <a:effectRef idx="0">
-        <a:scrgbClr r="0" g="0" b="0"/>
-      </a:effectRef>
-      <a:fontRef idx="minor"/>
-    </dgm:style>
-  </dgm:styleLbl>
-  <dgm:styleLbl name="alignImgPlace1">
-    <dgm:scene3d>
-      <a:camera prst="orthographicFront"/>
-      <a:lightRig rig="threePt" dir="t"/>
-    </dgm:scene3d>
-    <dgm:sp3d/>
-    <dgm:txPr/>
-    <dgm:style>
-      <a:lnRef idx="2">
-        <a:scrgbClr r="0" g="0" b="0"/>
-      </a:lnRef>
-      <a:fillRef idx="1">
-        <a:scrgbClr r="0" g="0" b="0"/>
-      </a:fillRef>
-      <a:effectRef idx="0">
-        <a:scrgbClr r="0" g="0" b="0"/>
-      </a:effectRef>
-      <a:fontRef idx="minor"/>
-    </dgm:style>
-  </dgm:styleLbl>
-  <dgm:styleLbl name="bgImgPlace1">
-    <dgm:scene3d>
-      <a:camera prst="orthographicFront"/>
-      <a:lightRig rig="threePt" dir="t"/>
-    </dgm:scene3d>
-    <dgm:sp3d/>
-    <dgm:txPr/>
-    <dgm:style>
-      <a:lnRef idx="2">
-        <a:scrgbClr r="0" g="0" b="0"/>
-      </a:lnRef>
-      <a:fillRef idx="1">
-        <a:scrgbClr r="0" g="0" b="0"/>
-      </a:fillRef>
-      <a:effectRef idx="0">
-        <a:scrgbClr r="0" g="0" b="0"/>
-      </a:effectRef>
-      <a:fontRef idx="minor"/>
-    </dgm:style>
-  </dgm:styleLbl>
-  <dgm:styleLbl name="sibTrans2D1">
-    <dgm:scene3d>
-      <a:camera prst="orthographicFront"/>
-      <a:lightRig rig="threePt" dir="t"/>
-    </dgm:scene3d>
-    <dgm:sp3d/>
-    <dgm:txPr/>
-    <dgm:style>
-      <a:lnRef idx="0">
-        <a:scrgbClr r="0" g="0" b="0"/>
-      </a:lnRef>
-      <a:fillRef idx="1">
-        <a:scrgbClr r="0" g="0" b="0"/>
-      </a:fillRef>
-      <a:effectRef idx="0">
-        <a:scrgbClr r="0" g="0" b="0"/>
-      </a:effectRef>
-      <a:fontRef idx="minor">
-        <a:schemeClr val="lt1"/>
-      </a:fontRef>
-    </dgm:style>
-  </dgm:styleLbl>
-  <dgm:styleLbl name="fgSibTrans2D1">
-    <dgm:scene3d>
-      <a:camera prst="orthographicFront"/>
-      <a:lightRig rig="threePt" dir="t"/>
-    </dgm:scene3d>
-    <dgm:sp3d/>
-    <dgm:txPr/>
-    <dgm:style>
-      <a:lnRef idx="0">
-        <a:scrgbClr r="0" g="0" b="0"/>
-      </a:lnRef>
-      <a:fillRef idx="1">
-        <a:scrgbClr r="0" g="0" b="0"/>
-      </a:fillRef>
-      <a:effectRef idx="0">
-        <a:scrgbClr r="0" g="0" b="0"/>
-      </a:effectRef>
-      <a:fontRef idx="minor">
-        <a:schemeClr val="lt1"/>
-      </a:fontRef>
-    </dgm:style>
-  </dgm:styleLbl>
-  <dgm:styleLbl name="bgSibTrans2D1">
-    <dgm:scene3d>
-      <a:camera prst="orthographicFront"/>
-      <a:lightRig rig="threePt" dir="t"/>
-    </dgm:scene3d>
-    <dgm:sp3d/>
-    <dgm:txPr/>
-    <dgm:style>
-      <a:lnRef idx="0">
-        <a:scrgbClr r="0" g="0" b="0"/>
-      </a:lnRef>
-      <a:fillRef idx="1">
-        <a:scrgbClr r="0" g="0" b="0"/>
-      </a:fillRef>
-      <a:effectRef idx="0">
-        <a:scrgbClr r="0" g="0" b="0"/>
-      </a:effectRef>
-      <a:fontRef idx="minor">
-        <a:schemeClr val="lt1"/>
-      </a:fontRef>
-    </dgm:style>
-  </dgm:styleLbl>
-  <dgm:styleLbl name="sibTrans1D1">
-    <dgm:scene3d>
-      <a:camera prst="orthographicFront"/>
-      <a:lightRig rig="threePt" dir="t"/>
-    </dgm:scene3d>
-    <dgm:sp3d/>
-    <dgm:txPr/>
-    <dgm:style>
-      <a:lnRef idx="1">
-        <a:scrgbClr r="0" g="0" b="0"/>
-      </a:lnRef>
-      <a:fillRef idx="0">
-        <a:scrgbClr r="0" g="0" b="0"/>
-      </a:fillRef>
-      <a:effectRef idx="0">
-        <a:scrgbClr r="0" g="0" b="0"/>
-      </a:effectRef>
-      <a:fontRef idx="minor"/>
-    </dgm:style>
-  </dgm:styleLbl>
-  <dgm:styleLbl name="callout">
-    <dgm:scene3d>
-      <a:camera prst="orthographicFront"/>
-      <a:lightRig rig="threePt" dir="t"/>
-    </dgm:scene3d>
-    <dgm:sp3d/>
-    <dgm:txPr/>
-    <dgm:style>
-      <a:lnRef idx="2">
-        <a:scrgbClr r="0" g="0" b="0"/>
-      </a:lnRef>
-      <a:fillRef idx="1">
-        <a:scrgbClr r="0" g="0" b="0"/>
-      </a:fillRef>
-      <a:effectRef idx="0">
-        <a:scrgbClr r="0" g="0" b="0"/>
-      </a:effectRef>
-      <a:fontRef idx="minor"/>
-    </dgm:style>
-  </dgm:styleLbl>
-  <dgm:styleLbl name="asst0">
-    <dgm:scene3d>
-      <a:camera prst="orthographicFront"/>
-      <a:lightRig rig="threePt" dir="t"/>
-    </dgm:scene3d>
-    <dgm:sp3d/>
-    <dgm:txPr/>
-    <dgm:style>
-      <a:lnRef idx="2">
-        <a:scrgbClr r="0" g="0" b="0"/>
-      </a:lnRef>
-      <a:fillRef idx="1">
-        <a:scrgbClr r="0" g="0" b="0"/>
-      </a:fillRef>
-      <a:effectRef idx="0">
-        <a:scrgbClr r="0" g="0" b="0"/>
-      </a:effectRef>
-      <a:fontRef idx="minor">
-        <a:schemeClr val="lt1"/>
-      </a:fontRef>
-    </dgm:style>
-  </dgm:styleLbl>
-  <dgm:styleLbl name="asst1">
-    <dgm:scene3d>
-      <a:camera prst="orthographicFront"/>
-      <a:lightRig rig="threePt" dir="t"/>
-    </dgm:scene3d>
-    <dgm:sp3d/>
-    <dgm:txPr/>
-    <dgm:style>
-      <a:lnRef idx="2">
-        <a:scrgbClr r="0" g="0" b="0"/>
-      </a:lnRef>
-      <a:fillRef idx="1">
-        <a:scrgbClr r="0" g="0" b="0"/>
-      </a:fillRef>
-      <a:effectRef idx="0">
-        <a:scrgbClr r="0" g="0" b="0"/>
-      </a:effectRef>
-      <a:fontRef idx="minor">
-        <a:schemeClr val="lt1"/>
-      </a:fontRef>
-    </dgm:style>
-  </dgm:styleLbl>
-  <dgm:styleLbl name="asst2">
-    <dgm:scene3d>
-      <a:camera prst="orthographicFront"/>
-      <a:lightRig rig="threePt" dir="t"/>
-    </dgm:scene3d>
-    <dgm:sp3d/>
-    <dgm:txPr/>
-    <dgm:style>
-      <a:lnRef idx="2">
-        <a:scrgbClr r="0" g="0" b="0"/>
-      </a:lnRef>
-      <a:fillRef idx="1">
-        <a:scrgbClr r="0" g="0" b="0"/>
-      </a:fillRef>
-      <a:effectRef idx="0">
-        <a:scrgbClr r="0" g="0" b="0"/>
-      </a:effectRef>
-      <a:fontRef idx="minor">
-        <a:schemeClr val="lt1"/>
-      </a:fontRef>
-    </dgm:style>
-  </dgm:styleLbl>
-  <dgm:styleLbl name="asst3">
-    <dgm:scene3d>
-      <a:camera prst="orthographicFront"/>
-      <a:lightRig rig="threePt" dir="t"/>
-    </dgm:scene3d>
-    <dgm:sp3d/>
-    <dgm:txPr/>
-    <dgm:style>
-      <a:lnRef idx="2">
-        <a:scrgbClr r="0" g="0" b="0"/>
-      </a:lnRef>
-      <a:fillRef idx="1">
-        <a:scrgbClr r="0" g="0" b="0"/>
-      </a:fillRef>
-      <a:effectRef idx="0">
-        <a:scrgbClr r="0" g="0" b="0"/>
-      </a:effectRef>
-      <a:fontRef idx="minor">
-        <a:schemeClr val="lt1"/>
-      </a:fontRef>
-    </dgm:style>
-  </dgm:styleLbl>
-  <dgm:styleLbl name="asst4">
-    <dgm:scene3d>
-      <a:camera prst="orthographicFront"/>
-      <a:lightRig rig="threePt" dir="t"/>
-    </dgm:scene3d>
-    <dgm:sp3d/>
-    <dgm:txPr/>
-    <dgm:style>
-      <a:lnRef idx="2">
-        <a:scrgbClr r="0" g="0" b="0"/>
-      </a:lnRef>
-      <a:fillRef idx="1">
-        <a:scrgbClr r="0" g="0" b="0"/>
-      </a:fillRef>
-      <a:effectRef idx="0">
-        <a:scrgbClr r="0" g="0" b="0"/>
-      </a:effectRef>
-      <a:fontRef idx="minor">
-        <a:schemeClr val="lt1"/>
-      </a:fontRef>
-    </dgm:style>
-  </dgm:styleLbl>
-  <dgm:styleLbl name="parChTrans2D1">
-    <dgm:scene3d>
-      <a:camera prst="orthographicFront"/>
-      <a:lightRig rig="threePt" dir="t"/>
-    </dgm:scene3d>
-    <dgm:sp3d/>
-    <dgm:txPr/>
-    <dgm:style>
-      <a:lnRef idx="2">
-        <a:scrgbClr r="0" g="0" b="0"/>
-      </a:lnRef>
-      <a:fillRef idx="1">
-        <a:scrgbClr r="0" g="0" b="0"/>
-      </a:fillRef>
-      <a:effectRef idx="0">
-        <a:scrgbClr r="0" g="0" b="0"/>
-      </a:effectRef>
-      <a:fontRef idx="minor">
-        <a:schemeClr val="lt1"/>
-      </a:fontRef>
-    </dgm:style>
-  </dgm:styleLbl>
-  <dgm:styleLbl name="parChTrans2D2">
-    <dgm:scene3d>
-      <a:camera prst="orthographicFront"/>
-      <a:lightRig rig="threePt" dir="t"/>
-    </dgm:scene3d>
-    <dgm:sp3d/>
-    <dgm:txPr/>
-    <dgm:style>
-      <a:lnRef idx="2">
-        <a:scrgbClr r="0" g="0" b="0"/>
-      </a:lnRef>
-      <a:fillRef idx="1">
-        <a:scrgbClr r="0" g="0" b="0"/>
-      </a:fillRef>
-      <a:effectRef idx="0">
-        <a:scrgbClr r="0" g="0" b="0"/>
-      </a:effectRef>
-      <a:fontRef idx="minor">
-        <a:schemeClr val="lt1"/>
-      </a:fontRef>
-    </dgm:style>
-  </dgm:styleLbl>
-  <dgm:styleLbl name="parChTrans2D3">
-    <dgm:scene3d>
-      <a:camera prst="orthographicFront"/>
-      <a:lightRig rig="threePt" dir="t"/>
-    </dgm:scene3d>
-    <dgm:sp3d/>
-    <dgm:txPr/>
-    <dgm:style>
-      <a:lnRef idx="2">
-        <a:scrgbClr r="0" g="0" b="0"/>
-      </a:lnRef>
-      <a:fillRef idx="1">
-        <a:scrgbClr r="0" g="0" b="0"/>
-      </a:fillRef>
-      <a:effectRef idx="0">
-        <a:scrgbClr r="0" g="0" b="0"/>
-      </a:effectRef>
-      <a:fontRef idx="minor">
-        <a:schemeClr val="lt1"/>
-      </a:fontRef>
-    </dgm:style>
-  </dgm:styleLbl>
-  <dgm:styleLbl name="parChTrans2D4">
-    <dgm:scene3d>
-      <a:camera prst="orthographicFront"/>
-      <a:lightRig rig="threePt" dir="t"/>
-    </dgm:scene3d>
-    <dgm:sp3d/>
-    <dgm:txPr/>
-    <dgm:style>
-      <a:lnRef idx="2">
-        <a:scrgbClr r="0" g="0" b="0"/>
-      </a:lnRef>
-      <a:fillRef idx="1">
-        <a:scrgbClr r="0" g="0" b="0"/>
-      </a:fillRef>
-      <a:effectRef idx="0">
-        <a:scrgbClr r="0" g="0" b="0"/>
-      </a:effectRef>
-      <a:fontRef idx="minor">
-        <a:schemeClr val="lt1"/>
-      </a:fontRef>
-    </dgm:style>
-  </dgm:styleLbl>
-  <dgm:styleLbl name="parChTrans1D1">
-    <dgm:scene3d>
-      <a:camera prst="orthographicFront"/>
-      <a:lightRig rig="threePt" dir="t"/>
-    </dgm:scene3d>
-    <dgm:sp3d/>
-    <dgm:txPr/>
-    <dgm:style>
-      <a:lnRef idx="2">
-        <a:scrgbClr r="0" g="0" b="0"/>
-      </a:lnRef>
-      <a:fillRef idx="0">
-        <a:scrgbClr r="0" g="0" b="0"/>
-      </a:fillRef>
-      <a:effectRef idx="0">
-        <a:scrgbClr r="0" g="0" b="0"/>
-      </a:effectRef>
-      <a:fontRef idx="minor"/>
-    </dgm:style>
-  </dgm:styleLbl>
-  <dgm:styleLbl name="parChTrans1D2">
-    <dgm:scene3d>
-      <a:camera prst="orthographicFront"/>
-      <a:lightRig rig="threePt" dir="t"/>
-    </dgm:scene3d>
-    <dgm:sp3d/>
-    <dgm:txPr/>
-    <dgm:style>
-      <a:lnRef idx="2">
-        <a:scrgbClr r="0" g="0" b="0"/>
-      </a:lnRef>
-      <a:fillRef idx="0">
-        <a:scrgbClr r="0" g="0" b="0"/>
-      </a:fillRef>
-      <a:effectRef idx="0">
-        <a:scrgbClr r="0" g="0" b="0"/>
-      </a:effectRef>
-      <a:fontRef idx="minor"/>
-    </dgm:style>
-  </dgm:styleLbl>
-  <dgm:styleLbl name="parChTrans1D3">
-    <dgm:scene3d>
-      <a:camera prst="orthographicFront"/>
-      <a:lightRig rig="threePt" dir="t"/>
-    </dgm:scene3d>
-    <dgm:sp3d/>
-    <dgm:txPr/>
-    <dgm:style>
-      <a:lnRef idx="2">
-        <a:scrgbClr r="0" g="0" b="0"/>
-      </a:lnRef>
-      <a:fillRef idx="0">
-        <a:scrgbClr r="0" g="0" b="0"/>
-      </a:fillRef>
-      <a:effectRef idx="0">
-        <a:scrgbClr r="0" g="0" b="0"/>
-      </a:effectRef>
-      <a:fontRef idx="minor"/>
-    </dgm:style>
-  </dgm:styleLbl>
-  <dgm:styleLbl name="parChTrans1D4">
-    <dgm:scene3d>
-      <a:camera prst="orthographicFront"/>
-      <a:lightRig rig="threePt" dir="t"/>
-    </dgm:scene3d>
-    <dgm:sp3d/>
-    <dgm:txPr/>
-    <dgm:style>
-      <a:lnRef idx="2">
-        <a:scrgbClr r="0" g="0" b="0"/>
-      </a:lnRef>
-      <a:fillRef idx="0">
-        <a:scrgbClr r="0" g="0" b="0"/>
-      </a:fillRef>
-      <a:effectRef idx="0">
-        <a:scrgbClr r="0" g="0" b="0"/>
-      </a:effectRef>
-      <a:fontRef idx="minor"/>
-    </dgm:style>
-  </dgm:styleLbl>
-  <dgm:styleLbl name="fgAcc1">
-    <dgm:scene3d>
-      <a:camera prst="orthographicFront"/>
-      <a:lightRig rig="threePt" dir="t"/>
-    </dgm:scene3d>
-    <dgm:sp3d/>
-    <dgm:txPr/>
-    <dgm:style>
-      <a:lnRef idx="2">
-        <a:scrgbClr r="0" g="0" b="0"/>
-      </a:lnRef>
-      <a:fillRef idx="1">
-        <a:scrgbClr r="0" g="0" b="0"/>
-      </a:fillRef>
-      <a:effectRef idx="0">
-        <a:scrgbClr r="0" g="0" b="0"/>
-      </a:effectRef>
-      <a:fontRef idx="minor"/>
-    </dgm:style>
-  </dgm:styleLbl>
-  <dgm:styleLbl name="conFgAcc1">
-    <dgm:scene3d>
-      <a:camera prst="orthographicFront"/>
-      <a:lightRig rig="threePt" dir="t"/>
-    </dgm:scene3d>
-    <dgm:sp3d/>
-    <dgm:txPr/>
-    <dgm:style>
-      <a:lnRef idx="2">
-        <a:scrgbClr r="0" g="0" b="0"/>
-      </a:lnRef>
-      <a:fillRef idx="1">
-        <a:scrgbClr r="0" g="0" b="0"/>
-      </a:fillRef>
-      <a:effectRef idx="0">
-        <a:scrgbClr r="0" g="0" b="0"/>
-      </a:effectRef>
-      <a:fontRef idx="minor"/>
-    </dgm:style>
-  </dgm:styleLbl>
-  <dgm:styleLbl name="alignAcc1">
-    <dgm:scene3d>
-      <a:camera prst="orthographicFront"/>
-      <a:lightRig rig="threePt" dir="t"/>
-    </dgm:scene3d>
-    <dgm:sp3d/>
-    <dgm:txPr/>
-    <dgm:style>
-      <a:lnRef idx="2">
-        <a:scrgbClr r="0" g="0" b="0"/>
-      </a:lnRef>
-      <a:fillRef idx="1">
-        <a:scrgbClr r="0" g="0" b="0"/>
-      </a:fillRef>
-      <a:effectRef idx="0">
-        <a:scrgbClr r="0" g="0" b="0"/>
-      </a:effectRef>
-      <a:fontRef idx="minor"/>
-    </dgm:style>
-  </dgm:styleLbl>
-  <dgm:styleLbl name="trAlignAcc1">
-    <dgm:scene3d>
-      <a:camera prst="orthographicFront"/>
-      <a:lightRig rig="threePt" dir="t"/>
-    </dgm:scene3d>
-    <dgm:sp3d/>
-    <dgm:txPr/>
-    <dgm:style>
-      <a:lnRef idx="1">
-        <a:scrgbClr r="0" g="0" b="0"/>
-      </a:lnRef>
-      <a:fillRef idx="1">
-        <a:scrgbClr r="0" g="0" b="0"/>
-      </a:fillRef>
-      <a:effectRef idx="0">
-        <a:scrgbClr r="0" g="0" b="0"/>
-      </a:effectRef>
-      <a:fontRef idx="minor"/>
-    </dgm:style>
-  </dgm:styleLbl>
-  <dgm:styleLbl name="bgAcc1">
-    <dgm:scene3d>
-      <a:camera prst="orthographicFront"/>
-      <a:lightRig rig="threePt" dir="t"/>
-    </dgm:scene3d>
-    <dgm:sp3d/>
-    <dgm:txPr/>
-    <dgm:style>
-      <a:lnRef idx="2">
-        <a:scrgbClr r="0" g="0" b="0"/>
-      </a:lnRef>
-      <a:fillRef idx="1">
-        <a:scrgbClr r="0" g="0" b="0"/>
-      </a:fillRef>
-      <a:effectRef idx="0">
-        <a:scrgbClr r="0" g="0" b="0"/>
-      </a:effectRef>
-      <a:fontRef idx="minor"/>
-    </dgm:style>
-  </dgm:styleLbl>
-  <dgm:styleLbl name="solidFgAcc1">
-    <dgm:scene3d>
-      <a:camera prst="orthographicFront"/>
-      <a:lightRig rig="threePt" dir="t"/>
-    </dgm:scene3d>
-    <dgm:sp3d/>
-    <dgm:txPr/>
-    <dgm:style>
-      <a:lnRef idx="2">
-        <a:scrgbClr r="0" g="0" b="0"/>
-      </a:lnRef>
-      <a:fillRef idx="1">
-        <a:scrgbClr r="0" g="0" b="0"/>
-      </a:fillRef>
-      <a:effectRef idx="0">
-        <a:scrgbClr r="0" g="0" b="0"/>
-      </a:effectRef>
-      <a:fontRef idx="minor"/>
-    </dgm:style>
-  </dgm:styleLbl>
-  <dgm:styleLbl name="solidAlignAcc1">
-    <dgm:scene3d>
-      <a:camera prst="orthographicFront"/>
-      <a:lightRig rig="threePt" dir="t"/>
-    </dgm:scene3d>
-    <dgm:sp3d/>
-    <dgm:txPr/>
-    <dgm:style>
-      <a:lnRef idx="2">
-        <a:scrgbClr r="0" g="0" b="0"/>
-      </a:lnRef>
-      <a:fillRef idx="1">
-        <a:scrgbClr r="0" g="0" b="0"/>
-      </a:fillRef>
-      <a:effectRef idx="0">
-        <a:scrgbClr r="0" g="0" b="0"/>
-      </a:effectRef>
-      <a:fontRef idx="minor"/>
-    </dgm:style>
-  </dgm:styleLbl>
-  <dgm:styleLbl name="solidBgAcc1">
-    <dgm:scene3d>
-      <a:camera prst="orthographicFront"/>
-      <a:lightRig rig="threePt" dir="t"/>
-    </dgm:scene3d>
-    <dgm:sp3d/>
-    <dgm:txPr/>
-    <dgm:style>
-      <a:lnRef idx="2">
-        <a:scrgbClr r="0" g="0" b="0"/>
-      </a:lnRef>
-      <a:fillRef idx="1">
-        <a:scrgbClr r="0" g="0" b="0"/>
-      </a:fillRef>
-      <a:effectRef idx="0">
-        <a:scrgbClr r="0" g="0" b="0"/>
-      </a:effectRef>
-      <a:fontRef idx="minor"/>
-    </dgm:style>
-  </dgm:styleLbl>
-  <dgm:styleLbl name="fgAccFollowNode1">
-    <dgm:scene3d>
-      <a:camera prst="orthographicFront"/>
-      <a:lightRig rig="threePt" dir="t"/>
-    </dgm:scene3d>
-    <dgm:sp3d/>
-    <dgm:txPr/>
-    <dgm:style>
-      <a:lnRef idx="2">
-        <a:scrgbClr r="0" g="0" b="0"/>
-      </a:lnRef>
-      <a:fillRef idx="1">
-        <a:scrgbClr r="0" g="0" b="0"/>
-      </a:fillRef>
-      <a:effectRef idx="0">
-        <a:scrgbClr r="0" g="0" b="0"/>
-      </a:effectRef>
-      <a:fontRef idx="minor"/>
-    </dgm:style>
-  </dgm:styleLbl>
-  <dgm:styleLbl name="alignAccFollowNode1">
-    <dgm:scene3d>
-      <a:camera prst="orthographicFront"/>
-      <a:lightRig rig="threePt" dir="t"/>
-    </dgm:scene3d>
-    <dgm:sp3d/>
-    <dgm:txPr/>
-    <dgm:style>
-      <a:lnRef idx="2">
-        <a:scrgbClr r="0" g="0" b="0"/>
-      </a:lnRef>
-      <a:fillRef idx="1">
-        <a:scrgbClr r="0" g="0" b="0"/>
-      </a:fillRef>
-      <a:effectRef idx="0">
-        <a:scrgbClr r="0" g="0" b="0"/>
-      </a:effectRef>
-      <a:fontRef idx="minor"/>
-    </dgm:style>
-  </dgm:styleLbl>
-  <dgm:styleLbl name="bgAccFollowNode1">
-    <dgm:scene3d>
-      <a:camera prst="orthographicFront"/>
-      <a:lightRig rig="threePt" dir="t"/>
-    </dgm:scene3d>
-    <dgm:sp3d/>
-    <dgm:txPr/>
-    <dgm:style>
-      <a:lnRef idx="2">
-        <a:scrgbClr r="0" g="0" b="0"/>
-      </a:lnRef>
-      <a:fillRef idx="1">
-        <a:scrgbClr r="0" g="0" b="0"/>
-      </a:fillRef>
-      <a:effectRef idx="0">
-        <a:scrgbClr r="0" g="0" b="0"/>
-      </a:effectRef>
-      <a:fontRef idx="minor"/>
-    </dgm:style>
-  </dgm:styleLbl>
-  <dgm:styleLbl name="fgAcc0">
-    <dgm:scene3d>
-      <a:camera prst="orthographicFront"/>
-      <a:lightRig rig="threePt" dir="t"/>
-    </dgm:scene3d>
-    <dgm:sp3d/>
-    <dgm:txPr/>
-    <dgm:style>
-      <a:lnRef idx="2">
-        <a:scrgbClr r="0" g="0" b="0"/>
-      </a:lnRef>
-      <a:fillRef idx="1">
-        <a:scrgbClr r="0" g="0" b="0"/>
-      </a:fillRef>
-      <a:effectRef idx="0">
-        <a:scrgbClr r="0" g="0" b="0"/>
-      </a:effectRef>
-      <a:fontRef idx="minor"/>
-    </dgm:style>
-  </dgm:styleLbl>
-  <dgm:styleLbl name="fgAcc2">
-    <dgm:scene3d>
-      <a:camera prst="orthographicFront"/>
-      <a:lightRig rig="threePt" dir="t"/>
-    </dgm:scene3d>
-    <dgm:sp3d/>
-    <dgm:txPr/>
-    <dgm:style>
-      <a:lnRef idx="2">
-        <a:scrgbClr r="0" g="0" b="0"/>
-      </a:lnRef>
-      <a:fillRef idx="1">
-        <a:scrgbClr r="0" g="0" b="0"/>
-      </a:fillRef>
-      <a:effectRef idx="0">
-        <a:scrgbClr r="0" g="0" b="0"/>
-      </a:effectRef>
-      <a:fontRef idx="minor"/>
-    </dgm:style>
-  </dgm:styleLbl>
-  <dgm:styleLbl name="fgAcc3">
-    <dgm:scene3d>
-      <a:camera prst="orthographicFront"/>
-      <a:lightRig rig="threePt" dir="t"/>
-    </dgm:scene3d>
-    <dgm:sp3d/>
-    <dgm:txPr/>
-    <dgm:style>
-      <a:lnRef idx="2">
-        <a:scrgbClr r="0" g="0" b="0"/>
-      </a:lnRef>
-      <a:fillRef idx="1">
-        <a:scrgbClr r="0" g="0" b="0"/>
-      </a:fillRef>
-      <a:effectRef idx="0">
-        <a:scrgbClr r="0" g="0" b="0"/>
-      </a:effectRef>
-      <a:fontRef idx="minor"/>
-    </dgm:style>
-  </dgm:styleLbl>
-  <dgm:styleLbl name="fgAcc4">
-    <dgm:scene3d>
-      <a:camera prst="orthographicFront"/>
-      <a:lightRig rig="threePt" dir="t"/>
-    </dgm:scene3d>
-    <dgm:sp3d/>
-    <dgm:txPr/>
-    <dgm:style>
-      <a:lnRef idx="2">
-        <a:scrgbClr r="0" g="0" b="0"/>
-      </a:lnRef>
-      <a:fillRef idx="1">
-        <a:scrgbClr r="0" g="0" b="0"/>
-      </a:fillRef>
-      <a:effectRef idx="0">
-        <a:scrgbClr r="0" g="0" b="0"/>
-      </a:effectRef>
-      <a:fontRef idx="minor"/>
-    </dgm:style>
-  </dgm:styleLbl>
-  <dgm:styleLbl name="bgShp">
-    <dgm:scene3d>
-      <a:camera prst="orthographicFront"/>
-      <a:lightRig rig="threePt" dir="t"/>
-    </dgm:scene3d>
-    <dgm:sp3d/>
-    <dgm:txPr/>
-    <dgm:style>
-      <a:lnRef idx="0">
-        <a:scrgbClr r="0" g="0" b="0"/>
-      </a:lnRef>
-      <a:fillRef idx="1">
-        <a:scrgbClr r="0" g="0" b="0"/>
-      </a:fillRef>
-      <a:effectRef idx="0">
-        <a:scrgbClr r="0" g="0" b="0"/>
-      </a:effectRef>
-      <a:fontRef idx="minor"/>
-    </dgm:style>
-  </dgm:styleLbl>
-  <dgm:styleLbl name="dkBgShp">
-    <dgm:scene3d>
-      <a:camera prst="orthographicFront"/>
-      <a:lightRig rig="threePt" dir="t"/>
-    </dgm:scene3d>
-    <dgm:sp3d/>
-    <dgm:txPr/>
-    <dgm:style>
-      <a:lnRef idx="0">
-        <a:scrgbClr r="0" g="0" b="0"/>
-      </a:lnRef>
-      <a:fillRef idx="1">
-        <a:scrgbClr r="0" g="0" b="0"/>
-      </a:fillRef>
-      <a:effectRef idx="0">
-        <a:scrgbClr r="0" g="0" b="0"/>
-      </a:effectRef>
-      <a:fontRef idx="minor"/>
-    </dgm:style>
-  </dgm:styleLbl>
-  <dgm:styleLbl name="trBgShp">
-    <dgm:scene3d>
-      <a:camera prst="orthographicFront"/>
-      <a:lightRig rig="threePt" dir="t"/>
-    </dgm:scene3d>
-    <dgm:sp3d/>
-    <dgm:txPr/>
-    <dgm:style>
-      <a:lnRef idx="0">
-        <a:scrgbClr r="0" g="0" b="0"/>
-      </a:lnRef>
-      <a:fillRef idx="1">
-        <a:scrgbClr r="0" g="0" b="0"/>
-      </a:fillRef>
-      <a:effectRef idx="0">
-        <a:scrgbClr r="0" g="0" b="0"/>
-      </a:effectRef>
-      <a:fontRef idx="minor"/>
-    </dgm:style>
-  </dgm:styleLbl>
-  <dgm:styleLbl name="fgShp">
-    <dgm:scene3d>
-      <a:camera prst="orthographicFront"/>
-      <a:lightRig rig="threePt" dir="t"/>
-    </dgm:scene3d>
-    <dgm:sp3d/>
-    <dgm:txPr/>
-    <dgm:style>
-      <a:lnRef idx="2">
-        <a:scrgbClr r="0" g="0" b="0"/>
-      </a:lnRef>
-      <a:fillRef idx="1">
-        <a:scrgbClr r="0" g="0" b="0"/>
-      </a:fillRef>
-      <a:effectRef idx="0">
-        <a:scrgbClr r="0" g="0" b="0"/>
-      </a:effectRef>
-      <a:fontRef idx="minor"/>
-    </dgm:style>
-  </dgm:styleLbl>
-  <dgm:styleLbl name="revTx">
-    <dgm:scene3d>
-      <a:camera prst="orthographicFront"/>
-      <a:lightRig rig="threePt" dir="t"/>
-    </dgm:scene3d>
-    <dgm:sp3d/>
-    <dgm:txPr/>
-    <dgm:style>
-      <a:lnRef idx="0">
-        <a:scrgbClr r="0" g="0" b="0"/>
-      </a:lnRef>
-      <a:fillRef idx="0">
-        <a:scrgbClr r="0" g="0" b="0"/>
-      </a:fillRef>
-      <a:effectRef idx="0">
-        <a:scrgbClr r="0" g="0" b="0"/>
-      </a:effectRef>
-      <a:fontRef idx="minor"/>
-    </dgm:style>
-  </dgm:styleLbl>
-</dgm:styleDef>
-</file>
-
-<file path=ppt/diagrams/quickStyle15.xml><?xml version="1.0" encoding="utf-8"?>
 <dgm:styleDef xmlns:dgm="http://schemas.openxmlformats.org/drawingml/2006/diagram" xmlns:a="http://schemas.openxmlformats.org/drawingml/2006/main" uniqueId="urn:microsoft.com/office/officeart/2005/8/quickstyle/simple1">
   <dgm:title val=""/>
   <dgm:desc val=""/>
@@ -38324,7 +35498,7 @@
           <a:p>
             <a:fld id="{D6DB06CD-7FE3-4AC6-8B7E-6FFDAE13ADD9}" type="datetimeFigureOut">
               <a:rPr lang="zh-CN" altLang="en-US" smtClean="0"/>
-              <a:t>2017/6/11</a:t>
+              <a:t>2017/6/12</a:t>
             </a:fld>
             <a:endParaRPr lang="zh-CN" altLang="en-US"/>
           </a:p>
@@ -38489,7 +35663,7 @@
           <a:p>
             <a:fld id="{C1E7F9D3-1E44-4AC6-A137-74193E8936F0}" type="datetimeFigureOut">
               <a:rPr lang="zh-CN" altLang="en-US" smtClean="0"/>
-              <a:t>2017/6/11</a:t>
+              <a:t>2017/6/12</a:t>
             </a:fld>
             <a:endParaRPr lang="zh-CN" altLang="en-US"/>
           </a:p>
@@ -38865,6 +36039,90 @@
 </p:notes>
 </file>
 
+<file path=ppt/notesSlides/notesSlide10.xml><?xml version="1.0" encoding="utf-8"?>
+<p:notes xmlns:a="http://schemas.openxmlformats.org/drawingml/2006/main" xmlns:r="http://schemas.openxmlformats.org/officeDocument/2006/relationships" xmlns:p="http://schemas.openxmlformats.org/presentationml/2006/main">
+  <p:cSld>
+    <p:spTree>
+      <p:nvGrpSpPr>
+        <p:cNvPr id="1" name=""/>
+        <p:cNvGrpSpPr/>
+        <p:nvPr/>
+      </p:nvGrpSpPr>
+      <p:grpSpPr>
+        <a:xfrm>
+          <a:off x="0" y="0"/>
+          <a:ext cx="0" cy="0"/>
+          <a:chOff x="0" y="0"/>
+          <a:chExt cx="0" cy="0"/>
+        </a:xfrm>
+      </p:grpSpPr>
+      <p:sp>
+        <p:nvSpPr>
+          <p:cNvPr id="2" name="幻灯片图像占位符 1"/>
+          <p:cNvSpPr>
+            <a:spLocks noGrp="1" noRot="1" noChangeAspect="1"/>
+          </p:cNvSpPr>
+          <p:nvPr>
+            <p:ph type="sldImg"/>
+          </p:nvPr>
+        </p:nvSpPr>
+        <p:spPr/>
+      </p:sp>
+      <p:sp>
+        <p:nvSpPr>
+          <p:cNvPr id="3" name="备注占位符 2"/>
+          <p:cNvSpPr>
+            <a:spLocks noGrp="1"/>
+          </p:cNvSpPr>
+          <p:nvPr>
+            <p:ph type="body" idx="1"/>
+          </p:nvPr>
+        </p:nvSpPr>
+        <p:spPr/>
+        <p:txBody>
+          <a:bodyPr/>
+          <a:lstStyle/>
+          <a:p>
+            <a:endParaRPr lang="zh-CN" altLang="en-US" dirty="0"/>
+          </a:p>
+        </p:txBody>
+      </p:sp>
+      <p:sp>
+        <p:nvSpPr>
+          <p:cNvPr id="4" name="灯片编号占位符 3"/>
+          <p:cNvSpPr>
+            <a:spLocks noGrp="1"/>
+          </p:cNvSpPr>
+          <p:nvPr>
+            <p:ph type="sldNum" sz="quarter" idx="10"/>
+          </p:nvPr>
+        </p:nvSpPr>
+        <p:spPr/>
+        <p:txBody>
+          <a:bodyPr/>
+          <a:lstStyle/>
+          <a:p>
+            <a:fld id="{00F122D4-C4E8-4D93-B0BC-968831B44AB8}" type="slidenum">
+              <a:rPr lang="zh-CN" altLang="en-US" smtClean="0"/>
+              <a:t>19</a:t>
+            </a:fld>
+            <a:endParaRPr lang="zh-CN" altLang="en-US"/>
+          </a:p>
+        </p:txBody>
+      </p:sp>
+    </p:spTree>
+    <p:extLst>
+      <p:ext uri="{BB962C8B-B14F-4D97-AF65-F5344CB8AC3E}">
+        <p14:creationId xmlns:p14="http://schemas.microsoft.com/office/powerpoint/2010/main" val="3218638853"/>
+      </p:ext>
+    </p:extLst>
+  </p:cSld>
+  <p:clrMapOvr>
+    <a:masterClrMapping/>
+  </p:clrMapOvr>
+</p:notes>
+</file>
+
 <file path=ppt/notesSlides/notesSlide2.xml><?xml version="1.0" encoding="utf-8"?>
 <p:notes xmlns:a="http://schemas.openxmlformats.org/drawingml/2006/main" xmlns:r="http://schemas.openxmlformats.org/officeDocument/2006/relationships" xmlns:p="http://schemas.openxmlformats.org/presentationml/2006/main">
   <p:cSld>
@@ -39176,15 +36434,7 @@
             </a:r>
             <a:r>
               <a:rPr lang="zh-CN" altLang="en-US" dirty="0" smtClean="0"/>
-              <a:t>啊！这个东西会</a:t>
-            </a:r>
-            <a:r>
-              <a:rPr lang="zh-CN" altLang="en-US" dirty="0" smtClean="0"/>
-              <a:t>清空输出</a:t>
-            </a:r>
-            <a:r>
-              <a:rPr lang="zh-CN" altLang="en-US" dirty="0" smtClean="0"/>
-              <a:t>缓存，并发送</a:t>
+              <a:t>啊！这个东西会清空输出缓存，并发送</a:t>
             </a:r>
             <a:r>
               <a:rPr lang="en-US" altLang="zh-CN" dirty="0" err="1" smtClean="0"/>
@@ -39417,19 +36667,7 @@
             </a:pPr>
             <a:r>
               <a:rPr lang="zh-CN" altLang="en-US" dirty="0" smtClean="0"/>
-              <a:t>涉及</a:t>
-            </a:r>
-            <a:r>
-              <a:rPr lang="zh-CN" altLang="en-US" dirty="0" smtClean="0"/>
-              <a:t>转发的变量仅有这些，将涉及转发的赋值操作移出并行操作过程</a:t>
-            </a:r>
-            <a:r>
-              <a:rPr lang="zh-CN" altLang="en-US" dirty="0" smtClean="0"/>
-              <a:t>，避免进程</a:t>
-            </a:r>
-            <a:r>
-              <a:rPr lang="zh-CN" altLang="en-US" dirty="0" smtClean="0"/>
-              <a:t>间、线程间的等待</a:t>
+              <a:t>涉及转发的变量仅有这些，将涉及转发的赋值操作移出并行操作过程，避免进程间、线程间的等待</a:t>
             </a:r>
             <a:endParaRPr lang="zh-CN" altLang="en-US" dirty="0"/>
           </a:p>
@@ -40042,7 +37280,7 @@
           <a:p>
             <a:fld id="{11DA97F8-BD2B-410E-8988-2139681B8114}" type="datetimeFigureOut">
               <a:rPr lang="zh-CN" altLang="en-US" smtClean="0"/>
-              <a:t>2017/6/11</a:t>
+              <a:t>2017/6/12</a:t>
             </a:fld>
             <a:endParaRPr lang="zh-CN" altLang="en-US"/>
           </a:p>
@@ -40212,7 +37450,7 @@
           <a:p>
             <a:fld id="{11DA97F8-BD2B-410E-8988-2139681B8114}" type="datetimeFigureOut">
               <a:rPr lang="zh-CN" altLang="en-US" smtClean="0"/>
-              <a:t>2017/6/11</a:t>
+              <a:t>2017/6/12</a:t>
             </a:fld>
             <a:endParaRPr lang="zh-CN" altLang="en-US"/>
           </a:p>
@@ -40392,7 +37630,7 @@
           <a:p>
             <a:fld id="{11DA97F8-BD2B-410E-8988-2139681B8114}" type="datetimeFigureOut">
               <a:rPr lang="zh-CN" altLang="en-US" smtClean="0"/>
-              <a:t>2017/6/11</a:t>
+              <a:t>2017/6/12</a:t>
             </a:fld>
             <a:endParaRPr lang="zh-CN" altLang="en-US"/>
           </a:p>
@@ -49240,7 +46478,7 @@
           <a:p>
             <a:fld id="{11DA97F8-BD2B-410E-8988-2139681B8114}" type="datetimeFigureOut">
               <a:rPr lang="zh-CN" altLang="en-US" smtClean="0"/>
-              <a:t>2017/6/11</a:t>
+              <a:t>2017/6/12</a:t>
             </a:fld>
             <a:endParaRPr lang="zh-CN" altLang="en-US"/>
           </a:p>
@@ -49757,7 +46995,7 @@
           <a:p>
             <a:fld id="{11DA97F8-BD2B-410E-8988-2139681B8114}" type="datetimeFigureOut">
               <a:rPr lang="zh-CN" altLang="en-US" smtClean="0"/>
-              <a:t>2017/6/11</a:t>
+              <a:t>2017/6/12</a:t>
             </a:fld>
             <a:endParaRPr lang="zh-CN" altLang="en-US"/>
           </a:p>
@@ -49989,7 +47227,7 @@
           <a:p>
             <a:fld id="{11DA97F8-BD2B-410E-8988-2139681B8114}" type="datetimeFigureOut">
               <a:rPr lang="zh-CN" altLang="en-US" smtClean="0"/>
-              <a:t>2017/6/11</a:t>
+              <a:t>2017/6/12</a:t>
             </a:fld>
             <a:endParaRPr lang="zh-CN" altLang="en-US"/>
           </a:p>
@@ -50356,7 +47594,7 @@
           <a:p>
             <a:fld id="{11DA97F8-BD2B-410E-8988-2139681B8114}" type="datetimeFigureOut">
               <a:rPr lang="zh-CN" altLang="en-US" smtClean="0"/>
-              <a:t>2017/6/11</a:t>
+              <a:t>2017/6/12</a:t>
             </a:fld>
             <a:endParaRPr lang="zh-CN" altLang="en-US"/>
           </a:p>
@@ -50474,7 +47712,7 @@
           <a:p>
             <a:fld id="{11DA97F8-BD2B-410E-8988-2139681B8114}" type="datetimeFigureOut">
               <a:rPr lang="zh-CN" altLang="en-US" smtClean="0"/>
-              <a:t>2017/6/11</a:t>
+              <a:t>2017/6/12</a:t>
             </a:fld>
             <a:endParaRPr lang="zh-CN" altLang="en-US"/>
           </a:p>
@@ -50569,7 +47807,7 @@
           <a:p>
             <a:fld id="{11DA97F8-BD2B-410E-8988-2139681B8114}" type="datetimeFigureOut">
               <a:rPr lang="zh-CN" altLang="en-US" smtClean="0"/>
-              <a:t>2017/6/11</a:t>
+              <a:t>2017/6/12</a:t>
             </a:fld>
             <a:endParaRPr lang="zh-CN" altLang="en-US"/>
           </a:p>
@@ -50846,7 +48084,7 @@
           <a:p>
             <a:fld id="{11DA97F8-BD2B-410E-8988-2139681B8114}" type="datetimeFigureOut">
               <a:rPr lang="zh-CN" altLang="en-US" smtClean="0"/>
-              <a:t>2017/6/11</a:t>
+              <a:t>2017/6/12</a:t>
             </a:fld>
             <a:endParaRPr lang="zh-CN" altLang="en-US"/>
           </a:p>
@@ -51099,7 +48337,7 @@
           <a:p>
             <a:fld id="{11DA97F8-BD2B-410E-8988-2139681B8114}" type="datetimeFigureOut">
               <a:rPr lang="zh-CN" altLang="en-US" smtClean="0"/>
-              <a:t>2017/6/11</a:t>
+              <a:t>2017/6/12</a:t>
             </a:fld>
             <a:endParaRPr lang="zh-CN" altLang="en-US"/>
           </a:p>
@@ -51312,7 +48550,7 @@
           <a:p>
             <a:fld id="{11DA97F8-BD2B-410E-8988-2139681B8114}" type="datetimeFigureOut">
               <a:rPr lang="zh-CN" altLang="en-US" smtClean="0"/>
-              <a:t>2017/6/11</a:t>
+              <a:t>2017/6/12</a:t>
             </a:fld>
             <a:endParaRPr lang="zh-CN" altLang="en-US"/>
           </a:p>
@@ -51875,15 +49113,15 @@
   <p:clrMapOvr>
     <a:masterClrMapping/>
   </p:clrMapOvr>
-  <mc:AlternateContent xmlns:mc="http://schemas.openxmlformats.org/markup-compatibility/2006" xmlns:p14="http://schemas.microsoft.com/office/powerpoint/2010/main">
-    <mc:Choice Requires="p14">
-      <p:transition spd="slow" p14:dur="2000">
-        <p14:prism isContent="1"/>
+  <mc:AlternateContent xmlns:mc="http://schemas.openxmlformats.org/markup-compatibility/2006">
+    <mc:Choice xmlns:p14="http://schemas.microsoft.com/office/powerpoint/2010/main" Requires="p14">
+      <p:transition p14:dur="100">
+        <p:cut/>
       </p:transition>
     </mc:Choice>
-    <mc:Fallback xmlns="">
-      <p:transition spd="slow">
-        <p:fade/>
+    <mc:Fallback>
+      <p:transition>
+        <p:cut/>
       </p:transition>
     </mc:Fallback>
   </mc:AlternateContent>
@@ -51985,15 +49223,15 @@
   <p:clrMapOvr>
     <a:masterClrMapping/>
   </p:clrMapOvr>
-  <mc:AlternateContent xmlns:mc="http://schemas.openxmlformats.org/markup-compatibility/2006" xmlns:p14="http://schemas.microsoft.com/office/powerpoint/2010/main">
-    <mc:Choice Requires="p14">
-      <p:transition spd="slow" p14:dur="2000">
-        <p14:prism isContent="1"/>
+  <mc:AlternateContent xmlns:mc="http://schemas.openxmlformats.org/markup-compatibility/2006">
+    <mc:Choice xmlns:p14="http://schemas.microsoft.com/office/powerpoint/2010/main" Requires="p14">
+      <p:transition p14:dur="100">
+        <p:cut/>
       </p:transition>
     </mc:Choice>
-    <mc:Fallback xmlns="">
-      <p:transition spd="slow">
-        <p:fade/>
+    <mc:Fallback>
+      <p:transition>
+        <p:cut/>
       </p:transition>
     </mc:Fallback>
   </mc:AlternateContent>
@@ -52024,43 +49262,6 @@
           <a:chExt cx="0" cy="0"/>
         </a:xfrm>
       </p:grpSpPr>
-      <p:sp>
-        <p:nvSpPr>
-          <p:cNvPr id="2" name="文本占位符 1"/>
-          <p:cNvSpPr>
-            <a:spLocks noGrp="1"/>
-          </p:cNvSpPr>
-          <p:nvPr>
-            <p:ph type="body" sz="quarter" idx="10"/>
-          </p:nvPr>
-        </p:nvSpPr>
-        <p:spPr>
-          <a:xfrm>
-            <a:off x="2743199" y="538932"/>
-            <a:ext cx="2019869" cy="333375"/>
-          </a:xfrm>
-        </p:spPr>
-        <p:txBody>
-          <a:bodyPr>
-            <a:normAutofit fontScale="92500"/>
-          </a:bodyPr>
-          <a:lstStyle/>
-          <a:p>
-            <a:r>
-              <a:rPr lang="zh-CN" altLang="en-US" dirty="0"/>
-              <a:t>研究方案</a:t>
-            </a:r>
-            <a:r>
-              <a:rPr lang="en-US" altLang="zh-CN" dirty="0"/>
-              <a:t>-Planning</a:t>
-            </a:r>
-            <a:endParaRPr lang="zh-CN" altLang="en-US" dirty="0"/>
-          </a:p>
-          <a:p>
-            <a:endParaRPr lang="zh-CN" altLang="en-US" dirty="0"/>
-          </a:p>
-        </p:txBody>
-      </p:sp>
       <p:sp>
         <p:nvSpPr>
           <p:cNvPr id="3" name="文本占位符 2"/>
@@ -52099,38 +49300,6 @@
           </a:p>
         </p:txBody>
       </p:sp>
-      <p:pic>
-        <p:nvPicPr>
-          <p:cNvPr id="23" name="图片 22">
-            <a:hlinkClick r:id="rId3"/>
-          </p:cNvPr>
-          <p:cNvPicPr>
-            <a:picLocks noChangeAspect="1"/>
-          </p:cNvPicPr>
-          <p:nvPr/>
-        </p:nvPicPr>
-        <p:blipFill>
-          <a:blip r:embed="rId4">
-            <a:extLst>
-              <a:ext uri="{28A0092B-C50C-407E-A947-70E740481C1C}">
-                <a14:useLocalDpi xmlns:a14="http://schemas.microsoft.com/office/drawing/2010/main" val="0"/>
-              </a:ext>
-            </a:extLst>
-          </a:blip>
-          <a:stretch>
-            <a:fillRect/>
-          </a:stretch>
-        </p:blipFill>
-        <p:spPr>
-          <a:xfrm>
-            <a:off x="9715500" y="302238"/>
-            <a:ext cx="1828800" cy="243840"/>
-          </a:xfrm>
-          <a:prstGeom prst="rect">
-            <a:avLst/>
-          </a:prstGeom>
-        </p:spPr>
-      </p:pic>
       <p:graphicFrame>
         <p:nvGraphicFramePr>
           <p:cNvPr id="28" name="图示 27"/>
@@ -52149,7 +49318,7 @@
         </p:xfrm>
         <a:graphic>
           <a:graphicData uri="http://schemas.openxmlformats.org/drawingml/2006/diagram">
-            <dgm:relIds xmlns:dgm="http://schemas.openxmlformats.org/drawingml/2006/diagram" xmlns:r="http://schemas.openxmlformats.org/officeDocument/2006/relationships" r:dm="rId5" r:lo="rId6" r:qs="rId7" r:cs="rId8"/>
+            <dgm:relIds xmlns:dgm="http://schemas.openxmlformats.org/drawingml/2006/diagram" xmlns:r="http://schemas.openxmlformats.org/officeDocument/2006/relationships" r:dm="rId3" r:lo="rId4" r:qs="rId5" r:cs="rId6"/>
           </a:graphicData>
         </a:graphic>
       </p:graphicFrame>
@@ -52163,50 +49332,6 @@
           <a:xfrm>
             <a:off x="4011561" y="3111910"/>
             <a:ext cx="1519084" cy="1622322"/>
-          </a:xfrm>
-          <a:prstGeom prst="curvedLeftArrow">
-            <a:avLst/>
-          </a:prstGeom>
-        </p:spPr>
-        <p:style>
-          <a:lnRef idx="2">
-            <a:schemeClr val="accent1">
-              <a:shade val="50000"/>
-            </a:schemeClr>
-          </a:lnRef>
-          <a:fillRef idx="1">
-            <a:schemeClr val="accent1"/>
-          </a:fillRef>
-          <a:effectRef idx="0">
-            <a:schemeClr val="accent1"/>
-          </a:effectRef>
-          <a:fontRef idx="minor">
-            <a:schemeClr val="lt1"/>
-          </a:fontRef>
-        </p:style>
-        <p:txBody>
-          <a:bodyPr rtlCol="0" anchor="ctr"/>
-          <a:lstStyle/>
-          <a:p>
-            <a:pPr algn="ctr"/>
-            <a:endParaRPr lang="zh-CN" altLang="en-US">
-              <a:solidFill>
-                <a:schemeClr val="tx1"/>
-              </a:solidFill>
-            </a:endParaRPr>
-          </a:p>
-        </p:txBody>
-      </p:sp>
-      <p:sp>
-        <p:nvSpPr>
-          <p:cNvPr id="30" name="右弧形箭头 29"/>
-          <p:cNvSpPr/>
-          <p:nvPr/>
-        </p:nvSpPr>
-        <p:spPr>
-          <a:xfrm>
-            <a:off x="4082845" y="3800167"/>
-            <a:ext cx="1789471" cy="934065"/>
           </a:xfrm>
           <a:prstGeom prst="curvedLeftArrow">
             <a:avLst/>
@@ -52287,16 +49412,174 @@
       </p:sp>
       <p:sp>
         <p:nvSpPr>
-          <p:cNvPr id="34" name="右弧形箭头 33"/>
+          <p:cNvPr id="10" name="矩形 9"/>
           <p:cNvSpPr/>
           <p:nvPr/>
         </p:nvSpPr>
         <p:spPr>
           <a:xfrm>
-            <a:off x="4082845" y="4488424"/>
-            <a:ext cx="1789471" cy="934065"/>
+            <a:off x="6282813" y="1285389"/>
+            <a:ext cx="5261486" cy="1941897"/>
           </a:xfrm>
-          <a:prstGeom prst="curvedLeftArrow">
+          <a:prstGeom prst="rect">
+            <a:avLst/>
+          </a:prstGeom>
+        </p:spPr>
+        <p:style>
+          <a:lnRef idx="2">
+            <a:schemeClr val="lt1">
+              <a:hueOff val="0"/>
+              <a:satOff val="0"/>
+              <a:lumOff val="0"/>
+              <a:alphaOff val="0"/>
+            </a:schemeClr>
+          </a:lnRef>
+          <a:fillRef idx="1">
+            <a:schemeClr val="accent1">
+              <a:hueOff val="0"/>
+              <a:satOff val="0"/>
+              <a:lumOff val="0"/>
+              <a:alphaOff val="0"/>
+            </a:schemeClr>
+          </a:fillRef>
+          <a:effectRef idx="0">
+            <a:schemeClr val="accent1">
+              <a:hueOff val="0"/>
+              <a:satOff val="0"/>
+              <a:lumOff val="0"/>
+              <a:alphaOff val="0"/>
+            </a:schemeClr>
+          </a:effectRef>
+          <a:fontRef idx="minor">
+            <a:schemeClr val="lt1"/>
+          </a:fontRef>
+        </p:style>
+        <p:txBody>
+          <a:bodyPr spcFirstLastPara="0" vert="horz" wrap="square" lIns="248919" tIns="248921" rIns="248920" bIns="1327235" numCol="1" spcCol="1270" anchor="ctr" anchorCtr="0">
+            <a:noAutofit/>
+          </a:bodyPr>
+          <a:lstStyle/>
+          <a:p>
+            <a:pPr lvl="0" algn="ctr" defTabSz="1555750">
+              <a:lnSpc>
+                <a:spcPct val="90000"/>
+              </a:lnSpc>
+              <a:spcBef>
+                <a:spcPct val="0"/>
+              </a:spcBef>
+              <a:spcAft>
+                <a:spcPct val="35000"/>
+              </a:spcAft>
+            </a:pPr>
+            <a:endParaRPr lang="en-US" altLang="zh-CN" sz="3500" kern="1200" dirty="0" smtClean="0"/>
+          </a:p>
+          <a:p>
+            <a:pPr lvl="0" algn="ctr" defTabSz="1555750">
+              <a:lnSpc>
+                <a:spcPct val="90000"/>
+              </a:lnSpc>
+              <a:spcBef>
+                <a:spcPct val="0"/>
+              </a:spcBef>
+              <a:spcAft>
+                <a:spcPct val="35000"/>
+              </a:spcAft>
+            </a:pPr>
+            <a:endParaRPr lang="en-US" altLang="zh-CN" sz="3500" dirty="0"/>
+          </a:p>
+          <a:p>
+            <a:pPr lvl="0" algn="ctr" defTabSz="1555750">
+              <a:lnSpc>
+                <a:spcPct val="90000"/>
+              </a:lnSpc>
+              <a:spcBef>
+                <a:spcPct val="0"/>
+              </a:spcBef>
+              <a:spcAft>
+                <a:spcPct val="35000"/>
+              </a:spcAft>
+            </a:pPr>
+            <a:r>
+              <a:rPr lang="zh-CN" altLang="en-US" sz="3500" kern="1200" dirty="0" smtClean="0"/>
+              <a:t>转发</a:t>
+            </a:r>
+            <a:r>
+              <a:rPr lang="zh-CN" altLang="en-US" sz="3500" kern="1200" dirty="0" smtClean="0"/>
+              <a:t>导致并行程度低</a:t>
+            </a:r>
+            <a:endParaRPr lang="zh-CN" altLang="en-US" sz="3500" kern="1200" dirty="0"/>
+          </a:p>
+        </p:txBody>
+      </p:sp>
+      <p:sp>
+        <p:nvSpPr>
+          <p:cNvPr id="44" name="圆角矩形 4"/>
+          <p:cNvSpPr txBox="1"/>
+          <p:nvPr/>
+        </p:nvSpPr>
+        <p:spPr>
+          <a:xfrm>
+            <a:off x="6282813" y="1285388"/>
+            <a:ext cx="5261487" cy="1977724"/>
+          </a:xfrm>
+          <a:prstGeom prst="rect">
+            <a:avLst/>
+          </a:prstGeom>
+          <a:solidFill>
+            <a:srgbClr val="C00000"/>
+          </a:solidFill>
+        </p:spPr>
+        <p:style>
+          <a:lnRef idx="0">
+            <a:scrgbClr r="0" g="0" b="0"/>
+          </a:lnRef>
+          <a:fillRef idx="0">
+            <a:scrgbClr r="0" g="0" b="0"/>
+          </a:fillRef>
+          <a:effectRef idx="0">
+            <a:scrgbClr r="0" g="0" b="0"/>
+          </a:effectRef>
+          <a:fontRef idx="minor">
+            <a:schemeClr val="lt1"/>
+          </a:fontRef>
+        </p:style>
+        <p:txBody>
+          <a:bodyPr spcFirstLastPara="0" vert="horz" wrap="square" lIns="81915" tIns="54610" rIns="81915" bIns="54610" numCol="1" spcCol="1270" anchor="ctr" anchorCtr="0">
+            <a:noAutofit/>
+          </a:bodyPr>
+          <a:lstStyle/>
+          <a:p>
+            <a:pPr lvl="0" algn="ctr" defTabSz="1911350">
+              <a:lnSpc>
+                <a:spcPct val="90000"/>
+              </a:lnSpc>
+              <a:spcBef>
+                <a:spcPct val="0"/>
+              </a:spcBef>
+              <a:spcAft>
+                <a:spcPct val="35000"/>
+              </a:spcAft>
+            </a:pPr>
+            <a:r>
+              <a:rPr lang="zh-CN" altLang="en-US" sz="4300" kern="1200" dirty="0" smtClean="0"/>
+              <a:t>拒绝</a:t>
+            </a:r>
+            <a:endParaRPr lang="zh-CN" altLang="en-US" sz="4300" kern="1200" dirty="0"/>
+          </a:p>
+        </p:txBody>
+      </p:sp>
+      <p:sp>
+        <p:nvSpPr>
+          <p:cNvPr id="4" name="左弧形箭头 3"/>
+          <p:cNvSpPr/>
+          <p:nvPr/>
+        </p:nvSpPr>
+        <p:spPr>
+          <a:xfrm>
+            <a:off x="738554" y="4519246"/>
+            <a:ext cx="1582615" cy="903243"/>
+          </a:xfrm>
+          <a:prstGeom prst="curvedRightArrow">
             <a:avLst/>
           </a:prstGeom>
         </p:spPr>
@@ -52329,58 +49612,129 @@
           </a:p>
         </p:txBody>
       </p:sp>
-      <p:graphicFrame>
-        <p:nvGraphicFramePr>
-          <p:cNvPr id="39" name="图示 38"/>
-          <p:cNvGraphicFramePr/>
-          <p:nvPr>
-            <p:extLst>
-              <p:ext uri="{D42A27DB-BD31-4B8C-83A1-F6EECF244321}">
-                <p14:modId xmlns:p14="http://schemas.microsoft.com/office/powerpoint/2010/main" val="609562389"/>
-              </p:ext>
-            </p:extLst>
-          </p:nvPr>
-        </p:nvGraphicFramePr>
-        <p:xfrm>
-          <a:off x="6282813" y="1283110"/>
-          <a:ext cx="5261487" cy="5055281"/>
-        </p:xfrm>
-        <a:graphic>
-          <a:graphicData uri="http://schemas.openxmlformats.org/drawingml/2006/diagram">
-            <dgm:relIds xmlns:dgm="http://schemas.openxmlformats.org/drawingml/2006/diagram" xmlns:r="http://schemas.openxmlformats.org/officeDocument/2006/relationships" r:dm="rId10" r:lo="rId11" r:qs="rId12" r:cs="rId13"/>
-          </a:graphicData>
-        </a:graphic>
-      </p:graphicFrame>
+      <p:sp>
+        <p:nvSpPr>
+          <p:cNvPr id="5" name="左弧形箭头 4"/>
+          <p:cNvSpPr/>
+          <p:nvPr/>
+        </p:nvSpPr>
+        <p:spPr>
+          <a:xfrm>
+            <a:off x="738554" y="3800167"/>
+            <a:ext cx="1582615" cy="719079"/>
+          </a:xfrm>
+          <a:prstGeom prst="curvedRightArrow">
+            <a:avLst/>
+          </a:prstGeom>
+        </p:spPr>
+        <p:style>
+          <a:lnRef idx="2">
+            <a:schemeClr val="accent1">
+              <a:shade val="50000"/>
+            </a:schemeClr>
+          </a:lnRef>
+          <a:fillRef idx="1">
+            <a:schemeClr val="accent1"/>
+          </a:fillRef>
+          <a:effectRef idx="0">
+            <a:schemeClr val="accent1"/>
+          </a:effectRef>
+          <a:fontRef idx="minor">
+            <a:schemeClr val="lt1"/>
+          </a:fontRef>
+        </p:style>
+        <p:txBody>
+          <a:bodyPr rtlCol="0" anchor="ctr"/>
+          <a:lstStyle/>
+          <a:p>
+            <a:pPr algn="ctr"/>
+            <a:endParaRPr lang="zh-CN" altLang="en-US">
+              <a:solidFill>
+                <a:schemeClr val="tx1"/>
+              </a:solidFill>
+            </a:endParaRPr>
+          </a:p>
+        </p:txBody>
+      </p:sp>
       <p:grpSp>
         <p:nvGrpSpPr>
-          <p:cNvPr id="42" name="组合 41"/>
+          <p:cNvPr id="13" name="组合 12"/>
           <p:cNvGrpSpPr/>
           <p:nvPr/>
         </p:nvGrpSpPr>
         <p:grpSpPr>
           <a:xfrm>
-            <a:off x="6409812" y="1761616"/>
-            <a:ext cx="5007488" cy="1202809"/>
-            <a:chOff x="0" y="442337"/>
-            <a:chExt cx="5261486" cy="1263820"/>
+            <a:off x="6282813" y="3340420"/>
+            <a:ext cx="5261486" cy="2959864"/>
+            <a:chOff x="6282813" y="3340420"/>
+            <a:chExt cx="5261486" cy="2959864"/>
           </a:xfrm>
         </p:grpSpPr>
         <p:sp>
           <p:nvSpPr>
-            <p:cNvPr id="43" name="圆角矩形 42"/>
+            <p:cNvPr id="7" name="任意多边形 6"/>
             <p:cNvSpPr/>
             <p:nvPr/>
           </p:nvSpPr>
           <p:spPr>
             <a:xfrm>
-              <a:off x="0" y="442337"/>
-              <a:ext cx="5261486" cy="1263820"/>
+              <a:off x="6282813" y="4298413"/>
+              <a:ext cx="5261486" cy="2001871"/>
             </a:xfrm>
-            <a:prstGeom prst="roundRect">
-              <a:avLst>
-                <a:gd name="adj" fmla="val 10000"/>
-              </a:avLst>
-            </a:prstGeom>
+            <a:custGeom>
+              <a:avLst/>
+              <a:gdLst>
+                <a:gd name="connsiteX0" fmla="*/ 0 w 5261486"/>
+                <a:gd name="connsiteY0" fmla="*/ 0 h 2001871"/>
+                <a:gd name="connsiteX1" fmla="*/ 5261486 w 5261486"/>
+                <a:gd name="connsiteY1" fmla="*/ 0 h 2001871"/>
+                <a:gd name="connsiteX2" fmla="*/ 5261486 w 5261486"/>
+                <a:gd name="connsiteY2" fmla="*/ 2001871 h 2001871"/>
+                <a:gd name="connsiteX3" fmla="*/ 0 w 5261486"/>
+                <a:gd name="connsiteY3" fmla="*/ 2001871 h 2001871"/>
+                <a:gd name="connsiteX4" fmla="*/ 0 w 5261486"/>
+                <a:gd name="connsiteY4" fmla="*/ 0 h 2001871"/>
+              </a:gdLst>
+              <a:ahLst/>
+              <a:cxnLst>
+                <a:cxn ang="0">
+                  <a:pos x="connsiteX0" y="connsiteY0"/>
+                </a:cxn>
+                <a:cxn ang="0">
+                  <a:pos x="connsiteX1" y="connsiteY1"/>
+                </a:cxn>
+                <a:cxn ang="0">
+                  <a:pos x="connsiteX2" y="connsiteY2"/>
+                </a:cxn>
+                <a:cxn ang="0">
+                  <a:pos x="connsiteX3" y="connsiteY3"/>
+                </a:cxn>
+                <a:cxn ang="0">
+                  <a:pos x="connsiteX4" y="connsiteY4"/>
+                </a:cxn>
+              </a:cxnLst>
+              <a:rect l="l" t="t" r="r" b="b"/>
+              <a:pathLst>
+                <a:path w="5261486" h="2001871">
+                  <a:moveTo>
+                    <a:pt x="0" y="0"/>
+                  </a:moveTo>
+                  <a:lnTo>
+                    <a:pt x="5261486" y="0"/>
+                  </a:lnTo>
+                  <a:lnTo>
+                    <a:pt x="5261486" y="2001871"/>
+                  </a:lnTo>
+                  <a:lnTo>
+                    <a:pt x="0" y="2001871"/>
+                  </a:lnTo>
+                  <a:lnTo>
+                    <a:pt x="0" y="0"/>
+                  </a:lnTo>
+                  <a:close/>
+                </a:path>
+              </a:pathLst>
+            </a:custGeom>
           </p:spPr>
           <p:style>
             <a:lnRef idx="2">
@@ -52411,46 +49765,13 @@
               <a:schemeClr val="lt1"/>
             </a:fontRef>
           </p:style>
-        </p:sp>
-        <p:sp>
-          <p:nvSpPr>
-            <p:cNvPr id="44" name="圆角矩形 4"/>
-            <p:cNvSpPr txBox="1"/>
-            <p:nvPr/>
-          </p:nvSpPr>
-          <p:spPr>
-            <a:xfrm>
-              <a:off x="37016" y="479353"/>
-              <a:ext cx="5187454" cy="1189788"/>
-            </a:xfrm>
-            <a:prstGeom prst="rect">
-              <a:avLst/>
-            </a:prstGeom>
-            <a:solidFill>
-              <a:srgbClr val="C00000"/>
-            </a:solidFill>
-          </p:spPr>
-          <p:style>
-            <a:lnRef idx="0">
-              <a:scrgbClr r="0" g="0" b="0"/>
-            </a:lnRef>
-            <a:fillRef idx="0">
-              <a:scrgbClr r="0" g="0" b="0"/>
-            </a:fillRef>
-            <a:effectRef idx="0">
-              <a:scrgbClr r="0" g="0" b="0"/>
-            </a:effectRef>
-            <a:fontRef idx="minor">
-              <a:schemeClr val="lt1"/>
-            </a:fontRef>
-          </p:style>
           <p:txBody>
-            <a:bodyPr spcFirstLastPara="0" vert="horz" wrap="square" lIns="81915" tIns="54610" rIns="81915" bIns="54610" numCol="1" spcCol="1270" anchor="ctr" anchorCtr="0">
+            <a:bodyPr spcFirstLastPara="0" vert="horz" wrap="square" lIns="248920" tIns="248920" rIns="248920" bIns="1169781" numCol="1" spcCol="1270" anchor="ctr" anchorCtr="0">
               <a:noAutofit/>
             </a:bodyPr>
             <a:lstStyle/>
             <a:p>
-              <a:pPr lvl="0" algn="ctr" defTabSz="1911350">
+              <a:pPr lvl="0" algn="ctr" defTabSz="1555750">
                 <a:lnSpc>
                   <a:spcPct val="90000"/>
                 </a:lnSpc>
@@ -52462,10 +49783,312 @@
                 </a:spcAft>
               </a:pPr>
               <a:r>
-                <a:rPr lang="zh-CN" altLang="en-US" sz="4300" kern="1200" dirty="0" smtClean="0"/>
-                <a:t>拒绝</a:t>
+                <a:rPr lang="zh-CN" altLang="en-US" sz="3500" kern="1200" dirty="0" smtClean="0"/>
+                <a:t>改进</a:t>
               </a:r>
-              <a:endParaRPr lang="zh-CN" altLang="en-US" sz="4300" kern="1200" dirty="0"/>
+              <a:endParaRPr lang="zh-CN" altLang="en-US" sz="3500" kern="1200" dirty="0"/>
+            </a:p>
+          </p:txBody>
+        </p:sp>
+        <p:sp>
+          <p:nvSpPr>
+            <p:cNvPr id="8" name="任意多边形 7"/>
+            <p:cNvSpPr/>
+            <p:nvPr/>
+          </p:nvSpPr>
+          <p:spPr>
+            <a:xfrm>
+              <a:off x="6282813" y="5375213"/>
+              <a:ext cx="2630743" cy="920860"/>
+            </a:xfrm>
+            <a:custGeom>
+              <a:avLst/>
+              <a:gdLst>
+                <a:gd name="connsiteX0" fmla="*/ 0 w 2630743"/>
+                <a:gd name="connsiteY0" fmla="*/ 0 h 920860"/>
+                <a:gd name="connsiteX1" fmla="*/ 2630743 w 2630743"/>
+                <a:gd name="connsiteY1" fmla="*/ 0 h 920860"/>
+                <a:gd name="connsiteX2" fmla="*/ 2630743 w 2630743"/>
+                <a:gd name="connsiteY2" fmla="*/ 920860 h 920860"/>
+                <a:gd name="connsiteX3" fmla="*/ 0 w 2630743"/>
+                <a:gd name="connsiteY3" fmla="*/ 920860 h 920860"/>
+                <a:gd name="connsiteX4" fmla="*/ 0 w 2630743"/>
+                <a:gd name="connsiteY4" fmla="*/ 0 h 920860"/>
+              </a:gdLst>
+              <a:ahLst/>
+              <a:cxnLst>
+                <a:cxn ang="0">
+                  <a:pos x="connsiteX0" y="connsiteY0"/>
+                </a:cxn>
+                <a:cxn ang="0">
+                  <a:pos x="connsiteX1" y="connsiteY1"/>
+                </a:cxn>
+                <a:cxn ang="0">
+                  <a:pos x="connsiteX2" y="connsiteY2"/>
+                </a:cxn>
+                <a:cxn ang="0">
+                  <a:pos x="connsiteX3" y="connsiteY3"/>
+                </a:cxn>
+                <a:cxn ang="0">
+                  <a:pos x="connsiteX4" y="connsiteY4"/>
+                </a:cxn>
+              </a:cxnLst>
+              <a:rect l="l" t="t" r="r" b="b"/>
+              <a:pathLst>
+                <a:path w="2630743" h="920860">
+                  <a:moveTo>
+                    <a:pt x="0" y="0"/>
+                  </a:moveTo>
+                  <a:lnTo>
+                    <a:pt x="2630743" y="0"/>
+                  </a:lnTo>
+                  <a:lnTo>
+                    <a:pt x="2630743" y="920860"/>
+                  </a:lnTo>
+                  <a:lnTo>
+                    <a:pt x="0" y="920860"/>
+                  </a:lnTo>
+                  <a:lnTo>
+                    <a:pt x="0" y="0"/>
+                  </a:lnTo>
+                  <a:close/>
+                </a:path>
+              </a:pathLst>
+            </a:custGeom>
+          </p:spPr>
+          <p:style>
+            <a:lnRef idx="2">
+              <a:schemeClr val="accent1">
+                <a:alpha val="90000"/>
+                <a:tint val="40000"/>
+                <a:hueOff val="0"/>
+                <a:satOff val="0"/>
+                <a:lumOff val="0"/>
+                <a:alphaOff val="0"/>
+              </a:schemeClr>
+            </a:lnRef>
+            <a:fillRef idx="1">
+              <a:schemeClr val="accent1">
+                <a:alpha val="90000"/>
+                <a:tint val="40000"/>
+                <a:hueOff val="0"/>
+                <a:satOff val="0"/>
+                <a:lumOff val="0"/>
+                <a:alphaOff val="0"/>
+              </a:schemeClr>
+            </a:fillRef>
+            <a:effectRef idx="0">
+              <a:schemeClr val="accent1">
+                <a:alpha val="90000"/>
+                <a:tint val="40000"/>
+                <a:hueOff val="0"/>
+                <a:satOff val="0"/>
+                <a:lumOff val="0"/>
+                <a:alphaOff val="0"/>
+              </a:schemeClr>
+            </a:effectRef>
+            <a:fontRef idx="minor">
+              <a:schemeClr val="dk1">
+                <a:hueOff val="0"/>
+                <a:satOff val="0"/>
+                <a:lumOff val="0"/>
+                <a:alphaOff val="0"/>
+              </a:schemeClr>
+            </a:fontRef>
+          </p:style>
+          <p:txBody>
+            <a:bodyPr spcFirstLastPara="0" vert="horz" wrap="square" lIns="192024" tIns="34290" rIns="192024" bIns="34290" numCol="1" spcCol="1270" anchor="ctr" anchorCtr="0">
+              <a:noAutofit/>
+            </a:bodyPr>
+            <a:lstStyle/>
+            <a:p>
+              <a:pPr lvl="0" algn="ctr" defTabSz="1200150">
+                <a:lnSpc>
+                  <a:spcPct val="90000"/>
+                </a:lnSpc>
+                <a:spcBef>
+                  <a:spcPct val="0"/>
+                </a:spcBef>
+                <a:spcAft>
+                  <a:spcPct val="35000"/>
+                </a:spcAft>
+              </a:pPr>
+              <a:r>
+                <a:rPr lang="zh-CN" altLang="en-US" sz="2700" kern="1200" dirty="0" smtClean="0"/>
+                <a:t>延迟转发发生时间</a:t>
+              </a:r>
+              <a:endParaRPr lang="zh-CN" altLang="en-US" sz="2700" kern="1200" dirty="0"/>
+            </a:p>
+          </p:txBody>
+        </p:sp>
+        <p:sp>
+          <p:nvSpPr>
+            <p:cNvPr id="9" name="任意多边形 8"/>
+            <p:cNvSpPr/>
+            <p:nvPr/>
+          </p:nvSpPr>
+          <p:spPr>
+            <a:xfrm>
+              <a:off x="8913556" y="5375213"/>
+              <a:ext cx="2630743" cy="920860"/>
+            </a:xfrm>
+            <a:custGeom>
+              <a:avLst/>
+              <a:gdLst>
+                <a:gd name="connsiteX0" fmla="*/ 0 w 2630743"/>
+                <a:gd name="connsiteY0" fmla="*/ 0 h 920860"/>
+                <a:gd name="connsiteX1" fmla="*/ 2630743 w 2630743"/>
+                <a:gd name="connsiteY1" fmla="*/ 0 h 920860"/>
+                <a:gd name="connsiteX2" fmla="*/ 2630743 w 2630743"/>
+                <a:gd name="connsiteY2" fmla="*/ 920860 h 920860"/>
+                <a:gd name="connsiteX3" fmla="*/ 0 w 2630743"/>
+                <a:gd name="connsiteY3" fmla="*/ 920860 h 920860"/>
+                <a:gd name="connsiteX4" fmla="*/ 0 w 2630743"/>
+                <a:gd name="connsiteY4" fmla="*/ 0 h 920860"/>
+              </a:gdLst>
+              <a:ahLst/>
+              <a:cxnLst>
+                <a:cxn ang="0">
+                  <a:pos x="connsiteX0" y="connsiteY0"/>
+                </a:cxn>
+                <a:cxn ang="0">
+                  <a:pos x="connsiteX1" y="connsiteY1"/>
+                </a:cxn>
+                <a:cxn ang="0">
+                  <a:pos x="connsiteX2" y="connsiteY2"/>
+                </a:cxn>
+                <a:cxn ang="0">
+                  <a:pos x="connsiteX3" y="connsiteY3"/>
+                </a:cxn>
+                <a:cxn ang="0">
+                  <a:pos x="connsiteX4" y="connsiteY4"/>
+                </a:cxn>
+              </a:cxnLst>
+              <a:rect l="l" t="t" r="r" b="b"/>
+              <a:pathLst>
+                <a:path w="2630743" h="920860">
+                  <a:moveTo>
+                    <a:pt x="0" y="0"/>
+                  </a:moveTo>
+                  <a:lnTo>
+                    <a:pt x="2630743" y="0"/>
+                  </a:lnTo>
+                  <a:lnTo>
+                    <a:pt x="2630743" y="920860"/>
+                  </a:lnTo>
+                  <a:lnTo>
+                    <a:pt x="0" y="920860"/>
+                  </a:lnTo>
+                  <a:lnTo>
+                    <a:pt x="0" y="0"/>
+                  </a:lnTo>
+                  <a:close/>
+                </a:path>
+              </a:pathLst>
+            </a:custGeom>
+          </p:spPr>
+          <p:style>
+            <a:lnRef idx="2">
+              <a:schemeClr val="accent1">
+                <a:alpha val="90000"/>
+                <a:tint val="40000"/>
+                <a:hueOff val="0"/>
+                <a:satOff val="0"/>
+                <a:lumOff val="0"/>
+                <a:alphaOff val="0"/>
+              </a:schemeClr>
+            </a:lnRef>
+            <a:fillRef idx="1">
+              <a:schemeClr val="accent1">
+                <a:alpha val="90000"/>
+                <a:tint val="40000"/>
+                <a:hueOff val="0"/>
+                <a:satOff val="0"/>
+                <a:lumOff val="0"/>
+                <a:alphaOff val="0"/>
+              </a:schemeClr>
+            </a:fillRef>
+            <a:effectRef idx="0">
+              <a:schemeClr val="accent1">
+                <a:alpha val="90000"/>
+                <a:tint val="40000"/>
+                <a:hueOff val="0"/>
+                <a:satOff val="0"/>
+                <a:lumOff val="0"/>
+                <a:alphaOff val="0"/>
+              </a:schemeClr>
+            </a:effectRef>
+            <a:fontRef idx="minor">
+              <a:schemeClr val="dk1">
+                <a:hueOff val="0"/>
+                <a:satOff val="0"/>
+                <a:lumOff val="0"/>
+                <a:alphaOff val="0"/>
+              </a:schemeClr>
+            </a:fontRef>
+          </p:style>
+          <p:txBody>
+            <a:bodyPr spcFirstLastPara="0" vert="horz" wrap="square" lIns="192024" tIns="34290" rIns="192024" bIns="34290" numCol="1" spcCol="1270" anchor="ctr" anchorCtr="0">
+              <a:noAutofit/>
+            </a:bodyPr>
+            <a:lstStyle/>
+            <a:p>
+              <a:pPr lvl="0" algn="ctr" defTabSz="1200150">
+                <a:lnSpc>
+                  <a:spcPct val="90000"/>
+                </a:lnSpc>
+                <a:spcBef>
+                  <a:spcPct val="0"/>
+                </a:spcBef>
+                <a:spcAft>
+                  <a:spcPct val="35000"/>
+                </a:spcAft>
+              </a:pPr>
+              <a:r>
+                <a:rPr lang="zh-CN" altLang="en-US" sz="2700" kern="1200" dirty="0" smtClean="0"/>
+                <a:t>预测转发结果</a:t>
+              </a:r>
+              <a:endParaRPr lang="zh-CN" altLang="en-US" sz="2700" kern="1200" dirty="0"/>
+            </a:p>
+          </p:txBody>
+        </p:sp>
+        <p:sp>
+          <p:nvSpPr>
+            <p:cNvPr id="12" name="下箭头 11"/>
+            <p:cNvSpPr/>
+            <p:nvPr/>
+          </p:nvSpPr>
+          <p:spPr>
+            <a:xfrm>
+              <a:off x="8500316" y="3340420"/>
+              <a:ext cx="826477" cy="957993"/>
+            </a:xfrm>
+            <a:prstGeom prst="downArrow">
+              <a:avLst/>
+            </a:prstGeom>
+          </p:spPr>
+          <p:style>
+            <a:lnRef idx="2">
+              <a:schemeClr val="accent1">
+                <a:shade val="50000"/>
+              </a:schemeClr>
+            </a:lnRef>
+            <a:fillRef idx="1">
+              <a:schemeClr val="accent1"/>
+            </a:fillRef>
+            <a:effectRef idx="0">
+              <a:schemeClr val="accent1"/>
+            </a:effectRef>
+            <a:fontRef idx="minor">
+              <a:schemeClr val="lt1"/>
+            </a:fontRef>
+          </p:style>
+          <p:txBody>
+            <a:bodyPr rtlCol="0" anchor="ctr"/>
+            <a:lstStyle/>
+            <a:p>
+              <a:pPr algn="ctr"/>
+              <a:endParaRPr lang="zh-CN" altLang="en-US"/>
             </a:p>
           </p:txBody>
         </p:sp>
@@ -52480,24 +50103,186 @@
   <p:clrMapOvr>
     <a:masterClrMapping/>
   </p:clrMapOvr>
-  <mc:AlternateContent xmlns:mc="http://schemas.openxmlformats.org/markup-compatibility/2006" xmlns:p14="http://schemas.microsoft.com/office/powerpoint/2010/main">
-    <mc:Choice Requires="p14">
-      <p:transition spd="slow" p14:dur="2000">
-        <p14:prism isContent="1"/>
+  <mc:AlternateContent xmlns:mc="http://schemas.openxmlformats.org/markup-compatibility/2006">
+    <mc:Choice xmlns:p14="http://schemas.microsoft.com/office/powerpoint/2010/main" Requires="p14">
+      <p:transition p14:dur="100">
+        <p:cut/>
       </p:transition>
     </mc:Choice>
-    <mc:Fallback xmlns="">
-      <p:transition spd="slow">
-        <p:fade/>
+    <mc:Fallback>
+      <p:transition>
+        <p:cut/>
       </p:transition>
     </mc:Fallback>
   </mc:AlternateContent>
   <p:timing>
     <p:tnLst>
       <p:par>
-        <p:cTn id="1" dur="indefinite" restart="never" nodeType="tmRoot"/>
+        <p:cTn id="1" dur="indefinite" restart="never" nodeType="tmRoot">
+          <p:childTnLst>
+            <p:seq concurrent="1" nextAc="seek">
+              <p:cTn id="2" dur="indefinite" nodeType="mainSeq">
+                <p:childTnLst>
+                  <p:par>
+                    <p:cTn id="3" fill="hold">
+                      <p:stCondLst>
+                        <p:cond delay="indefinite"/>
+                      </p:stCondLst>
+                      <p:childTnLst>
+                        <p:par>
+                          <p:cTn id="4" fill="hold">
+                            <p:stCondLst>
+                              <p:cond delay="0"/>
+                            </p:stCondLst>
+                            <p:childTnLst>
+                              <p:par>
+                                <p:cTn id="5" presetID="1" presetClass="entr" presetSubtype="0" fill="hold" grpId="0" nodeType="clickEffect">
+                                  <p:stCondLst>
+                                    <p:cond delay="0"/>
+                                  </p:stCondLst>
+                                  <p:childTnLst>
+                                    <p:set>
+                                      <p:cBhvr>
+                                        <p:cTn id="6" dur="1" fill="hold">
+                                          <p:stCondLst>
+                                            <p:cond delay="0"/>
+                                          </p:stCondLst>
+                                        </p:cTn>
+                                        <p:tgtEl>
+                                          <p:spTgt spid="10"/>
+                                        </p:tgtEl>
+                                        <p:attrNameLst>
+                                          <p:attrName>style.visibility</p:attrName>
+                                        </p:attrNameLst>
+                                      </p:cBhvr>
+                                      <p:to>
+                                        <p:strVal val="visible"/>
+                                      </p:to>
+                                    </p:set>
+                                  </p:childTnLst>
+                                </p:cTn>
+                              </p:par>
+                            </p:childTnLst>
+                          </p:cTn>
+                        </p:par>
+                      </p:childTnLst>
+                    </p:cTn>
+                  </p:par>
+                  <p:par>
+                    <p:cTn id="7" fill="hold">
+                      <p:stCondLst>
+                        <p:cond delay="indefinite"/>
+                      </p:stCondLst>
+                      <p:childTnLst>
+                        <p:par>
+                          <p:cTn id="8" fill="hold">
+                            <p:stCondLst>
+                              <p:cond delay="0"/>
+                            </p:stCondLst>
+                            <p:childTnLst>
+                              <p:par>
+                                <p:cTn id="9" presetID="1" presetClass="entr" presetSubtype="0" fill="hold" grpId="0" nodeType="clickEffect">
+                                  <p:stCondLst>
+                                    <p:cond delay="0"/>
+                                  </p:stCondLst>
+                                  <p:childTnLst>
+                                    <p:set>
+                                      <p:cBhvr>
+                                        <p:cTn id="10" dur="1" fill="hold">
+                                          <p:stCondLst>
+                                            <p:cond delay="0"/>
+                                          </p:stCondLst>
+                                        </p:cTn>
+                                        <p:tgtEl>
+                                          <p:spTgt spid="44"/>
+                                        </p:tgtEl>
+                                        <p:attrNameLst>
+                                          <p:attrName>style.visibility</p:attrName>
+                                        </p:attrNameLst>
+                                      </p:cBhvr>
+                                      <p:to>
+                                        <p:strVal val="visible"/>
+                                      </p:to>
+                                    </p:set>
+                                  </p:childTnLst>
+                                </p:cTn>
+                              </p:par>
+                            </p:childTnLst>
+                          </p:cTn>
+                        </p:par>
+                      </p:childTnLst>
+                    </p:cTn>
+                  </p:par>
+                  <p:par>
+                    <p:cTn id="11" fill="hold">
+                      <p:stCondLst>
+                        <p:cond delay="indefinite"/>
+                      </p:stCondLst>
+                      <p:childTnLst>
+                        <p:par>
+                          <p:cTn id="12" fill="hold">
+                            <p:stCondLst>
+                              <p:cond delay="0"/>
+                            </p:stCondLst>
+                            <p:childTnLst>
+                              <p:par>
+                                <p:cTn id="13" presetID="1" presetClass="entr" presetSubtype="0" fill="hold" nodeType="clickEffect">
+                                  <p:stCondLst>
+                                    <p:cond delay="0"/>
+                                  </p:stCondLst>
+                                  <p:childTnLst>
+                                    <p:set>
+                                      <p:cBhvr>
+                                        <p:cTn id="14" dur="1" fill="hold">
+                                          <p:stCondLst>
+                                            <p:cond delay="0"/>
+                                          </p:stCondLst>
+                                        </p:cTn>
+                                        <p:tgtEl>
+                                          <p:spTgt spid="13"/>
+                                        </p:tgtEl>
+                                        <p:attrNameLst>
+                                          <p:attrName>style.visibility</p:attrName>
+                                        </p:attrNameLst>
+                                      </p:cBhvr>
+                                      <p:to>
+                                        <p:strVal val="visible"/>
+                                      </p:to>
+                                    </p:set>
+                                  </p:childTnLst>
+                                </p:cTn>
+                              </p:par>
+                            </p:childTnLst>
+                          </p:cTn>
+                        </p:par>
+                      </p:childTnLst>
+                    </p:cTn>
+                  </p:par>
+                </p:childTnLst>
+              </p:cTn>
+              <p:prevCondLst>
+                <p:cond evt="onPrev" delay="0">
+                  <p:tgtEl>
+                    <p:sldTgt/>
+                  </p:tgtEl>
+                </p:cond>
+              </p:prevCondLst>
+              <p:nextCondLst>
+                <p:cond evt="onNext" delay="0">
+                  <p:tgtEl>
+                    <p:sldTgt/>
+                  </p:tgtEl>
+                </p:cond>
+              </p:nextCondLst>
+            </p:seq>
+          </p:childTnLst>
+        </p:cTn>
       </p:par>
     </p:tnLst>
+    <p:bldLst>
+      <p:bldP spid="10" grpId="0" animBg="1"/>
+      <p:bldP spid="44" grpId="0" animBg="1"/>
+    </p:bldLst>
   </p:timing>
 </p:sld>
 </file>
@@ -52519,43 +50304,6 @@
           <a:chExt cx="0" cy="0"/>
         </a:xfrm>
       </p:grpSpPr>
-      <p:sp>
-        <p:nvSpPr>
-          <p:cNvPr id="2" name="文本占位符 1"/>
-          <p:cNvSpPr>
-            <a:spLocks noGrp="1"/>
-          </p:cNvSpPr>
-          <p:nvPr>
-            <p:ph type="body" sz="quarter" idx="10"/>
-          </p:nvPr>
-        </p:nvSpPr>
-        <p:spPr>
-          <a:xfrm>
-            <a:off x="2743199" y="538932"/>
-            <a:ext cx="2019869" cy="333375"/>
-          </a:xfrm>
-        </p:spPr>
-        <p:txBody>
-          <a:bodyPr>
-            <a:normAutofit fontScale="92500"/>
-          </a:bodyPr>
-          <a:lstStyle/>
-          <a:p>
-            <a:r>
-              <a:rPr lang="zh-CN" altLang="en-US" dirty="0"/>
-              <a:t>研究方案</a:t>
-            </a:r>
-            <a:r>
-              <a:rPr lang="en-US" altLang="zh-CN" dirty="0"/>
-              <a:t>-Planning</a:t>
-            </a:r>
-            <a:endParaRPr lang="zh-CN" altLang="en-US" dirty="0"/>
-          </a:p>
-          <a:p>
-            <a:endParaRPr lang="zh-CN" altLang="en-US" dirty="0"/>
-          </a:p>
-        </p:txBody>
-      </p:sp>
       <p:sp>
         <p:nvSpPr>
           <p:cNvPr id="3" name="文本占位符 2"/>
@@ -52594,38 +50342,6 @@
           </a:p>
         </p:txBody>
       </p:sp>
-      <p:pic>
-        <p:nvPicPr>
-          <p:cNvPr id="23" name="图片 22">
-            <a:hlinkClick r:id="rId3"/>
-          </p:cNvPr>
-          <p:cNvPicPr>
-            <a:picLocks noChangeAspect="1"/>
-          </p:cNvPicPr>
-          <p:nvPr/>
-        </p:nvPicPr>
-        <p:blipFill>
-          <a:blip r:embed="rId4">
-            <a:extLst>
-              <a:ext uri="{28A0092B-C50C-407E-A947-70E740481C1C}">
-                <a14:useLocalDpi xmlns:a14="http://schemas.microsoft.com/office/drawing/2010/main" val="0"/>
-              </a:ext>
-            </a:extLst>
-          </a:blip>
-          <a:stretch>
-            <a:fillRect/>
-          </a:stretch>
-        </p:blipFill>
-        <p:spPr>
-          <a:xfrm>
-            <a:off x="9715500" y="302238"/>
-            <a:ext cx="1828800" cy="243840"/>
-          </a:xfrm>
-          <a:prstGeom prst="rect">
-            <a:avLst/>
-          </a:prstGeom>
-        </p:spPr>
-      </p:pic>
       <p:graphicFrame>
         <p:nvGraphicFramePr>
           <p:cNvPr id="5" name="图示 4"/>
@@ -52644,7 +50360,7 @@
         </p:xfrm>
         <a:graphic>
           <a:graphicData uri="http://schemas.openxmlformats.org/drawingml/2006/diagram">
-            <dgm:relIds xmlns:dgm="http://schemas.openxmlformats.org/drawingml/2006/diagram" xmlns:r="http://schemas.openxmlformats.org/officeDocument/2006/relationships" r:dm="rId5" r:lo="rId6" r:qs="rId7" r:cs="rId8"/>
+            <dgm:relIds xmlns:dgm="http://schemas.openxmlformats.org/drawingml/2006/diagram" xmlns:r="http://schemas.openxmlformats.org/officeDocument/2006/relationships" r:dm="rId3" r:lo="rId4" r:qs="rId5" r:cs="rId6"/>
           </a:graphicData>
         </a:graphic>
       </p:graphicFrame>
@@ -52755,7 +50471,7 @@
         </p:xfrm>
         <a:graphic>
           <a:graphicData uri="http://schemas.openxmlformats.org/drawingml/2006/diagram">
-            <dgm:relIds xmlns:dgm="http://schemas.openxmlformats.org/drawingml/2006/diagram" xmlns:r="http://schemas.openxmlformats.org/officeDocument/2006/relationships" r:dm="rId10" r:lo="rId11" r:qs="rId12" r:cs="rId13"/>
+            <dgm:relIds xmlns:dgm="http://schemas.openxmlformats.org/drawingml/2006/diagram" xmlns:r="http://schemas.openxmlformats.org/officeDocument/2006/relationships" r:dm="rId8" r:lo="rId9" r:qs="rId10" r:cs="rId11"/>
           </a:graphicData>
         </a:graphic>
       </p:graphicFrame>
@@ -52849,15 +50565,15 @@
   <p:clrMapOvr>
     <a:masterClrMapping/>
   </p:clrMapOvr>
-  <mc:AlternateContent xmlns:mc="http://schemas.openxmlformats.org/markup-compatibility/2006" xmlns:p14="http://schemas.microsoft.com/office/powerpoint/2010/main">
-    <mc:Choice Requires="p14">
-      <p:transition spd="slow" p14:dur="2000">
-        <p14:prism isContent="1"/>
+  <mc:AlternateContent xmlns:mc="http://schemas.openxmlformats.org/markup-compatibility/2006">
+    <mc:Choice xmlns:p14="http://schemas.microsoft.com/office/powerpoint/2010/main" Requires="p14">
+      <p:transition p14:dur="100">
+        <p:cut/>
       </p:transition>
     </mc:Choice>
-    <mc:Fallback xmlns="">
-      <p:transition spd="slow">
-        <p:fade/>
+    <mc:Fallback>
+      <p:transition>
+        <p:cut/>
       </p:transition>
     </mc:Fallback>
   </mc:AlternateContent>
@@ -52888,43 +50604,6 @@
           <a:chExt cx="0" cy="0"/>
         </a:xfrm>
       </p:grpSpPr>
-      <p:sp>
-        <p:nvSpPr>
-          <p:cNvPr id="2" name="文本占位符 1"/>
-          <p:cNvSpPr>
-            <a:spLocks noGrp="1"/>
-          </p:cNvSpPr>
-          <p:nvPr>
-            <p:ph type="body" sz="quarter" idx="10"/>
-          </p:nvPr>
-        </p:nvSpPr>
-        <p:spPr>
-          <a:xfrm>
-            <a:off x="2743199" y="538932"/>
-            <a:ext cx="2019869" cy="333375"/>
-          </a:xfrm>
-        </p:spPr>
-        <p:txBody>
-          <a:bodyPr>
-            <a:normAutofit fontScale="92500"/>
-          </a:bodyPr>
-          <a:lstStyle/>
-          <a:p>
-            <a:r>
-              <a:rPr lang="zh-CN" altLang="en-US" dirty="0"/>
-              <a:t>研究方案</a:t>
-            </a:r>
-            <a:r>
-              <a:rPr lang="en-US" altLang="zh-CN" dirty="0"/>
-              <a:t>-Planning</a:t>
-            </a:r>
-            <a:endParaRPr lang="zh-CN" altLang="en-US" dirty="0"/>
-          </a:p>
-          <a:p>
-            <a:endParaRPr lang="zh-CN" altLang="en-US" dirty="0"/>
-          </a:p>
-        </p:txBody>
-      </p:sp>
       <p:sp>
         <p:nvSpPr>
           <p:cNvPr id="3" name="文本占位符 2"/>
@@ -52963,38 +50642,6 @@
           </a:p>
         </p:txBody>
       </p:sp>
-      <p:pic>
-        <p:nvPicPr>
-          <p:cNvPr id="23" name="图片 22">
-            <a:hlinkClick r:id="rId3"/>
-          </p:cNvPr>
-          <p:cNvPicPr>
-            <a:picLocks noChangeAspect="1"/>
-          </p:cNvPicPr>
-          <p:nvPr/>
-        </p:nvPicPr>
-        <p:blipFill>
-          <a:blip r:embed="rId4">
-            <a:extLst>
-              <a:ext uri="{28A0092B-C50C-407E-A947-70E740481C1C}">
-                <a14:useLocalDpi xmlns:a14="http://schemas.microsoft.com/office/drawing/2010/main" val="0"/>
-              </a:ext>
-            </a:extLst>
-          </a:blip>
-          <a:stretch>
-            <a:fillRect/>
-          </a:stretch>
-        </p:blipFill>
-        <p:spPr>
-          <a:xfrm>
-            <a:off x="9715500" y="302238"/>
-            <a:ext cx="1828800" cy="243840"/>
-          </a:xfrm>
-          <a:prstGeom prst="rect">
-            <a:avLst/>
-          </a:prstGeom>
-        </p:spPr>
-      </p:pic>
       <p:graphicFrame>
         <p:nvGraphicFramePr>
           <p:cNvPr id="5" name="图示 4"/>
@@ -53013,7 +50660,7 @@
         </p:xfrm>
         <a:graphic>
           <a:graphicData uri="http://schemas.openxmlformats.org/drawingml/2006/diagram">
-            <dgm:relIds xmlns:dgm="http://schemas.openxmlformats.org/drawingml/2006/diagram" xmlns:r="http://schemas.openxmlformats.org/officeDocument/2006/relationships" r:dm="rId5" r:lo="rId6" r:qs="rId7" r:cs="rId8"/>
+            <dgm:relIds xmlns:dgm="http://schemas.openxmlformats.org/drawingml/2006/diagram" xmlns:r="http://schemas.openxmlformats.org/officeDocument/2006/relationships" r:dm="rId3" r:lo="rId4" r:qs="rId5" r:cs="rId6"/>
           </a:graphicData>
         </a:graphic>
       </p:graphicFrame>
@@ -53075,15 +50722,15 @@
   <p:clrMapOvr>
     <a:masterClrMapping/>
   </p:clrMapOvr>
-  <mc:AlternateContent xmlns:mc="http://schemas.openxmlformats.org/markup-compatibility/2006" xmlns:p14="http://schemas.microsoft.com/office/powerpoint/2010/main">
-    <mc:Choice Requires="p14">
-      <p:transition spd="slow" p14:dur="2000">
-        <p14:prism isContent="1"/>
+  <mc:AlternateContent xmlns:mc="http://schemas.openxmlformats.org/markup-compatibility/2006">
+    <mc:Choice xmlns:p14="http://schemas.microsoft.com/office/powerpoint/2010/main" Requires="p14">
+      <p:transition p14:dur="100">
+        <p:cut/>
       </p:transition>
     </mc:Choice>
-    <mc:Fallback xmlns="">
-      <p:transition spd="slow">
-        <p:fade/>
+    <mc:Fallback>
+      <p:transition>
+        <p:cut/>
       </p:transition>
     </mc:Fallback>
   </mc:AlternateContent>
@@ -53185,15 +50832,15 @@
   <p:clrMapOvr>
     <a:masterClrMapping/>
   </p:clrMapOvr>
-  <mc:AlternateContent xmlns:mc="http://schemas.openxmlformats.org/markup-compatibility/2006" xmlns:p14="http://schemas.microsoft.com/office/powerpoint/2010/main">
-    <mc:Choice Requires="p14">
-      <p:transition spd="slow" p14:dur="2000">
-        <p14:prism isContent="1"/>
+  <mc:AlternateContent xmlns:mc="http://schemas.openxmlformats.org/markup-compatibility/2006">
+    <mc:Choice xmlns:p14="http://schemas.microsoft.com/office/powerpoint/2010/main" Requires="p14">
+      <p:transition p14:dur="100">
+        <p:cut/>
       </p:transition>
     </mc:Choice>
-    <mc:Fallback xmlns="">
-      <p:transition spd="slow">
-        <p:fade/>
+    <mc:Fallback>
+      <p:transition>
+        <p:cut/>
       </p:transition>
     </mc:Fallback>
   </mc:AlternateContent>
@@ -53289,15 +50936,15 @@
   <p:clrMapOvr>
     <a:masterClrMapping/>
   </p:clrMapOvr>
-  <mc:AlternateContent xmlns:mc="http://schemas.openxmlformats.org/markup-compatibility/2006" xmlns:p14="http://schemas.microsoft.com/office/powerpoint/2010/main">
-    <mc:Choice Requires="p14">
-      <p:transition spd="slow" p14:dur="2000">
-        <p14:prism isContent="1"/>
+  <mc:AlternateContent xmlns:mc="http://schemas.openxmlformats.org/markup-compatibility/2006">
+    <mc:Choice xmlns:p14="http://schemas.microsoft.com/office/powerpoint/2010/main" Requires="p14">
+      <p:transition p14:dur="100">
+        <p:cut/>
       </p:transition>
     </mc:Choice>
-    <mc:Fallback xmlns="">
-      <p:transition spd="slow">
-        <p:fade/>
+    <mc:Fallback>
+      <p:transition>
+        <p:cut/>
       </p:transition>
     </mc:Fallback>
   </mc:AlternateContent>
@@ -54515,15 +52162,15 @@
   <p:clrMapOvr>
     <a:masterClrMapping/>
   </p:clrMapOvr>
-  <mc:AlternateContent xmlns:mc="http://schemas.openxmlformats.org/markup-compatibility/2006" xmlns:p14="http://schemas.microsoft.com/office/powerpoint/2010/main">
-    <mc:Choice Requires="p14">
-      <p:transition spd="slow" p14:dur="2000">
-        <p14:prism isContent="1"/>
+  <mc:AlternateContent xmlns:mc="http://schemas.openxmlformats.org/markup-compatibility/2006">
+    <mc:Choice xmlns:p14="http://schemas.microsoft.com/office/powerpoint/2010/main" Requires="p14">
+      <p:transition p14:dur="100">
+        <p:cut/>
       </p:transition>
     </mc:Choice>
-    <mc:Fallback xmlns="">
-      <p:transition spd="slow">
-        <p:fade/>
+    <mc:Fallback>
+      <p:transition>
+        <p:cut/>
       </p:transition>
     </mc:Fallback>
   </mc:AlternateContent>
@@ -54615,38 +52262,6 @@
           </a:p>
         </p:txBody>
       </p:sp>
-      <p:pic>
-        <p:nvPicPr>
-          <p:cNvPr id="24" name="图片 23">
-            <a:hlinkClick r:id="rId3"/>
-          </p:cNvPr>
-          <p:cNvPicPr>
-            <a:picLocks noChangeAspect="1"/>
-          </p:cNvPicPr>
-          <p:nvPr/>
-        </p:nvPicPr>
-        <p:blipFill>
-          <a:blip r:embed="rId4">
-            <a:extLst>
-              <a:ext uri="{28A0092B-C50C-407E-A947-70E740481C1C}">
-                <a14:useLocalDpi xmlns:a14="http://schemas.microsoft.com/office/drawing/2010/main" val="0"/>
-              </a:ext>
-            </a:extLst>
-          </a:blip>
-          <a:stretch>
-            <a:fillRect/>
-          </a:stretch>
-        </p:blipFill>
-        <p:spPr>
-          <a:xfrm>
-            <a:off x="9715500" y="302238"/>
-            <a:ext cx="1828800" cy="243840"/>
-          </a:xfrm>
-          <a:prstGeom prst="rect">
-            <a:avLst/>
-          </a:prstGeom>
-        </p:spPr>
-      </p:pic>
       <p:graphicFrame>
         <p:nvGraphicFramePr>
           <p:cNvPr id="25" name="图示 24"/>
@@ -54665,7 +52280,7 @@
         </p:xfrm>
         <a:graphic>
           <a:graphicData uri="http://schemas.openxmlformats.org/drawingml/2006/diagram">
-            <dgm:relIds xmlns:dgm="http://schemas.openxmlformats.org/drawingml/2006/diagram" xmlns:r="http://schemas.openxmlformats.org/officeDocument/2006/relationships" r:dm="rId5" r:lo="rId6" r:qs="rId7" r:cs="rId8"/>
+            <dgm:relIds xmlns:dgm="http://schemas.openxmlformats.org/drawingml/2006/diagram" xmlns:r="http://schemas.openxmlformats.org/officeDocument/2006/relationships" r:dm="rId3" r:lo="rId4" r:qs="rId5" r:cs="rId6"/>
           </a:graphicData>
         </a:graphic>
       </p:graphicFrame>
@@ -54687,7 +52302,7 @@
         </p:xfrm>
         <a:graphic>
           <a:graphicData uri="http://schemas.openxmlformats.org/drawingml/2006/diagram">
-            <dgm:relIds xmlns:dgm="http://schemas.openxmlformats.org/drawingml/2006/diagram" xmlns:r="http://schemas.openxmlformats.org/officeDocument/2006/relationships" r:dm="rId10" r:lo="rId11" r:qs="rId12" r:cs="rId13"/>
+            <dgm:relIds xmlns:dgm="http://schemas.openxmlformats.org/drawingml/2006/diagram" xmlns:r="http://schemas.openxmlformats.org/officeDocument/2006/relationships" r:dm="rId8" r:lo="rId9" r:qs="rId10" r:cs="rId11"/>
           </a:graphicData>
         </a:graphic>
       </p:graphicFrame>
@@ -54709,7 +52324,7 @@
         </p:xfrm>
         <a:graphic>
           <a:graphicData uri="http://schemas.openxmlformats.org/drawingml/2006/diagram">
-            <dgm:relIds xmlns:dgm="http://schemas.openxmlformats.org/drawingml/2006/diagram" xmlns:r="http://schemas.openxmlformats.org/officeDocument/2006/relationships" r:dm="rId15" r:lo="rId16" r:qs="rId17" r:cs="rId18"/>
+            <dgm:relIds xmlns:dgm="http://schemas.openxmlformats.org/drawingml/2006/diagram" xmlns:r="http://schemas.openxmlformats.org/officeDocument/2006/relationships" r:dm="rId13" r:lo="rId14" r:qs="rId15" r:cs="rId16"/>
           </a:graphicData>
         </a:graphic>
       </p:graphicFrame>
@@ -54723,15 +52338,15 @@
   <p:clrMapOvr>
     <a:masterClrMapping/>
   </p:clrMapOvr>
-  <mc:AlternateContent xmlns:mc="http://schemas.openxmlformats.org/markup-compatibility/2006" xmlns:p14="http://schemas.microsoft.com/office/powerpoint/2010/main">
-    <mc:Choice Requires="p14">
-      <p:transition spd="slow" p14:dur="2000">
-        <p14:prism isContent="1"/>
+  <mc:AlternateContent xmlns:mc="http://schemas.openxmlformats.org/markup-compatibility/2006">
+    <mc:Choice xmlns:p14="http://schemas.microsoft.com/office/powerpoint/2010/main" Requires="p14">
+      <p:transition p14:dur="100">
+        <p:cut/>
       </p:transition>
     </mc:Choice>
-    <mc:Fallback xmlns="">
-      <p:transition spd="slow">
-        <p:fade/>
+    <mc:Fallback>
+      <p:transition>
+        <p:cut/>
       </p:transition>
     </mc:Fallback>
   </mc:AlternateContent>
@@ -54825,38 +52440,6 @@
       </p:sp>
       <p:pic>
         <p:nvPicPr>
-          <p:cNvPr id="24" name="图片 23">
-            <a:hlinkClick r:id="rId2"/>
-          </p:cNvPr>
-          <p:cNvPicPr>
-            <a:picLocks noChangeAspect="1"/>
-          </p:cNvPicPr>
-          <p:nvPr/>
-        </p:nvPicPr>
-        <p:blipFill>
-          <a:blip r:embed="rId3">
-            <a:extLst>
-              <a:ext uri="{28A0092B-C50C-407E-A947-70E740481C1C}">
-                <a14:useLocalDpi xmlns:a14="http://schemas.microsoft.com/office/drawing/2010/main" val="0"/>
-              </a:ext>
-            </a:extLst>
-          </a:blip>
-          <a:stretch>
-            <a:fillRect/>
-          </a:stretch>
-        </p:blipFill>
-        <p:spPr>
-          <a:xfrm>
-            <a:off x="9715500" y="302238"/>
-            <a:ext cx="1828800" cy="243840"/>
-          </a:xfrm>
-          <a:prstGeom prst="rect">
-            <a:avLst/>
-          </a:prstGeom>
-        </p:spPr>
-      </p:pic>
-      <p:pic>
-        <p:nvPicPr>
           <p:cNvPr id="5" name="图片 4"/>
           <p:cNvPicPr>
             <a:picLocks noChangeAspect="1"/>
@@ -54864,7 +52447,7 @@
           <p:nvPr/>
         </p:nvPicPr>
         <p:blipFill rotWithShape="1">
-          <a:blip r:embed="rId4" cstate="print">
+          <a:blip r:embed="rId2" cstate="print">
             <a:extLst>
               <a:ext uri="{28A0092B-C50C-407E-A947-70E740481C1C}">
                 <a14:useLocalDpi xmlns:a14="http://schemas.microsoft.com/office/drawing/2010/main" val="0"/>
@@ -54931,7 +52514,7 @@
           <p:nvPr/>
         </p:nvPicPr>
         <p:blipFill rotWithShape="1">
-          <a:blip r:embed="rId5" cstate="print">
+          <a:blip r:embed="rId3" cstate="print">
             <a:extLst>
               <a:ext uri="{28A0092B-C50C-407E-A947-70E740481C1C}">
                 <a14:useLocalDpi xmlns:a14="http://schemas.microsoft.com/office/drawing/2010/main" val="0"/>
@@ -55009,15 +52592,15 @@
   <p:clrMapOvr>
     <a:masterClrMapping/>
   </p:clrMapOvr>
-  <mc:AlternateContent xmlns:mc="http://schemas.openxmlformats.org/markup-compatibility/2006" xmlns:p14="http://schemas.microsoft.com/office/powerpoint/2010/main">
-    <mc:Choice Requires="p14">
-      <p:transition spd="slow" p14:dur="2000">
-        <p14:prism isContent="1"/>
+  <mc:AlternateContent xmlns:mc="http://schemas.openxmlformats.org/markup-compatibility/2006">
+    <mc:Choice xmlns:p14="http://schemas.microsoft.com/office/powerpoint/2010/main" Requires="p14">
+      <p:transition p14:dur="100">
+        <p:cut/>
       </p:transition>
     </mc:Choice>
-    <mc:Fallback xmlns="">
-      <p:transition spd="slow">
-        <p:fade/>
+    <mc:Fallback>
+      <p:transition>
+        <p:cut/>
       </p:transition>
     </mc:Fallback>
   </mc:AlternateContent>
@@ -55405,15 +52988,15 @@
   <p:clrMapOvr>
     <a:masterClrMapping/>
   </p:clrMapOvr>
-  <mc:AlternateContent xmlns:mc="http://schemas.openxmlformats.org/markup-compatibility/2006" xmlns:p14="http://schemas.microsoft.com/office/powerpoint/2010/main">
-    <mc:Choice Requires="p14">
-      <p:transition spd="slow" p14:dur="2000">
-        <p14:prism isContent="1"/>
+  <mc:AlternateContent xmlns:mc="http://schemas.openxmlformats.org/markup-compatibility/2006">
+    <mc:Choice xmlns:p14="http://schemas.microsoft.com/office/powerpoint/2010/main" Requires="p14">
+      <p:transition p14:dur="100">
+        <p:cut/>
       </p:transition>
     </mc:Choice>
-    <mc:Fallback xmlns="">
-      <p:transition spd="slow">
-        <p:fade/>
+    <mc:Fallback>
+      <p:transition>
+        <p:cut/>
       </p:transition>
     </mc:Fallback>
   </mc:AlternateContent>
@@ -55697,14 +53280,14 @@
           </a:ln>
           <a:extLst>
             <a:ext uri="{909E8E84-426E-40dd-AFC4-6F175D3DCCD1}">
-              <a14:hiddenFill xmlns="" xmlns:a14="http://schemas.microsoft.com/office/drawing/2010/main">
+              <a14:hiddenFill xmlns:a14="http://schemas.microsoft.com/office/drawing/2010/main" xmlns="">
                 <a:solidFill>
                   <a:srgbClr val="FFFFFF"/>
                 </a:solidFill>
               </a14:hiddenFill>
             </a:ext>
             <a:ext uri="{91240B29-F687-4f45-9708-019B960494DF}">
-              <a14:hiddenLine xmlns="" xmlns:a14="http://schemas.microsoft.com/office/drawing/2010/main" w="9525">
+              <a14:hiddenLine xmlns:a14="http://schemas.microsoft.com/office/drawing/2010/main" xmlns="" w="9525">
                 <a:solidFill>
                   <a:srgbClr val="000000"/>
                 </a:solidFill>
@@ -56207,14 +53790,14 @@
           </a:ln>
           <a:extLst>
             <a:ext uri="{909E8E84-426E-40dd-AFC4-6F175D3DCCD1}">
-              <a14:hiddenFill xmlns="" xmlns:a14="http://schemas.microsoft.com/office/drawing/2010/main">
+              <a14:hiddenFill xmlns:a14="http://schemas.microsoft.com/office/drawing/2010/main" xmlns="">
                 <a:solidFill>
                   <a:srgbClr val="FFFFFF"/>
                 </a:solidFill>
               </a14:hiddenFill>
             </a:ext>
             <a:ext uri="{91240B29-F687-4f45-9708-019B960494DF}">
-              <a14:hiddenLine xmlns="" xmlns:a14="http://schemas.microsoft.com/office/drawing/2010/main" w="9525">
+              <a14:hiddenLine xmlns:a14="http://schemas.microsoft.com/office/drawing/2010/main" xmlns="" w="9525">
                 <a:solidFill>
                   <a:srgbClr val="000000"/>
                 </a:solidFill>
@@ -56706,14 +54289,14 @@
           </a:ln>
           <a:extLst>
             <a:ext uri="{909E8E84-426E-40dd-AFC4-6F175D3DCCD1}">
-              <a14:hiddenFill xmlns="" xmlns:a14="http://schemas.microsoft.com/office/drawing/2010/main">
+              <a14:hiddenFill xmlns:a14="http://schemas.microsoft.com/office/drawing/2010/main" xmlns="">
                 <a:solidFill>
                   <a:srgbClr val="FFFFFF"/>
                 </a:solidFill>
               </a14:hiddenFill>
             </a:ext>
             <a:ext uri="{91240B29-F687-4f45-9708-019B960494DF}">
-              <a14:hiddenLine xmlns="" xmlns:a14="http://schemas.microsoft.com/office/drawing/2010/main" w="9525">
+              <a14:hiddenLine xmlns:a14="http://schemas.microsoft.com/office/drawing/2010/main" xmlns="" w="9525">
                 <a:solidFill>
                   <a:srgbClr val="000000"/>
                 </a:solidFill>
@@ -57230,14 +54813,14 @@
           </a:ln>
           <a:extLst>
             <a:ext uri="{909E8E84-426E-40dd-AFC4-6F175D3DCCD1}">
-              <a14:hiddenFill xmlns="" xmlns:a14="http://schemas.microsoft.com/office/drawing/2010/main">
+              <a14:hiddenFill xmlns:a14="http://schemas.microsoft.com/office/drawing/2010/main" xmlns="">
                 <a:solidFill>
                   <a:srgbClr val="FFFFFF"/>
                 </a:solidFill>
               </a14:hiddenFill>
             </a:ext>
             <a:ext uri="{91240B29-F687-4f45-9708-019B960494DF}">
-              <a14:hiddenLine xmlns="" xmlns:a14="http://schemas.microsoft.com/office/drawing/2010/main" w="9525">
+              <a14:hiddenLine xmlns:a14="http://schemas.microsoft.com/office/drawing/2010/main" xmlns="" w="9525">
                 <a:solidFill>
                   <a:srgbClr val="000000"/>
                 </a:solidFill>
@@ -57740,14 +55323,14 @@
           </a:ln>
           <a:extLst>
             <a:ext uri="{909E8E84-426E-40dd-AFC4-6F175D3DCCD1}">
-              <a14:hiddenFill xmlns="" xmlns:a14="http://schemas.microsoft.com/office/drawing/2010/main">
+              <a14:hiddenFill xmlns:a14="http://schemas.microsoft.com/office/drawing/2010/main" xmlns="">
                 <a:solidFill>
                   <a:srgbClr val="FFFFFF"/>
                 </a:solidFill>
               </a14:hiddenFill>
             </a:ext>
             <a:ext uri="{91240B29-F687-4f45-9708-019B960494DF}">
-              <a14:hiddenLine xmlns="" xmlns:a14="http://schemas.microsoft.com/office/drawing/2010/main" w="9525">
+              <a14:hiddenLine xmlns:a14="http://schemas.microsoft.com/office/drawing/2010/main" xmlns="" w="9525">
                 <a:solidFill>
                   <a:srgbClr val="000000"/>
                 </a:solidFill>
@@ -58227,72 +55810,18 @@
   <p:clrMapOvr>
     <a:masterClrMapping/>
   </p:clrMapOvr>
-  <p:timing>
-    <p:tnLst>
-      <p:par>
-        <p:cTn id="1" dur="indefinite" restart="never" nodeType="tmRoot"/>
-      </p:par>
-    </p:tnLst>
-  </p:timing>
-</p:sld>
-</file>
-
-<file path=ppt/slides/slide20.xml><?xml version="1.0" encoding="utf-8"?>
-<p:sld xmlns:a="http://schemas.openxmlformats.org/drawingml/2006/main" xmlns:r="http://schemas.openxmlformats.org/officeDocument/2006/relationships" xmlns:p="http://schemas.openxmlformats.org/presentationml/2006/main">
-  <p:cSld>
-    <p:spTree>
-      <p:nvGrpSpPr>
-        <p:cNvPr id="1" name=""/>
-        <p:cNvGrpSpPr/>
-        <p:nvPr/>
-      </p:nvGrpSpPr>
-      <p:grpSpPr>
-        <a:xfrm>
-          <a:off x="0" y="0"/>
-          <a:ext cx="0" cy="0"/>
-          <a:chOff x="0" y="0"/>
-          <a:chExt cx="0" cy="0"/>
-        </a:xfrm>
-      </p:grpSpPr>
-      <p:pic>
-        <p:nvPicPr>
-          <p:cNvPr id="4" name="图片 3"/>
-          <p:cNvPicPr>
-            <a:picLocks noChangeAspect="1"/>
-          </p:cNvPicPr>
-          <p:nvPr/>
-        </p:nvPicPr>
-        <p:blipFill rotWithShape="1">
-          <a:blip r:embed="rId2">
-            <a:extLst>
-              <a:ext uri="{28A0092B-C50C-407E-A947-70E740481C1C}">
-                <a14:useLocalDpi xmlns:a14="http://schemas.microsoft.com/office/drawing/2010/main" val="0"/>
-              </a:ext>
-            </a:extLst>
-          </a:blip>
-          <a:srcRect t="6799" b="8102"/>
-          <a:stretch/>
-        </p:blipFill>
-        <p:spPr>
-          <a:xfrm>
-            <a:off x="0" y="-57150"/>
-            <a:ext cx="12192000" cy="6915150"/>
-          </a:xfrm>
-          <a:prstGeom prst="rect">
-            <a:avLst/>
-          </a:prstGeom>
-        </p:spPr>
-      </p:pic>
-    </p:spTree>
-    <p:extLst>
-      <p:ext uri="{BB962C8B-B14F-4D97-AF65-F5344CB8AC3E}">
-        <p14:creationId xmlns:p14="http://schemas.microsoft.com/office/powerpoint/2010/main" val="1400148322"/>
-      </p:ext>
-    </p:extLst>
-  </p:cSld>
-  <p:clrMapOvr>
-    <a:masterClrMapping/>
-  </p:clrMapOvr>
+  <mc:AlternateContent xmlns:mc="http://schemas.openxmlformats.org/markup-compatibility/2006">
+    <mc:Choice xmlns:p14="http://schemas.microsoft.com/office/powerpoint/2010/main" Requires="p14">
+      <p:transition p14:dur="100">
+        <p:cut/>
+      </p:transition>
+    </mc:Choice>
+    <mc:Fallback>
+      <p:transition>
+        <p:cut/>
+      </p:transition>
+    </mc:Fallback>
+  </mc:AlternateContent>
   <p:timing>
     <p:tnLst>
       <p:par>
@@ -58391,15 +55920,15 @@
   <p:clrMapOvr>
     <a:masterClrMapping/>
   </p:clrMapOvr>
-  <mc:AlternateContent xmlns:mc="http://schemas.openxmlformats.org/markup-compatibility/2006" xmlns:p14="http://schemas.microsoft.com/office/powerpoint/2010/main">
-    <mc:Choice Requires="p14">
-      <p:transition spd="slow" p14:dur="2000">
-        <p14:prism isContent="1"/>
+  <mc:AlternateContent xmlns:mc="http://schemas.openxmlformats.org/markup-compatibility/2006">
+    <mc:Choice xmlns:p14="http://schemas.microsoft.com/office/powerpoint/2010/main" Requires="p14">
+      <p:transition p14:dur="100">
+        <p:cut/>
       </p:transition>
     </mc:Choice>
-    <mc:Fallback xmlns="">
-      <p:transition spd="slow">
-        <p:fade/>
+    <mc:Fallback>
+      <p:transition>
+        <p:cut/>
       </p:transition>
     </mc:Fallback>
   </mc:AlternateContent>
@@ -60807,15 +58336,15 @@
   <p:clrMapOvr>
     <a:masterClrMapping/>
   </p:clrMapOvr>
-  <mc:AlternateContent xmlns:mc="http://schemas.openxmlformats.org/markup-compatibility/2006" xmlns:p14="http://schemas.microsoft.com/office/powerpoint/2010/main">
-    <mc:Choice Requires="p14">
-      <p:transition spd="slow" p14:dur="2000">
-        <p14:prism isContent="1"/>
+  <mc:AlternateContent xmlns:mc="http://schemas.openxmlformats.org/markup-compatibility/2006">
+    <mc:Choice xmlns:p14="http://schemas.microsoft.com/office/powerpoint/2010/main" Requires="p14">
+      <p:transition p14:dur="100">
+        <p:cut/>
       </p:transition>
     </mc:Choice>
-    <mc:Fallback xmlns="">
-      <p:transition spd="slow">
-        <p:fade/>
+    <mc:Fallback>
+      <p:transition>
+        <p:cut/>
       </p:transition>
     </mc:Fallback>
   </mc:AlternateContent>
@@ -60917,15 +58446,15 @@
   <p:clrMapOvr>
     <a:masterClrMapping/>
   </p:clrMapOvr>
-  <mc:AlternateContent xmlns:mc="http://schemas.openxmlformats.org/markup-compatibility/2006" xmlns:p14="http://schemas.microsoft.com/office/powerpoint/2010/main">
-    <mc:Choice Requires="p14">
-      <p:transition spd="slow" p14:dur="2000">
-        <p14:prism isContent="1"/>
+  <mc:AlternateContent xmlns:mc="http://schemas.openxmlformats.org/markup-compatibility/2006">
+    <mc:Choice xmlns:p14="http://schemas.microsoft.com/office/powerpoint/2010/main" Requires="p14">
+      <p:transition p14:dur="100">
+        <p:cut/>
       </p:transition>
     </mc:Choice>
-    <mc:Fallback xmlns="">
-      <p:transition spd="slow">
-        <p:fade/>
+    <mc:Fallback>
+      <p:transition>
+        <p:cut/>
       </p:transition>
     </mc:Fallback>
   </mc:AlternateContent>
@@ -61341,15 +58870,15 @@
   <p:clrMapOvr>
     <a:masterClrMapping/>
   </p:clrMapOvr>
-  <mc:AlternateContent xmlns:mc="http://schemas.openxmlformats.org/markup-compatibility/2006" xmlns:p14="http://schemas.microsoft.com/office/powerpoint/2010/main">
-    <mc:Choice Requires="p14">
-      <p:transition spd="slow" p14:dur="2000">
-        <p14:prism isContent="1"/>
+  <mc:AlternateContent xmlns:mc="http://schemas.openxmlformats.org/markup-compatibility/2006">
+    <mc:Choice xmlns:p14="http://schemas.microsoft.com/office/powerpoint/2010/main" Requires="p14">
+      <p:transition p14:dur="100">
+        <p:cut/>
       </p:transition>
     </mc:Choice>
-    <mc:Fallback xmlns="">
-      <p:transition spd="slow">
-        <p:fade/>
+    <mc:Fallback>
+      <p:transition>
+        <p:cut/>
       </p:transition>
     </mc:Fallback>
   </mc:AlternateContent>
@@ -61442,14 +58971,14 @@
           <p:nvPr>
             <p:extLst>
               <p:ext uri="{D42A27DB-BD31-4B8C-83A1-F6EECF244321}">
-                <p14:modId xmlns:p14="http://schemas.microsoft.com/office/powerpoint/2010/main" val="2142295829"/>
+                <p14:modId xmlns:p14="http://schemas.microsoft.com/office/powerpoint/2010/main" val="1710978300"/>
               </p:ext>
             </p:extLst>
           </p:nvPr>
         </p:nvGraphicFramePr>
         <p:xfrm>
-          <a:off x="2032000" y="719666"/>
-          <a:ext cx="8128000" cy="5418667"/>
+          <a:off x="1944077" y="1352714"/>
+          <a:ext cx="8128000" cy="4837072"/>
         </p:xfrm>
         <a:graphic>
           <a:graphicData uri="http://schemas.openxmlformats.org/drawingml/2006/diagram">
@@ -61467,15 +58996,15 @@
   <p:clrMapOvr>
     <a:masterClrMapping/>
   </p:clrMapOvr>
-  <mc:AlternateContent xmlns:mc="http://schemas.openxmlformats.org/markup-compatibility/2006" xmlns:p14="http://schemas.microsoft.com/office/powerpoint/2010/main">
-    <mc:Choice Requires="p14">
-      <p:transition spd="slow" p14:dur="2000">
-        <p14:prism isContent="1"/>
+  <mc:AlternateContent xmlns:mc="http://schemas.openxmlformats.org/markup-compatibility/2006">
+    <mc:Choice xmlns:p14="http://schemas.microsoft.com/office/powerpoint/2010/main" Requires="p14">
+      <p:transition p14:dur="100">
+        <p:cut/>
       </p:transition>
     </mc:Choice>
-    <mc:Fallback xmlns="">
-      <p:transition spd="slow">
-        <p:fade/>
+    <mc:Fallback>
+      <p:transition>
+        <p:cut/>
       </p:transition>
     </mc:Fallback>
   </mc:AlternateContent>
@@ -61894,15 +59423,15 @@
   <p:clrMapOvr>
     <a:masterClrMapping/>
   </p:clrMapOvr>
-  <mc:AlternateContent xmlns:mc="http://schemas.openxmlformats.org/markup-compatibility/2006" xmlns:p14="http://schemas.microsoft.com/office/powerpoint/2010/main">
-    <mc:Choice Requires="p14">
-      <p:transition spd="slow" p14:dur="2000">
-        <p14:prism isContent="1"/>
+  <mc:AlternateContent xmlns:mc="http://schemas.openxmlformats.org/markup-compatibility/2006">
+    <mc:Choice xmlns:p14="http://schemas.microsoft.com/office/powerpoint/2010/main" Requires="p14">
+      <p:transition p14:dur="100">
+        <p:cut/>
       </p:transition>
     </mc:Choice>
-    <mc:Fallback xmlns="">
-      <p:transition spd="slow">
-        <p:fade/>
+    <mc:Fallback>
+      <p:transition>
+        <p:cut/>
       </p:transition>
     </mc:Fallback>
   </mc:AlternateContent>
@@ -62471,15 +60000,15 @@
   <p:clrMapOvr>
     <a:masterClrMapping/>
   </p:clrMapOvr>
-  <mc:AlternateContent xmlns:mc="http://schemas.openxmlformats.org/markup-compatibility/2006" xmlns:p14="http://schemas.microsoft.com/office/powerpoint/2010/main">
-    <mc:Choice Requires="p14">
-      <p:transition spd="slow" p14:dur="2000">
-        <p14:prism isContent="1"/>
+  <mc:AlternateContent xmlns:mc="http://schemas.openxmlformats.org/markup-compatibility/2006">
+    <mc:Choice xmlns:p14="http://schemas.microsoft.com/office/powerpoint/2010/main" Requires="p14">
+      <p:transition p14:dur="100">
+        <p:cut/>
       </p:transition>
     </mc:Choice>
-    <mc:Fallback xmlns="">
-      <p:transition spd="slow">
-        <p:fade/>
+    <mc:Fallback>
+      <p:transition>
+        <p:cut/>
       </p:transition>
     </mc:Fallback>
   </mc:AlternateContent>

--- a/pre.pptx
+++ b/pre.pptx
@@ -12427,10 +12427,10 @@
     </dgm:pt>
   </dgm:ptLst>
   <dgm:cxnLst>
+    <dgm:cxn modelId="{164154CD-7B92-46EB-BE6F-698CFA856B97}" srcId="{F1C7BA09-3861-4B17-8E1B-17BF12C16A85}" destId="{D0882D58-28BB-4479-BAD7-F18C5DE6286C}" srcOrd="0" destOrd="0" parTransId="{5DCC7B7B-6781-4A32-91D7-1C6AC9859C87}" sibTransId="{40A88A61-5C6B-4885-A54B-7BB2BB7AB78E}"/>
     <dgm:cxn modelId="{8BC6051C-A2B7-4BAE-AD90-BD6E685B1F61}" srcId="{F1C7BA09-3861-4B17-8E1B-17BF12C16A85}" destId="{96A54157-256A-4E37-BFEE-44D0908C1575}" srcOrd="1" destOrd="0" parTransId="{888F83DF-2547-48B9-862F-0B7B447C09E5}" sibTransId="{7FCAE219-994F-484F-B02E-E1D256B6F427}"/>
+    <dgm:cxn modelId="{D0C2CDDA-2419-4CD9-8BB9-5F3A6D07DA8B}" type="presOf" srcId="{F1C7BA09-3861-4B17-8E1B-17BF12C16A85}" destId="{D8155F60-13FF-43C1-A7DB-19D8162AE3E7}" srcOrd="0" destOrd="0" presId="urn:microsoft.com/office/officeart/2005/8/layout/default"/>
     <dgm:cxn modelId="{0955D446-EE47-421A-BF3A-895440198399}" type="presOf" srcId="{96A54157-256A-4E37-BFEE-44D0908C1575}" destId="{4741EECF-2CE5-430F-9BFA-99DA3743581A}" srcOrd="0" destOrd="0" presId="urn:microsoft.com/office/officeart/2005/8/layout/default"/>
-    <dgm:cxn modelId="{D0C2CDDA-2419-4CD9-8BB9-5F3A6D07DA8B}" type="presOf" srcId="{F1C7BA09-3861-4B17-8E1B-17BF12C16A85}" destId="{D8155F60-13FF-43C1-A7DB-19D8162AE3E7}" srcOrd="0" destOrd="0" presId="urn:microsoft.com/office/officeart/2005/8/layout/default"/>
-    <dgm:cxn modelId="{164154CD-7B92-46EB-BE6F-698CFA856B97}" srcId="{F1C7BA09-3861-4B17-8E1B-17BF12C16A85}" destId="{D0882D58-28BB-4479-BAD7-F18C5DE6286C}" srcOrd="0" destOrd="0" parTransId="{5DCC7B7B-6781-4A32-91D7-1C6AC9859C87}" sibTransId="{40A88A61-5C6B-4885-A54B-7BB2BB7AB78E}"/>
     <dgm:cxn modelId="{FFBAEC72-3358-4FAF-8BEC-DCC117AA0A52}" type="presOf" srcId="{D0882D58-28BB-4479-BAD7-F18C5DE6286C}" destId="{99FB3F33-CBBD-43D1-8A05-CA92B3CF8EF8}" srcOrd="0" destOrd="0" presId="urn:microsoft.com/office/officeart/2005/8/layout/default"/>
     <dgm:cxn modelId="{735C5F10-273A-4921-B1D9-1EB3AB34FEA4}" type="presParOf" srcId="{D8155F60-13FF-43C1-A7DB-19D8162AE3E7}" destId="{99FB3F33-CBBD-43D1-8A05-CA92B3CF8EF8}" srcOrd="0" destOrd="0" presId="urn:microsoft.com/office/officeart/2005/8/layout/default"/>
     <dgm:cxn modelId="{FDA1799C-D7CE-4F56-BB0A-ACC1E8013898}" type="presParOf" srcId="{D8155F60-13FF-43C1-A7DB-19D8162AE3E7}" destId="{0D17F077-437B-49FB-B23B-C3F4779EAEC4}" srcOrd="1" destOrd="0" presId="urn:microsoft.com/office/officeart/2005/8/layout/default"/>
@@ -36083,6 +36083,94 @@
           <a:bodyPr/>
           <a:lstStyle/>
           <a:p>
+            <a:r>
+              <a:rPr lang="zh-CN" altLang="en-US" dirty="0" smtClean="0"/>
+              <a:t>大修了一波</a:t>
+            </a:r>
+            <a:endParaRPr lang="zh-CN" altLang="en-US" dirty="0"/>
+          </a:p>
+        </p:txBody>
+      </p:sp>
+      <p:sp>
+        <p:nvSpPr>
+          <p:cNvPr id="4" name="灯片编号占位符 3"/>
+          <p:cNvSpPr>
+            <a:spLocks noGrp="1"/>
+          </p:cNvSpPr>
+          <p:nvPr>
+            <p:ph type="sldNum" sz="quarter" idx="10"/>
+          </p:nvPr>
+        </p:nvSpPr>
+        <p:spPr/>
+        <p:txBody>
+          <a:bodyPr/>
+          <a:lstStyle/>
+          <a:p>
+            <a:fld id="{00F122D4-C4E8-4D93-B0BC-968831B44AB8}" type="slidenum">
+              <a:rPr lang="zh-CN" altLang="en-US" smtClean="0"/>
+              <a:t>17</a:t>
+            </a:fld>
+            <a:endParaRPr lang="zh-CN" altLang="en-US"/>
+          </a:p>
+        </p:txBody>
+      </p:sp>
+    </p:spTree>
+    <p:extLst>
+      <p:ext uri="{BB962C8B-B14F-4D97-AF65-F5344CB8AC3E}">
+        <p14:creationId xmlns:p14="http://schemas.microsoft.com/office/powerpoint/2010/main" val="1837809132"/>
+      </p:ext>
+    </p:extLst>
+  </p:cSld>
+  <p:clrMapOvr>
+    <a:masterClrMapping/>
+  </p:clrMapOvr>
+</p:notes>
+</file>
+
+<file path=ppt/notesSlides/notesSlide11.xml><?xml version="1.0" encoding="utf-8"?>
+<p:notes xmlns:a="http://schemas.openxmlformats.org/drawingml/2006/main" xmlns:r="http://schemas.openxmlformats.org/officeDocument/2006/relationships" xmlns:p="http://schemas.openxmlformats.org/presentationml/2006/main">
+  <p:cSld>
+    <p:spTree>
+      <p:nvGrpSpPr>
+        <p:cNvPr id="1" name=""/>
+        <p:cNvGrpSpPr/>
+        <p:nvPr/>
+      </p:nvGrpSpPr>
+      <p:grpSpPr>
+        <a:xfrm>
+          <a:off x="0" y="0"/>
+          <a:ext cx="0" cy="0"/>
+          <a:chOff x="0" y="0"/>
+          <a:chExt cx="0" cy="0"/>
+        </a:xfrm>
+      </p:grpSpPr>
+      <p:sp>
+        <p:nvSpPr>
+          <p:cNvPr id="2" name="幻灯片图像占位符 1"/>
+          <p:cNvSpPr>
+            <a:spLocks noGrp="1" noRot="1" noChangeAspect="1"/>
+          </p:cNvSpPr>
+          <p:nvPr>
+            <p:ph type="sldImg"/>
+          </p:nvPr>
+        </p:nvSpPr>
+        <p:spPr/>
+      </p:sp>
+      <p:sp>
+        <p:nvSpPr>
+          <p:cNvPr id="3" name="备注占位符 2"/>
+          <p:cNvSpPr>
+            <a:spLocks noGrp="1"/>
+          </p:cNvSpPr>
+          <p:nvPr>
+            <p:ph type="body" idx="1"/>
+          </p:nvPr>
+        </p:nvSpPr>
+        <p:spPr/>
+        <p:txBody>
+          <a:bodyPr/>
+          <a:lstStyle/>
+          <a:p>
             <a:endParaRPr lang="zh-CN" altLang="en-US" dirty="0"/>
           </a:p>
         </p:txBody>
@@ -37001,26 +37089,6 @@
           <a:bodyPr/>
           <a:lstStyle/>
           <a:p>
-            <a:r>
-              <a:rPr lang="zh-CN" altLang="en-US" dirty="0" smtClean="0"/>
-              <a:t>这个，我把</a:t>
-            </a:r>
-            <a:r>
-              <a:rPr lang="en-US" altLang="zh-CN" dirty="0" smtClean="0"/>
-              <a:t>100</a:t>
-            </a:r>
-            <a:r>
-              <a:rPr lang="zh-CN" altLang="en-US" dirty="0" smtClean="0"/>
-              <a:t>改成了</a:t>
-            </a:r>
-            <a:r>
-              <a:rPr lang="en-US" altLang="zh-CN" dirty="0" smtClean="0"/>
-              <a:t>1000</a:t>
-            </a:r>
-            <a:r>
-              <a:rPr lang="zh-CN" altLang="en-US" dirty="0" smtClean="0"/>
-              <a:t>，再跑一次吧</a:t>
-            </a:r>
             <a:endParaRPr lang="zh-CN" altLang="en-US" dirty="0"/>
           </a:p>
         </p:txBody>
@@ -37105,10 +37173,6 @@
           <a:bodyPr/>
           <a:lstStyle/>
           <a:p>
-            <a:r>
-              <a:rPr lang="zh-CN" altLang="en-US" dirty="0" smtClean="0"/>
-              <a:t>大修了一波</a:t>
-            </a:r>
             <a:endParaRPr lang="zh-CN" altLang="en-US" dirty="0"/>
           </a:p>
         </p:txBody>
@@ -37130,7 +37194,7 @@
           <a:p>
             <a:fld id="{00F122D4-C4E8-4D93-B0BC-968831B44AB8}" type="slidenum">
               <a:rPr lang="zh-CN" altLang="en-US" smtClean="0"/>
-              <a:t>17</a:t>
+              <a:t>16</a:t>
             </a:fld>
             <a:endParaRPr lang="zh-CN" altLang="en-US"/>
           </a:p>
@@ -37139,7 +37203,7 @@
     </p:spTree>
     <p:extLst>
       <p:ext uri="{BB962C8B-B14F-4D97-AF65-F5344CB8AC3E}">
-        <p14:creationId xmlns:p14="http://schemas.microsoft.com/office/powerpoint/2010/main" val="1837809132"/>
+        <p14:creationId xmlns:p14="http://schemas.microsoft.com/office/powerpoint/2010/main" val="4123664731"/>
       </p:ext>
     </p:extLst>
   </p:cSld>
@@ -49113,13 +49177,13 @@
   <p:clrMapOvr>
     <a:masterClrMapping/>
   </p:clrMapOvr>
-  <mc:AlternateContent xmlns:mc="http://schemas.openxmlformats.org/markup-compatibility/2006">
-    <mc:Choice xmlns:p14="http://schemas.microsoft.com/office/powerpoint/2010/main" Requires="p14">
+  <mc:AlternateContent xmlns:mc="http://schemas.openxmlformats.org/markup-compatibility/2006" xmlns:p14="http://schemas.microsoft.com/office/powerpoint/2010/main">
+    <mc:Choice Requires="p14">
       <p:transition p14:dur="100">
         <p:cut/>
       </p:transition>
     </mc:Choice>
-    <mc:Fallback>
+    <mc:Fallback xmlns="">
       <p:transition>
         <p:cut/>
       </p:transition>
@@ -49223,13 +49287,13 @@
   <p:clrMapOvr>
     <a:masterClrMapping/>
   </p:clrMapOvr>
-  <mc:AlternateContent xmlns:mc="http://schemas.openxmlformats.org/markup-compatibility/2006">
-    <mc:Choice xmlns:p14="http://schemas.microsoft.com/office/powerpoint/2010/main" Requires="p14">
+  <mc:AlternateContent xmlns:mc="http://schemas.openxmlformats.org/markup-compatibility/2006" xmlns:p14="http://schemas.microsoft.com/office/powerpoint/2010/main">
+    <mc:Choice Requires="p14">
       <p:transition p14:dur="100">
         <p:cut/>
       </p:transition>
     </mc:Choice>
-    <mc:Fallback>
+    <mc:Fallback xmlns="">
       <p:transition>
         <p:cut/>
       </p:transition>
@@ -49501,11 +49565,7 @@
             </a:pPr>
             <a:r>
               <a:rPr lang="zh-CN" altLang="en-US" sz="3500" kern="1200" dirty="0" smtClean="0"/>
-              <a:t>转发</a:t>
-            </a:r>
-            <a:r>
-              <a:rPr lang="zh-CN" altLang="en-US" sz="3500" kern="1200" dirty="0" smtClean="0"/>
-              <a:t>导致并行程度低</a:t>
+              <a:t>转发导致并行程度低</a:t>
             </a:r>
             <a:endParaRPr lang="zh-CN" altLang="en-US" sz="3500" kern="1200" dirty="0"/>
           </a:p>
@@ -50103,13 +50163,13 @@
   <p:clrMapOvr>
     <a:masterClrMapping/>
   </p:clrMapOvr>
-  <mc:AlternateContent xmlns:mc="http://schemas.openxmlformats.org/markup-compatibility/2006">
-    <mc:Choice xmlns:p14="http://schemas.microsoft.com/office/powerpoint/2010/main" Requires="p14">
+  <mc:AlternateContent xmlns:mc="http://schemas.openxmlformats.org/markup-compatibility/2006" xmlns:p14="http://schemas.microsoft.com/office/powerpoint/2010/main">
+    <mc:Choice Requires="p14">
       <p:transition p14:dur="100">
         <p:cut/>
       </p:transition>
     </mc:Choice>
-    <mc:Fallback>
+    <mc:Fallback xmlns="">
       <p:transition>
         <p:cut/>
       </p:transition>
@@ -50565,13 +50625,13 @@
   <p:clrMapOvr>
     <a:masterClrMapping/>
   </p:clrMapOvr>
-  <mc:AlternateContent xmlns:mc="http://schemas.openxmlformats.org/markup-compatibility/2006">
-    <mc:Choice xmlns:p14="http://schemas.microsoft.com/office/powerpoint/2010/main" Requires="p14">
+  <mc:AlternateContent xmlns:mc="http://schemas.openxmlformats.org/markup-compatibility/2006" xmlns:p14="http://schemas.microsoft.com/office/powerpoint/2010/main">
+    <mc:Choice Requires="p14">
       <p:transition p14:dur="100">
         <p:cut/>
       </p:transition>
     </mc:Choice>
-    <mc:Fallback>
+    <mc:Fallback xmlns="">
       <p:transition>
         <p:cut/>
       </p:transition>
@@ -50722,13 +50782,13 @@
   <p:clrMapOvr>
     <a:masterClrMapping/>
   </p:clrMapOvr>
-  <mc:AlternateContent xmlns:mc="http://schemas.openxmlformats.org/markup-compatibility/2006">
-    <mc:Choice xmlns:p14="http://schemas.microsoft.com/office/powerpoint/2010/main" Requires="p14">
+  <mc:AlternateContent xmlns:mc="http://schemas.openxmlformats.org/markup-compatibility/2006" xmlns:p14="http://schemas.microsoft.com/office/powerpoint/2010/main">
+    <mc:Choice Requires="p14">
       <p:transition p14:dur="100">
         <p:cut/>
       </p:transition>
     </mc:Choice>
-    <mc:Fallback>
+    <mc:Fallback xmlns="">
       <p:transition>
         <p:cut/>
       </p:transition>
@@ -50832,13 +50892,13 @@
   <p:clrMapOvr>
     <a:masterClrMapping/>
   </p:clrMapOvr>
-  <mc:AlternateContent xmlns:mc="http://schemas.openxmlformats.org/markup-compatibility/2006">
-    <mc:Choice xmlns:p14="http://schemas.microsoft.com/office/powerpoint/2010/main" Requires="p14">
+  <mc:AlternateContent xmlns:mc="http://schemas.openxmlformats.org/markup-compatibility/2006" xmlns:p14="http://schemas.microsoft.com/office/powerpoint/2010/main">
+    <mc:Choice Requires="p14">
       <p:transition p14:dur="100">
         <p:cut/>
       </p:transition>
     </mc:Choice>
-    <mc:Fallback>
+    <mc:Fallback xmlns="">
       <p:transition>
         <p:cut/>
       </p:transition>
@@ -50936,13 +50996,13 @@
   <p:clrMapOvr>
     <a:masterClrMapping/>
   </p:clrMapOvr>
-  <mc:AlternateContent xmlns:mc="http://schemas.openxmlformats.org/markup-compatibility/2006">
-    <mc:Choice xmlns:p14="http://schemas.microsoft.com/office/powerpoint/2010/main" Requires="p14">
+  <mc:AlternateContent xmlns:mc="http://schemas.openxmlformats.org/markup-compatibility/2006" xmlns:p14="http://schemas.microsoft.com/office/powerpoint/2010/main">
+    <mc:Choice Requires="p14">
       <p:transition p14:dur="100">
         <p:cut/>
       </p:transition>
     </mc:Choice>
-    <mc:Fallback>
+    <mc:Fallback xmlns="">
       <p:transition>
         <p:cut/>
       </p:transition>
@@ -52162,13 +52222,13 @@
   <p:clrMapOvr>
     <a:masterClrMapping/>
   </p:clrMapOvr>
-  <mc:AlternateContent xmlns:mc="http://schemas.openxmlformats.org/markup-compatibility/2006">
-    <mc:Choice xmlns:p14="http://schemas.microsoft.com/office/powerpoint/2010/main" Requires="p14">
+  <mc:AlternateContent xmlns:mc="http://schemas.openxmlformats.org/markup-compatibility/2006" xmlns:p14="http://schemas.microsoft.com/office/powerpoint/2010/main">
+    <mc:Choice Requires="p14">
       <p:transition p14:dur="100">
         <p:cut/>
       </p:transition>
     </mc:Choice>
-    <mc:Fallback>
+    <mc:Fallback xmlns="">
       <p:transition>
         <p:cut/>
       </p:transition>
@@ -52338,13 +52398,13 @@
   <p:clrMapOvr>
     <a:masterClrMapping/>
   </p:clrMapOvr>
-  <mc:AlternateContent xmlns:mc="http://schemas.openxmlformats.org/markup-compatibility/2006">
-    <mc:Choice xmlns:p14="http://schemas.microsoft.com/office/powerpoint/2010/main" Requires="p14">
+  <mc:AlternateContent xmlns:mc="http://schemas.openxmlformats.org/markup-compatibility/2006" xmlns:p14="http://schemas.microsoft.com/office/powerpoint/2010/main">
+    <mc:Choice Requires="p14">
       <p:transition p14:dur="100">
         <p:cut/>
       </p:transition>
     </mc:Choice>
-    <mc:Fallback>
+    <mc:Fallback xmlns="">
       <p:transition>
         <p:cut/>
       </p:transition>
@@ -52592,13 +52652,13 @@
   <p:clrMapOvr>
     <a:masterClrMapping/>
   </p:clrMapOvr>
-  <mc:AlternateContent xmlns:mc="http://schemas.openxmlformats.org/markup-compatibility/2006">
-    <mc:Choice xmlns:p14="http://schemas.microsoft.com/office/powerpoint/2010/main" Requires="p14">
+  <mc:AlternateContent xmlns:mc="http://schemas.openxmlformats.org/markup-compatibility/2006" xmlns:p14="http://schemas.microsoft.com/office/powerpoint/2010/main">
+    <mc:Choice Requires="p14">
       <p:transition p14:dur="100">
         <p:cut/>
       </p:transition>
     </mc:Choice>
-    <mc:Fallback>
+    <mc:Fallback xmlns="">
       <p:transition>
         <p:cut/>
       </p:transition>
@@ -52988,13 +53048,13 @@
   <p:clrMapOvr>
     <a:masterClrMapping/>
   </p:clrMapOvr>
-  <mc:AlternateContent xmlns:mc="http://schemas.openxmlformats.org/markup-compatibility/2006">
-    <mc:Choice xmlns:p14="http://schemas.microsoft.com/office/powerpoint/2010/main" Requires="p14">
+  <mc:AlternateContent xmlns:mc="http://schemas.openxmlformats.org/markup-compatibility/2006" xmlns:p14="http://schemas.microsoft.com/office/powerpoint/2010/main">
+    <mc:Choice Requires="p14">
       <p:transition p14:dur="100">
         <p:cut/>
       </p:transition>
     </mc:Choice>
-    <mc:Fallback>
+    <mc:Fallback xmlns="">
       <p:transition>
         <p:cut/>
       </p:transition>
@@ -53280,14 +53340,14 @@
           </a:ln>
           <a:extLst>
             <a:ext uri="{909E8E84-426E-40dd-AFC4-6F175D3DCCD1}">
-              <a14:hiddenFill xmlns:a14="http://schemas.microsoft.com/office/drawing/2010/main" xmlns="">
+              <a14:hiddenFill xmlns="" xmlns:a14="http://schemas.microsoft.com/office/drawing/2010/main">
                 <a:solidFill>
                   <a:srgbClr val="FFFFFF"/>
                 </a:solidFill>
               </a14:hiddenFill>
             </a:ext>
             <a:ext uri="{91240B29-F687-4f45-9708-019B960494DF}">
-              <a14:hiddenLine xmlns:a14="http://schemas.microsoft.com/office/drawing/2010/main" xmlns="" w="9525">
+              <a14:hiddenLine xmlns="" xmlns:a14="http://schemas.microsoft.com/office/drawing/2010/main" w="9525">
                 <a:solidFill>
                   <a:srgbClr val="000000"/>
                 </a:solidFill>
@@ -53790,14 +53850,14 @@
           </a:ln>
           <a:extLst>
             <a:ext uri="{909E8E84-426E-40dd-AFC4-6F175D3DCCD1}">
-              <a14:hiddenFill xmlns:a14="http://schemas.microsoft.com/office/drawing/2010/main" xmlns="">
+              <a14:hiddenFill xmlns="" xmlns:a14="http://schemas.microsoft.com/office/drawing/2010/main">
                 <a:solidFill>
                   <a:srgbClr val="FFFFFF"/>
                 </a:solidFill>
               </a14:hiddenFill>
             </a:ext>
             <a:ext uri="{91240B29-F687-4f45-9708-019B960494DF}">
-              <a14:hiddenLine xmlns:a14="http://schemas.microsoft.com/office/drawing/2010/main" xmlns="" w="9525">
+              <a14:hiddenLine xmlns="" xmlns:a14="http://schemas.microsoft.com/office/drawing/2010/main" w="9525">
                 <a:solidFill>
                   <a:srgbClr val="000000"/>
                 </a:solidFill>
@@ -54289,14 +54349,14 @@
           </a:ln>
           <a:extLst>
             <a:ext uri="{909E8E84-426E-40dd-AFC4-6F175D3DCCD1}">
-              <a14:hiddenFill xmlns:a14="http://schemas.microsoft.com/office/drawing/2010/main" xmlns="">
+              <a14:hiddenFill xmlns="" xmlns:a14="http://schemas.microsoft.com/office/drawing/2010/main">
                 <a:solidFill>
                   <a:srgbClr val="FFFFFF"/>
                 </a:solidFill>
               </a14:hiddenFill>
             </a:ext>
             <a:ext uri="{91240B29-F687-4f45-9708-019B960494DF}">
-              <a14:hiddenLine xmlns:a14="http://schemas.microsoft.com/office/drawing/2010/main" xmlns="" w="9525">
+              <a14:hiddenLine xmlns="" xmlns:a14="http://schemas.microsoft.com/office/drawing/2010/main" w="9525">
                 <a:solidFill>
                   <a:srgbClr val="000000"/>
                 </a:solidFill>
@@ -54813,14 +54873,14 @@
           </a:ln>
           <a:extLst>
             <a:ext uri="{909E8E84-426E-40dd-AFC4-6F175D3DCCD1}">
-              <a14:hiddenFill xmlns:a14="http://schemas.microsoft.com/office/drawing/2010/main" xmlns="">
+              <a14:hiddenFill xmlns="" xmlns:a14="http://schemas.microsoft.com/office/drawing/2010/main">
                 <a:solidFill>
                   <a:srgbClr val="FFFFFF"/>
                 </a:solidFill>
               </a14:hiddenFill>
             </a:ext>
             <a:ext uri="{91240B29-F687-4f45-9708-019B960494DF}">
-              <a14:hiddenLine xmlns:a14="http://schemas.microsoft.com/office/drawing/2010/main" xmlns="" w="9525">
+              <a14:hiddenLine xmlns="" xmlns:a14="http://schemas.microsoft.com/office/drawing/2010/main" w="9525">
                 <a:solidFill>
                   <a:srgbClr val="000000"/>
                 </a:solidFill>
@@ -55323,14 +55383,14 @@
           </a:ln>
           <a:extLst>
             <a:ext uri="{909E8E84-426E-40dd-AFC4-6F175D3DCCD1}">
-              <a14:hiddenFill xmlns:a14="http://schemas.microsoft.com/office/drawing/2010/main" xmlns="">
+              <a14:hiddenFill xmlns="" xmlns:a14="http://schemas.microsoft.com/office/drawing/2010/main">
                 <a:solidFill>
                   <a:srgbClr val="FFFFFF"/>
                 </a:solidFill>
               </a14:hiddenFill>
             </a:ext>
             <a:ext uri="{91240B29-F687-4f45-9708-019B960494DF}">
-              <a14:hiddenLine xmlns:a14="http://schemas.microsoft.com/office/drawing/2010/main" xmlns="" w="9525">
+              <a14:hiddenLine xmlns="" xmlns:a14="http://schemas.microsoft.com/office/drawing/2010/main" w="9525">
                 <a:solidFill>
                   <a:srgbClr val="000000"/>
                 </a:solidFill>
@@ -55810,13 +55870,13 @@
   <p:clrMapOvr>
     <a:masterClrMapping/>
   </p:clrMapOvr>
-  <mc:AlternateContent xmlns:mc="http://schemas.openxmlformats.org/markup-compatibility/2006">
-    <mc:Choice xmlns:p14="http://schemas.microsoft.com/office/powerpoint/2010/main" Requires="p14">
+  <mc:AlternateContent xmlns:mc="http://schemas.openxmlformats.org/markup-compatibility/2006" xmlns:p14="http://schemas.microsoft.com/office/powerpoint/2010/main">
+    <mc:Choice Requires="p14">
       <p:transition p14:dur="100">
         <p:cut/>
       </p:transition>
     </mc:Choice>
-    <mc:Fallback>
+    <mc:Fallback xmlns="">
       <p:transition>
         <p:cut/>
       </p:transition>
@@ -55920,13 +55980,13 @@
   <p:clrMapOvr>
     <a:masterClrMapping/>
   </p:clrMapOvr>
-  <mc:AlternateContent xmlns:mc="http://schemas.openxmlformats.org/markup-compatibility/2006">
-    <mc:Choice xmlns:p14="http://schemas.microsoft.com/office/powerpoint/2010/main" Requires="p14">
+  <mc:AlternateContent xmlns:mc="http://schemas.openxmlformats.org/markup-compatibility/2006" xmlns:p14="http://schemas.microsoft.com/office/powerpoint/2010/main">
+    <mc:Choice Requires="p14">
       <p:transition p14:dur="100">
         <p:cut/>
       </p:transition>
     </mc:Choice>
-    <mc:Fallback>
+    <mc:Fallback xmlns="">
       <p:transition>
         <p:cut/>
       </p:transition>
@@ -58336,13 +58396,13 @@
   <p:clrMapOvr>
     <a:masterClrMapping/>
   </p:clrMapOvr>
-  <mc:AlternateContent xmlns:mc="http://schemas.openxmlformats.org/markup-compatibility/2006">
-    <mc:Choice xmlns:p14="http://schemas.microsoft.com/office/powerpoint/2010/main" Requires="p14">
+  <mc:AlternateContent xmlns:mc="http://schemas.openxmlformats.org/markup-compatibility/2006" xmlns:p14="http://schemas.microsoft.com/office/powerpoint/2010/main">
+    <mc:Choice Requires="p14">
       <p:transition p14:dur="100">
         <p:cut/>
       </p:transition>
     </mc:Choice>
-    <mc:Fallback>
+    <mc:Fallback xmlns="">
       <p:transition>
         <p:cut/>
       </p:transition>
@@ -58446,13 +58506,13 @@
   <p:clrMapOvr>
     <a:masterClrMapping/>
   </p:clrMapOvr>
-  <mc:AlternateContent xmlns:mc="http://schemas.openxmlformats.org/markup-compatibility/2006">
-    <mc:Choice xmlns:p14="http://schemas.microsoft.com/office/powerpoint/2010/main" Requires="p14">
+  <mc:AlternateContent xmlns:mc="http://schemas.openxmlformats.org/markup-compatibility/2006" xmlns:p14="http://schemas.microsoft.com/office/powerpoint/2010/main">
+    <mc:Choice Requires="p14">
       <p:transition p14:dur="100">
         <p:cut/>
       </p:transition>
     </mc:Choice>
-    <mc:Fallback>
+    <mc:Fallback xmlns="">
       <p:transition>
         <p:cut/>
       </p:transition>
@@ -58870,13 +58930,13 @@
   <p:clrMapOvr>
     <a:masterClrMapping/>
   </p:clrMapOvr>
-  <mc:AlternateContent xmlns:mc="http://schemas.openxmlformats.org/markup-compatibility/2006">
-    <mc:Choice xmlns:p14="http://schemas.microsoft.com/office/powerpoint/2010/main" Requires="p14">
+  <mc:AlternateContent xmlns:mc="http://schemas.openxmlformats.org/markup-compatibility/2006" xmlns:p14="http://schemas.microsoft.com/office/powerpoint/2010/main">
+    <mc:Choice Requires="p14">
       <p:transition p14:dur="100">
         <p:cut/>
       </p:transition>
     </mc:Choice>
-    <mc:Fallback>
+    <mc:Fallback xmlns="">
       <p:transition>
         <p:cut/>
       </p:transition>
@@ -58996,13 +59056,13 @@
   <p:clrMapOvr>
     <a:masterClrMapping/>
   </p:clrMapOvr>
-  <mc:AlternateContent xmlns:mc="http://schemas.openxmlformats.org/markup-compatibility/2006">
-    <mc:Choice xmlns:p14="http://schemas.microsoft.com/office/powerpoint/2010/main" Requires="p14">
+  <mc:AlternateContent xmlns:mc="http://schemas.openxmlformats.org/markup-compatibility/2006" xmlns:p14="http://schemas.microsoft.com/office/powerpoint/2010/main">
+    <mc:Choice Requires="p14">
       <p:transition p14:dur="100">
         <p:cut/>
       </p:transition>
     </mc:Choice>
-    <mc:Fallback>
+    <mc:Fallback xmlns="">
       <p:transition>
         <p:cut/>
       </p:transition>
@@ -59423,13 +59483,13 @@
   <p:clrMapOvr>
     <a:masterClrMapping/>
   </p:clrMapOvr>
-  <mc:AlternateContent xmlns:mc="http://schemas.openxmlformats.org/markup-compatibility/2006">
-    <mc:Choice xmlns:p14="http://schemas.microsoft.com/office/powerpoint/2010/main" Requires="p14">
+  <mc:AlternateContent xmlns:mc="http://schemas.openxmlformats.org/markup-compatibility/2006" xmlns:p14="http://schemas.microsoft.com/office/powerpoint/2010/main">
+    <mc:Choice Requires="p14">
       <p:transition p14:dur="100">
         <p:cut/>
       </p:transition>
     </mc:Choice>
-    <mc:Fallback>
+    <mc:Fallback xmlns="">
       <p:transition>
         <p:cut/>
       </p:transition>
@@ -60000,13 +60060,13 @@
   <p:clrMapOvr>
     <a:masterClrMapping/>
   </p:clrMapOvr>
-  <mc:AlternateContent xmlns:mc="http://schemas.openxmlformats.org/markup-compatibility/2006">
-    <mc:Choice xmlns:p14="http://schemas.microsoft.com/office/powerpoint/2010/main" Requires="p14">
+  <mc:AlternateContent xmlns:mc="http://schemas.openxmlformats.org/markup-compatibility/2006" xmlns:p14="http://schemas.microsoft.com/office/powerpoint/2010/main">
+    <mc:Choice Requires="p14">
       <p:transition p14:dur="100">
         <p:cut/>
       </p:transition>
     </mc:Choice>
-    <mc:Fallback>
+    <mc:Fallback xmlns="">
       <p:transition>
         <p:cut/>
       </p:transition>
